--- a/ppt/객체지향 기본.pptx
+++ b/ppt/객체지향 기본.pptx
@@ -9,13 +9,20 @@
     <p:sldId id="257" r:id="rId3"/>
     <p:sldId id="258" r:id="rId4"/>
     <p:sldId id="259" r:id="rId5"/>
-    <p:sldId id="267" r:id="rId6"/>
-    <p:sldId id="260" r:id="rId7"/>
-    <p:sldId id="262" r:id="rId8"/>
-    <p:sldId id="263" r:id="rId9"/>
-    <p:sldId id="264" r:id="rId10"/>
-    <p:sldId id="265" r:id="rId11"/>
-    <p:sldId id="266" r:id="rId12"/>
+    <p:sldId id="274" r:id="rId6"/>
+    <p:sldId id="273" r:id="rId7"/>
+    <p:sldId id="267" r:id="rId8"/>
+    <p:sldId id="260" r:id="rId9"/>
+    <p:sldId id="262" r:id="rId10"/>
+    <p:sldId id="269" r:id="rId11"/>
+    <p:sldId id="263" r:id="rId12"/>
+    <p:sldId id="264" r:id="rId13"/>
+    <p:sldId id="266" r:id="rId14"/>
+    <p:sldId id="265" r:id="rId15"/>
+    <p:sldId id="268" r:id="rId16"/>
+    <p:sldId id="270" r:id="rId17"/>
+    <p:sldId id="271" r:id="rId18"/>
+    <p:sldId id="272" r:id="rId19"/>
   </p:sldIdLst>
   <p:sldSz cx="12192000" cy="6858000"/>
   <p:notesSz cx="6858000" cy="9144000"/>
@@ -248,7 +255,8 @@
           <a:p>
             <a:fld id="{0CB5E824-5845-48A5-8EAA-E1DA87E9BD8F}" type="datetimeFigureOut">
               <a:rPr lang="ko-KR" altLang="en-US" smtClean="0"/>
-              <a:t>2017-03-27</a:t>
+              <a:pPr/>
+              <a:t>2017-03-28</a:t>
             </a:fld>
             <a:endParaRPr lang="ko-KR" altLang="en-US"/>
           </a:p>
@@ -290,6 +298,7 @@
           <a:p>
             <a:fld id="{B9CBB7A5-AC3C-417D-89CD-AAE237ECA938}" type="slidenum">
               <a:rPr lang="ko-KR" altLang="en-US" smtClean="0"/>
+              <a:pPr/>
               <a:t>‹#›</a:t>
             </a:fld>
             <a:endParaRPr lang="ko-KR" altLang="en-US"/>
@@ -299,7 +308,7 @@
     </p:spTree>
     <p:extLst>
       <p:ext uri="{BB962C8B-B14F-4D97-AF65-F5344CB8AC3E}">
-        <p14:creationId xmlns:p14="http://schemas.microsoft.com/office/powerpoint/2010/main" val="2792418952"/>
+        <p14:creationId xmlns:p14="http://schemas.microsoft.com/office/powerpoint/2010/main" xmlns="" val="2792418952"/>
       </p:ext>
     </p:extLst>
   </p:cSld>
@@ -418,7 +427,8 @@
           <a:p>
             <a:fld id="{0CB5E824-5845-48A5-8EAA-E1DA87E9BD8F}" type="datetimeFigureOut">
               <a:rPr lang="ko-KR" altLang="en-US" smtClean="0"/>
-              <a:t>2017-03-27</a:t>
+              <a:pPr/>
+              <a:t>2017-03-28</a:t>
             </a:fld>
             <a:endParaRPr lang="ko-KR" altLang="en-US"/>
           </a:p>
@@ -460,6 +470,7 @@
           <a:p>
             <a:fld id="{B9CBB7A5-AC3C-417D-89CD-AAE237ECA938}" type="slidenum">
               <a:rPr lang="ko-KR" altLang="en-US" smtClean="0"/>
+              <a:pPr/>
               <a:t>‹#›</a:t>
             </a:fld>
             <a:endParaRPr lang="ko-KR" altLang="en-US"/>
@@ -469,7 +480,7 @@
     </p:spTree>
     <p:extLst>
       <p:ext uri="{BB962C8B-B14F-4D97-AF65-F5344CB8AC3E}">
-        <p14:creationId xmlns:p14="http://schemas.microsoft.com/office/powerpoint/2010/main" val="1578092052"/>
+        <p14:creationId xmlns:p14="http://schemas.microsoft.com/office/powerpoint/2010/main" xmlns="" val="1578092052"/>
       </p:ext>
     </p:extLst>
   </p:cSld>
@@ -598,7 +609,8 @@
           <a:p>
             <a:fld id="{0CB5E824-5845-48A5-8EAA-E1DA87E9BD8F}" type="datetimeFigureOut">
               <a:rPr lang="ko-KR" altLang="en-US" smtClean="0"/>
-              <a:t>2017-03-27</a:t>
+              <a:pPr/>
+              <a:t>2017-03-28</a:t>
             </a:fld>
             <a:endParaRPr lang="ko-KR" altLang="en-US"/>
           </a:p>
@@ -640,6 +652,7 @@
           <a:p>
             <a:fld id="{B9CBB7A5-AC3C-417D-89CD-AAE237ECA938}" type="slidenum">
               <a:rPr lang="ko-KR" altLang="en-US" smtClean="0"/>
+              <a:pPr/>
               <a:t>‹#›</a:t>
             </a:fld>
             <a:endParaRPr lang="ko-KR" altLang="en-US"/>
@@ -649,7 +662,7 @@
     </p:spTree>
     <p:extLst>
       <p:ext uri="{BB962C8B-B14F-4D97-AF65-F5344CB8AC3E}">
-        <p14:creationId xmlns:p14="http://schemas.microsoft.com/office/powerpoint/2010/main" val="1588137551"/>
+        <p14:creationId xmlns:p14="http://schemas.microsoft.com/office/powerpoint/2010/main" xmlns="" val="1588137551"/>
       </p:ext>
     </p:extLst>
   </p:cSld>
@@ -768,7 +781,8 @@
           <a:p>
             <a:fld id="{0CB5E824-5845-48A5-8EAA-E1DA87E9BD8F}" type="datetimeFigureOut">
               <a:rPr lang="ko-KR" altLang="en-US" smtClean="0"/>
-              <a:t>2017-03-27</a:t>
+              <a:pPr/>
+              <a:t>2017-03-28</a:t>
             </a:fld>
             <a:endParaRPr lang="ko-KR" altLang="en-US"/>
           </a:p>
@@ -810,6 +824,7 @@
           <a:p>
             <a:fld id="{B9CBB7A5-AC3C-417D-89CD-AAE237ECA938}" type="slidenum">
               <a:rPr lang="ko-KR" altLang="en-US" smtClean="0"/>
+              <a:pPr/>
               <a:t>‹#›</a:t>
             </a:fld>
             <a:endParaRPr lang="ko-KR" altLang="en-US"/>
@@ -819,7 +834,7 @@
     </p:spTree>
     <p:extLst>
       <p:ext uri="{BB962C8B-B14F-4D97-AF65-F5344CB8AC3E}">
-        <p14:creationId xmlns:p14="http://schemas.microsoft.com/office/powerpoint/2010/main" val="308707881"/>
+        <p14:creationId xmlns:p14="http://schemas.microsoft.com/office/powerpoint/2010/main" xmlns="" val="308707881"/>
       </p:ext>
     </p:extLst>
   </p:cSld>
@@ -1014,7 +1029,8 @@
           <a:p>
             <a:fld id="{0CB5E824-5845-48A5-8EAA-E1DA87E9BD8F}" type="datetimeFigureOut">
               <a:rPr lang="ko-KR" altLang="en-US" smtClean="0"/>
-              <a:t>2017-03-27</a:t>
+              <a:pPr/>
+              <a:t>2017-03-28</a:t>
             </a:fld>
             <a:endParaRPr lang="ko-KR" altLang="en-US"/>
           </a:p>
@@ -1056,6 +1072,7 @@
           <a:p>
             <a:fld id="{B9CBB7A5-AC3C-417D-89CD-AAE237ECA938}" type="slidenum">
               <a:rPr lang="ko-KR" altLang="en-US" smtClean="0"/>
+              <a:pPr/>
               <a:t>‹#›</a:t>
             </a:fld>
             <a:endParaRPr lang="ko-KR" altLang="en-US"/>
@@ -1065,7 +1082,7 @@
     </p:spTree>
     <p:extLst>
       <p:ext uri="{BB962C8B-B14F-4D97-AF65-F5344CB8AC3E}">
-        <p14:creationId xmlns:p14="http://schemas.microsoft.com/office/powerpoint/2010/main" val="2098445114"/>
+        <p14:creationId xmlns:p14="http://schemas.microsoft.com/office/powerpoint/2010/main" xmlns="" val="2098445114"/>
       </p:ext>
     </p:extLst>
   </p:cSld>
@@ -1246,7 +1263,8 @@
           <a:p>
             <a:fld id="{0CB5E824-5845-48A5-8EAA-E1DA87E9BD8F}" type="datetimeFigureOut">
               <a:rPr lang="ko-KR" altLang="en-US" smtClean="0"/>
-              <a:t>2017-03-27</a:t>
+              <a:pPr/>
+              <a:t>2017-03-28</a:t>
             </a:fld>
             <a:endParaRPr lang="ko-KR" altLang="en-US"/>
           </a:p>
@@ -1288,6 +1306,7 @@
           <a:p>
             <a:fld id="{B9CBB7A5-AC3C-417D-89CD-AAE237ECA938}" type="slidenum">
               <a:rPr lang="ko-KR" altLang="en-US" smtClean="0"/>
+              <a:pPr/>
               <a:t>‹#›</a:t>
             </a:fld>
             <a:endParaRPr lang="ko-KR" altLang="en-US"/>
@@ -1297,7 +1316,7 @@
     </p:spTree>
     <p:extLst>
       <p:ext uri="{BB962C8B-B14F-4D97-AF65-F5344CB8AC3E}">
-        <p14:creationId xmlns:p14="http://schemas.microsoft.com/office/powerpoint/2010/main" val="2610308729"/>
+        <p14:creationId xmlns:p14="http://schemas.microsoft.com/office/powerpoint/2010/main" xmlns="" val="2610308729"/>
       </p:ext>
     </p:extLst>
   </p:cSld>
@@ -1613,7 +1632,8 @@
           <a:p>
             <a:fld id="{0CB5E824-5845-48A5-8EAA-E1DA87E9BD8F}" type="datetimeFigureOut">
               <a:rPr lang="ko-KR" altLang="en-US" smtClean="0"/>
-              <a:t>2017-03-27</a:t>
+              <a:pPr/>
+              <a:t>2017-03-28</a:t>
             </a:fld>
             <a:endParaRPr lang="ko-KR" altLang="en-US"/>
           </a:p>
@@ -1655,6 +1675,7 @@
           <a:p>
             <a:fld id="{B9CBB7A5-AC3C-417D-89CD-AAE237ECA938}" type="slidenum">
               <a:rPr lang="ko-KR" altLang="en-US" smtClean="0"/>
+              <a:pPr/>
               <a:t>‹#›</a:t>
             </a:fld>
             <a:endParaRPr lang="ko-KR" altLang="en-US"/>
@@ -1664,7 +1685,7 @@
     </p:spTree>
     <p:extLst>
       <p:ext uri="{BB962C8B-B14F-4D97-AF65-F5344CB8AC3E}">
-        <p14:creationId xmlns:p14="http://schemas.microsoft.com/office/powerpoint/2010/main" val="511072283"/>
+        <p14:creationId xmlns:p14="http://schemas.microsoft.com/office/powerpoint/2010/main" xmlns="" val="511072283"/>
       </p:ext>
     </p:extLst>
   </p:cSld>
@@ -1731,7 +1752,8 @@
           <a:p>
             <a:fld id="{0CB5E824-5845-48A5-8EAA-E1DA87E9BD8F}" type="datetimeFigureOut">
               <a:rPr lang="ko-KR" altLang="en-US" smtClean="0"/>
-              <a:t>2017-03-27</a:t>
+              <a:pPr/>
+              <a:t>2017-03-28</a:t>
             </a:fld>
             <a:endParaRPr lang="ko-KR" altLang="en-US"/>
           </a:p>
@@ -1773,6 +1795,7 @@
           <a:p>
             <a:fld id="{B9CBB7A5-AC3C-417D-89CD-AAE237ECA938}" type="slidenum">
               <a:rPr lang="ko-KR" altLang="en-US" smtClean="0"/>
+              <a:pPr/>
               <a:t>‹#›</a:t>
             </a:fld>
             <a:endParaRPr lang="ko-KR" altLang="en-US"/>
@@ -1782,7 +1805,7 @@
     </p:spTree>
     <p:extLst>
       <p:ext uri="{BB962C8B-B14F-4D97-AF65-F5344CB8AC3E}">
-        <p14:creationId xmlns:p14="http://schemas.microsoft.com/office/powerpoint/2010/main" val="3774204228"/>
+        <p14:creationId xmlns:p14="http://schemas.microsoft.com/office/powerpoint/2010/main" xmlns="" val="3774204228"/>
       </p:ext>
     </p:extLst>
   </p:cSld>
@@ -1826,7 +1849,8 @@
           <a:p>
             <a:fld id="{0CB5E824-5845-48A5-8EAA-E1DA87E9BD8F}" type="datetimeFigureOut">
               <a:rPr lang="ko-KR" altLang="en-US" smtClean="0"/>
-              <a:t>2017-03-27</a:t>
+              <a:pPr/>
+              <a:t>2017-03-28</a:t>
             </a:fld>
             <a:endParaRPr lang="ko-KR" altLang="en-US"/>
           </a:p>
@@ -1868,6 +1892,7 @@
           <a:p>
             <a:fld id="{B9CBB7A5-AC3C-417D-89CD-AAE237ECA938}" type="slidenum">
               <a:rPr lang="ko-KR" altLang="en-US" smtClean="0"/>
+              <a:pPr/>
               <a:t>‹#›</a:t>
             </a:fld>
             <a:endParaRPr lang="ko-KR" altLang="en-US"/>
@@ -1877,7 +1902,7 @@
     </p:spTree>
     <p:extLst>
       <p:ext uri="{BB962C8B-B14F-4D97-AF65-F5344CB8AC3E}">
-        <p14:creationId xmlns:p14="http://schemas.microsoft.com/office/powerpoint/2010/main" val="443338674"/>
+        <p14:creationId xmlns:p14="http://schemas.microsoft.com/office/powerpoint/2010/main" xmlns="" val="443338674"/>
       </p:ext>
     </p:extLst>
   </p:cSld>
@@ -2103,7 +2128,8 @@
           <a:p>
             <a:fld id="{0CB5E824-5845-48A5-8EAA-E1DA87E9BD8F}" type="datetimeFigureOut">
               <a:rPr lang="ko-KR" altLang="en-US" smtClean="0"/>
-              <a:t>2017-03-27</a:t>
+              <a:pPr/>
+              <a:t>2017-03-28</a:t>
             </a:fld>
             <a:endParaRPr lang="ko-KR" altLang="en-US"/>
           </a:p>
@@ -2145,6 +2171,7 @@
           <a:p>
             <a:fld id="{B9CBB7A5-AC3C-417D-89CD-AAE237ECA938}" type="slidenum">
               <a:rPr lang="ko-KR" altLang="en-US" smtClean="0"/>
+              <a:pPr/>
               <a:t>‹#›</a:t>
             </a:fld>
             <a:endParaRPr lang="ko-KR" altLang="en-US"/>
@@ -2154,7 +2181,7 @@
     </p:spTree>
     <p:extLst>
       <p:ext uri="{BB962C8B-B14F-4D97-AF65-F5344CB8AC3E}">
-        <p14:creationId xmlns:p14="http://schemas.microsoft.com/office/powerpoint/2010/main" val="1681637629"/>
+        <p14:creationId xmlns:p14="http://schemas.microsoft.com/office/powerpoint/2010/main" xmlns="" val="1681637629"/>
       </p:ext>
     </p:extLst>
   </p:cSld>
@@ -2356,7 +2383,8 @@
           <a:p>
             <a:fld id="{0CB5E824-5845-48A5-8EAA-E1DA87E9BD8F}" type="datetimeFigureOut">
               <a:rPr lang="ko-KR" altLang="en-US" smtClean="0"/>
-              <a:t>2017-03-27</a:t>
+              <a:pPr/>
+              <a:t>2017-03-28</a:t>
             </a:fld>
             <a:endParaRPr lang="ko-KR" altLang="en-US"/>
           </a:p>
@@ -2398,6 +2426,7 @@
           <a:p>
             <a:fld id="{B9CBB7A5-AC3C-417D-89CD-AAE237ECA938}" type="slidenum">
               <a:rPr lang="ko-KR" altLang="en-US" smtClean="0"/>
+              <a:pPr/>
               <a:t>‹#›</a:t>
             </a:fld>
             <a:endParaRPr lang="ko-KR" altLang="en-US"/>
@@ -2407,7 +2436,7 @@
     </p:spTree>
     <p:extLst>
       <p:ext uri="{BB962C8B-B14F-4D97-AF65-F5344CB8AC3E}">
-        <p14:creationId xmlns:p14="http://schemas.microsoft.com/office/powerpoint/2010/main" val="97653498"/>
+        <p14:creationId xmlns:p14="http://schemas.microsoft.com/office/powerpoint/2010/main" xmlns="" val="97653498"/>
       </p:ext>
     </p:extLst>
   </p:cSld>
@@ -2569,7 +2598,8 @@
           <a:p>
             <a:fld id="{0CB5E824-5845-48A5-8EAA-E1DA87E9BD8F}" type="datetimeFigureOut">
               <a:rPr lang="ko-KR" altLang="en-US" smtClean="0"/>
-              <a:t>2017-03-27</a:t>
+              <a:pPr/>
+              <a:t>2017-03-28</a:t>
             </a:fld>
             <a:endParaRPr lang="ko-KR" altLang="en-US"/>
           </a:p>
@@ -2647,6 +2677,7 @@
           <a:p>
             <a:fld id="{B9CBB7A5-AC3C-417D-89CD-AAE237ECA938}" type="slidenum">
               <a:rPr lang="ko-KR" altLang="en-US" smtClean="0"/>
+              <a:pPr/>
               <a:t>‹#›</a:t>
             </a:fld>
             <a:endParaRPr lang="ko-KR" altLang="en-US"/>
@@ -2656,7 +2687,7 @@
     </p:spTree>
     <p:extLst>
       <p:ext uri="{BB962C8B-B14F-4D97-AF65-F5344CB8AC3E}">
-        <p14:creationId xmlns:p14="http://schemas.microsoft.com/office/powerpoint/2010/main" val="4172705351"/>
+        <p14:creationId xmlns:p14="http://schemas.microsoft.com/office/powerpoint/2010/main" xmlns="" val="4172705351"/>
       </p:ext>
     </p:extLst>
   </p:cSld>
@@ -3043,7 +3074,7 @@
     </p:spTree>
     <p:extLst>
       <p:ext uri="{BB962C8B-B14F-4D97-AF65-F5344CB8AC3E}">
-        <p14:creationId xmlns:p14="http://schemas.microsoft.com/office/powerpoint/2010/main" val="627368871"/>
+        <p14:creationId xmlns:p14="http://schemas.microsoft.com/office/powerpoint/2010/main" xmlns="" val="627368871"/>
       </p:ext>
     </p:extLst>
   </p:cSld>
@@ -3087,11 +3118,11 @@
           <a:p>
             <a:r>
               <a:rPr lang="ko-KR" altLang="en-US" dirty="0" smtClean="0"/>
-              <a:t>상속</a:t>
-            </a:r>
-            <a:r>
-              <a:rPr lang="en-US" altLang="ko-KR" dirty="0" smtClean="0"/>
-              <a:t>(inheritance)</a:t>
+              <a:t>추상 클래스 </a:t>
+            </a:r>
+            <a:r>
+              <a:rPr lang="en-US" altLang="ko-KR" dirty="0" smtClean="0"/>
+              <a:t>(abstract)</a:t>
             </a:r>
             <a:endParaRPr lang="ko-KR" altLang="en-US" dirty="0"/>
           </a:p>
@@ -3114,7 +3145,53 @@
           <a:p>
             <a:r>
               <a:rPr lang="ko-KR" altLang="en-US" dirty="0" smtClean="0"/>
-              <a:t>자바에서는 다중 상속을 지원하지 않는다</a:t>
+              <a:t>추상 </a:t>
+            </a:r>
+            <a:r>
+              <a:rPr lang="ko-KR" altLang="en-US" dirty="0" err="1" smtClean="0"/>
+              <a:t>메서드가</a:t>
+            </a:r>
+            <a:r>
+              <a:rPr lang="ko-KR" altLang="en-US" dirty="0" smtClean="0"/>
+              <a:t> 하나 이상 포함된 클래스</a:t>
+            </a:r>
+            <a:endParaRPr lang="en-US" altLang="ko-KR" dirty="0" smtClean="0"/>
+          </a:p>
+          <a:p>
+            <a:r>
+              <a:rPr lang="en-US" altLang="ko-KR" dirty="0" smtClean="0"/>
+              <a:t>Class </a:t>
+            </a:r>
+            <a:r>
+              <a:rPr lang="ko-KR" altLang="en-US" dirty="0" smtClean="0"/>
+              <a:t>앞에 </a:t>
+            </a:r>
+            <a:r>
+              <a:rPr lang="en-US" altLang="ko-KR" dirty="0" smtClean="0"/>
+              <a:t>abstract </a:t>
+            </a:r>
+            <a:r>
+              <a:rPr lang="ko-KR" altLang="en-US" dirty="0" smtClean="0"/>
+              <a:t>키워드를 붙여서 표현</a:t>
+            </a:r>
+            <a:endParaRPr lang="en-US" altLang="ko-KR" dirty="0" smtClean="0"/>
+          </a:p>
+          <a:p>
+            <a:r>
+              <a:rPr lang="en-US" altLang="ko-KR" dirty="0" smtClean="0"/>
+              <a:t>Abstract</a:t>
+            </a:r>
+            <a:r>
+              <a:rPr lang="ko-KR" altLang="en-US" dirty="0" smtClean="0"/>
+              <a:t>와 </a:t>
+            </a:r>
+            <a:r>
+              <a:rPr lang="en-US" altLang="ko-KR" dirty="0" smtClean="0"/>
+              <a:t>final </a:t>
+            </a:r>
+            <a:r>
+              <a:rPr lang="ko-KR" altLang="en-US" dirty="0" smtClean="0"/>
+              <a:t>키워드는 함께 사용할 수 없다</a:t>
             </a:r>
             <a:r>
               <a:rPr lang="en-US" altLang="ko-KR" dirty="0" smtClean="0"/>
@@ -3122,117 +3199,42 @@
             </a:r>
           </a:p>
           <a:p>
-            <a:pPr lvl="1"/>
-            <a:r>
-              <a:rPr lang="ko-KR" altLang="en-US" dirty="0" smtClean="0"/>
-              <a:t>다이아몬드 상속 문제 때문</a:t>
+            <a:r>
+              <a:rPr lang="en-US" altLang="ko-KR" dirty="0" smtClean="0"/>
+              <a:t>Abstract </a:t>
+            </a:r>
+            <a:r>
+              <a:rPr lang="ko-KR" altLang="en-US" dirty="0" err="1" smtClean="0"/>
+              <a:t>메서드는</a:t>
+            </a:r>
+            <a:r>
+              <a:rPr lang="ko-KR" altLang="en-US" dirty="0" smtClean="0"/>
+              <a:t> 하위 클래스에서 반드시 구현해야 함</a:t>
+            </a:r>
+            <a:endParaRPr lang="en-US" altLang="ko-KR" dirty="0" smtClean="0"/>
+          </a:p>
+          <a:p>
+            <a:r>
+              <a:rPr lang="ko-KR" altLang="en-US" dirty="0" smtClean="0"/>
+              <a:t>일반 클래스처럼 </a:t>
+            </a:r>
+            <a:r>
+              <a:rPr lang="en-US" altLang="ko-KR" dirty="0" smtClean="0"/>
+              <a:t>new </a:t>
+            </a:r>
+            <a:r>
+              <a:rPr lang="ko-KR" altLang="en-US" dirty="0" smtClean="0"/>
+              <a:t>키워드를 사용하여 생성할 수 없음</a:t>
             </a:r>
             <a:r>
               <a:rPr lang="en-US" altLang="ko-KR" dirty="0" smtClean="0"/>
               <a:t>.</a:t>
             </a:r>
-            <a:br>
-              <a:rPr lang="en-US" altLang="ko-KR" dirty="0" smtClean="0"/>
-            </a:br>
-            <a:r>
-              <a:rPr lang="en-US" altLang="ko-KR" dirty="0" smtClean="0"/>
-              <a:t/>
-            </a:r>
-            <a:br>
-              <a:rPr lang="en-US" altLang="ko-KR" dirty="0" smtClean="0"/>
-            </a:br>
-            <a:r>
-              <a:rPr lang="en-US" altLang="ko-KR" dirty="0" smtClean="0"/>
-              <a:t/>
-            </a:r>
-            <a:br>
-              <a:rPr lang="en-US" altLang="ko-KR" dirty="0" smtClean="0"/>
-            </a:br>
-            <a:r>
-              <a:rPr lang="en-US" altLang="ko-KR" dirty="0" smtClean="0"/>
-              <a:t/>
-            </a:r>
-            <a:br>
-              <a:rPr lang="en-US" altLang="ko-KR" dirty="0" smtClean="0"/>
-            </a:br>
-            <a:endParaRPr lang="en-US" altLang="ko-KR" dirty="0" smtClean="0"/>
-          </a:p>
-          <a:p>
-            <a:pPr lvl="1"/>
-            <a:r>
-              <a:rPr lang="ko-KR" altLang="en-US" dirty="0" smtClean="0"/>
-              <a:t>사람과 물고기를 확장하고 있는 인어에게 수영을 해보라고 한다면</a:t>
-            </a:r>
-            <a:r>
-              <a:rPr lang="en-US" altLang="ko-KR" dirty="0" smtClean="0"/>
-              <a:t>?</a:t>
-            </a:r>
-            <a:br>
-              <a:rPr lang="en-US" altLang="ko-KR" dirty="0" smtClean="0"/>
-            </a:br>
-            <a:r>
-              <a:rPr lang="ko-KR" altLang="en-US" dirty="0" smtClean="0"/>
-              <a:t>사람처럼 다리로 해야할지</a:t>
-            </a:r>
-            <a:r>
-              <a:rPr lang="en-US" altLang="ko-KR" dirty="0" smtClean="0"/>
-              <a:t>, </a:t>
-            </a:r>
-            <a:r>
-              <a:rPr lang="ko-KR" altLang="en-US" dirty="0" smtClean="0"/>
-              <a:t>물고기처럼 지느러미로 해야할지 알 수 없음</a:t>
-            </a:r>
-            <a:r>
-              <a:rPr lang="en-US" altLang="ko-KR" dirty="0" smtClean="0"/>
-              <a:t>.</a:t>
-            </a:r>
-          </a:p>
-          <a:p>
-            <a:pPr lvl="1"/>
-            <a:r>
-              <a:rPr lang="ko-KR" altLang="en-US" dirty="0" smtClean="0"/>
-              <a:t>이를 위해 다이아몬드 상속 문제를 일으키지 않는 인터페이스를 제공</a:t>
-            </a:r>
             <a:endParaRPr lang="ko-KR" altLang="en-US" dirty="0"/>
           </a:p>
         </p:txBody>
       </p:sp>
-      <p:pic>
-        <p:nvPicPr>
-          <p:cNvPr id="4" name="그림 3"/>
-          <p:cNvPicPr>
-            <a:picLocks noChangeAspect="1"/>
-          </p:cNvPicPr>
-          <p:nvPr/>
-        </p:nvPicPr>
-        <p:blipFill>
-          <a:blip r:embed="rId2">
-            <a:extLst>
-              <a:ext uri="{28A0092B-C50C-407E-A947-70E740481C1C}">
-                <a14:useLocalDpi xmlns:a14="http://schemas.microsoft.com/office/drawing/2010/main" val="0"/>
-              </a:ext>
-            </a:extLst>
-          </a:blip>
-          <a:stretch>
-            <a:fillRect/>
-          </a:stretch>
-        </p:blipFill>
-        <p:spPr>
-          <a:xfrm>
-            <a:off x="2386908" y="2777934"/>
-            <a:ext cx="2048161" cy="1086002"/>
-          </a:xfrm>
-          <a:prstGeom prst="rect">
-            <a:avLst/>
-          </a:prstGeom>
-        </p:spPr>
-      </p:pic>
     </p:spTree>
-    <p:extLst>
-      <p:ext uri="{BB962C8B-B14F-4D97-AF65-F5344CB8AC3E}">
-        <p14:creationId xmlns:p14="http://schemas.microsoft.com/office/powerpoint/2010/main" val="1899644605"/>
-      </p:ext>
-    </p:extLst>
   </p:cSld>
   <p:clrMapOvr>
     <a:masterClrMapping/>
@@ -3300,6 +3302,461 @@
           <a:lstStyle/>
           <a:p>
             <a:r>
+              <a:rPr lang="en-US" altLang="ko-KR" dirty="0" smtClean="0"/>
+              <a:t>OO </a:t>
+            </a:r>
+            <a:r>
+              <a:rPr lang="ko-KR" altLang="en-US" dirty="0" smtClean="0"/>
+              <a:t>에서의 상속은 계층도 또는 </a:t>
+            </a:r>
+            <a:r>
+              <a:rPr lang="ko-KR" altLang="en-US" dirty="0" err="1" smtClean="0"/>
+              <a:t>조직도가</a:t>
+            </a:r>
+            <a:r>
+              <a:rPr lang="ko-KR" altLang="en-US" dirty="0" smtClean="0"/>
+              <a:t> 아니다</a:t>
+            </a:r>
+            <a:r>
+              <a:rPr lang="en-US" altLang="ko-KR" dirty="0" smtClean="0"/>
+              <a:t>.</a:t>
+            </a:r>
+          </a:p>
+          <a:p>
+            <a:pPr lvl="1"/>
+            <a:r>
+              <a:rPr lang="ko-KR" altLang="en-US" dirty="0" err="1" smtClean="0"/>
+              <a:t>분류도로</a:t>
+            </a:r>
+            <a:r>
+              <a:rPr lang="ko-KR" altLang="en-US" dirty="0" smtClean="0"/>
+              <a:t> 생각해야 한다</a:t>
+            </a:r>
+            <a:r>
+              <a:rPr lang="en-US" altLang="ko-KR" dirty="0" smtClean="0"/>
+              <a:t>.</a:t>
+            </a:r>
+          </a:p>
+          <a:p>
+            <a:pPr lvl="1"/>
+            <a:r>
+              <a:rPr lang="ko-KR" altLang="en-US" dirty="0" err="1" smtClean="0"/>
+              <a:t>분류도를</a:t>
+            </a:r>
+            <a:r>
+              <a:rPr lang="ko-KR" altLang="en-US" dirty="0" smtClean="0"/>
+              <a:t> 영어로 하면 </a:t>
+            </a:r>
+            <a:r>
+              <a:rPr lang="en-US" altLang="ko-KR" dirty="0" err="1" smtClean="0"/>
+              <a:t>classfication</a:t>
+            </a:r>
+            <a:endParaRPr lang="en-US" altLang="ko-KR" dirty="0" smtClean="0"/>
+          </a:p>
+          <a:p>
+            <a:r>
+              <a:rPr lang="en-US" altLang="ko-KR" dirty="0" smtClean="0"/>
+              <a:t>OO </a:t>
+            </a:r>
+            <a:r>
+              <a:rPr lang="ko-KR" altLang="en-US" dirty="0" smtClean="0"/>
+              <a:t>에서의 상속은 확장이다</a:t>
+            </a:r>
+            <a:r>
+              <a:rPr lang="en-US" altLang="ko-KR" dirty="0" smtClean="0"/>
+              <a:t>.</a:t>
+            </a:r>
+          </a:p>
+          <a:p>
+            <a:pPr lvl="1"/>
+            <a:r>
+              <a:rPr lang="ko-KR" altLang="en-US" dirty="0" smtClean="0"/>
+              <a:t>자바에서의 상속에 해당하는 키워드는 </a:t>
+            </a:r>
+            <a:r>
+              <a:rPr lang="en-US" altLang="ko-KR" dirty="0" smtClean="0"/>
+              <a:t>extends</a:t>
+            </a:r>
+            <a:endParaRPr lang="ko-KR" altLang="en-US" dirty="0"/>
+          </a:p>
+        </p:txBody>
+      </p:sp>
+      <p:pic>
+        <p:nvPicPr>
+          <p:cNvPr id="4" name="그림 3"/>
+          <p:cNvPicPr>
+            <a:picLocks noChangeAspect="1"/>
+          </p:cNvPicPr>
+          <p:nvPr/>
+        </p:nvPicPr>
+        <p:blipFill rotWithShape="1">
+          <a:blip r:embed="rId2" cstate="print">
+            <a:extLst>
+              <a:ext uri="{28A0092B-C50C-407E-A947-70E740481C1C}">
+                <a14:useLocalDpi xmlns:a14="http://schemas.microsoft.com/office/drawing/2010/main" xmlns="" val="0"/>
+              </a:ext>
+            </a:extLst>
+          </a:blip>
+          <a:srcRect b="14231"/>
+          <a:stretch/>
+        </p:blipFill>
+        <p:spPr>
+          <a:xfrm>
+            <a:off x="1163782" y="4411025"/>
+            <a:ext cx="3952730" cy="1707143"/>
+          </a:xfrm>
+          <a:prstGeom prst="rect">
+            <a:avLst/>
+          </a:prstGeom>
+        </p:spPr>
+      </p:pic>
+      <p:pic>
+        <p:nvPicPr>
+          <p:cNvPr id="5" name="그림 4"/>
+          <p:cNvPicPr>
+            <a:picLocks noChangeAspect="1"/>
+          </p:cNvPicPr>
+          <p:nvPr/>
+        </p:nvPicPr>
+        <p:blipFill rotWithShape="1">
+          <a:blip r:embed="rId3" cstate="print">
+            <a:extLst>
+              <a:ext uri="{28A0092B-C50C-407E-A947-70E740481C1C}">
+                <a14:useLocalDpi xmlns:a14="http://schemas.microsoft.com/office/drawing/2010/main" xmlns="" val="0"/>
+              </a:ext>
+            </a:extLst>
+          </a:blip>
+          <a:srcRect b="14765"/>
+          <a:stretch/>
+        </p:blipFill>
+        <p:spPr>
+          <a:xfrm>
+            <a:off x="6567055" y="4327103"/>
+            <a:ext cx="4330351" cy="1874985"/>
+          </a:xfrm>
+          <a:prstGeom prst="rect">
+            <a:avLst/>
+          </a:prstGeom>
+        </p:spPr>
+      </p:pic>
+    </p:spTree>
+    <p:extLst>
+      <p:ext uri="{BB962C8B-B14F-4D97-AF65-F5344CB8AC3E}">
+        <p14:creationId xmlns:p14="http://schemas.microsoft.com/office/powerpoint/2010/main" xmlns="" val="2580275240"/>
+      </p:ext>
+    </p:extLst>
+  </p:cSld>
+  <p:clrMapOvr>
+    <a:masterClrMapping/>
+  </p:clrMapOvr>
+</p:sld>
+</file>
+
+<file path=ppt/slides/slide12.xml><?xml version="1.0" encoding="utf-8"?>
+<p:sld xmlns:a="http://schemas.openxmlformats.org/drawingml/2006/main" xmlns:r="http://schemas.openxmlformats.org/officeDocument/2006/relationships" xmlns:p="http://schemas.openxmlformats.org/presentationml/2006/main">
+  <p:cSld>
+    <p:spTree>
+      <p:nvGrpSpPr>
+        <p:cNvPr id="1" name=""/>
+        <p:cNvGrpSpPr/>
+        <p:nvPr/>
+      </p:nvGrpSpPr>
+      <p:grpSpPr>
+        <a:xfrm>
+          <a:off x="0" y="0"/>
+          <a:ext cx="0" cy="0"/>
+          <a:chOff x="0" y="0"/>
+          <a:chExt cx="0" cy="0"/>
+        </a:xfrm>
+      </p:grpSpPr>
+      <p:sp>
+        <p:nvSpPr>
+          <p:cNvPr id="2" name="제목 1"/>
+          <p:cNvSpPr>
+            <a:spLocks noGrp="1"/>
+          </p:cNvSpPr>
+          <p:nvPr>
+            <p:ph type="title"/>
+          </p:nvPr>
+        </p:nvSpPr>
+        <p:spPr/>
+        <p:txBody>
+          <a:bodyPr/>
+          <a:lstStyle/>
+          <a:p>
+            <a:r>
+              <a:rPr lang="ko-KR" altLang="en-US" dirty="0" smtClean="0"/>
+              <a:t>상속</a:t>
+            </a:r>
+            <a:r>
+              <a:rPr lang="en-US" altLang="ko-KR" dirty="0" smtClean="0"/>
+              <a:t>(inheritance)</a:t>
+            </a:r>
+            <a:endParaRPr lang="ko-KR" altLang="en-US" dirty="0"/>
+          </a:p>
+        </p:txBody>
+      </p:sp>
+      <p:sp>
+        <p:nvSpPr>
+          <p:cNvPr id="3" name="내용 개체 틀 2"/>
+          <p:cNvSpPr>
+            <a:spLocks noGrp="1"/>
+          </p:cNvSpPr>
+          <p:nvPr>
+            <p:ph idx="1"/>
+          </p:nvPr>
+        </p:nvSpPr>
+        <p:spPr>
+          <a:xfrm>
+            <a:off x="838200" y="3579611"/>
+            <a:ext cx="10515600" cy="2995757"/>
+          </a:xfrm>
+        </p:spPr>
+        <p:txBody>
+          <a:bodyPr>
+            <a:normAutofit/>
+          </a:bodyPr>
+          <a:lstStyle/>
+          <a:p>
+            <a:r>
+              <a:rPr lang="ko-KR" altLang="en-US" sz="2400" dirty="0" err="1" smtClean="0"/>
+              <a:t>분류도의</a:t>
+            </a:r>
+            <a:r>
+              <a:rPr lang="ko-KR" altLang="en-US" sz="2400" dirty="0" smtClean="0"/>
+              <a:t> 위로 올라갈 수록 추상적</a:t>
+            </a:r>
+            <a:r>
+              <a:rPr lang="en-US" altLang="ko-KR" sz="2400" dirty="0" smtClean="0"/>
+              <a:t>, </a:t>
+            </a:r>
+            <a:r>
+              <a:rPr lang="ko-KR" altLang="en-US" sz="2400" dirty="0" smtClean="0"/>
+              <a:t>아래로 내려올 수록 구체적</a:t>
+            </a:r>
+            <a:endParaRPr lang="en-US" altLang="ko-KR" sz="2400" dirty="0" smtClean="0"/>
+          </a:p>
+          <a:p>
+            <a:r>
+              <a:rPr lang="ko-KR" altLang="en-US" sz="2400" dirty="0" err="1" smtClean="0"/>
+              <a:t>계층도로</a:t>
+            </a:r>
+            <a:r>
+              <a:rPr lang="ko-KR" altLang="en-US" sz="2400" dirty="0" smtClean="0"/>
+              <a:t> 생각해보면 </a:t>
+            </a:r>
+            <a:r>
+              <a:rPr lang="en-US" altLang="ko-KR" sz="2400" dirty="0" smtClean="0"/>
+              <a:t>is a </a:t>
+            </a:r>
+            <a:r>
+              <a:rPr lang="ko-KR" altLang="en-US" sz="2400" dirty="0" smtClean="0"/>
+              <a:t>관계가 성립하지 않는다</a:t>
+            </a:r>
+            <a:r>
+              <a:rPr lang="en-US" altLang="ko-KR" sz="2400" dirty="0" smtClean="0"/>
+              <a:t>. </a:t>
+            </a:r>
+          </a:p>
+          <a:p>
+            <a:pPr lvl="1"/>
+            <a:r>
+              <a:rPr lang="ko-KR" altLang="en-US" sz="2000" dirty="0" smtClean="0"/>
+              <a:t>나는 아버지</a:t>
+            </a:r>
+            <a:r>
+              <a:rPr lang="en-US" altLang="ko-KR" sz="2000" dirty="0" smtClean="0"/>
+              <a:t>? </a:t>
+            </a:r>
+            <a:r>
+              <a:rPr lang="ko-KR" altLang="en-US" sz="2000" dirty="0" smtClean="0"/>
+              <a:t>아버지는 할아버지</a:t>
+            </a:r>
+            <a:r>
+              <a:rPr lang="en-US" altLang="ko-KR" sz="2000" dirty="0" smtClean="0"/>
+              <a:t>?</a:t>
+            </a:r>
+          </a:p>
+          <a:p>
+            <a:r>
+              <a:rPr lang="ko-KR" altLang="en-US" sz="2400" dirty="0" err="1" smtClean="0"/>
+              <a:t>분류도로</a:t>
+            </a:r>
+            <a:r>
+              <a:rPr lang="ko-KR" altLang="en-US" sz="2400" dirty="0" smtClean="0"/>
+              <a:t> 생각해보면 </a:t>
+            </a:r>
+            <a:r>
+              <a:rPr lang="en-US" altLang="ko-KR" sz="2400" dirty="0" smtClean="0"/>
+              <a:t>is a </a:t>
+            </a:r>
+            <a:r>
+              <a:rPr lang="ko-KR" altLang="en-US" sz="2400" dirty="0" smtClean="0"/>
+              <a:t>관계가 성립한다</a:t>
+            </a:r>
+            <a:r>
+              <a:rPr lang="en-US" altLang="ko-KR" sz="2400" dirty="0" smtClean="0"/>
+              <a:t>.</a:t>
+            </a:r>
+          </a:p>
+          <a:p>
+            <a:pPr lvl="1"/>
+            <a:r>
+              <a:rPr lang="ko-KR" altLang="en-US" sz="2000" dirty="0" smtClean="0"/>
+              <a:t>고래는 포유류</a:t>
+            </a:r>
+            <a:r>
+              <a:rPr lang="en-US" altLang="ko-KR" sz="2000" dirty="0" smtClean="0"/>
+              <a:t>, </a:t>
+            </a:r>
+            <a:r>
+              <a:rPr lang="ko-KR" altLang="en-US" sz="2000" dirty="0" smtClean="0"/>
+              <a:t>포유류는 동물</a:t>
+            </a:r>
+            <a:r>
+              <a:rPr lang="en-US" altLang="ko-KR" sz="2000" dirty="0" smtClean="0"/>
+              <a:t>.</a:t>
+            </a:r>
+          </a:p>
+          <a:p>
+            <a:pPr lvl="1"/>
+            <a:endParaRPr lang="en-US" altLang="ko-KR" sz="2000" dirty="0"/>
+          </a:p>
+          <a:p>
+            <a:r>
+              <a:rPr lang="ko-KR" altLang="en-US" sz="2400" dirty="0" smtClean="0"/>
+              <a:t>즉</a:t>
+            </a:r>
+            <a:r>
+              <a:rPr lang="en-US" altLang="ko-KR" sz="2400" dirty="0" smtClean="0"/>
+              <a:t>, </a:t>
+            </a:r>
+            <a:r>
+              <a:rPr lang="ko-KR" altLang="en-US" sz="2400" dirty="0" smtClean="0"/>
+              <a:t>하위클래스는 상위클래스이다</a:t>
+            </a:r>
+            <a:r>
+              <a:rPr lang="en-US" altLang="ko-KR" sz="2400" dirty="0" smtClean="0"/>
+              <a:t>. (LSP – </a:t>
+            </a:r>
+            <a:r>
+              <a:rPr lang="ko-KR" altLang="en-US" sz="2400" dirty="0" err="1" smtClean="0"/>
+              <a:t>리스코프</a:t>
+            </a:r>
+            <a:r>
+              <a:rPr lang="ko-KR" altLang="en-US" sz="2400" dirty="0" smtClean="0"/>
+              <a:t> 치환 원칙</a:t>
+            </a:r>
+            <a:r>
+              <a:rPr lang="en-US" altLang="ko-KR" sz="2400" dirty="0" smtClean="0"/>
+              <a:t>)</a:t>
+            </a:r>
+            <a:endParaRPr lang="en-US" altLang="ko-KR" sz="2400" dirty="0"/>
+          </a:p>
+        </p:txBody>
+      </p:sp>
+      <p:pic>
+        <p:nvPicPr>
+          <p:cNvPr id="4" name="그림 3"/>
+          <p:cNvPicPr>
+            <a:picLocks noChangeAspect="1"/>
+          </p:cNvPicPr>
+          <p:nvPr/>
+        </p:nvPicPr>
+        <p:blipFill rotWithShape="1">
+          <a:blip r:embed="rId2" cstate="print">
+            <a:extLst>
+              <a:ext uri="{28A0092B-C50C-407E-A947-70E740481C1C}">
+                <a14:useLocalDpi xmlns:a14="http://schemas.microsoft.com/office/drawing/2010/main" xmlns="" val="0"/>
+              </a:ext>
+            </a:extLst>
+          </a:blip>
+          <a:srcRect b="17524"/>
+          <a:stretch/>
+        </p:blipFill>
+        <p:spPr>
+          <a:xfrm>
+            <a:off x="3000894" y="1690688"/>
+            <a:ext cx="5667980" cy="1646018"/>
+          </a:xfrm>
+          <a:prstGeom prst="rect">
+            <a:avLst/>
+          </a:prstGeom>
+        </p:spPr>
+      </p:pic>
+    </p:spTree>
+    <p:extLst>
+      <p:ext uri="{BB962C8B-B14F-4D97-AF65-F5344CB8AC3E}">
+        <p14:creationId xmlns:p14="http://schemas.microsoft.com/office/powerpoint/2010/main" xmlns="" val="1297378864"/>
+      </p:ext>
+    </p:extLst>
+  </p:cSld>
+  <p:clrMapOvr>
+    <a:masterClrMapping/>
+  </p:clrMapOvr>
+</p:sld>
+</file>
+
+<file path=ppt/slides/slide13.xml><?xml version="1.0" encoding="utf-8"?>
+<p:sld xmlns:a="http://schemas.openxmlformats.org/drawingml/2006/main" xmlns:r="http://schemas.openxmlformats.org/officeDocument/2006/relationships" xmlns:p="http://schemas.openxmlformats.org/presentationml/2006/main">
+  <p:cSld>
+    <p:spTree>
+      <p:nvGrpSpPr>
+        <p:cNvPr id="1" name=""/>
+        <p:cNvGrpSpPr/>
+        <p:nvPr/>
+      </p:nvGrpSpPr>
+      <p:grpSpPr>
+        <a:xfrm>
+          <a:off x="0" y="0"/>
+          <a:ext cx="0" cy="0"/>
+          <a:chOff x="0" y="0"/>
+          <a:chExt cx="0" cy="0"/>
+        </a:xfrm>
+      </p:grpSpPr>
+      <p:sp>
+        <p:nvSpPr>
+          <p:cNvPr id="2" name="제목 1"/>
+          <p:cNvSpPr>
+            <a:spLocks noGrp="1"/>
+          </p:cNvSpPr>
+          <p:nvPr>
+            <p:ph type="title"/>
+          </p:nvPr>
+        </p:nvSpPr>
+        <p:spPr/>
+        <p:txBody>
+          <a:bodyPr/>
+          <a:lstStyle/>
+          <a:p>
+            <a:r>
+              <a:rPr lang="ko-KR" altLang="en-US" dirty="0" smtClean="0"/>
+              <a:t>상속</a:t>
+            </a:r>
+            <a:r>
+              <a:rPr lang="en-US" altLang="ko-KR" dirty="0" smtClean="0"/>
+              <a:t>(inheritance)</a:t>
+            </a:r>
+            <a:endParaRPr lang="ko-KR" altLang="en-US" dirty="0"/>
+          </a:p>
+        </p:txBody>
+      </p:sp>
+      <p:sp>
+        <p:nvSpPr>
+          <p:cNvPr id="3" name="내용 개체 틀 2"/>
+          <p:cNvSpPr>
+            <a:spLocks noGrp="1"/>
+          </p:cNvSpPr>
+          <p:nvPr>
+            <p:ph idx="1"/>
+          </p:nvPr>
+        </p:nvSpPr>
+        <p:spPr/>
+        <p:txBody>
+          <a:bodyPr/>
+          <a:lstStyle/>
+          <a:p>
+            <a:r>
               <a:rPr lang="ko-KR" altLang="en-US" dirty="0" smtClean="0"/>
               <a:t>하위 클래스를 생성하면 메모리에 상위클래스도 함께 적재된다</a:t>
             </a:r>
@@ -3320,10 +3777,10 @@
           <p:nvPr/>
         </p:nvPicPr>
         <p:blipFill>
-          <a:blip r:embed="rId2">
+          <a:blip r:embed="rId2" cstate="print">
             <a:extLst>
               <a:ext uri="{28A0092B-C50C-407E-A947-70E740481C1C}">
-                <a14:useLocalDpi xmlns:a14="http://schemas.microsoft.com/office/drawing/2010/main" val="0"/>
+                <a14:useLocalDpi xmlns:a14="http://schemas.microsoft.com/office/drawing/2010/main" xmlns="" val="0"/>
               </a:ext>
             </a:extLst>
           </a:blip>
@@ -3350,10 +3807,10 @@
           <p:nvPr/>
         </p:nvPicPr>
         <p:blipFill>
-          <a:blip r:embed="rId3">
+          <a:blip r:embed="rId3" cstate="print">
             <a:extLst>
               <a:ext uri="{28A0092B-C50C-407E-A947-70E740481C1C}">
-                <a14:useLocalDpi xmlns:a14="http://schemas.microsoft.com/office/drawing/2010/main" val="0"/>
+                <a14:useLocalDpi xmlns:a14="http://schemas.microsoft.com/office/drawing/2010/main" xmlns="" val="0"/>
               </a:ext>
             </a:extLst>
           </a:blip>
@@ -3374,9 +3831,829 @@
     </p:spTree>
     <p:extLst>
       <p:ext uri="{BB962C8B-B14F-4D97-AF65-F5344CB8AC3E}">
-        <p14:creationId xmlns:p14="http://schemas.microsoft.com/office/powerpoint/2010/main" val="1491116110"/>
+        <p14:creationId xmlns:p14="http://schemas.microsoft.com/office/powerpoint/2010/main" xmlns="" val="1491116110"/>
       </p:ext>
     </p:extLst>
+  </p:cSld>
+  <p:clrMapOvr>
+    <a:masterClrMapping/>
+  </p:clrMapOvr>
+</p:sld>
+</file>
+
+<file path=ppt/slides/slide14.xml><?xml version="1.0" encoding="utf-8"?>
+<p:sld xmlns:a="http://schemas.openxmlformats.org/drawingml/2006/main" xmlns:r="http://schemas.openxmlformats.org/officeDocument/2006/relationships" xmlns:p="http://schemas.openxmlformats.org/presentationml/2006/main">
+  <p:cSld>
+    <p:spTree>
+      <p:nvGrpSpPr>
+        <p:cNvPr id="1" name=""/>
+        <p:cNvGrpSpPr/>
+        <p:nvPr/>
+      </p:nvGrpSpPr>
+      <p:grpSpPr>
+        <a:xfrm>
+          <a:off x="0" y="0"/>
+          <a:ext cx="0" cy="0"/>
+          <a:chOff x="0" y="0"/>
+          <a:chExt cx="0" cy="0"/>
+        </a:xfrm>
+      </p:grpSpPr>
+      <p:sp>
+        <p:nvSpPr>
+          <p:cNvPr id="2" name="제목 1"/>
+          <p:cNvSpPr>
+            <a:spLocks noGrp="1"/>
+          </p:cNvSpPr>
+          <p:nvPr>
+            <p:ph type="title"/>
+          </p:nvPr>
+        </p:nvSpPr>
+        <p:spPr/>
+        <p:txBody>
+          <a:bodyPr/>
+          <a:lstStyle/>
+          <a:p>
+            <a:r>
+              <a:rPr lang="ko-KR" altLang="en-US" dirty="0" smtClean="0"/>
+              <a:t>상속</a:t>
+            </a:r>
+            <a:r>
+              <a:rPr lang="en-US" altLang="ko-KR" dirty="0" smtClean="0"/>
+              <a:t>(inheritance)</a:t>
+            </a:r>
+            <a:endParaRPr lang="ko-KR" altLang="en-US" dirty="0"/>
+          </a:p>
+        </p:txBody>
+      </p:sp>
+      <p:sp>
+        <p:nvSpPr>
+          <p:cNvPr id="3" name="내용 개체 틀 2"/>
+          <p:cNvSpPr>
+            <a:spLocks noGrp="1"/>
+          </p:cNvSpPr>
+          <p:nvPr>
+            <p:ph idx="1"/>
+          </p:nvPr>
+        </p:nvSpPr>
+        <p:spPr/>
+        <p:txBody>
+          <a:bodyPr/>
+          <a:lstStyle/>
+          <a:p>
+            <a:r>
+              <a:rPr lang="ko-KR" altLang="en-US" dirty="0" smtClean="0"/>
+              <a:t>자바에서는 다중 상속을 지원하지 않는다</a:t>
+            </a:r>
+            <a:r>
+              <a:rPr lang="en-US" altLang="ko-KR" dirty="0" smtClean="0"/>
+              <a:t>.</a:t>
+            </a:r>
+          </a:p>
+          <a:p>
+            <a:pPr lvl="1"/>
+            <a:r>
+              <a:rPr lang="ko-KR" altLang="en-US" dirty="0" smtClean="0"/>
+              <a:t>다이아몬드 상속 문제 때문</a:t>
+            </a:r>
+            <a:r>
+              <a:rPr lang="en-US" altLang="ko-KR" dirty="0" smtClean="0"/>
+              <a:t>.</a:t>
+            </a:r>
+            <a:br>
+              <a:rPr lang="en-US" altLang="ko-KR" dirty="0" smtClean="0"/>
+            </a:br>
+            <a:r>
+              <a:rPr lang="en-US" altLang="ko-KR" dirty="0" smtClean="0"/>
+              <a:t/>
+            </a:r>
+            <a:br>
+              <a:rPr lang="en-US" altLang="ko-KR" dirty="0" smtClean="0"/>
+            </a:br>
+            <a:r>
+              <a:rPr lang="en-US" altLang="ko-KR" dirty="0" smtClean="0"/>
+              <a:t/>
+            </a:r>
+            <a:br>
+              <a:rPr lang="en-US" altLang="ko-KR" dirty="0" smtClean="0"/>
+            </a:br>
+            <a:r>
+              <a:rPr lang="en-US" altLang="ko-KR" dirty="0" smtClean="0"/>
+              <a:t/>
+            </a:r>
+            <a:br>
+              <a:rPr lang="en-US" altLang="ko-KR" dirty="0" smtClean="0"/>
+            </a:br>
+            <a:endParaRPr lang="en-US" altLang="ko-KR" dirty="0" smtClean="0"/>
+          </a:p>
+          <a:p>
+            <a:pPr lvl="1"/>
+            <a:r>
+              <a:rPr lang="ko-KR" altLang="en-US" dirty="0" smtClean="0"/>
+              <a:t>사람과 물고기를 확장하고 있는 인어에게 수영을 해보라고 한다면</a:t>
+            </a:r>
+            <a:r>
+              <a:rPr lang="en-US" altLang="ko-KR" dirty="0" smtClean="0"/>
+              <a:t>?</a:t>
+            </a:r>
+            <a:br>
+              <a:rPr lang="en-US" altLang="ko-KR" dirty="0" smtClean="0"/>
+            </a:br>
+            <a:r>
+              <a:rPr lang="ko-KR" altLang="en-US" dirty="0" smtClean="0"/>
+              <a:t>사람처럼 다리로 해야할지</a:t>
+            </a:r>
+            <a:r>
+              <a:rPr lang="en-US" altLang="ko-KR" dirty="0" smtClean="0"/>
+              <a:t>, </a:t>
+            </a:r>
+            <a:r>
+              <a:rPr lang="ko-KR" altLang="en-US" dirty="0" smtClean="0"/>
+              <a:t>물고기처럼 지느러미로 해야할지 알 수 없음</a:t>
+            </a:r>
+            <a:r>
+              <a:rPr lang="en-US" altLang="ko-KR" dirty="0" smtClean="0"/>
+              <a:t>.</a:t>
+            </a:r>
+          </a:p>
+          <a:p>
+            <a:pPr lvl="1"/>
+            <a:r>
+              <a:rPr lang="ko-KR" altLang="en-US" dirty="0" smtClean="0"/>
+              <a:t>이를 위해 다이아몬드 상속 문제를 일으키지 않는 인터페이스를 제공</a:t>
+            </a:r>
+            <a:endParaRPr lang="ko-KR" altLang="en-US" dirty="0"/>
+          </a:p>
+        </p:txBody>
+      </p:sp>
+      <p:pic>
+        <p:nvPicPr>
+          <p:cNvPr id="4" name="그림 3"/>
+          <p:cNvPicPr>
+            <a:picLocks noChangeAspect="1"/>
+          </p:cNvPicPr>
+          <p:nvPr/>
+        </p:nvPicPr>
+        <p:blipFill>
+          <a:blip r:embed="rId2" cstate="print">
+            <a:extLst>
+              <a:ext uri="{28A0092B-C50C-407E-A947-70E740481C1C}">
+                <a14:useLocalDpi xmlns:a14="http://schemas.microsoft.com/office/drawing/2010/main" xmlns="" val="0"/>
+              </a:ext>
+            </a:extLst>
+          </a:blip>
+          <a:stretch>
+            <a:fillRect/>
+          </a:stretch>
+        </p:blipFill>
+        <p:spPr>
+          <a:xfrm>
+            <a:off x="2386908" y="2777934"/>
+            <a:ext cx="2048161" cy="1086002"/>
+          </a:xfrm>
+          <a:prstGeom prst="rect">
+            <a:avLst/>
+          </a:prstGeom>
+        </p:spPr>
+      </p:pic>
+    </p:spTree>
+    <p:extLst>
+      <p:ext uri="{BB962C8B-B14F-4D97-AF65-F5344CB8AC3E}">
+        <p14:creationId xmlns:p14="http://schemas.microsoft.com/office/powerpoint/2010/main" xmlns="" val="1899644605"/>
+      </p:ext>
+    </p:extLst>
+  </p:cSld>
+  <p:clrMapOvr>
+    <a:masterClrMapping/>
+  </p:clrMapOvr>
+</p:sld>
+</file>
+
+<file path=ppt/slides/slide15.xml><?xml version="1.0" encoding="utf-8"?>
+<p:sld xmlns:a="http://schemas.openxmlformats.org/drawingml/2006/main" xmlns:r="http://schemas.openxmlformats.org/officeDocument/2006/relationships" xmlns:p="http://schemas.openxmlformats.org/presentationml/2006/main">
+  <p:cSld>
+    <p:spTree>
+      <p:nvGrpSpPr>
+        <p:cNvPr id="1" name=""/>
+        <p:cNvGrpSpPr/>
+        <p:nvPr/>
+      </p:nvGrpSpPr>
+      <p:grpSpPr>
+        <a:xfrm>
+          <a:off x="0" y="0"/>
+          <a:ext cx="0" cy="0"/>
+          <a:chOff x="0" y="0"/>
+          <a:chExt cx="0" cy="0"/>
+        </a:xfrm>
+      </p:grpSpPr>
+      <p:sp>
+        <p:nvSpPr>
+          <p:cNvPr id="2" name="제목 1"/>
+          <p:cNvSpPr>
+            <a:spLocks noGrp="1"/>
+          </p:cNvSpPr>
+          <p:nvPr>
+            <p:ph type="title"/>
+          </p:nvPr>
+        </p:nvSpPr>
+        <p:spPr/>
+        <p:txBody>
+          <a:bodyPr/>
+          <a:lstStyle/>
+          <a:p>
+            <a:r>
+              <a:rPr lang="ko-KR" altLang="en-US" dirty="0" smtClean="0"/>
+              <a:t>인터페이</a:t>
+            </a:r>
+            <a:r>
+              <a:rPr lang="ko-KR" altLang="en-US" dirty="0" smtClean="0"/>
+              <a:t>스</a:t>
+            </a:r>
+            <a:endParaRPr lang="ko-KR" altLang="en-US" dirty="0"/>
+          </a:p>
+        </p:txBody>
+      </p:sp>
+      <p:sp>
+        <p:nvSpPr>
+          <p:cNvPr id="3" name="내용 개체 틀 2"/>
+          <p:cNvSpPr>
+            <a:spLocks noGrp="1"/>
+          </p:cNvSpPr>
+          <p:nvPr>
+            <p:ph idx="1"/>
+          </p:nvPr>
+        </p:nvSpPr>
+        <p:spPr/>
+        <p:txBody>
+          <a:bodyPr/>
+          <a:lstStyle/>
+          <a:p>
+            <a:r>
+              <a:rPr lang="ko-KR" altLang="en-US" dirty="0" smtClean="0"/>
+              <a:t>다중 상속이 가지는 단점을 제외하고 장점만 가져옴</a:t>
+            </a:r>
+            <a:r>
+              <a:rPr lang="en-US" altLang="ko-KR" dirty="0" smtClean="0"/>
+              <a:t>.</a:t>
+            </a:r>
+          </a:p>
+          <a:p>
+            <a:r>
+              <a:rPr lang="ko-KR" altLang="en-US" dirty="0" smtClean="0"/>
+              <a:t>인터페이스의 </a:t>
+            </a:r>
+            <a:r>
+              <a:rPr lang="ko-KR" altLang="en-US" dirty="0" err="1" smtClean="0"/>
+              <a:t>메서드들은</a:t>
+            </a:r>
+            <a:r>
+              <a:rPr lang="ko-KR" altLang="en-US" dirty="0" smtClean="0"/>
+              <a:t> 전부 추상 </a:t>
+            </a:r>
+            <a:r>
+              <a:rPr lang="ko-KR" altLang="en-US" dirty="0" err="1" smtClean="0"/>
+              <a:t>메서드</a:t>
+            </a:r>
+            <a:endParaRPr lang="en-US" altLang="ko-KR" dirty="0" smtClean="0"/>
+          </a:p>
+          <a:p>
+            <a:r>
+              <a:rPr lang="ko-KR" altLang="en-US" dirty="0" smtClean="0"/>
+              <a:t>일반 클래스처럼 </a:t>
+            </a:r>
+            <a:r>
+              <a:rPr lang="en-US" altLang="ko-KR" dirty="0" smtClean="0"/>
+              <a:t>new </a:t>
+            </a:r>
+            <a:r>
+              <a:rPr lang="ko-KR" altLang="en-US" dirty="0" smtClean="0"/>
+              <a:t>키워드로 생성될 수 없음</a:t>
+            </a:r>
+            <a:r>
+              <a:rPr lang="en-US" altLang="ko-KR" dirty="0" smtClean="0"/>
+              <a:t>.</a:t>
+            </a:r>
+          </a:p>
+          <a:p>
+            <a:endParaRPr lang="ko-KR" altLang="en-US" dirty="0"/>
+          </a:p>
+        </p:txBody>
+      </p:sp>
+    </p:spTree>
+  </p:cSld>
+  <p:clrMapOvr>
+    <a:masterClrMapping/>
+  </p:clrMapOvr>
+</p:sld>
+</file>
+
+<file path=ppt/slides/slide16.xml><?xml version="1.0" encoding="utf-8"?>
+<p:sld xmlns:a="http://schemas.openxmlformats.org/drawingml/2006/main" xmlns:r="http://schemas.openxmlformats.org/officeDocument/2006/relationships" xmlns:p="http://schemas.openxmlformats.org/presentationml/2006/main">
+  <p:cSld>
+    <p:spTree>
+      <p:nvGrpSpPr>
+        <p:cNvPr id="1" name=""/>
+        <p:cNvGrpSpPr/>
+        <p:nvPr/>
+      </p:nvGrpSpPr>
+      <p:grpSpPr>
+        <a:xfrm>
+          <a:off x="0" y="0"/>
+          <a:ext cx="0" cy="0"/>
+          <a:chOff x="0" y="0"/>
+          <a:chExt cx="0" cy="0"/>
+        </a:xfrm>
+      </p:grpSpPr>
+      <p:sp>
+        <p:nvSpPr>
+          <p:cNvPr id="2" name="제목 1"/>
+          <p:cNvSpPr>
+            <a:spLocks noGrp="1"/>
+          </p:cNvSpPr>
+          <p:nvPr>
+            <p:ph type="title"/>
+          </p:nvPr>
+        </p:nvSpPr>
+        <p:spPr/>
+        <p:txBody>
+          <a:bodyPr/>
+          <a:lstStyle/>
+          <a:p>
+            <a:r>
+              <a:rPr lang="ko-KR" altLang="en-US" dirty="0" smtClean="0"/>
+              <a:t>추상클래스 </a:t>
+            </a:r>
+            <a:r>
+              <a:rPr lang="en-US" altLang="ko-KR" dirty="0" err="1" smtClean="0"/>
+              <a:t>vs</a:t>
+            </a:r>
+            <a:r>
+              <a:rPr lang="en-US" altLang="ko-KR" dirty="0" smtClean="0"/>
+              <a:t> </a:t>
+            </a:r>
+            <a:r>
+              <a:rPr lang="ko-KR" altLang="en-US" dirty="0" smtClean="0"/>
+              <a:t>인터페이스</a:t>
+            </a:r>
+            <a:endParaRPr lang="ko-KR" altLang="en-US" dirty="0"/>
+          </a:p>
+        </p:txBody>
+      </p:sp>
+      <p:sp>
+        <p:nvSpPr>
+          <p:cNvPr id="3" name="내용 개체 틀 2"/>
+          <p:cNvSpPr>
+            <a:spLocks noGrp="1"/>
+          </p:cNvSpPr>
+          <p:nvPr>
+            <p:ph idx="1"/>
+          </p:nvPr>
+        </p:nvSpPr>
+        <p:spPr/>
+        <p:txBody>
+          <a:bodyPr>
+            <a:normAutofit fontScale="92500" lnSpcReduction="20000"/>
+          </a:bodyPr>
+          <a:lstStyle/>
+          <a:p>
+            <a:pPr>
+              <a:lnSpc>
+                <a:spcPct val="150000"/>
+              </a:lnSpc>
+            </a:pPr>
+            <a:r>
+              <a:rPr lang="ko-KR" altLang="en-US" sz="2400" dirty="0" smtClean="0"/>
+              <a:t>추상 클래스는 </a:t>
+            </a:r>
+            <a:r>
+              <a:rPr lang="en-US" altLang="ko-KR" sz="2400" dirty="0" smtClean="0"/>
+              <a:t>extends, </a:t>
+            </a:r>
+            <a:r>
+              <a:rPr lang="ko-KR" altLang="en-US" sz="2400" dirty="0" smtClean="0"/>
+              <a:t>인터페이스는 </a:t>
+            </a:r>
+            <a:r>
+              <a:rPr lang="en-US" altLang="ko-KR" sz="2400" dirty="0" smtClean="0"/>
+              <a:t>implements </a:t>
+            </a:r>
+            <a:r>
+              <a:rPr lang="ko-KR" altLang="en-US" sz="2400" dirty="0" smtClean="0"/>
+              <a:t>키워드 사용</a:t>
+            </a:r>
+            <a:endParaRPr lang="en-US" altLang="ko-KR" sz="2400" dirty="0" smtClean="0"/>
+          </a:p>
+          <a:p>
+            <a:pPr>
+              <a:lnSpc>
+                <a:spcPct val="150000"/>
+              </a:lnSpc>
+            </a:pPr>
+            <a:r>
+              <a:rPr lang="ko-KR" altLang="en-US" sz="2400" dirty="0" smtClean="0"/>
+              <a:t>추상 클래스는 필드를 가질 수 있지만 인터페이스는 불가능</a:t>
+            </a:r>
+            <a:endParaRPr lang="en-US" altLang="ko-KR" sz="2400" dirty="0" smtClean="0"/>
+          </a:p>
+          <a:p>
+            <a:pPr lvl="1">
+              <a:lnSpc>
+                <a:spcPct val="150000"/>
+              </a:lnSpc>
+            </a:pPr>
+            <a:r>
+              <a:rPr lang="en-US" altLang="ko-KR" sz="2000" dirty="0" smtClean="0"/>
+              <a:t>Static </a:t>
+            </a:r>
+            <a:r>
+              <a:rPr lang="ko-KR" altLang="en-US" sz="2000" dirty="0" smtClean="0"/>
+              <a:t>변수는 가질 수 있음</a:t>
+            </a:r>
+            <a:r>
+              <a:rPr lang="en-US" altLang="ko-KR" sz="2000" dirty="0" smtClean="0"/>
+              <a:t>.</a:t>
+            </a:r>
+          </a:p>
+          <a:p>
+            <a:pPr>
+              <a:lnSpc>
+                <a:spcPct val="150000"/>
+              </a:lnSpc>
+            </a:pPr>
+            <a:r>
+              <a:rPr lang="ko-KR" altLang="en-US" sz="2400" dirty="0" smtClean="0"/>
+              <a:t>추상 클래스도 클래스이기 때문에 다중 상속이 불가능</a:t>
+            </a:r>
+            <a:endParaRPr lang="en-US" altLang="ko-KR" sz="2400" dirty="0" smtClean="0"/>
+          </a:p>
+          <a:p>
+            <a:pPr>
+              <a:lnSpc>
+                <a:spcPct val="150000"/>
+              </a:lnSpc>
+            </a:pPr>
+            <a:r>
+              <a:rPr lang="ko-KR" altLang="en-US" sz="2400" dirty="0" smtClean="0"/>
+              <a:t>인터페이스는 </a:t>
+            </a:r>
+            <a:r>
+              <a:rPr lang="ko-KR" altLang="en-US" sz="2400" dirty="0" err="1" smtClean="0"/>
+              <a:t>메서드의</a:t>
+            </a:r>
+            <a:r>
+              <a:rPr lang="ko-KR" altLang="en-US" sz="2400" dirty="0" smtClean="0"/>
+              <a:t> 구현부분이 없기 때문에 다중상속 가능</a:t>
+            </a:r>
+            <a:endParaRPr lang="en-US" altLang="ko-KR" sz="2400" dirty="0" smtClean="0"/>
+          </a:p>
+          <a:p>
+            <a:pPr>
+              <a:lnSpc>
+                <a:spcPct val="150000"/>
+              </a:lnSpc>
+            </a:pPr>
+            <a:r>
+              <a:rPr lang="ko-KR" altLang="en-US" sz="2400" dirty="0" smtClean="0"/>
+              <a:t>추상 클래스는 클래스를 상속 받아서 기능을 이용하거나 확장하는 목적</a:t>
+            </a:r>
+            <a:endParaRPr lang="en-US" altLang="ko-KR" sz="2400" dirty="0" smtClean="0"/>
+          </a:p>
+          <a:p>
+            <a:pPr>
+              <a:lnSpc>
+                <a:spcPct val="150000"/>
+              </a:lnSpc>
+            </a:pPr>
+            <a:r>
+              <a:rPr lang="ko-KR" altLang="en-US" sz="2400" dirty="0" smtClean="0"/>
+              <a:t>인터페이스는 </a:t>
+            </a:r>
+            <a:r>
+              <a:rPr lang="ko-KR" altLang="en-US" sz="2400" dirty="0" err="1" smtClean="0"/>
+              <a:t>메서드</a:t>
+            </a:r>
+            <a:r>
+              <a:rPr lang="ko-KR" altLang="en-US" sz="2400" dirty="0" smtClean="0"/>
+              <a:t> 구현을 강제하여 하위 클래스에게 같은 동작을 행하도록 함</a:t>
+            </a:r>
+            <a:endParaRPr lang="en-US" altLang="ko-KR" sz="2400" dirty="0" smtClean="0"/>
+          </a:p>
+        </p:txBody>
+      </p:sp>
+    </p:spTree>
+  </p:cSld>
+  <p:clrMapOvr>
+    <a:masterClrMapping/>
+  </p:clrMapOvr>
+</p:sld>
+</file>
+
+<file path=ppt/slides/slide17.xml><?xml version="1.0" encoding="utf-8"?>
+<p:sld xmlns:a="http://schemas.openxmlformats.org/drawingml/2006/main" xmlns:r="http://schemas.openxmlformats.org/officeDocument/2006/relationships" xmlns:p="http://schemas.openxmlformats.org/presentationml/2006/main">
+  <p:cSld>
+    <p:spTree>
+      <p:nvGrpSpPr>
+        <p:cNvPr id="1" name=""/>
+        <p:cNvGrpSpPr/>
+        <p:nvPr/>
+      </p:nvGrpSpPr>
+      <p:grpSpPr>
+        <a:xfrm>
+          <a:off x="0" y="0"/>
+          <a:ext cx="0" cy="0"/>
+          <a:chOff x="0" y="0"/>
+          <a:chExt cx="0" cy="0"/>
+        </a:xfrm>
+      </p:grpSpPr>
+      <p:sp>
+        <p:nvSpPr>
+          <p:cNvPr id="2" name="제목 1"/>
+          <p:cNvSpPr>
+            <a:spLocks noGrp="1"/>
+          </p:cNvSpPr>
+          <p:nvPr>
+            <p:ph type="title"/>
+          </p:nvPr>
+        </p:nvSpPr>
+        <p:spPr/>
+        <p:txBody>
+          <a:bodyPr/>
+          <a:lstStyle/>
+          <a:p>
+            <a:r>
+              <a:rPr lang="ko-KR" altLang="en-US" dirty="0" err="1" smtClean="0"/>
+              <a:t>다형성</a:t>
+            </a:r>
+            <a:endParaRPr lang="ko-KR" altLang="en-US" dirty="0"/>
+          </a:p>
+        </p:txBody>
+      </p:sp>
+      <p:sp>
+        <p:nvSpPr>
+          <p:cNvPr id="3" name="내용 개체 틀 2"/>
+          <p:cNvSpPr>
+            <a:spLocks noGrp="1"/>
+          </p:cNvSpPr>
+          <p:nvPr>
+            <p:ph idx="1"/>
+          </p:nvPr>
+        </p:nvSpPr>
+        <p:spPr/>
+        <p:txBody>
+          <a:bodyPr/>
+          <a:lstStyle/>
+          <a:p>
+            <a:r>
+              <a:rPr lang="ko-KR" altLang="en-US" dirty="0" smtClean="0"/>
+              <a:t>하나의 </a:t>
+            </a:r>
+            <a:r>
+              <a:rPr lang="ko-KR" altLang="en-US" dirty="0" err="1" smtClean="0"/>
+              <a:t>메서드명으로</a:t>
+            </a:r>
+            <a:r>
+              <a:rPr lang="ko-KR" altLang="en-US" dirty="0" smtClean="0"/>
+              <a:t> 다양한 인자를 취하는 다수의 </a:t>
+            </a:r>
+            <a:r>
+              <a:rPr lang="ko-KR" altLang="en-US" dirty="0" err="1" smtClean="0"/>
+              <a:t>메서드</a:t>
+            </a:r>
+            <a:r>
+              <a:rPr lang="ko-KR" altLang="en-US" dirty="0" smtClean="0"/>
+              <a:t> 구현 가능</a:t>
+            </a:r>
+            <a:r>
+              <a:rPr lang="en-US" altLang="ko-KR" dirty="0" smtClean="0"/>
+              <a:t>(</a:t>
+            </a:r>
+            <a:r>
+              <a:rPr lang="ko-KR" altLang="en-US" dirty="0" smtClean="0"/>
+              <a:t>오버로딩</a:t>
+            </a:r>
+            <a:r>
+              <a:rPr lang="en-US" altLang="ko-KR" dirty="0" smtClean="0"/>
+              <a:t>)</a:t>
+            </a:r>
+          </a:p>
+          <a:p>
+            <a:r>
+              <a:rPr lang="ko-KR" altLang="en-US" dirty="0" smtClean="0"/>
+              <a:t>상위 클래스의 기능을 재정의하여 사용 가능 </a:t>
+            </a:r>
+            <a:r>
+              <a:rPr lang="en-US" altLang="ko-KR" dirty="0" smtClean="0"/>
+              <a:t>(</a:t>
+            </a:r>
+            <a:r>
+              <a:rPr lang="ko-KR" altLang="en-US" dirty="0" err="1" smtClean="0"/>
+              <a:t>오버라이딩</a:t>
+            </a:r>
+            <a:r>
+              <a:rPr lang="en-US" altLang="ko-KR" dirty="0" smtClean="0"/>
+              <a:t>)</a:t>
+            </a:r>
+          </a:p>
+          <a:p>
+            <a:endParaRPr lang="en-US" altLang="ko-KR" dirty="0" smtClean="0"/>
+          </a:p>
+          <a:p>
+            <a:r>
+              <a:rPr lang="ko-KR" altLang="en-US" dirty="0" err="1" smtClean="0"/>
+              <a:t>오버라이딩과</a:t>
+            </a:r>
+            <a:r>
+              <a:rPr lang="ko-KR" altLang="en-US" dirty="0" smtClean="0"/>
+              <a:t> 오버로딩의 혼돈</a:t>
+            </a:r>
+            <a:endParaRPr lang="en-US" altLang="ko-KR" dirty="0" smtClean="0"/>
+          </a:p>
+          <a:p>
+            <a:pPr lvl="1"/>
+            <a:r>
+              <a:rPr lang="ko-KR" altLang="en-US" dirty="0" err="1" smtClean="0"/>
+              <a:t>라이딩</a:t>
+            </a:r>
+            <a:r>
+              <a:rPr lang="ko-KR" altLang="en-US" dirty="0" smtClean="0"/>
+              <a:t> </a:t>
+            </a:r>
+            <a:r>
+              <a:rPr lang="en-US" altLang="ko-KR" dirty="0" smtClean="0"/>
+              <a:t>= </a:t>
+            </a:r>
+            <a:r>
+              <a:rPr lang="ko-KR" altLang="en-US" dirty="0" smtClean="0"/>
+              <a:t>타다</a:t>
+            </a:r>
+            <a:r>
+              <a:rPr lang="en-US" altLang="ko-KR" dirty="0" smtClean="0"/>
+              <a:t>, </a:t>
+            </a:r>
+            <a:r>
+              <a:rPr lang="ko-KR" altLang="en-US" dirty="0" smtClean="0"/>
+              <a:t>로딩 </a:t>
+            </a:r>
+            <a:r>
+              <a:rPr lang="en-US" altLang="ko-KR" dirty="0" smtClean="0"/>
+              <a:t>= </a:t>
+            </a:r>
+            <a:r>
+              <a:rPr lang="ko-KR" altLang="en-US" dirty="0" smtClean="0"/>
+              <a:t>적재하다</a:t>
+            </a:r>
+            <a:r>
+              <a:rPr lang="en-US" altLang="ko-KR" dirty="0" smtClean="0"/>
+              <a:t>.</a:t>
+            </a:r>
+          </a:p>
+          <a:p>
+            <a:pPr lvl="1"/>
+            <a:r>
+              <a:rPr lang="ko-KR" altLang="en-US" dirty="0" smtClean="0"/>
+              <a:t>올라타서 아랫부분이 보이지 않으므로 재정의</a:t>
+            </a:r>
+            <a:endParaRPr lang="en-US" altLang="ko-KR" dirty="0" smtClean="0"/>
+          </a:p>
+          <a:p>
+            <a:pPr lvl="1"/>
+            <a:r>
+              <a:rPr lang="ko-KR" altLang="en-US" dirty="0" smtClean="0"/>
+              <a:t>적재해서 뒤로 계속 늘어나므로 동일한 이름의 </a:t>
+            </a:r>
+            <a:r>
+              <a:rPr lang="ko-KR" altLang="en-US" dirty="0" err="1" smtClean="0"/>
+              <a:t>메서드가</a:t>
+            </a:r>
+            <a:r>
+              <a:rPr lang="ko-KR" altLang="en-US" dirty="0" smtClean="0"/>
+              <a:t> 늘어나는 것을 연상</a:t>
+            </a:r>
+            <a:endParaRPr lang="ko-KR" altLang="en-US" dirty="0"/>
+          </a:p>
+        </p:txBody>
+      </p:sp>
+    </p:spTree>
+  </p:cSld>
+  <p:clrMapOvr>
+    <a:masterClrMapping/>
+  </p:clrMapOvr>
+</p:sld>
+</file>
+
+<file path=ppt/slides/slide18.xml><?xml version="1.0" encoding="utf-8"?>
+<p:sld xmlns:a="http://schemas.openxmlformats.org/drawingml/2006/main" xmlns:r="http://schemas.openxmlformats.org/officeDocument/2006/relationships" xmlns:p="http://schemas.openxmlformats.org/presentationml/2006/main">
+  <p:cSld>
+    <p:spTree>
+      <p:nvGrpSpPr>
+        <p:cNvPr id="1" name=""/>
+        <p:cNvGrpSpPr/>
+        <p:nvPr/>
+      </p:nvGrpSpPr>
+      <p:grpSpPr>
+        <a:xfrm>
+          <a:off x="0" y="0"/>
+          <a:ext cx="0" cy="0"/>
+          <a:chOff x="0" y="0"/>
+          <a:chExt cx="0" cy="0"/>
+        </a:xfrm>
+      </p:grpSpPr>
+      <p:sp>
+        <p:nvSpPr>
+          <p:cNvPr id="2" name="제목 1"/>
+          <p:cNvSpPr>
+            <a:spLocks noGrp="1"/>
+          </p:cNvSpPr>
+          <p:nvPr>
+            <p:ph type="title"/>
+          </p:nvPr>
+        </p:nvSpPr>
+        <p:spPr/>
+        <p:txBody>
+          <a:bodyPr/>
+          <a:lstStyle/>
+          <a:p>
+            <a:r>
+              <a:rPr lang="ko-KR" altLang="en-US" dirty="0" smtClean="0"/>
+              <a:t>캡슐화</a:t>
+            </a:r>
+            <a:endParaRPr lang="ko-KR" altLang="en-US" dirty="0"/>
+          </a:p>
+        </p:txBody>
+      </p:sp>
+      <p:sp>
+        <p:nvSpPr>
+          <p:cNvPr id="3" name="내용 개체 틀 2"/>
+          <p:cNvSpPr>
+            <a:spLocks noGrp="1"/>
+          </p:cNvSpPr>
+          <p:nvPr>
+            <p:ph idx="1"/>
+          </p:nvPr>
+        </p:nvSpPr>
+        <p:spPr/>
+        <p:txBody>
+          <a:bodyPr/>
+          <a:lstStyle/>
+          <a:p>
+            <a:r>
+              <a:rPr lang="ko-KR" altLang="en-US" dirty="0" smtClean="0"/>
+              <a:t>정보 은닉</a:t>
+            </a:r>
+            <a:endParaRPr lang="en-US" altLang="ko-KR" dirty="0" smtClean="0"/>
+          </a:p>
+          <a:p>
+            <a:r>
+              <a:rPr lang="ko-KR" altLang="en-US" dirty="0" smtClean="0"/>
+              <a:t>변화에 유연한 대응</a:t>
+            </a:r>
+            <a:endParaRPr lang="en-US" altLang="ko-KR" dirty="0" smtClean="0"/>
+          </a:p>
+          <a:p>
+            <a:r>
+              <a:rPr lang="ko-KR" altLang="en-US" dirty="0" smtClean="0"/>
+              <a:t>접근 </a:t>
+            </a:r>
+            <a:r>
+              <a:rPr lang="ko-KR" altLang="en-US" dirty="0" err="1" smtClean="0"/>
+              <a:t>제한자를</a:t>
+            </a:r>
+            <a:r>
+              <a:rPr lang="ko-KR" altLang="en-US" dirty="0" smtClean="0"/>
+              <a:t> 통한 외부 노출 제한</a:t>
+            </a:r>
+            <a:endParaRPr lang="en-US" altLang="ko-KR" dirty="0" smtClean="0"/>
+          </a:p>
+          <a:p>
+            <a:pPr lvl="1"/>
+            <a:r>
+              <a:rPr lang="en-US" altLang="ko-KR" dirty="0" smtClean="0"/>
+              <a:t>Private</a:t>
+            </a:r>
+          </a:p>
+          <a:p>
+            <a:pPr lvl="1"/>
+            <a:r>
+              <a:rPr lang="en-US" altLang="ko-KR" dirty="0" smtClean="0"/>
+              <a:t>Protected</a:t>
+            </a:r>
+          </a:p>
+          <a:p>
+            <a:pPr lvl="1"/>
+            <a:r>
+              <a:rPr lang="en-US" altLang="ko-KR" dirty="0" smtClean="0"/>
+              <a:t>Default</a:t>
+            </a:r>
+          </a:p>
+          <a:p>
+            <a:pPr lvl="1"/>
+            <a:r>
+              <a:rPr lang="en-US" altLang="ko-KR" dirty="0" smtClean="0"/>
+              <a:t>Public</a:t>
+            </a:r>
+          </a:p>
+        </p:txBody>
+      </p:sp>
+    </p:spTree>
   </p:cSld>
   <p:clrMapOvr>
     <a:masterClrMapping/>
@@ -3462,7 +4739,7 @@
     </p:spTree>
     <p:extLst>
       <p:ext uri="{BB962C8B-B14F-4D97-AF65-F5344CB8AC3E}">
-        <p14:creationId xmlns:p14="http://schemas.microsoft.com/office/powerpoint/2010/main" val="3824584008"/>
+        <p14:creationId xmlns:p14="http://schemas.microsoft.com/office/powerpoint/2010/main" xmlns="" val="3824584008"/>
       </p:ext>
     </p:extLst>
   </p:cSld>
@@ -3619,7 +4896,7 @@
     </p:spTree>
     <p:extLst>
       <p:ext uri="{BB962C8B-B14F-4D97-AF65-F5344CB8AC3E}">
-        <p14:creationId xmlns:p14="http://schemas.microsoft.com/office/powerpoint/2010/main" val="3037078371"/>
+        <p14:creationId xmlns:p14="http://schemas.microsoft.com/office/powerpoint/2010/main" xmlns="" val="3037078371"/>
       </p:ext>
     </p:extLst>
   </p:cSld>
@@ -3754,7 +5031,7 @@
     </p:spTree>
     <p:extLst>
       <p:ext uri="{BB962C8B-B14F-4D97-AF65-F5344CB8AC3E}">
-        <p14:creationId xmlns:p14="http://schemas.microsoft.com/office/powerpoint/2010/main" val="4069701808"/>
+        <p14:creationId xmlns:p14="http://schemas.microsoft.com/office/powerpoint/2010/main" xmlns="" val="4069701808"/>
       </p:ext>
     </p:extLst>
   </p:cSld>
@@ -3797,16 +5074,8 @@
           <a:lstStyle/>
           <a:p>
             <a:r>
-              <a:rPr lang="ko-KR" altLang="en-US" dirty="0" smtClean="0"/>
-              <a:t>객체 </a:t>
-            </a:r>
-            <a:r>
-              <a:rPr lang="en-US" altLang="ko-KR" dirty="0" smtClean="0"/>
-              <a:t>vs </a:t>
-            </a:r>
-            <a:r>
-              <a:rPr lang="ko-KR" altLang="en-US" dirty="0" smtClean="0"/>
-              <a:t>클래스</a:t>
+              <a:rPr lang="ko-KR" altLang="en-US" dirty="0" err="1" smtClean="0"/>
+              <a:t>생성자</a:t>
             </a:r>
             <a:endParaRPr lang="ko-KR" altLang="en-US" dirty="0"/>
           </a:p>
@@ -3822,112 +5091,72 @@
             <p:ph idx="1"/>
           </p:nvPr>
         </p:nvSpPr>
-        <p:spPr>
-          <a:xfrm>
-            <a:off x="838200" y="1825625"/>
-            <a:ext cx="5587538" cy="4351338"/>
-          </a:xfrm>
-        </p:spPr>
-        <p:txBody>
-          <a:bodyPr/>
-          <a:lstStyle/>
-          <a:p>
-            <a:r>
-              <a:rPr lang="ko-KR" altLang="en-US" dirty="0" smtClean="0"/>
-              <a:t>클래스는 </a:t>
-            </a:r>
-            <a:r>
-              <a:rPr lang="en-US" altLang="ko-KR" dirty="0" smtClean="0"/>
-              <a:t>static </a:t>
-            </a:r>
-            <a:r>
-              <a:rPr lang="ko-KR" altLang="en-US" dirty="0" smtClean="0"/>
-              <a:t>영역에</a:t>
+        <p:spPr/>
+        <p:txBody>
+          <a:bodyPr/>
+          <a:lstStyle/>
+          <a:p>
+            <a:r>
+              <a:rPr lang="ko-KR" altLang="en-US" dirty="0" smtClean="0"/>
+              <a:t>명시 하지 않으면 </a:t>
+            </a:r>
+            <a:r>
+              <a:rPr lang="en-US" altLang="ko-KR" dirty="0" smtClean="0"/>
+              <a:t>JVM</a:t>
+            </a:r>
+            <a:r>
+              <a:rPr lang="ko-KR" altLang="en-US" dirty="0" smtClean="0"/>
+              <a:t>이 기본 생성자 생성</a:t>
+            </a:r>
+            <a:r>
+              <a:rPr lang="en-US" altLang="ko-KR" dirty="0" smtClean="0"/>
+              <a:t>.</a:t>
+            </a:r>
+          </a:p>
+          <a:p>
+            <a:r>
+              <a:rPr lang="ko-KR" altLang="en-US" dirty="0" smtClean="0"/>
+              <a:t>객체의 초기화에 사용</a:t>
             </a:r>
             <a:endParaRPr lang="en-US" altLang="ko-KR" dirty="0" smtClean="0"/>
           </a:p>
           <a:p>
             <a:r>
               <a:rPr lang="ko-KR" altLang="en-US" dirty="0" smtClean="0"/>
-              <a:t>객체는 </a:t>
-            </a:r>
-            <a:r>
-              <a:rPr lang="en-US" altLang="ko-KR" dirty="0" smtClean="0"/>
-              <a:t>heap </a:t>
-            </a:r>
-            <a:r>
-              <a:rPr lang="ko-KR" altLang="en-US" dirty="0" smtClean="0"/>
-              <a:t>영역에</a:t>
+              <a:t>하위 클래스의 경우 </a:t>
+            </a:r>
+            <a:r>
+              <a:rPr lang="en-US" altLang="ko-KR" dirty="0" smtClean="0"/>
+              <a:t>super </a:t>
+            </a:r>
+            <a:r>
+              <a:rPr lang="ko-KR" altLang="en-US" dirty="0" smtClean="0"/>
+              <a:t>키워드를 통해 상위 클래스의 </a:t>
+            </a:r>
+            <a:r>
+              <a:rPr lang="ko-KR" altLang="en-US" dirty="0" err="1" smtClean="0"/>
+              <a:t>생성자를</a:t>
+            </a:r>
+            <a:r>
+              <a:rPr lang="ko-KR" altLang="en-US" dirty="0" smtClean="0"/>
+              <a:t> 호출 가능</a:t>
             </a:r>
             <a:endParaRPr lang="en-US" altLang="ko-KR" dirty="0" smtClean="0"/>
           </a:p>
           <a:p>
             <a:r>
               <a:rPr lang="ko-KR" altLang="en-US" dirty="0" smtClean="0"/>
-              <a:t>객체의 </a:t>
-            </a:r>
-            <a:r>
-              <a:rPr lang="ko-KR" altLang="en-US" dirty="0" err="1" smtClean="0"/>
-              <a:t>메소드가</a:t>
-            </a:r>
-            <a:r>
-              <a:rPr lang="ko-KR" altLang="en-US" dirty="0" smtClean="0"/>
-              <a:t> 수행되면 스택 프레임이 생성</a:t>
-            </a:r>
-            <a:endParaRPr lang="en-US" altLang="ko-KR" dirty="0" smtClean="0"/>
-          </a:p>
-          <a:p>
-            <a:r>
-              <a:rPr lang="ko-KR" altLang="en-US" dirty="0" err="1" smtClean="0"/>
-              <a:t>메소드</a:t>
-            </a:r>
-            <a:r>
-              <a:rPr lang="ko-KR" altLang="en-US" dirty="0" smtClean="0"/>
-              <a:t> 내의 지역변수들은 스택 프레임의 스택에 쌓임</a:t>
-            </a:r>
-            <a:endParaRPr lang="en-US" altLang="ko-KR" dirty="0" smtClean="0"/>
-          </a:p>
-          <a:p>
+              <a:t>상속 관계에서 객체 생성은 상위클래스가 먼저 초기화 되고 하위 클래스가 초기화 된다</a:t>
+            </a:r>
+            <a:r>
+              <a:rPr lang="en-US" altLang="ko-KR" dirty="0" smtClean="0"/>
+              <a:t>.</a:t>
+            </a:r>
             <a:endParaRPr lang="ko-KR" altLang="en-US" dirty="0"/>
           </a:p>
         </p:txBody>
       </p:sp>
-      <p:pic>
-        <p:nvPicPr>
-          <p:cNvPr id="4" name="그림 3"/>
-          <p:cNvPicPr>
-            <a:picLocks noChangeAspect="1"/>
-          </p:cNvPicPr>
-          <p:nvPr/>
-        </p:nvPicPr>
-        <p:blipFill>
-          <a:blip r:embed="rId2">
-            <a:extLst>
-              <a:ext uri="{28A0092B-C50C-407E-A947-70E740481C1C}">
-                <a14:useLocalDpi xmlns:a14="http://schemas.microsoft.com/office/drawing/2010/main" val="0"/>
-              </a:ext>
-            </a:extLst>
-          </a:blip>
-          <a:stretch>
-            <a:fillRect/>
-          </a:stretch>
-        </p:blipFill>
-        <p:spPr>
-          <a:xfrm>
-            <a:off x="6485846" y="1825625"/>
-            <a:ext cx="4867954" cy="2762636"/>
-          </a:xfrm>
-          <a:prstGeom prst="rect">
-            <a:avLst/>
-          </a:prstGeom>
-        </p:spPr>
-      </p:pic>
     </p:spTree>
-    <p:extLst>
-      <p:ext uri="{BB962C8B-B14F-4D97-AF65-F5344CB8AC3E}">
-        <p14:creationId xmlns:p14="http://schemas.microsoft.com/office/powerpoint/2010/main" val="2046284262"/>
-      </p:ext>
-    </p:extLst>
   </p:cSld>
   <p:clrMapOvr>
     <a:masterClrMapping/>
@@ -3968,16 +5197,8 @@
           <a:lstStyle/>
           <a:p>
             <a:r>
-              <a:rPr lang="ko-KR" altLang="en-US" dirty="0" smtClean="0"/>
-              <a:t>객체지향의 </a:t>
-            </a:r>
-            <a:r>
-              <a:rPr lang="en-US" altLang="ko-KR" dirty="0" smtClean="0"/>
-              <a:t>4</a:t>
-            </a:r>
-            <a:r>
-              <a:rPr lang="ko-KR" altLang="en-US" dirty="0" smtClean="0"/>
-              <a:t>대 특성</a:t>
+              <a:rPr lang="en-US" altLang="ko-KR" dirty="0" smtClean="0"/>
+              <a:t>Call By</a:t>
             </a:r>
             <a:endParaRPr lang="ko-KR" altLang="en-US" dirty="0"/>
           </a:p>
@@ -3999,53 +5220,148 @@
           <a:lstStyle/>
           <a:p>
             <a:r>
-              <a:rPr lang="ko-KR" altLang="en-US" dirty="0" smtClean="0"/>
-              <a:t>캡슐화 </a:t>
-            </a:r>
-            <a:r>
-              <a:rPr lang="en-US" altLang="ko-KR" dirty="0" smtClean="0"/>
-              <a:t>(Encapsulation)</a:t>
-            </a:r>
-          </a:p>
-          <a:p>
-            <a:r>
-              <a:rPr lang="ko-KR" altLang="en-US" dirty="0" smtClean="0"/>
-              <a:t>상속</a:t>
-            </a:r>
-            <a:r>
-              <a:rPr lang="en-US" altLang="ko-KR" dirty="0" smtClean="0"/>
-              <a:t>(inheritance)</a:t>
-            </a:r>
-          </a:p>
-          <a:p>
-            <a:r>
-              <a:rPr lang="ko-KR" altLang="en-US" dirty="0" smtClean="0"/>
-              <a:t>추상화</a:t>
-            </a:r>
-            <a:r>
-              <a:rPr lang="en-US" altLang="ko-KR" dirty="0" smtClean="0"/>
-              <a:t>(Abstraction)</a:t>
-            </a:r>
-          </a:p>
-          <a:p>
+              <a:rPr lang="en-US" altLang="ko-KR" dirty="0" smtClean="0"/>
+              <a:t>Call By Value : </a:t>
+            </a:r>
+            <a:r>
+              <a:rPr lang="ko-KR" altLang="en-US" dirty="0" smtClean="0"/>
+              <a:t>값에 의한 전달</a:t>
+            </a:r>
+            <a:endParaRPr lang="en-US" altLang="ko-KR" dirty="0" smtClean="0"/>
+          </a:p>
+          <a:p>
+            <a:pPr lvl="1"/>
+            <a:r>
+              <a:rPr lang="ko-KR" altLang="en-US" dirty="0" smtClean="0"/>
+              <a:t>기본 </a:t>
+            </a:r>
             <a:r>
               <a:rPr lang="ko-KR" altLang="en-US" dirty="0" err="1" smtClean="0"/>
-              <a:t>다형성</a:t>
-            </a:r>
-            <a:r>
-              <a:rPr lang="en-US" altLang="ko-KR" dirty="0" smtClean="0"/>
-              <a:t>(Polymorphism)</a:t>
+              <a:t>자료형은</a:t>
+            </a:r>
+            <a:r>
+              <a:rPr lang="ko-KR" altLang="en-US" dirty="0" smtClean="0"/>
+              <a:t> 저장하고 있는 값이 전달</a:t>
+            </a:r>
+            <a:r>
+              <a:rPr lang="en-US" altLang="ko-KR" dirty="0" smtClean="0"/>
+              <a:t>(</a:t>
+            </a:r>
+            <a:r>
+              <a:rPr lang="ko-KR" altLang="en-US" dirty="0" smtClean="0"/>
+              <a:t>복사</a:t>
+            </a:r>
+            <a:r>
+              <a:rPr lang="en-US" altLang="ko-KR" dirty="0" smtClean="0"/>
+              <a:t>) </a:t>
+            </a:r>
+            <a:r>
+              <a:rPr lang="ko-KR" altLang="en-US" dirty="0" smtClean="0"/>
+              <a:t>된다</a:t>
+            </a:r>
+            <a:r>
+              <a:rPr lang="en-US" altLang="ko-KR" dirty="0" smtClean="0"/>
+              <a:t>.</a:t>
+            </a:r>
+          </a:p>
+          <a:p>
+            <a:pPr lvl="1"/>
+            <a:r>
+              <a:rPr lang="ko-KR" altLang="en-US" dirty="0" err="1" smtClean="0"/>
+              <a:t>대입문</a:t>
+            </a:r>
+            <a:r>
+              <a:rPr lang="ko-KR" altLang="en-US" dirty="0" smtClean="0"/>
+              <a:t> 사용시 </a:t>
+            </a:r>
+            <a:r>
+              <a:rPr lang="en-US" altLang="ko-KR" dirty="0" smtClean="0"/>
+              <a:t>/ </a:t>
+            </a:r>
+            <a:r>
+              <a:rPr lang="ko-KR" altLang="en-US" dirty="0" smtClean="0"/>
+              <a:t>인자 전달 시 </a:t>
+            </a:r>
+            <a:r>
+              <a:rPr lang="en-US" altLang="ko-KR" dirty="0" smtClean="0"/>
+              <a:t>/ </a:t>
+            </a:r>
+            <a:r>
+              <a:rPr lang="ko-KR" altLang="en-US" dirty="0" err="1" smtClean="0"/>
+              <a:t>메서드</a:t>
+            </a:r>
+            <a:r>
+              <a:rPr lang="ko-KR" altLang="en-US" dirty="0" smtClean="0"/>
+              <a:t> 리턴 시</a:t>
+            </a:r>
+            <a:endParaRPr lang="en-US" altLang="ko-KR" dirty="0" smtClean="0"/>
+          </a:p>
+          <a:p>
+            <a:pPr lvl="1"/>
+            <a:endParaRPr lang="en-US" altLang="ko-KR" dirty="0" smtClean="0"/>
+          </a:p>
+          <a:p>
+            <a:pPr lvl="1"/>
+            <a:endParaRPr lang="en-US" altLang="ko-KR" dirty="0" smtClean="0"/>
+          </a:p>
+          <a:p>
+            <a:r>
+              <a:rPr lang="en-US" altLang="ko-KR" dirty="0" smtClean="0"/>
+              <a:t>Call By Reference : </a:t>
+            </a:r>
+            <a:r>
+              <a:rPr lang="ko-KR" altLang="en-US" dirty="0" smtClean="0"/>
+              <a:t>참조</a:t>
+            </a:r>
+            <a:r>
+              <a:rPr lang="en-US" altLang="ko-KR" dirty="0" smtClean="0"/>
+              <a:t>/</a:t>
+            </a:r>
+            <a:r>
+              <a:rPr lang="ko-KR" altLang="en-US" dirty="0" smtClean="0"/>
+              <a:t>주소에 의한 전달</a:t>
+            </a:r>
+            <a:endParaRPr lang="en-US" altLang="ko-KR" dirty="0" smtClean="0"/>
+          </a:p>
+          <a:p>
+            <a:pPr lvl="1"/>
+            <a:r>
+              <a:rPr lang="ko-KR" altLang="en-US" dirty="0" smtClean="0"/>
+              <a:t>객체참조변수에 </a:t>
+            </a:r>
+            <a:r>
+              <a:rPr lang="ko-KR" altLang="en-US" dirty="0" err="1" smtClean="0"/>
+              <a:t>주소값을</a:t>
+            </a:r>
+            <a:r>
+              <a:rPr lang="ko-KR" altLang="en-US" dirty="0" smtClean="0"/>
+              <a:t> 대입하여 </a:t>
+            </a:r>
+            <a:r>
+              <a:rPr lang="ko-KR" altLang="en-US" dirty="0" err="1" smtClean="0"/>
+              <a:t>힙영역에</a:t>
+            </a:r>
+            <a:r>
+              <a:rPr lang="ko-KR" altLang="en-US" dirty="0" smtClean="0"/>
+              <a:t> 존재하는 객체 참조</a:t>
+            </a:r>
+            <a:endParaRPr lang="en-US" altLang="ko-KR" dirty="0" smtClean="0"/>
+          </a:p>
+          <a:p>
+            <a:pPr lvl="1"/>
+            <a:r>
+              <a:rPr lang="ko-KR" altLang="en-US" dirty="0" smtClean="0"/>
+              <a:t>포인</a:t>
+            </a:r>
+            <a:r>
+              <a:rPr lang="ko-KR" altLang="en-US" dirty="0" smtClean="0"/>
+              <a:t>터</a:t>
             </a:r>
             <a:endParaRPr lang="ko-KR" altLang="en-US" dirty="0"/>
           </a:p>
         </p:txBody>
       </p:sp>
     </p:spTree>
-    <p:extLst>
-      <p:ext uri="{BB962C8B-B14F-4D97-AF65-F5344CB8AC3E}">
-        <p14:creationId xmlns:p14="http://schemas.microsoft.com/office/powerpoint/2010/main" val="2158689037"/>
-      </p:ext>
-    </p:extLst>
   </p:cSld>
   <p:clrMapOvr>
     <a:masterClrMapping/>
@@ -4087,11 +5403,15 @@
           <a:p>
             <a:r>
               <a:rPr lang="ko-KR" altLang="en-US" dirty="0" smtClean="0"/>
-              <a:t>추상화 </a:t>
-            </a:r>
-            <a:r>
-              <a:rPr lang="en-US" altLang="ko-KR" dirty="0" smtClean="0"/>
-              <a:t>(Abstraction)</a:t>
+              <a:t>객체 </a:t>
+            </a:r>
+            <a:r>
+              <a:rPr lang="en-US" altLang="ko-KR" dirty="0" smtClean="0"/>
+              <a:t>vs </a:t>
+            </a:r>
+            <a:r>
+              <a:rPr lang="ko-KR" altLang="en-US" dirty="0" smtClean="0"/>
+              <a:t>클래스</a:t>
             </a:r>
             <a:endParaRPr lang="ko-KR" altLang="en-US" dirty="0"/>
           </a:p>
@@ -4107,78 +5427,73 @@
             <p:ph idx="1"/>
           </p:nvPr>
         </p:nvSpPr>
-        <p:spPr/>
-        <p:txBody>
-          <a:bodyPr/>
-          <a:lstStyle/>
-          <a:p>
-            <a:r>
-              <a:rPr lang="ko-KR" altLang="en-US" dirty="0" smtClean="0"/>
-              <a:t>구체적인 것을 분해해서 관심 영역에 대한 특성만을 가지고 재조합 하는 것</a:t>
-            </a:r>
-            <a:r>
-              <a:rPr lang="en-US" altLang="ko-KR" dirty="0" smtClean="0"/>
-              <a:t>.</a:t>
-            </a:r>
-          </a:p>
-          <a:p>
-            <a:pPr lvl="1"/>
+        <p:spPr>
+          <a:xfrm>
+            <a:off x="838200" y="1825625"/>
+            <a:ext cx="5587538" cy="4351338"/>
+          </a:xfrm>
+        </p:spPr>
+        <p:txBody>
+          <a:bodyPr/>
+          <a:lstStyle/>
+          <a:p>
+            <a:r>
+              <a:rPr lang="ko-KR" altLang="en-US" dirty="0" smtClean="0"/>
+              <a:t>클래스는 </a:t>
+            </a:r>
+            <a:r>
+              <a:rPr lang="en-US" altLang="ko-KR" dirty="0" smtClean="0"/>
+              <a:t>static </a:t>
+            </a:r>
+            <a:r>
+              <a:rPr lang="ko-KR" altLang="en-US" dirty="0" smtClean="0"/>
+              <a:t>영역에</a:t>
+            </a:r>
+            <a:endParaRPr lang="en-US" altLang="ko-KR" dirty="0" smtClean="0"/>
+          </a:p>
+          <a:p>
+            <a:r>
+              <a:rPr lang="ko-KR" altLang="en-US" dirty="0" smtClean="0"/>
+              <a:t>객체는 </a:t>
+            </a:r>
+            <a:r>
+              <a:rPr lang="en-US" altLang="ko-KR" dirty="0" smtClean="0"/>
+              <a:t>heap </a:t>
+            </a:r>
+            <a:r>
+              <a:rPr lang="ko-KR" altLang="en-US" dirty="0" smtClean="0"/>
+              <a:t>영역에</a:t>
+            </a:r>
+            <a:endParaRPr lang="en-US" altLang="ko-KR" dirty="0" smtClean="0"/>
+          </a:p>
+          <a:p>
+            <a:r>
+              <a:rPr lang="ko-KR" altLang="en-US" dirty="0" smtClean="0"/>
+              <a:t>객체의 </a:t>
+            </a:r>
             <a:r>
               <a:rPr lang="ko-KR" altLang="en-US" dirty="0" err="1" smtClean="0"/>
-              <a:t>관심영역</a:t>
-            </a:r>
-            <a:r>
-              <a:rPr lang="ko-KR" altLang="en-US" dirty="0" smtClean="0"/>
-              <a:t> </a:t>
-            </a:r>
-            <a:r>
-              <a:rPr lang="en-US" altLang="ko-KR" dirty="0" smtClean="0"/>
-              <a:t>= </a:t>
-            </a:r>
-            <a:r>
-              <a:rPr lang="ko-KR" altLang="en-US" dirty="0" smtClean="0"/>
-              <a:t>어플리케이션 경계 </a:t>
-            </a:r>
-            <a:r>
-              <a:rPr lang="en-US" altLang="ko-KR" dirty="0" smtClean="0"/>
-              <a:t>= </a:t>
-            </a:r>
-            <a:r>
-              <a:rPr lang="ko-KR" altLang="en-US" dirty="0" smtClean="0"/>
-              <a:t>도메인 </a:t>
-            </a:r>
-            <a:r>
-              <a:rPr lang="en-US" altLang="ko-KR" dirty="0" smtClean="0"/>
-              <a:t>= </a:t>
-            </a:r>
-            <a:r>
-              <a:rPr lang="ko-KR" altLang="en-US" dirty="0" smtClean="0"/>
-              <a:t>컨텍스트</a:t>
+              <a:t>메소드가</a:t>
+            </a:r>
+            <a:r>
+              <a:rPr lang="ko-KR" altLang="en-US" dirty="0" smtClean="0"/>
+              <a:t> 수행되면 스택 프레임이 생성</a:t>
             </a:r>
             <a:endParaRPr lang="en-US" altLang="ko-KR" dirty="0" smtClean="0"/>
           </a:p>
           <a:p>
             <a:r>
-              <a:rPr lang="ko-KR" altLang="en-US" dirty="0" smtClean="0"/>
-              <a:t>추상화 </a:t>
-            </a:r>
-            <a:r>
-              <a:rPr lang="en-US" altLang="ko-KR" dirty="0" smtClean="0"/>
-              <a:t>= </a:t>
-            </a:r>
-            <a:r>
-              <a:rPr lang="ko-KR" altLang="en-US" dirty="0" smtClean="0"/>
-              <a:t>모델링 </a:t>
-            </a:r>
-            <a:r>
-              <a:rPr lang="en-US" altLang="ko-KR" dirty="0" smtClean="0"/>
-              <a:t>= </a:t>
-            </a:r>
-            <a:r>
-              <a:rPr lang="ko-KR" altLang="en-US" dirty="0" smtClean="0"/>
-              <a:t>클래스 설계</a:t>
-            </a:r>
-            <a:endParaRPr lang="en-US" altLang="ko-KR" dirty="0"/>
+              <a:rPr lang="ko-KR" altLang="en-US" dirty="0" err="1" smtClean="0"/>
+              <a:t>메소드</a:t>
+            </a:r>
+            <a:r>
+              <a:rPr lang="ko-KR" altLang="en-US" dirty="0" smtClean="0"/>
+              <a:t> 내의 지역변수들은 스택 프레임의 스택에 쌓임</a:t>
+            </a:r>
+            <a:endParaRPr lang="en-US" altLang="ko-KR" dirty="0" smtClean="0"/>
+          </a:p>
+          <a:p>
+            <a:endParaRPr lang="ko-KR" altLang="en-US" dirty="0"/>
           </a:p>
         </p:txBody>
       </p:sp>
@@ -4191,10 +5506,300 @@
           <p:nvPr/>
         </p:nvPicPr>
         <p:blipFill>
-          <a:blip r:embed="rId2">
+          <a:blip r:embed="rId2" cstate="print">
             <a:extLst>
               <a:ext uri="{28A0092B-C50C-407E-A947-70E740481C1C}">
-                <a14:useLocalDpi xmlns:a14="http://schemas.microsoft.com/office/drawing/2010/main" val="0"/>
+                <a14:useLocalDpi xmlns:a14="http://schemas.microsoft.com/office/drawing/2010/main" xmlns="" val="0"/>
+              </a:ext>
+            </a:extLst>
+          </a:blip>
+          <a:stretch>
+            <a:fillRect/>
+          </a:stretch>
+        </p:blipFill>
+        <p:spPr>
+          <a:xfrm>
+            <a:off x="6485846" y="1825625"/>
+            <a:ext cx="4867954" cy="2762636"/>
+          </a:xfrm>
+          <a:prstGeom prst="rect">
+            <a:avLst/>
+          </a:prstGeom>
+        </p:spPr>
+      </p:pic>
+    </p:spTree>
+    <p:extLst>
+      <p:ext uri="{BB962C8B-B14F-4D97-AF65-F5344CB8AC3E}">
+        <p14:creationId xmlns:p14="http://schemas.microsoft.com/office/powerpoint/2010/main" xmlns="" val="2046284262"/>
+      </p:ext>
+    </p:extLst>
+  </p:cSld>
+  <p:clrMapOvr>
+    <a:masterClrMapping/>
+  </p:clrMapOvr>
+</p:sld>
+</file>
+
+<file path=ppt/slides/slide8.xml><?xml version="1.0" encoding="utf-8"?>
+<p:sld xmlns:a="http://schemas.openxmlformats.org/drawingml/2006/main" xmlns:r="http://schemas.openxmlformats.org/officeDocument/2006/relationships" xmlns:p="http://schemas.openxmlformats.org/presentationml/2006/main">
+  <p:cSld>
+    <p:spTree>
+      <p:nvGrpSpPr>
+        <p:cNvPr id="1" name=""/>
+        <p:cNvGrpSpPr/>
+        <p:nvPr/>
+      </p:nvGrpSpPr>
+      <p:grpSpPr>
+        <a:xfrm>
+          <a:off x="0" y="0"/>
+          <a:ext cx="0" cy="0"/>
+          <a:chOff x="0" y="0"/>
+          <a:chExt cx="0" cy="0"/>
+        </a:xfrm>
+      </p:grpSpPr>
+      <p:sp>
+        <p:nvSpPr>
+          <p:cNvPr id="2" name="제목 1"/>
+          <p:cNvSpPr>
+            <a:spLocks noGrp="1"/>
+          </p:cNvSpPr>
+          <p:nvPr>
+            <p:ph type="title"/>
+          </p:nvPr>
+        </p:nvSpPr>
+        <p:spPr/>
+        <p:txBody>
+          <a:bodyPr/>
+          <a:lstStyle/>
+          <a:p>
+            <a:r>
+              <a:rPr lang="ko-KR" altLang="en-US" dirty="0" smtClean="0"/>
+              <a:t>객체지향의 </a:t>
+            </a:r>
+            <a:r>
+              <a:rPr lang="en-US" altLang="ko-KR" dirty="0" smtClean="0"/>
+              <a:t>4</a:t>
+            </a:r>
+            <a:r>
+              <a:rPr lang="ko-KR" altLang="en-US" dirty="0" smtClean="0"/>
+              <a:t>대 특성</a:t>
+            </a:r>
+            <a:endParaRPr lang="ko-KR" altLang="en-US" dirty="0"/>
+          </a:p>
+        </p:txBody>
+      </p:sp>
+      <p:sp>
+        <p:nvSpPr>
+          <p:cNvPr id="3" name="내용 개체 틀 2"/>
+          <p:cNvSpPr>
+            <a:spLocks noGrp="1"/>
+          </p:cNvSpPr>
+          <p:nvPr>
+            <p:ph idx="1"/>
+          </p:nvPr>
+        </p:nvSpPr>
+        <p:spPr/>
+        <p:txBody>
+          <a:bodyPr/>
+          <a:lstStyle/>
+          <a:p>
+            <a:r>
+              <a:rPr lang="ko-KR" altLang="en-US" dirty="0" smtClean="0"/>
+              <a:t>캡슐화 </a:t>
+            </a:r>
+            <a:r>
+              <a:rPr lang="en-US" altLang="ko-KR" dirty="0" smtClean="0"/>
+              <a:t>(Encapsulation)</a:t>
+            </a:r>
+          </a:p>
+          <a:p>
+            <a:r>
+              <a:rPr lang="ko-KR" altLang="en-US" dirty="0" smtClean="0"/>
+              <a:t>상속</a:t>
+            </a:r>
+            <a:r>
+              <a:rPr lang="en-US" altLang="ko-KR" dirty="0" smtClean="0"/>
+              <a:t>(inheritance)</a:t>
+            </a:r>
+          </a:p>
+          <a:p>
+            <a:r>
+              <a:rPr lang="ko-KR" altLang="en-US" dirty="0" smtClean="0"/>
+              <a:t>추상화</a:t>
+            </a:r>
+            <a:r>
+              <a:rPr lang="en-US" altLang="ko-KR" dirty="0" smtClean="0"/>
+              <a:t>(Abstraction)</a:t>
+            </a:r>
+          </a:p>
+          <a:p>
+            <a:r>
+              <a:rPr lang="ko-KR" altLang="en-US" dirty="0" err="1" smtClean="0"/>
+              <a:t>다형성</a:t>
+            </a:r>
+            <a:r>
+              <a:rPr lang="en-US" altLang="ko-KR" dirty="0" smtClean="0"/>
+              <a:t>(Polymorphism)</a:t>
+            </a:r>
+            <a:endParaRPr lang="ko-KR" altLang="en-US" dirty="0"/>
+          </a:p>
+        </p:txBody>
+      </p:sp>
+    </p:spTree>
+    <p:extLst>
+      <p:ext uri="{BB962C8B-B14F-4D97-AF65-F5344CB8AC3E}">
+        <p14:creationId xmlns:p14="http://schemas.microsoft.com/office/powerpoint/2010/main" xmlns="" val="2158689037"/>
+      </p:ext>
+    </p:extLst>
+  </p:cSld>
+  <p:clrMapOvr>
+    <a:masterClrMapping/>
+  </p:clrMapOvr>
+</p:sld>
+</file>
+
+<file path=ppt/slides/slide9.xml><?xml version="1.0" encoding="utf-8"?>
+<p:sld xmlns:a="http://schemas.openxmlformats.org/drawingml/2006/main" xmlns:r="http://schemas.openxmlformats.org/officeDocument/2006/relationships" xmlns:p="http://schemas.openxmlformats.org/presentationml/2006/main">
+  <p:cSld>
+    <p:spTree>
+      <p:nvGrpSpPr>
+        <p:cNvPr id="1" name=""/>
+        <p:cNvGrpSpPr/>
+        <p:nvPr/>
+      </p:nvGrpSpPr>
+      <p:grpSpPr>
+        <a:xfrm>
+          <a:off x="0" y="0"/>
+          <a:ext cx="0" cy="0"/>
+          <a:chOff x="0" y="0"/>
+          <a:chExt cx="0" cy="0"/>
+        </a:xfrm>
+      </p:grpSpPr>
+      <p:sp>
+        <p:nvSpPr>
+          <p:cNvPr id="2" name="제목 1"/>
+          <p:cNvSpPr>
+            <a:spLocks noGrp="1"/>
+          </p:cNvSpPr>
+          <p:nvPr>
+            <p:ph type="title"/>
+          </p:nvPr>
+        </p:nvSpPr>
+        <p:spPr/>
+        <p:txBody>
+          <a:bodyPr/>
+          <a:lstStyle/>
+          <a:p>
+            <a:r>
+              <a:rPr lang="ko-KR" altLang="en-US" dirty="0" smtClean="0"/>
+              <a:t>추상화 </a:t>
+            </a:r>
+            <a:r>
+              <a:rPr lang="en-US" altLang="ko-KR" dirty="0" smtClean="0"/>
+              <a:t>(Abstraction)</a:t>
+            </a:r>
+            <a:endParaRPr lang="ko-KR" altLang="en-US" dirty="0"/>
+          </a:p>
+        </p:txBody>
+      </p:sp>
+      <p:sp>
+        <p:nvSpPr>
+          <p:cNvPr id="3" name="내용 개체 틀 2"/>
+          <p:cNvSpPr>
+            <a:spLocks noGrp="1"/>
+          </p:cNvSpPr>
+          <p:nvPr>
+            <p:ph idx="1"/>
+          </p:nvPr>
+        </p:nvSpPr>
+        <p:spPr/>
+        <p:txBody>
+          <a:bodyPr/>
+          <a:lstStyle/>
+          <a:p>
+            <a:r>
+              <a:rPr lang="ko-KR" altLang="en-US" dirty="0" smtClean="0"/>
+              <a:t>구체적인 것을 분해해서 관심 영역에 대한 특성만을 가지고 재조합 하는 것</a:t>
+            </a:r>
+            <a:r>
+              <a:rPr lang="en-US" altLang="ko-KR" dirty="0" smtClean="0"/>
+              <a:t>.</a:t>
+            </a:r>
+          </a:p>
+          <a:p>
+            <a:pPr lvl="1"/>
+            <a:r>
+              <a:rPr lang="ko-KR" altLang="en-US" dirty="0" err="1" smtClean="0"/>
+              <a:t>관심영역</a:t>
+            </a:r>
+            <a:r>
+              <a:rPr lang="ko-KR" altLang="en-US" dirty="0" smtClean="0"/>
+              <a:t> </a:t>
+            </a:r>
+            <a:r>
+              <a:rPr lang="en-US" altLang="ko-KR" dirty="0" smtClean="0"/>
+              <a:t>= </a:t>
+            </a:r>
+            <a:r>
+              <a:rPr lang="ko-KR" altLang="en-US" dirty="0" smtClean="0"/>
+              <a:t>어플리케이션 경계 </a:t>
+            </a:r>
+            <a:r>
+              <a:rPr lang="en-US" altLang="ko-KR" dirty="0" smtClean="0"/>
+              <a:t>= </a:t>
+            </a:r>
+            <a:r>
+              <a:rPr lang="ko-KR" altLang="en-US" dirty="0" smtClean="0"/>
+              <a:t>도메인 </a:t>
+            </a:r>
+            <a:r>
+              <a:rPr lang="en-US" altLang="ko-KR" dirty="0" smtClean="0"/>
+              <a:t>= </a:t>
+            </a:r>
+            <a:r>
+              <a:rPr lang="ko-KR" altLang="en-US" dirty="0" smtClean="0"/>
+              <a:t>컨텍스트</a:t>
+            </a:r>
+            <a:endParaRPr lang="en-US" altLang="ko-KR" dirty="0" smtClean="0"/>
+          </a:p>
+          <a:p>
+            <a:r>
+              <a:rPr lang="ko-KR" altLang="en-US" dirty="0" smtClean="0"/>
+              <a:t>추상화 </a:t>
+            </a:r>
+            <a:r>
+              <a:rPr lang="en-US" altLang="ko-KR" dirty="0" smtClean="0"/>
+              <a:t>= </a:t>
+            </a:r>
+            <a:r>
+              <a:rPr lang="ko-KR" altLang="en-US" dirty="0" smtClean="0"/>
+              <a:t>모델링 </a:t>
+            </a:r>
+            <a:r>
+              <a:rPr lang="en-US" altLang="ko-KR" dirty="0" smtClean="0"/>
+              <a:t>= </a:t>
+            </a:r>
+            <a:r>
+              <a:rPr lang="ko-KR" altLang="en-US" dirty="0" smtClean="0"/>
+              <a:t>클래스 설계</a:t>
+            </a:r>
+            <a:endParaRPr lang="en-US" altLang="ko-KR" dirty="0"/>
+          </a:p>
+        </p:txBody>
+      </p:sp>
+      <p:pic>
+        <p:nvPicPr>
+          <p:cNvPr id="4" name="그림 3"/>
+          <p:cNvPicPr>
+            <a:picLocks noChangeAspect="1"/>
+          </p:cNvPicPr>
+          <p:nvPr/>
+        </p:nvPicPr>
+        <p:blipFill>
+          <a:blip r:embed="rId2" cstate="print">
+            <a:extLst>
+              <a:ext uri="{28A0092B-C50C-407E-A947-70E740481C1C}">
+                <a14:useLocalDpi xmlns:a14="http://schemas.microsoft.com/office/drawing/2010/main" xmlns="" val="0"/>
               </a:ext>
             </a:extLst>
           </a:blip>
@@ -4221,10 +5826,10 @@
           <p:nvPr/>
         </p:nvPicPr>
         <p:blipFill>
-          <a:blip r:embed="rId3">
+          <a:blip r:embed="rId3" cstate="print">
             <a:extLst>
               <a:ext uri="{28A0092B-C50C-407E-A947-70E740481C1C}">
-                <a14:useLocalDpi xmlns:a14="http://schemas.microsoft.com/office/drawing/2010/main" val="0"/>
+                <a14:useLocalDpi xmlns:a14="http://schemas.microsoft.com/office/drawing/2010/main" xmlns="" val="0"/>
               </a:ext>
             </a:extLst>
           </a:blip>
@@ -4312,462 +5917,7 @@
     </p:spTree>
     <p:extLst>
       <p:ext uri="{BB962C8B-B14F-4D97-AF65-F5344CB8AC3E}">
-        <p14:creationId xmlns:p14="http://schemas.microsoft.com/office/powerpoint/2010/main" val="892744913"/>
-      </p:ext>
-    </p:extLst>
-  </p:cSld>
-  <p:clrMapOvr>
-    <a:masterClrMapping/>
-  </p:clrMapOvr>
-</p:sld>
-</file>
-
-<file path=ppt/slides/slide8.xml><?xml version="1.0" encoding="utf-8"?>
-<p:sld xmlns:a="http://schemas.openxmlformats.org/drawingml/2006/main" xmlns:r="http://schemas.openxmlformats.org/officeDocument/2006/relationships" xmlns:p="http://schemas.openxmlformats.org/presentationml/2006/main">
-  <p:cSld>
-    <p:spTree>
-      <p:nvGrpSpPr>
-        <p:cNvPr id="1" name=""/>
-        <p:cNvGrpSpPr/>
-        <p:nvPr/>
-      </p:nvGrpSpPr>
-      <p:grpSpPr>
-        <a:xfrm>
-          <a:off x="0" y="0"/>
-          <a:ext cx="0" cy="0"/>
-          <a:chOff x="0" y="0"/>
-          <a:chExt cx="0" cy="0"/>
-        </a:xfrm>
-      </p:grpSpPr>
-      <p:sp>
-        <p:nvSpPr>
-          <p:cNvPr id="2" name="제목 1"/>
-          <p:cNvSpPr>
-            <a:spLocks noGrp="1"/>
-          </p:cNvSpPr>
-          <p:nvPr>
-            <p:ph type="title"/>
-          </p:nvPr>
-        </p:nvSpPr>
-        <p:spPr/>
-        <p:txBody>
-          <a:bodyPr/>
-          <a:lstStyle/>
-          <a:p>
-            <a:r>
-              <a:rPr lang="ko-KR" altLang="en-US" dirty="0" smtClean="0"/>
-              <a:t>상속</a:t>
-            </a:r>
-            <a:r>
-              <a:rPr lang="en-US" altLang="ko-KR" dirty="0" smtClean="0"/>
-              <a:t>(inheritance)</a:t>
-            </a:r>
-            <a:endParaRPr lang="ko-KR" altLang="en-US" dirty="0"/>
-          </a:p>
-        </p:txBody>
-      </p:sp>
-      <p:sp>
-        <p:nvSpPr>
-          <p:cNvPr id="3" name="내용 개체 틀 2"/>
-          <p:cNvSpPr>
-            <a:spLocks noGrp="1"/>
-          </p:cNvSpPr>
-          <p:nvPr>
-            <p:ph idx="1"/>
-          </p:nvPr>
-        </p:nvSpPr>
-        <p:spPr/>
-        <p:txBody>
-          <a:bodyPr/>
-          <a:lstStyle/>
-          <a:p>
-            <a:r>
-              <a:rPr lang="en-US" altLang="ko-KR" dirty="0" smtClean="0"/>
-              <a:t>OO </a:t>
-            </a:r>
-            <a:r>
-              <a:rPr lang="ko-KR" altLang="en-US" dirty="0" smtClean="0"/>
-              <a:t>에서의 상속은 계층도 또는 </a:t>
-            </a:r>
-            <a:r>
-              <a:rPr lang="ko-KR" altLang="en-US" dirty="0" err="1" smtClean="0"/>
-              <a:t>조직도가</a:t>
-            </a:r>
-            <a:r>
-              <a:rPr lang="ko-KR" altLang="en-US" dirty="0" smtClean="0"/>
-              <a:t> 아니다</a:t>
-            </a:r>
-            <a:r>
-              <a:rPr lang="en-US" altLang="ko-KR" dirty="0" smtClean="0"/>
-              <a:t>.</a:t>
-            </a:r>
-          </a:p>
-          <a:p>
-            <a:pPr lvl="1"/>
-            <a:r>
-              <a:rPr lang="ko-KR" altLang="en-US" dirty="0" err="1" smtClean="0"/>
-              <a:t>분류도로</a:t>
-            </a:r>
-            <a:r>
-              <a:rPr lang="ko-KR" altLang="en-US" dirty="0" smtClean="0"/>
-              <a:t> 생각해야 한다</a:t>
-            </a:r>
-            <a:r>
-              <a:rPr lang="en-US" altLang="ko-KR" dirty="0" smtClean="0"/>
-              <a:t>.</a:t>
-            </a:r>
-          </a:p>
-          <a:p>
-            <a:pPr lvl="1"/>
-            <a:r>
-              <a:rPr lang="ko-KR" altLang="en-US" dirty="0" err="1" smtClean="0"/>
-              <a:t>분류도를</a:t>
-            </a:r>
-            <a:r>
-              <a:rPr lang="ko-KR" altLang="en-US" dirty="0" smtClean="0"/>
-              <a:t> 영어로 하면 </a:t>
-            </a:r>
-            <a:r>
-              <a:rPr lang="en-US" altLang="ko-KR" dirty="0" err="1" smtClean="0"/>
-              <a:t>classfication</a:t>
-            </a:r>
-            <a:endParaRPr lang="en-US" altLang="ko-KR" dirty="0" smtClean="0"/>
-          </a:p>
-          <a:p>
-            <a:r>
-              <a:rPr lang="en-US" altLang="ko-KR" dirty="0" smtClean="0"/>
-              <a:t>OO </a:t>
-            </a:r>
-            <a:r>
-              <a:rPr lang="ko-KR" altLang="en-US" dirty="0" smtClean="0"/>
-              <a:t>에서의 상속은 확장이다</a:t>
-            </a:r>
-            <a:r>
-              <a:rPr lang="en-US" altLang="ko-KR" dirty="0" smtClean="0"/>
-              <a:t>.</a:t>
-            </a:r>
-          </a:p>
-          <a:p>
-            <a:pPr lvl="1"/>
-            <a:r>
-              <a:rPr lang="ko-KR" altLang="en-US" dirty="0" smtClean="0"/>
-              <a:t>자바에서의 상속에 해당하는 키워드는 </a:t>
-            </a:r>
-            <a:r>
-              <a:rPr lang="en-US" altLang="ko-KR" dirty="0" smtClean="0"/>
-              <a:t>extends</a:t>
-            </a:r>
-            <a:endParaRPr lang="ko-KR" altLang="en-US" dirty="0"/>
-          </a:p>
-        </p:txBody>
-      </p:sp>
-      <p:pic>
-        <p:nvPicPr>
-          <p:cNvPr id="4" name="그림 3"/>
-          <p:cNvPicPr>
-            <a:picLocks noChangeAspect="1"/>
-          </p:cNvPicPr>
-          <p:nvPr/>
-        </p:nvPicPr>
-        <p:blipFill rotWithShape="1">
-          <a:blip r:embed="rId2">
-            <a:extLst>
-              <a:ext uri="{28A0092B-C50C-407E-A947-70E740481C1C}">
-                <a14:useLocalDpi xmlns:a14="http://schemas.microsoft.com/office/drawing/2010/main" val="0"/>
-              </a:ext>
-            </a:extLst>
-          </a:blip>
-          <a:srcRect b="14231"/>
-          <a:stretch/>
-        </p:blipFill>
-        <p:spPr>
-          <a:xfrm>
-            <a:off x="1163782" y="4411025"/>
-            <a:ext cx="3952730" cy="1707143"/>
-          </a:xfrm>
-          <a:prstGeom prst="rect">
-            <a:avLst/>
-          </a:prstGeom>
-        </p:spPr>
-      </p:pic>
-      <p:pic>
-        <p:nvPicPr>
-          <p:cNvPr id="5" name="그림 4"/>
-          <p:cNvPicPr>
-            <a:picLocks noChangeAspect="1"/>
-          </p:cNvPicPr>
-          <p:nvPr/>
-        </p:nvPicPr>
-        <p:blipFill rotWithShape="1">
-          <a:blip r:embed="rId3">
-            <a:extLst>
-              <a:ext uri="{28A0092B-C50C-407E-A947-70E740481C1C}">
-                <a14:useLocalDpi xmlns:a14="http://schemas.microsoft.com/office/drawing/2010/main" val="0"/>
-              </a:ext>
-            </a:extLst>
-          </a:blip>
-          <a:srcRect b="14765"/>
-          <a:stretch/>
-        </p:blipFill>
-        <p:spPr>
-          <a:xfrm>
-            <a:off x="6567055" y="4327103"/>
-            <a:ext cx="4330351" cy="1874985"/>
-          </a:xfrm>
-          <a:prstGeom prst="rect">
-            <a:avLst/>
-          </a:prstGeom>
-        </p:spPr>
-      </p:pic>
-    </p:spTree>
-    <p:extLst>
-      <p:ext uri="{BB962C8B-B14F-4D97-AF65-F5344CB8AC3E}">
-        <p14:creationId xmlns:p14="http://schemas.microsoft.com/office/powerpoint/2010/main" val="2580275240"/>
-      </p:ext>
-    </p:extLst>
-  </p:cSld>
-  <p:clrMapOvr>
-    <a:masterClrMapping/>
-  </p:clrMapOvr>
-</p:sld>
-</file>
-
-<file path=ppt/slides/slide9.xml><?xml version="1.0" encoding="utf-8"?>
-<p:sld xmlns:a="http://schemas.openxmlformats.org/drawingml/2006/main" xmlns:r="http://schemas.openxmlformats.org/officeDocument/2006/relationships" xmlns:p="http://schemas.openxmlformats.org/presentationml/2006/main">
-  <p:cSld>
-    <p:spTree>
-      <p:nvGrpSpPr>
-        <p:cNvPr id="1" name=""/>
-        <p:cNvGrpSpPr/>
-        <p:nvPr/>
-      </p:nvGrpSpPr>
-      <p:grpSpPr>
-        <a:xfrm>
-          <a:off x="0" y="0"/>
-          <a:ext cx="0" cy="0"/>
-          <a:chOff x="0" y="0"/>
-          <a:chExt cx="0" cy="0"/>
-        </a:xfrm>
-      </p:grpSpPr>
-      <p:sp>
-        <p:nvSpPr>
-          <p:cNvPr id="2" name="제목 1"/>
-          <p:cNvSpPr>
-            <a:spLocks noGrp="1"/>
-          </p:cNvSpPr>
-          <p:nvPr>
-            <p:ph type="title"/>
-          </p:nvPr>
-        </p:nvSpPr>
-        <p:spPr/>
-        <p:txBody>
-          <a:bodyPr/>
-          <a:lstStyle/>
-          <a:p>
-            <a:r>
-              <a:rPr lang="ko-KR" altLang="en-US" dirty="0" smtClean="0"/>
-              <a:t>상속</a:t>
-            </a:r>
-            <a:r>
-              <a:rPr lang="en-US" altLang="ko-KR" dirty="0" smtClean="0"/>
-              <a:t>(inheritance)</a:t>
-            </a:r>
-            <a:endParaRPr lang="ko-KR" altLang="en-US" dirty="0"/>
-          </a:p>
-        </p:txBody>
-      </p:sp>
-      <p:sp>
-        <p:nvSpPr>
-          <p:cNvPr id="3" name="내용 개체 틀 2"/>
-          <p:cNvSpPr>
-            <a:spLocks noGrp="1"/>
-          </p:cNvSpPr>
-          <p:nvPr>
-            <p:ph idx="1"/>
-          </p:nvPr>
-        </p:nvSpPr>
-        <p:spPr>
-          <a:xfrm>
-            <a:off x="838200" y="3579611"/>
-            <a:ext cx="10515600" cy="2995757"/>
-          </a:xfrm>
-        </p:spPr>
-        <p:txBody>
-          <a:bodyPr>
-            <a:normAutofit/>
-          </a:bodyPr>
-          <a:lstStyle/>
-          <a:p>
-            <a:r>
-              <a:rPr lang="ko-KR" altLang="en-US" sz="2400" dirty="0" err="1" smtClean="0"/>
-              <a:t>분류도의</a:t>
-            </a:r>
-            <a:r>
-              <a:rPr lang="ko-KR" altLang="en-US" sz="2400" dirty="0" smtClean="0"/>
-              <a:t> 위로 올라갈 수록 추상적</a:t>
-            </a:r>
-            <a:r>
-              <a:rPr lang="en-US" altLang="ko-KR" sz="2400" dirty="0" smtClean="0"/>
-              <a:t>, </a:t>
-            </a:r>
-            <a:r>
-              <a:rPr lang="ko-KR" altLang="en-US" sz="2400" dirty="0" smtClean="0"/>
-              <a:t>아래로 내려올 수록 구체적</a:t>
-            </a:r>
-            <a:endParaRPr lang="en-US" altLang="ko-KR" sz="2400" dirty="0" smtClean="0"/>
-          </a:p>
-          <a:p>
-            <a:r>
-              <a:rPr lang="ko-KR" altLang="en-US" sz="2400" dirty="0" err="1" smtClean="0"/>
-              <a:t>계층도로</a:t>
-            </a:r>
-            <a:r>
-              <a:rPr lang="ko-KR" altLang="en-US" sz="2400" dirty="0" smtClean="0"/>
-              <a:t> 생각해보면 </a:t>
-            </a:r>
-            <a:r>
-              <a:rPr lang="en-US" altLang="ko-KR" sz="2400" dirty="0" smtClean="0"/>
-              <a:t>is a </a:t>
-            </a:r>
-            <a:r>
-              <a:rPr lang="ko-KR" altLang="en-US" sz="2400" dirty="0" smtClean="0"/>
-              <a:t>관계가 성립하지 않는다</a:t>
-            </a:r>
-            <a:r>
-              <a:rPr lang="en-US" altLang="ko-KR" sz="2400" dirty="0" smtClean="0"/>
-              <a:t>. </a:t>
-            </a:r>
-          </a:p>
-          <a:p>
-            <a:pPr lvl="1"/>
-            <a:r>
-              <a:rPr lang="ko-KR" altLang="en-US" sz="2000" dirty="0" smtClean="0"/>
-              <a:t>나는 아버지</a:t>
-            </a:r>
-            <a:r>
-              <a:rPr lang="en-US" altLang="ko-KR" sz="2000" dirty="0" smtClean="0"/>
-              <a:t>? </a:t>
-            </a:r>
-            <a:r>
-              <a:rPr lang="ko-KR" altLang="en-US" sz="2000" dirty="0" smtClean="0"/>
-              <a:t>아버지는 할아버지</a:t>
-            </a:r>
-            <a:r>
-              <a:rPr lang="en-US" altLang="ko-KR" sz="2000" dirty="0" smtClean="0"/>
-              <a:t>?</a:t>
-            </a:r>
-          </a:p>
-          <a:p>
-            <a:r>
-              <a:rPr lang="ko-KR" altLang="en-US" sz="2400" dirty="0" err="1" smtClean="0"/>
-              <a:t>분류도로</a:t>
-            </a:r>
-            <a:r>
-              <a:rPr lang="ko-KR" altLang="en-US" sz="2400" dirty="0" smtClean="0"/>
-              <a:t> 생각해보면 </a:t>
-            </a:r>
-            <a:r>
-              <a:rPr lang="en-US" altLang="ko-KR" sz="2400" dirty="0" smtClean="0"/>
-              <a:t>is a </a:t>
-            </a:r>
-            <a:r>
-              <a:rPr lang="ko-KR" altLang="en-US" sz="2400" dirty="0" smtClean="0"/>
-              <a:t>관계가 성립한다</a:t>
-            </a:r>
-            <a:r>
-              <a:rPr lang="en-US" altLang="ko-KR" sz="2400" dirty="0" smtClean="0"/>
-              <a:t>.</a:t>
-            </a:r>
-          </a:p>
-          <a:p>
-            <a:pPr lvl="1"/>
-            <a:r>
-              <a:rPr lang="ko-KR" altLang="en-US" sz="2000" dirty="0" smtClean="0"/>
-              <a:t>고래는 포유류</a:t>
-            </a:r>
-            <a:r>
-              <a:rPr lang="en-US" altLang="ko-KR" sz="2000" dirty="0" smtClean="0"/>
-              <a:t>, </a:t>
-            </a:r>
-            <a:r>
-              <a:rPr lang="ko-KR" altLang="en-US" sz="2000" dirty="0" smtClean="0"/>
-              <a:t>포유류는 동물</a:t>
-            </a:r>
-            <a:r>
-              <a:rPr lang="en-US" altLang="ko-KR" sz="2000" dirty="0" smtClean="0"/>
-              <a:t>.</a:t>
-            </a:r>
-          </a:p>
-          <a:p>
-            <a:pPr lvl="1"/>
-            <a:endParaRPr lang="en-US" altLang="ko-KR" sz="2000" dirty="0"/>
-          </a:p>
-          <a:p>
-            <a:r>
-              <a:rPr lang="ko-KR" altLang="en-US" sz="2400" dirty="0" smtClean="0"/>
-              <a:t>즉</a:t>
-            </a:r>
-            <a:r>
-              <a:rPr lang="en-US" altLang="ko-KR" sz="2400" dirty="0" smtClean="0"/>
-              <a:t>, </a:t>
-            </a:r>
-            <a:r>
-              <a:rPr lang="ko-KR" altLang="en-US" sz="2400" dirty="0" smtClean="0"/>
-              <a:t>하위클래스는 상위클래스이다</a:t>
-            </a:r>
-            <a:r>
-              <a:rPr lang="en-US" altLang="ko-KR" sz="2400" dirty="0" smtClean="0"/>
-              <a:t>. (LSP – </a:t>
-            </a:r>
-            <a:r>
-              <a:rPr lang="ko-KR" altLang="en-US" sz="2400" dirty="0" err="1" smtClean="0"/>
-              <a:t>리스코프</a:t>
-            </a:r>
-            <a:r>
-              <a:rPr lang="ko-KR" altLang="en-US" sz="2400" dirty="0" smtClean="0"/>
-              <a:t> 치환 원칙</a:t>
-            </a:r>
-            <a:r>
-              <a:rPr lang="en-US" altLang="ko-KR" sz="2400" dirty="0" smtClean="0"/>
-              <a:t>)</a:t>
-            </a:r>
-            <a:endParaRPr lang="en-US" altLang="ko-KR" sz="2400" dirty="0"/>
-          </a:p>
-        </p:txBody>
-      </p:sp>
-      <p:pic>
-        <p:nvPicPr>
-          <p:cNvPr id="4" name="그림 3"/>
-          <p:cNvPicPr>
-            <a:picLocks noChangeAspect="1"/>
-          </p:cNvPicPr>
-          <p:nvPr/>
-        </p:nvPicPr>
-        <p:blipFill rotWithShape="1">
-          <a:blip r:embed="rId2">
-            <a:extLst>
-              <a:ext uri="{28A0092B-C50C-407E-A947-70E740481C1C}">
-                <a14:useLocalDpi xmlns:a14="http://schemas.microsoft.com/office/drawing/2010/main" val="0"/>
-              </a:ext>
-            </a:extLst>
-          </a:blip>
-          <a:srcRect b="17524"/>
-          <a:stretch/>
-        </p:blipFill>
-        <p:spPr>
-          <a:xfrm>
-            <a:off x="3000894" y="1690688"/>
-            <a:ext cx="5667980" cy="1646018"/>
-          </a:xfrm>
-          <a:prstGeom prst="rect">
-            <a:avLst/>
-          </a:prstGeom>
-        </p:spPr>
-      </p:pic>
-    </p:spTree>
-    <p:extLst>
-      <p:ext uri="{BB962C8B-B14F-4D97-AF65-F5344CB8AC3E}">
-        <p14:creationId xmlns:p14="http://schemas.microsoft.com/office/powerpoint/2010/main" val="1297378864"/>
+        <p14:creationId xmlns:p14="http://schemas.microsoft.com/office/powerpoint/2010/main" xmlns="" val="892744913"/>
       </p:ext>
     </p:extLst>
   </p:cSld>
@@ -4820,7 +5970,7 @@
     </a:clrScheme>
     <a:fontScheme name="Office">
       <a:majorFont>
-        <a:latin typeface="맑은 고딕" panose="020F0302020204030204"/>
+        <a:latin typeface="맑은 고딕"/>
         <a:ea typeface=""/>
         <a:cs typeface=""/>
         <a:font script="Jpan" typeface="游ゴシック Light"/>
@@ -4855,7 +6005,7 @@
         <a:font script="Geor" typeface="Sylfaen"/>
       </a:majorFont>
       <a:minorFont>
-        <a:latin typeface="맑은 고딕" panose="020F0502020204030204"/>
+        <a:latin typeface="맑은 고딕"/>
         <a:ea typeface=""/>
         <a:cs typeface=""/>
         <a:font script="Jpan" typeface="游ゴシック"/>
@@ -5032,7 +6182,7 @@
   <a:extraClrSchemeLst/>
   <a:extLst>
     <a:ext uri="{05A4C25C-085E-4340-85A3-A5531E510DB2}">
-      <thm15:themeFamily xmlns:thm15="http://schemas.microsoft.com/office/thememl/2012/main" name="Office Theme" id="{62F939B6-93AF-4DB8-9C6B-D6C7DFDC589F}" vid="{4A3C46E8-61CC-4603-A589-7422A47A8E4A}"/>
+      <thm15:themeFamily xmlns:thm15="http://schemas.microsoft.com/office/thememl/2012/main" xmlns="" name="Office Theme" id="{62F939B6-93AF-4DB8-9C6B-D6C7DFDC589F}" vid="{4A3C46E8-61CC-4603-A589-7422A47A8E4A}"/>
     </a:ext>
   </a:extLst>
 </a:theme>

--- a/ppt/객체지향 기본.pptx
+++ b/ppt/객체지향 기본.pptx
@@ -6,17 +6,17 @@
   </p:sldMasterIdLst>
   <p:sldIdLst>
     <p:sldId id="256" r:id="rId2"/>
-    <p:sldId id="257" r:id="rId3"/>
-    <p:sldId id="258" r:id="rId4"/>
-    <p:sldId id="259" r:id="rId5"/>
-    <p:sldId id="275" r:id="rId6"/>
-    <p:sldId id="267" r:id="rId7"/>
-    <p:sldId id="276" r:id="rId8"/>
+    <p:sldId id="309" r:id="rId3"/>
+    <p:sldId id="257" r:id="rId4"/>
+    <p:sldId id="258" r:id="rId5"/>
+    <p:sldId id="259" r:id="rId6"/>
+    <p:sldId id="275" r:id="rId7"/>
+    <p:sldId id="267" r:id="rId8"/>
     <p:sldId id="277" r:id="rId9"/>
     <p:sldId id="278" r:id="rId10"/>
     <p:sldId id="274" r:id="rId11"/>
     <p:sldId id="279" r:id="rId12"/>
-    <p:sldId id="282" r:id="rId13"/>
+    <p:sldId id="310" r:id="rId13"/>
     <p:sldId id="281" r:id="rId14"/>
     <p:sldId id="280" r:id="rId15"/>
     <p:sldId id="260" r:id="rId16"/>
@@ -31,25 +31,26 @@
     <p:sldId id="268" r:id="rId25"/>
     <p:sldId id="286" r:id="rId26"/>
     <p:sldId id="308" r:id="rId27"/>
-    <p:sldId id="289" r:id="rId28"/>
+    <p:sldId id="311" r:id="rId28"/>
     <p:sldId id="287" r:id="rId29"/>
-    <p:sldId id="288" r:id="rId30"/>
+    <p:sldId id="312" r:id="rId30"/>
     <p:sldId id="305" r:id="rId31"/>
     <p:sldId id="306" r:id="rId32"/>
-    <p:sldId id="307" r:id="rId33"/>
+    <p:sldId id="313" r:id="rId33"/>
     <p:sldId id="270" r:id="rId34"/>
     <p:sldId id="290" r:id="rId35"/>
     <p:sldId id="291" r:id="rId36"/>
-    <p:sldId id="293" r:id="rId37"/>
+    <p:sldId id="314" r:id="rId37"/>
     <p:sldId id="271" r:id="rId38"/>
     <p:sldId id="292" r:id="rId39"/>
-    <p:sldId id="296" r:id="rId40"/>
+    <p:sldId id="315" r:id="rId40"/>
     <p:sldId id="273" r:id="rId41"/>
     <p:sldId id="297" r:id="rId42"/>
     <p:sldId id="298" r:id="rId43"/>
     <p:sldId id="299" r:id="rId44"/>
     <p:sldId id="300" r:id="rId45"/>
     <p:sldId id="301" r:id="rId46"/>
+    <p:sldId id="316" r:id="rId47"/>
   </p:sldIdLst>
   <p:sldSz cx="12192000" cy="6858000"/>
   <p:notesSz cx="6858000" cy="9144000"/>
@@ -3236,11 +3237,7 @@
           <a:p>
             <a:r>
               <a:rPr lang="ko-KR" altLang="en-US" dirty="0" smtClean="0"/>
-              <a:t>명시 </a:t>
-            </a:r>
-            <a:r>
-              <a:rPr lang="ko-KR" altLang="en-US" dirty="0" smtClean="0"/>
-              <a:t>하지 않으면 </a:t>
+              <a:t>명시 하지 않으면 </a:t>
             </a:r>
             <a:r>
               <a:rPr lang="en-US" altLang="ko-KR" dirty="0" smtClean="0"/>
@@ -3254,7 +3251,6 @@
               <a:rPr lang="en-US" altLang="ko-KR" dirty="0" smtClean="0"/>
               <a:t>.</a:t>
             </a:r>
-            <a:endParaRPr lang="en-US" altLang="ko-KR" dirty="0" smtClean="0"/>
           </a:p>
           <a:p>
             <a:r>
@@ -3275,11 +3271,7 @@
             </a:r>
             <a:r>
               <a:rPr lang="ko-KR" altLang="en-US" dirty="0" smtClean="0"/>
-              <a:t> </a:t>
-            </a:r>
-            <a:r>
-              <a:rPr lang="ko-KR" altLang="en-US" dirty="0" smtClean="0"/>
-              <a:t>호출</a:t>
+              <a:t> 호출</a:t>
             </a:r>
             <a:endParaRPr lang="en-US" altLang="ko-KR" dirty="0" smtClean="0"/>
           </a:p>
@@ -3517,42 +3509,31 @@
             <p:ph type="title"/>
           </p:nvPr>
         </p:nvSpPr>
-        <p:spPr/>
+        <p:spPr>
+          <a:xfrm>
+            <a:off x="162962" y="253498"/>
+            <a:ext cx="11814773" cy="6409852"/>
+          </a:xfrm>
+        </p:spPr>
         <p:txBody>
-          <a:bodyPr/>
+          <a:bodyPr>
+            <a:normAutofit/>
+          </a:bodyPr>
           <a:lstStyle/>
           <a:p>
-            <a:r>
-              <a:rPr lang="en-US" altLang="ko-KR" dirty="0" smtClean="0"/>
+            <a:pPr algn="ctr"/>
+            <a:r>
+              <a:rPr lang="en-US" altLang="ko-KR" sz="6000" dirty="0" smtClean="0"/>
               <a:t>Demo</a:t>
             </a:r>
-            <a:endParaRPr lang="ko-KR" altLang="en-US" dirty="0"/>
-          </a:p>
-        </p:txBody>
-      </p:sp>
-      <p:sp>
-        <p:nvSpPr>
-          <p:cNvPr id="3" name="내용 개체 틀 2"/>
-          <p:cNvSpPr>
-            <a:spLocks noGrp="1"/>
-          </p:cNvSpPr>
-          <p:nvPr>
-            <p:ph idx="1"/>
-          </p:nvPr>
-        </p:nvSpPr>
-        <p:spPr/>
-        <p:txBody>
-          <a:bodyPr/>
-          <a:lstStyle/>
-          <a:p>
-            <a:endParaRPr lang="ko-KR" altLang="en-US"/>
+            <a:endParaRPr lang="ko-KR" altLang="en-US" sz="6000" dirty="0"/>
           </a:p>
         </p:txBody>
       </p:sp>
     </p:spTree>
     <p:extLst>
       <p:ext uri="{BB962C8B-B14F-4D97-AF65-F5344CB8AC3E}">
-        <p14:creationId xmlns:p14="http://schemas.microsoft.com/office/powerpoint/2010/main" val="1990558868"/>
+        <p14:creationId xmlns:p14="http://schemas.microsoft.com/office/powerpoint/2010/main" val="2590435478"/>
       </p:ext>
     </p:extLst>
   </p:cSld>
@@ -4033,11 +4014,7 @@
           <a:p>
             <a:r>
               <a:rPr lang="ko-KR" altLang="en-US" dirty="0" smtClean="0"/>
-              <a:t>변화에 유연한 </a:t>
-            </a:r>
-            <a:r>
-              <a:rPr lang="ko-KR" altLang="en-US" dirty="0" smtClean="0"/>
-              <a:t>대응</a:t>
+              <a:t>변화에 유연한 대응</a:t>
             </a:r>
             <a:endParaRPr lang="en-US" altLang="ko-KR" dirty="0" smtClean="0"/>
           </a:p>
@@ -4712,47 +4689,24 @@
       </p:grpSpPr>
       <p:sp>
         <p:nvSpPr>
-          <p:cNvPr id="5" name="직사각형 4"/>
-          <p:cNvSpPr/>
-          <p:nvPr/>
+          <p:cNvPr id="2" name="제목 1"/>
+          <p:cNvSpPr>
+            <a:spLocks noGrp="1"/>
+          </p:cNvSpPr>
+          <p:nvPr>
+            <p:ph type="title"/>
+          </p:nvPr>
         </p:nvSpPr>
-        <p:spPr>
-          <a:xfrm>
-            <a:off x="0" y="588597"/>
-            <a:ext cx="12192000" cy="923730"/>
-          </a:xfrm>
-          <a:prstGeom prst="rect">
-            <a:avLst/>
-          </a:prstGeom>
-          <a:solidFill>
-            <a:srgbClr val="FC0000"/>
-          </a:solidFill>
-          <a:ln>
-            <a:noFill/>
-          </a:ln>
-        </p:spPr>
-        <p:style>
-          <a:lnRef idx="2">
-            <a:schemeClr val="accent1">
-              <a:shade val="50000"/>
-            </a:schemeClr>
-          </a:lnRef>
-          <a:fillRef idx="1">
-            <a:schemeClr val="accent1"/>
-          </a:fillRef>
-          <a:effectRef idx="0">
-            <a:schemeClr val="accent1"/>
-          </a:effectRef>
-          <a:fontRef idx="minor">
-            <a:schemeClr val="lt1"/>
-          </a:fontRef>
-        </p:style>
+        <p:spPr/>
         <p:txBody>
-          <a:bodyPr rtlCol="0" anchor="ctr"/>
+          <a:bodyPr/>
           <a:lstStyle/>
           <a:p>
-            <a:pPr algn="ctr"/>
-            <a:endParaRPr lang="ko-KR" altLang="en-US"/>
+            <a:r>
+              <a:rPr lang="ko-KR" altLang="en-US" dirty="0" smtClean="0"/>
+              <a:t>알아볼 내용</a:t>
+            </a:r>
+            <a:endParaRPr lang="ko-KR" altLang="en-US" dirty="0"/>
           </a:p>
         </p:txBody>
       </p:sp>
@@ -4768,114 +4722,48 @@
         </p:nvSpPr>
         <p:spPr>
           <a:xfrm>
-            <a:off x="838200" y="1825625"/>
-            <a:ext cx="10515600" cy="3506866"/>
+            <a:off x="514001" y="1825625"/>
+            <a:ext cx="3767051" cy="4351338"/>
           </a:xfrm>
         </p:spPr>
         <p:txBody>
-          <a:bodyPr/>
+          <a:bodyPr>
+            <a:normAutofit/>
+          </a:bodyPr>
           <a:lstStyle/>
           <a:p>
             <a:pPr>
               <a:lnSpc>
-                <a:spcPct val="100000"/>
+                <a:spcPct val="120000"/>
               </a:lnSpc>
             </a:pPr>
             <a:r>
-              <a:rPr lang="ko-KR" altLang="en-US" dirty="0"/>
-              <a:t>객체 지향 프로그래밍</a:t>
-            </a:r>
-            <a:r>
-              <a:rPr lang="en-US" altLang="ko-KR" dirty="0"/>
-              <a:t>(</a:t>
-            </a:r>
-            <a:r>
-              <a:rPr lang="ko-KR" altLang="en-US" dirty="0"/>
-              <a:t>영어</a:t>
-            </a:r>
-            <a:r>
-              <a:rPr lang="en-US" altLang="ko-KR" dirty="0"/>
-              <a:t>: Object-Oriented Programming, OOP)</a:t>
-            </a:r>
-            <a:r>
-              <a:rPr lang="ko-KR" altLang="en-US" dirty="0"/>
-              <a:t>은 컴퓨터 프로그래밍의 패러다임의 하나이다</a:t>
-            </a:r>
-            <a:r>
-              <a:rPr lang="en-US" altLang="ko-KR" dirty="0"/>
-              <a:t>. </a:t>
+              <a:rPr lang="ko-KR" altLang="en-US" dirty="0" smtClean="0"/>
+              <a:t>객체지향 프로그래밍</a:t>
             </a:r>
             <a:endParaRPr lang="en-US" altLang="ko-KR" dirty="0" smtClean="0"/>
           </a:p>
           <a:p>
-            <a:pPr>
+            <a:pPr lvl="1">
               <a:lnSpc>
-                <a:spcPct val="100000"/>
+                <a:spcPct val="120000"/>
               </a:lnSpc>
             </a:pPr>
             <a:r>
               <a:rPr lang="ko-KR" altLang="en-US" dirty="0" smtClean="0"/>
-              <a:t>컴퓨터 </a:t>
-            </a:r>
-            <a:r>
-              <a:rPr lang="ko-KR" altLang="en-US" dirty="0"/>
-              <a:t>프로그램을 명령어의 목록으로 보는 시각에서 벗어나 여러 개의 독립된 단위</a:t>
-            </a:r>
-            <a:r>
-              <a:rPr lang="en-US" altLang="ko-KR" dirty="0"/>
-              <a:t>, </a:t>
-            </a:r>
-            <a:r>
-              <a:rPr lang="ko-KR" altLang="en-US" dirty="0"/>
-              <a:t>즉 </a:t>
-            </a:r>
-            <a:r>
-              <a:rPr lang="en-US" altLang="ko-KR" dirty="0"/>
-              <a:t>"</a:t>
-            </a:r>
-            <a:r>
-              <a:rPr lang="ko-KR" altLang="en-US" dirty="0"/>
               <a:t>객체</a:t>
             </a:r>
-            <a:r>
-              <a:rPr lang="en-US" altLang="ko-KR" dirty="0"/>
-              <a:t>"</a:t>
-            </a:r>
-            <a:r>
-              <a:rPr lang="ko-KR" altLang="en-US" dirty="0"/>
-              <a:t>들의 모임으로 파악하고자 하는 것이다</a:t>
-            </a:r>
-            <a:r>
-              <a:rPr lang="en-US" altLang="ko-KR" dirty="0"/>
-              <a:t>. </a:t>
-            </a:r>
             <a:endParaRPr lang="en-US" altLang="ko-KR" dirty="0" smtClean="0"/>
           </a:p>
           <a:p>
-            <a:pPr>
+            <a:pPr lvl="1">
               <a:lnSpc>
-                <a:spcPct val="100000"/>
+                <a:spcPct val="120000"/>
               </a:lnSpc>
             </a:pPr>
             <a:r>
               <a:rPr lang="ko-KR" altLang="en-US" dirty="0" smtClean="0"/>
-              <a:t>각각의 </a:t>
-            </a:r>
-            <a:r>
-              <a:rPr lang="ko-KR" altLang="en-US" dirty="0"/>
-              <a:t>객체는 메시지를 주고받고</a:t>
-            </a:r>
-            <a:r>
-              <a:rPr lang="en-US" altLang="ko-KR" dirty="0"/>
-              <a:t>, </a:t>
-            </a:r>
-            <a:r>
-              <a:rPr lang="ko-KR" altLang="en-US" dirty="0"/>
-              <a:t>데이터를 처리할 수 있다</a:t>
-            </a:r>
-            <a:r>
-              <a:rPr lang="en-US" altLang="ko-KR" dirty="0"/>
-              <a:t>.</a:t>
+              <a:t>클래스</a:t>
             </a:r>
             <a:endParaRPr lang="ko-KR" altLang="en-US" dirty="0"/>
           </a:p>
@@ -4883,101 +4771,625 @@
       </p:sp>
       <p:sp>
         <p:nvSpPr>
-          <p:cNvPr id="4" name="TextBox 3"/>
-          <p:cNvSpPr txBox="1"/>
+          <p:cNvPr id="4" name="내용 개체 틀 2"/>
+          <p:cNvSpPr txBox="1">
+            <a:spLocks/>
+          </p:cNvSpPr>
           <p:nvPr/>
         </p:nvSpPr>
         <p:spPr>
           <a:xfrm>
-            <a:off x="7921783" y="5005763"/>
-            <a:ext cx="1959191" cy="461665"/>
+            <a:off x="4788132" y="1825625"/>
+            <a:ext cx="3668684" cy="4351338"/>
           </a:xfrm>
           <a:prstGeom prst="rect">
             <a:avLst/>
           </a:prstGeom>
-          <a:noFill/>
         </p:spPr>
         <p:txBody>
-          <a:bodyPr wrap="none" rtlCol="0">
-            <a:spAutoFit/>
+          <a:bodyPr vert="horz" lIns="91440" tIns="45720" rIns="91440" bIns="45720" rtlCol="0">
+            <a:normAutofit fontScale="92500" lnSpcReduction="20000"/>
           </a:bodyPr>
-          <a:lstStyle/>
-          <a:p>
-            <a:r>
-              <a:rPr lang="en-US" altLang="ko-KR" sz="2400" dirty="0" smtClean="0"/>
-              <a:t>- </a:t>
-            </a:r>
-            <a:r>
-              <a:rPr lang="ko-KR" altLang="en-US" sz="2400" dirty="0" smtClean="0"/>
-              <a:t>위키피디아</a:t>
-            </a:r>
-            <a:endParaRPr lang="ko-KR" altLang="en-US" sz="2400" dirty="0"/>
+          <a:lstStyle>
+            <a:lvl1pPr marL="228600" indent="-228600" algn="l" defTabSz="914400" rtl="0" eaLnBrk="1" latinLnBrk="1" hangingPunct="1">
+              <a:lnSpc>
+                <a:spcPct val="90000"/>
+              </a:lnSpc>
+              <a:spcBef>
+                <a:spcPts val="1000"/>
+              </a:spcBef>
+              <a:buFont typeface="Arial" panose="020B0604020202020204" pitchFamily="34" charset="0"/>
+              <a:buChar char="•"/>
+              <a:defRPr sz="2800" kern="1200">
+                <a:solidFill>
+                  <a:schemeClr val="tx1"/>
+                </a:solidFill>
+                <a:latin typeface="+mn-lt"/>
+                <a:ea typeface="+mn-ea"/>
+                <a:cs typeface="+mn-cs"/>
+              </a:defRPr>
+            </a:lvl1pPr>
+            <a:lvl2pPr marL="685800" indent="-228600" algn="l" defTabSz="914400" rtl="0" eaLnBrk="1" latinLnBrk="1" hangingPunct="1">
+              <a:lnSpc>
+                <a:spcPct val="90000"/>
+              </a:lnSpc>
+              <a:spcBef>
+                <a:spcPts val="500"/>
+              </a:spcBef>
+              <a:buFont typeface="Arial" panose="020B0604020202020204" pitchFamily="34" charset="0"/>
+              <a:buChar char="•"/>
+              <a:defRPr sz="2400" kern="1200">
+                <a:solidFill>
+                  <a:schemeClr val="tx1"/>
+                </a:solidFill>
+                <a:latin typeface="+mn-lt"/>
+                <a:ea typeface="+mn-ea"/>
+                <a:cs typeface="+mn-cs"/>
+              </a:defRPr>
+            </a:lvl2pPr>
+            <a:lvl3pPr marL="1143000" indent="-228600" algn="l" defTabSz="914400" rtl="0" eaLnBrk="1" latinLnBrk="1" hangingPunct="1">
+              <a:lnSpc>
+                <a:spcPct val="90000"/>
+              </a:lnSpc>
+              <a:spcBef>
+                <a:spcPts val="500"/>
+              </a:spcBef>
+              <a:buFont typeface="Arial" panose="020B0604020202020204" pitchFamily="34" charset="0"/>
+              <a:buChar char="•"/>
+              <a:defRPr sz="2000" kern="1200">
+                <a:solidFill>
+                  <a:schemeClr val="tx1"/>
+                </a:solidFill>
+                <a:latin typeface="+mn-lt"/>
+                <a:ea typeface="+mn-ea"/>
+                <a:cs typeface="+mn-cs"/>
+              </a:defRPr>
+            </a:lvl3pPr>
+            <a:lvl4pPr marL="1600200" indent="-228600" algn="l" defTabSz="914400" rtl="0" eaLnBrk="1" latinLnBrk="1" hangingPunct="1">
+              <a:lnSpc>
+                <a:spcPct val="90000"/>
+              </a:lnSpc>
+              <a:spcBef>
+                <a:spcPts val="500"/>
+              </a:spcBef>
+              <a:buFont typeface="Arial" panose="020B0604020202020204" pitchFamily="34" charset="0"/>
+              <a:buChar char="•"/>
+              <a:defRPr sz="1800" kern="1200">
+                <a:solidFill>
+                  <a:schemeClr val="tx1"/>
+                </a:solidFill>
+                <a:latin typeface="+mn-lt"/>
+                <a:ea typeface="+mn-ea"/>
+                <a:cs typeface="+mn-cs"/>
+              </a:defRPr>
+            </a:lvl4pPr>
+            <a:lvl5pPr marL="2057400" indent="-228600" algn="l" defTabSz="914400" rtl="0" eaLnBrk="1" latinLnBrk="1" hangingPunct="1">
+              <a:lnSpc>
+                <a:spcPct val="90000"/>
+              </a:lnSpc>
+              <a:spcBef>
+                <a:spcPts val="500"/>
+              </a:spcBef>
+              <a:buFont typeface="Arial" panose="020B0604020202020204" pitchFamily="34" charset="0"/>
+              <a:buChar char="•"/>
+              <a:defRPr sz="1800" kern="1200">
+                <a:solidFill>
+                  <a:schemeClr val="tx1"/>
+                </a:solidFill>
+                <a:latin typeface="+mn-lt"/>
+                <a:ea typeface="+mn-ea"/>
+                <a:cs typeface="+mn-cs"/>
+              </a:defRPr>
+            </a:lvl5pPr>
+            <a:lvl6pPr marL="2514600" indent="-228600" algn="l" defTabSz="914400" rtl="0" eaLnBrk="1" latinLnBrk="1" hangingPunct="1">
+              <a:lnSpc>
+                <a:spcPct val="90000"/>
+              </a:lnSpc>
+              <a:spcBef>
+                <a:spcPts val="500"/>
+              </a:spcBef>
+              <a:buFont typeface="Arial" panose="020B0604020202020204" pitchFamily="34" charset="0"/>
+              <a:buChar char="•"/>
+              <a:defRPr sz="1800" kern="1200">
+                <a:solidFill>
+                  <a:schemeClr val="tx1"/>
+                </a:solidFill>
+                <a:latin typeface="+mn-lt"/>
+                <a:ea typeface="+mn-ea"/>
+                <a:cs typeface="+mn-cs"/>
+              </a:defRPr>
+            </a:lvl6pPr>
+            <a:lvl7pPr marL="2971800" indent="-228600" algn="l" defTabSz="914400" rtl="0" eaLnBrk="1" latinLnBrk="1" hangingPunct="1">
+              <a:lnSpc>
+                <a:spcPct val="90000"/>
+              </a:lnSpc>
+              <a:spcBef>
+                <a:spcPts val="500"/>
+              </a:spcBef>
+              <a:buFont typeface="Arial" panose="020B0604020202020204" pitchFamily="34" charset="0"/>
+              <a:buChar char="•"/>
+              <a:defRPr sz="1800" kern="1200">
+                <a:solidFill>
+                  <a:schemeClr val="tx1"/>
+                </a:solidFill>
+                <a:latin typeface="+mn-lt"/>
+                <a:ea typeface="+mn-ea"/>
+                <a:cs typeface="+mn-cs"/>
+              </a:defRPr>
+            </a:lvl7pPr>
+            <a:lvl8pPr marL="3429000" indent="-228600" algn="l" defTabSz="914400" rtl="0" eaLnBrk="1" latinLnBrk="1" hangingPunct="1">
+              <a:lnSpc>
+                <a:spcPct val="90000"/>
+              </a:lnSpc>
+              <a:spcBef>
+                <a:spcPts val="500"/>
+              </a:spcBef>
+              <a:buFont typeface="Arial" panose="020B0604020202020204" pitchFamily="34" charset="0"/>
+              <a:buChar char="•"/>
+              <a:defRPr sz="1800" kern="1200">
+                <a:solidFill>
+                  <a:schemeClr val="tx1"/>
+                </a:solidFill>
+                <a:latin typeface="+mn-lt"/>
+                <a:ea typeface="+mn-ea"/>
+                <a:cs typeface="+mn-cs"/>
+              </a:defRPr>
+            </a:lvl8pPr>
+            <a:lvl9pPr marL="3886200" indent="-228600" algn="l" defTabSz="914400" rtl="0" eaLnBrk="1" latinLnBrk="1" hangingPunct="1">
+              <a:lnSpc>
+                <a:spcPct val="90000"/>
+              </a:lnSpc>
+              <a:spcBef>
+                <a:spcPts val="500"/>
+              </a:spcBef>
+              <a:buFont typeface="Arial" panose="020B0604020202020204" pitchFamily="34" charset="0"/>
+              <a:buChar char="•"/>
+              <a:defRPr sz="1800" kern="1200">
+                <a:solidFill>
+                  <a:schemeClr val="tx1"/>
+                </a:solidFill>
+                <a:latin typeface="+mn-lt"/>
+                <a:ea typeface="+mn-ea"/>
+                <a:cs typeface="+mn-cs"/>
+              </a:defRPr>
+            </a:lvl9pPr>
+          </a:lstStyle>
+          <a:p>
+            <a:pPr>
+              <a:lnSpc>
+                <a:spcPct val="120000"/>
+              </a:lnSpc>
+            </a:pPr>
+            <a:r>
+              <a:rPr lang="ko-KR" altLang="en-US" dirty="0" smtClean="0"/>
+              <a:t>객체지향의 </a:t>
+            </a:r>
+            <a:r>
+              <a:rPr lang="en-US" altLang="ko-KR" dirty="0" smtClean="0"/>
+              <a:t>4</a:t>
+            </a:r>
+            <a:r>
+              <a:rPr lang="ko-KR" altLang="en-US" dirty="0" smtClean="0"/>
+              <a:t>대 특성</a:t>
+            </a:r>
+          </a:p>
+          <a:p>
+            <a:pPr lvl="1">
+              <a:lnSpc>
+                <a:spcPct val="120000"/>
+              </a:lnSpc>
+            </a:pPr>
+            <a:r>
+              <a:rPr lang="ko-KR" altLang="en-US" dirty="0" smtClean="0"/>
+              <a:t>캡슐화</a:t>
+            </a:r>
+            <a:endParaRPr lang="en-US" altLang="ko-KR" dirty="0" smtClean="0"/>
+          </a:p>
+          <a:p>
+            <a:pPr lvl="2">
+              <a:lnSpc>
+                <a:spcPct val="120000"/>
+              </a:lnSpc>
+            </a:pPr>
+            <a:r>
+              <a:rPr lang="ko-KR" altLang="en-US" dirty="0" err="1" smtClean="0"/>
+              <a:t>접근제한자</a:t>
+            </a:r>
+            <a:endParaRPr lang="en-US" altLang="ko-KR" dirty="0" smtClean="0"/>
+          </a:p>
+          <a:p>
+            <a:pPr lvl="2">
+              <a:lnSpc>
+                <a:spcPct val="120000"/>
+              </a:lnSpc>
+            </a:pPr>
+            <a:r>
+              <a:rPr lang="en-US" altLang="ko-KR" dirty="0" smtClean="0"/>
+              <a:t>getter/setter</a:t>
+            </a:r>
+            <a:endParaRPr lang="ko-KR" altLang="en-US" dirty="0" smtClean="0"/>
+          </a:p>
+          <a:p>
+            <a:pPr lvl="1">
+              <a:lnSpc>
+                <a:spcPct val="120000"/>
+              </a:lnSpc>
+            </a:pPr>
+            <a:r>
+              <a:rPr lang="ko-KR" altLang="en-US" dirty="0" smtClean="0"/>
+              <a:t>상속</a:t>
+            </a:r>
+          </a:p>
+          <a:p>
+            <a:pPr lvl="2">
+              <a:lnSpc>
+                <a:spcPct val="120000"/>
+              </a:lnSpc>
+            </a:pPr>
+            <a:r>
+              <a:rPr lang="ko-KR" altLang="en-US" dirty="0" smtClean="0"/>
+              <a:t>다중 상속</a:t>
+            </a:r>
+          </a:p>
+          <a:p>
+            <a:pPr lvl="2">
+              <a:lnSpc>
+                <a:spcPct val="120000"/>
+              </a:lnSpc>
+            </a:pPr>
+            <a:r>
+              <a:rPr lang="ko-KR" altLang="en-US" dirty="0" smtClean="0"/>
+              <a:t>인터페이스</a:t>
+            </a:r>
+          </a:p>
+          <a:p>
+            <a:pPr lvl="1">
+              <a:lnSpc>
+                <a:spcPct val="120000"/>
+              </a:lnSpc>
+            </a:pPr>
+            <a:r>
+              <a:rPr lang="ko-KR" altLang="en-US" dirty="0" smtClean="0"/>
+              <a:t>추상화</a:t>
+            </a:r>
+          </a:p>
+          <a:p>
+            <a:pPr lvl="2">
+              <a:lnSpc>
+                <a:spcPct val="120000"/>
+              </a:lnSpc>
+            </a:pPr>
+            <a:r>
+              <a:rPr lang="ko-KR" altLang="en-US" dirty="0" err="1" smtClean="0"/>
+              <a:t>추상클래스</a:t>
+            </a:r>
+            <a:endParaRPr lang="ko-KR" altLang="en-US" dirty="0" smtClean="0"/>
+          </a:p>
+          <a:p>
+            <a:pPr lvl="1">
+              <a:lnSpc>
+                <a:spcPct val="120000"/>
+              </a:lnSpc>
+            </a:pPr>
+            <a:r>
+              <a:rPr lang="ko-KR" altLang="en-US" dirty="0" err="1" smtClean="0"/>
+              <a:t>다형성</a:t>
+            </a:r>
+            <a:endParaRPr lang="ko-KR" altLang="en-US" dirty="0" smtClean="0"/>
+          </a:p>
+          <a:p>
+            <a:pPr lvl="2">
+              <a:lnSpc>
+                <a:spcPct val="120000"/>
+              </a:lnSpc>
+            </a:pPr>
+            <a:r>
+              <a:rPr lang="ko-KR" altLang="en-US" dirty="0" err="1" smtClean="0"/>
+              <a:t>오버라이딩</a:t>
+            </a:r>
+            <a:r>
+              <a:rPr lang="en-US" altLang="ko-KR" dirty="0" smtClean="0"/>
+              <a:t>/</a:t>
+            </a:r>
+            <a:r>
+              <a:rPr lang="ko-KR" altLang="en-US" dirty="0" smtClean="0"/>
+              <a:t>오버로딩</a:t>
+            </a:r>
+            <a:endParaRPr lang="ko-KR" altLang="en-US" dirty="0"/>
           </a:p>
         </p:txBody>
       </p:sp>
       <p:sp>
         <p:nvSpPr>
-          <p:cNvPr id="8" name="TextBox 7"/>
-          <p:cNvSpPr txBox="1"/>
+          <p:cNvPr id="5" name="내용 개체 틀 2"/>
+          <p:cNvSpPr txBox="1">
+            <a:spLocks/>
+          </p:cNvSpPr>
           <p:nvPr/>
         </p:nvSpPr>
         <p:spPr>
           <a:xfrm>
-            <a:off x="539987" y="665742"/>
-            <a:ext cx="6849952" cy="769441"/>
+            <a:off x="8706197" y="1825625"/>
+            <a:ext cx="3492731" cy="4351338"/>
           </a:xfrm>
           <a:prstGeom prst="rect">
             <a:avLst/>
           </a:prstGeom>
-          <a:noFill/>
         </p:spPr>
         <p:txBody>
-          <a:bodyPr wrap="none" rtlCol="0">
-            <a:spAutoFit/>
+          <a:bodyPr vert="horz" lIns="91440" tIns="45720" rIns="91440" bIns="45720" rtlCol="0">
+            <a:normAutofit/>
           </a:bodyPr>
-          <a:lstStyle/>
-          <a:p>
-            <a:r>
-              <a:rPr lang="ko-KR" altLang="en-US" sz="4400" dirty="0" smtClean="0">
+          <a:lstStyle>
+            <a:lvl1pPr marL="228600" indent="-228600" algn="l" defTabSz="914400" rtl="0" eaLnBrk="1" latinLnBrk="1" hangingPunct="1">
+              <a:lnSpc>
+                <a:spcPct val="90000"/>
+              </a:lnSpc>
+              <a:spcBef>
+                <a:spcPts val="1000"/>
+              </a:spcBef>
+              <a:buFont typeface="Arial" panose="020B0604020202020204" pitchFamily="34" charset="0"/>
+              <a:buChar char="•"/>
+              <a:defRPr sz="2800" kern="1200">
                 <a:solidFill>
-                  <a:schemeClr val="bg1"/>
+                  <a:schemeClr val="tx1"/>
                 </a:solidFill>
-              </a:rPr>
-              <a:t>객체지향 프로그래밍이란</a:t>
-            </a:r>
-            <a:r>
-              <a:rPr lang="en-US" altLang="ko-KR" sz="4400" dirty="0" smtClean="0">
+                <a:latin typeface="+mn-lt"/>
+                <a:ea typeface="+mn-ea"/>
+                <a:cs typeface="+mn-cs"/>
+              </a:defRPr>
+            </a:lvl1pPr>
+            <a:lvl2pPr marL="685800" indent="-228600" algn="l" defTabSz="914400" rtl="0" eaLnBrk="1" latinLnBrk="1" hangingPunct="1">
+              <a:lnSpc>
+                <a:spcPct val="90000"/>
+              </a:lnSpc>
+              <a:spcBef>
+                <a:spcPts val="500"/>
+              </a:spcBef>
+              <a:buFont typeface="Arial" panose="020B0604020202020204" pitchFamily="34" charset="0"/>
+              <a:buChar char="•"/>
+              <a:defRPr sz="2400" kern="1200">
                 <a:solidFill>
-                  <a:schemeClr val="bg1"/>
+                  <a:schemeClr val="tx1"/>
                 </a:solidFill>
-              </a:rPr>
-              <a:t>?</a:t>
-            </a:r>
-            <a:endParaRPr lang="ko-KR" altLang="en-US" sz="4400" dirty="0">
-              <a:solidFill>
-                <a:schemeClr val="bg1"/>
-              </a:solidFill>
-            </a:endParaRPr>
+                <a:latin typeface="+mn-lt"/>
+                <a:ea typeface="+mn-ea"/>
+                <a:cs typeface="+mn-cs"/>
+              </a:defRPr>
+            </a:lvl2pPr>
+            <a:lvl3pPr marL="1143000" indent="-228600" algn="l" defTabSz="914400" rtl="0" eaLnBrk="1" latinLnBrk="1" hangingPunct="1">
+              <a:lnSpc>
+                <a:spcPct val="90000"/>
+              </a:lnSpc>
+              <a:spcBef>
+                <a:spcPts val="500"/>
+              </a:spcBef>
+              <a:buFont typeface="Arial" panose="020B0604020202020204" pitchFamily="34" charset="0"/>
+              <a:buChar char="•"/>
+              <a:defRPr sz="2000" kern="1200">
+                <a:solidFill>
+                  <a:schemeClr val="tx1"/>
+                </a:solidFill>
+                <a:latin typeface="+mn-lt"/>
+                <a:ea typeface="+mn-ea"/>
+                <a:cs typeface="+mn-cs"/>
+              </a:defRPr>
+            </a:lvl3pPr>
+            <a:lvl4pPr marL="1600200" indent="-228600" algn="l" defTabSz="914400" rtl="0" eaLnBrk="1" latinLnBrk="1" hangingPunct="1">
+              <a:lnSpc>
+                <a:spcPct val="90000"/>
+              </a:lnSpc>
+              <a:spcBef>
+                <a:spcPts val="500"/>
+              </a:spcBef>
+              <a:buFont typeface="Arial" panose="020B0604020202020204" pitchFamily="34" charset="0"/>
+              <a:buChar char="•"/>
+              <a:defRPr sz="1800" kern="1200">
+                <a:solidFill>
+                  <a:schemeClr val="tx1"/>
+                </a:solidFill>
+                <a:latin typeface="+mn-lt"/>
+                <a:ea typeface="+mn-ea"/>
+                <a:cs typeface="+mn-cs"/>
+              </a:defRPr>
+            </a:lvl4pPr>
+            <a:lvl5pPr marL="2057400" indent="-228600" algn="l" defTabSz="914400" rtl="0" eaLnBrk="1" latinLnBrk="1" hangingPunct="1">
+              <a:lnSpc>
+                <a:spcPct val="90000"/>
+              </a:lnSpc>
+              <a:spcBef>
+                <a:spcPts val="500"/>
+              </a:spcBef>
+              <a:buFont typeface="Arial" panose="020B0604020202020204" pitchFamily="34" charset="0"/>
+              <a:buChar char="•"/>
+              <a:defRPr sz="1800" kern="1200">
+                <a:solidFill>
+                  <a:schemeClr val="tx1"/>
+                </a:solidFill>
+                <a:latin typeface="+mn-lt"/>
+                <a:ea typeface="+mn-ea"/>
+                <a:cs typeface="+mn-cs"/>
+              </a:defRPr>
+            </a:lvl5pPr>
+            <a:lvl6pPr marL="2514600" indent="-228600" algn="l" defTabSz="914400" rtl="0" eaLnBrk="1" latinLnBrk="1" hangingPunct="1">
+              <a:lnSpc>
+                <a:spcPct val="90000"/>
+              </a:lnSpc>
+              <a:spcBef>
+                <a:spcPts val="500"/>
+              </a:spcBef>
+              <a:buFont typeface="Arial" panose="020B0604020202020204" pitchFamily="34" charset="0"/>
+              <a:buChar char="•"/>
+              <a:defRPr sz="1800" kern="1200">
+                <a:solidFill>
+                  <a:schemeClr val="tx1"/>
+                </a:solidFill>
+                <a:latin typeface="+mn-lt"/>
+                <a:ea typeface="+mn-ea"/>
+                <a:cs typeface="+mn-cs"/>
+              </a:defRPr>
+            </a:lvl6pPr>
+            <a:lvl7pPr marL="2971800" indent="-228600" algn="l" defTabSz="914400" rtl="0" eaLnBrk="1" latinLnBrk="1" hangingPunct="1">
+              <a:lnSpc>
+                <a:spcPct val="90000"/>
+              </a:lnSpc>
+              <a:spcBef>
+                <a:spcPts val="500"/>
+              </a:spcBef>
+              <a:buFont typeface="Arial" panose="020B0604020202020204" pitchFamily="34" charset="0"/>
+              <a:buChar char="•"/>
+              <a:defRPr sz="1800" kern="1200">
+                <a:solidFill>
+                  <a:schemeClr val="tx1"/>
+                </a:solidFill>
+                <a:latin typeface="+mn-lt"/>
+                <a:ea typeface="+mn-ea"/>
+                <a:cs typeface="+mn-cs"/>
+              </a:defRPr>
+            </a:lvl7pPr>
+            <a:lvl8pPr marL="3429000" indent="-228600" algn="l" defTabSz="914400" rtl="0" eaLnBrk="1" latinLnBrk="1" hangingPunct="1">
+              <a:lnSpc>
+                <a:spcPct val="90000"/>
+              </a:lnSpc>
+              <a:spcBef>
+                <a:spcPts val="500"/>
+              </a:spcBef>
+              <a:buFont typeface="Arial" panose="020B0604020202020204" pitchFamily="34" charset="0"/>
+              <a:buChar char="•"/>
+              <a:defRPr sz="1800" kern="1200">
+                <a:solidFill>
+                  <a:schemeClr val="tx1"/>
+                </a:solidFill>
+                <a:latin typeface="+mn-lt"/>
+                <a:ea typeface="+mn-ea"/>
+                <a:cs typeface="+mn-cs"/>
+              </a:defRPr>
+            </a:lvl8pPr>
+            <a:lvl9pPr marL="3886200" indent="-228600" algn="l" defTabSz="914400" rtl="0" eaLnBrk="1" latinLnBrk="1" hangingPunct="1">
+              <a:lnSpc>
+                <a:spcPct val="90000"/>
+              </a:lnSpc>
+              <a:spcBef>
+                <a:spcPts val="500"/>
+              </a:spcBef>
+              <a:buFont typeface="Arial" panose="020B0604020202020204" pitchFamily="34" charset="0"/>
+              <a:buChar char="•"/>
+              <a:defRPr sz="1800" kern="1200">
+                <a:solidFill>
+                  <a:schemeClr val="tx1"/>
+                </a:solidFill>
+                <a:latin typeface="+mn-lt"/>
+                <a:ea typeface="+mn-ea"/>
+                <a:cs typeface="+mn-cs"/>
+              </a:defRPr>
+            </a:lvl9pPr>
+          </a:lstStyle>
+          <a:p>
+            <a:pPr lvl="1">
+              <a:lnSpc>
+                <a:spcPct val="120000"/>
+              </a:lnSpc>
+            </a:pPr>
+            <a:r>
+              <a:rPr lang="en-US" altLang="ko-KR" dirty="0" smtClean="0"/>
+              <a:t>static</a:t>
+            </a:r>
+          </a:p>
+          <a:p>
+            <a:pPr lvl="1">
+              <a:lnSpc>
+                <a:spcPct val="120000"/>
+              </a:lnSpc>
+            </a:pPr>
+            <a:r>
+              <a:rPr lang="en-US" altLang="ko-KR" dirty="0" smtClean="0"/>
+              <a:t>final</a:t>
+            </a:r>
+          </a:p>
+          <a:p>
+            <a:pPr lvl="1">
+              <a:lnSpc>
+                <a:spcPct val="120000"/>
+              </a:lnSpc>
+            </a:pPr>
+            <a:r>
+              <a:rPr lang="en-US" altLang="ko-KR" dirty="0" smtClean="0"/>
+              <a:t>package</a:t>
+            </a:r>
+            <a:endParaRPr lang="ko-KR" altLang="en-US" dirty="0"/>
           </a:p>
         </p:txBody>
       </p:sp>
+      <p:cxnSp>
+        <p:nvCxnSpPr>
+          <p:cNvPr id="7" name="직선 연결선 6"/>
+          <p:cNvCxnSpPr/>
+          <p:nvPr/>
+        </p:nvCxnSpPr>
+        <p:spPr>
+          <a:xfrm>
+            <a:off x="4522121" y="1690688"/>
+            <a:ext cx="0" cy="4486275"/>
+          </a:xfrm>
+          <a:prstGeom prst="line">
+            <a:avLst/>
+          </a:prstGeom>
+        </p:spPr>
+        <p:style>
+          <a:lnRef idx="1">
+            <a:schemeClr val="dk1"/>
+          </a:lnRef>
+          <a:fillRef idx="0">
+            <a:schemeClr val="dk1"/>
+          </a:fillRef>
+          <a:effectRef idx="0">
+            <a:schemeClr val="dk1"/>
+          </a:effectRef>
+          <a:fontRef idx="minor">
+            <a:schemeClr val="tx1"/>
+          </a:fontRef>
+        </p:style>
+      </p:cxnSp>
+      <p:cxnSp>
+        <p:nvCxnSpPr>
+          <p:cNvPr id="8" name="직선 연결선 7"/>
+          <p:cNvCxnSpPr/>
+          <p:nvPr/>
+        </p:nvCxnSpPr>
+        <p:spPr>
+          <a:xfrm>
+            <a:off x="8756073" y="1690688"/>
+            <a:ext cx="0" cy="4486275"/>
+          </a:xfrm>
+          <a:prstGeom prst="line">
+            <a:avLst/>
+          </a:prstGeom>
+        </p:spPr>
+        <p:style>
+          <a:lnRef idx="1">
+            <a:schemeClr val="dk1"/>
+          </a:lnRef>
+          <a:fillRef idx="0">
+            <a:schemeClr val="dk1"/>
+          </a:fillRef>
+          <a:effectRef idx="0">
+            <a:schemeClr val="dk1"/>
+          </a:effectRef>
+          <a:fontRef idx="minor">
+            <a:schemeClr val="tx1"/>
+          </a:fontRef>
+        </p:style>
+      </p:cxnSp>
     </p:spTree>
     <p:extLst>
       <p:ext uri="{BB962C8B-B14F-4D97-AF65-F5344CB8AC3E}">
-        <p14:creationId xmlns:p14="http://schemas.microsoft.com/office/powerpoint/2010/main" val="3824584008"/>
+        <p14:creationId xmlns:p14="http://schemas.microsoft.com/office/powerpoint/2010/main" val="2441643469"/>
       </p:ext>
     </p:extLst>
   </p:cSld>
   <p:clrMapOvr>
     <a:masterClrMapping/>
   </p:clrMapOvr>
-  <p:timing>
-    <p:tnLst>
-      <p:par>
-        <p:cTn id="1" dur="indefinite" restart="never" nodeType="tmRoot"/>
-      </p:par>
-    </p:tnLst>
-  </p:timing>
 </p:sld>
 </file>
 
@@ -5042,11 +5454,7 @@
           <a:p>
             <a:r>
               <a:rPr lang="ko-KR" altLang="en-US" dirty="0" smtClean="0"/>
-              <a:t>객체지향에서의 상속은 </a:t>
-            </a:r>
-            <a:r>
-              <a:rPr lang="ko-KR" altLang="en-US" dirty="0" smtClean="0"/>
-              <a:t>계층도 또는 </a:t>
+              <a:t>객체지향에서의 상속은 계층도 또는 </a:t>
             </a:r>
             <a:r>
               <a:rPr lang="ko-KR" altLang="en-US" dirty="0" err="1" smtClean="0"/>
@@ -5095,15 +5503,7 @@
           <a:p>
             <a:r>
               <a:rPr lang="ko-KR" altLang="en-US" dirty="0" smtClean="0"/>
-              <a:t>객체지향</a:t>
-            </a:r>
-            <a:r>
-              <a:rPr lang="ko-KR" altLang="en-US" dirty="0" smtClean="0"/>
-              <a:t>에서의 </a:t>
-            </a:r>
-            <a:r>
-              <a:rPr lang="ko-KR" altLang="en-US" dirty="0" smtClean="0"/>
-              <a:t>상속은 </a:t>
+              <a:t>객체지향에서의 상속은 </a:t>
             </a:r>
             <a:r>
               <a:rPr lang="ko-KR" altLang="en-US" dirty="0" smtClean="0">
@@ -6283,11 +6683,7 @@
             </a:r>
             <a:r>
               <a:rPr lang="ko-KR" altLang="en-US" sz="2400" dirty="0" smtClean="0"/>
-              <a:t> </a:t>
-            </a:r>
-            <a:r>
-              <a:rPr lang="ko-KR" altLang="en-US" sz="2400" dirty="0" smtClean="0"/>
-              <a:t>생각해보면 </a:t>
+              <a:t> 생각해보면 </a:t>
             </a:r>
             <a:r>
               <a:rPr lang="en-US" altLang="ko-KR" sz="2400" dirty="0" smtClean="0"/>
@@ -8550,7 +8946,7 @@
           <p:nvPr>
             <p:extLst>
               <p:ext uri="{D42A27DB-BD31-4B8C-83A1-F6EECF244321}">
-                <p14:modId xmlns:p14="http://schemas.microsoft.com/office/powerpoint/2010/main" val="3611190106"/>
+                <p14:modId xmlns:p14="http://schemas.microsoft.com/office/powerpoint/2010/main" val="2032374038"/>
               </p:ext>
             </p:extLst>
           </p:nvPr>
@@ -8563,7 +8959,7 @@
           <a:graphicData uri="http://schemas.openxmlformats.org/drawingml/2006/table">
             <a:tbl>
               <a:tblPr firstRow="1" bandRow="1">
-                <a:tableStyleId>{F5AB1C69-6EDB-4FF4-983F-18BD219EF322}</a:tableStyleId>
+                <a:tableStyleId>{5C22544A-7EE6-4342-B048-85BDC9FD1C3A}</a:tableStyleId>
               </a:tblPr>
               <a:tblGrid>
                 <a:gridCol w="1793312">
@@ -8661,7 +9057,7 @@
           <p:nvPr>
             <p:extLst>
               <p:ext uri="{D42A27DB-BD31-4B8C-83A1-F6EECF244321}">
-                <p14:modId xmlns:p14="http://schemas.microsoft.com/office/powerpoint/2010/main" val="2727633517"/>
+                <p14:modId xmlns:p14="http://schemas.microsoft.com/office/powerpoint/2010/main" val="4191403687"/>
               </p:ext>
             </p:extLst>
           </p:nvPr>
@@ -8674,7 +9070,7 @@
           <a:graphicData uri="http://schemas.openxmlformats.org/drawingml/2006/table">
             <a:tbl>
               <a:tblPr firstRow="1" bandRow="1">
-                <a:tableStyleId>{F5AB1C69-6EDB-4FF4-983F-18BD219EF322}</a:tableStyleId>
+                <a:tableStyleId>{5C22544A-7EE6-4342-B048-85BDC9FD1C3A}</a:tableStyleId>
               </a:tblPr>
               <a:tblGrid>
                 <a:gridCol w="1860771">
@@ -8768,7 +9164,7 @@
           <p:nvPr>
             <p:extLst>
               <p:ext uri="{D42A27DB-BD31-4B8C-83A1-F6EECF244321}">
-                <p14:modId xmlns:p14="http://schemas.microsoft.com/office/powerpoint/2010/main" val="3600780265"/>
+                <p14:modId xmlns:p14="http://schemas.microsoft.com/office/powerpoint/2010/main" val="3134626179"/>
               </p:ext>
             </p:extLst>
           </p:nvPr>
@@ -8781,7 +9177,7 @@
           <a:graphicData uri="http://schemas.openxmlformats.org/drawingml/2006/table">
             <a:tbl>
               <a:tblPr firstRow="1" bandRow="1">
-                <a:tableStyleId>{F5AB1C69-6EDB-4FF4-983F-18BD219EF322}</a:tableStyleId>
+                <a:tableStyleId>{5C22544A-7EE6-4342-B048-85BDC9FD1C3A}</a:tableStyleId>
               </a:tblPr>
               <a:tblGrid>
                 <a:gridCol w="2076188">
@@ -8875,7 +9271,7 @@
           <p:nvPr>
             <p:extLst>
               <p:ext uri="{D42A27DB-BD31-4B8C-83A1-F6EECF244321}">
-                <p14:modId xmlns:p14="http://schemas.microsoft.com/office/powerpoint/2010/main" val="2826426459"/>
+                <p14:modId xmlns:p14="http://schemas.microsoft.com/office/powerpoint/2010/main" val="3973286245"/>
               </p:ext>
             </p:extLst>
           </p:nvPr>
@@ -8888,7 +9284,7 @@
           <a:graphicData uri="http://schemas.openxmlformats.org/drawingml/2006/table">
             <a:tbl>
               <a:tblPr firstRow="1" bandRow="1">
-                <a:tableStyleId>{21E4AEA4-8DFA-4A89-87EB-49C32662AFE0}</a:tableStyleId>
+                <a:tableStyleId>{5C22544A-7EE6-4342-B048-85BDC9FD1C3A}</a:tableStyleId>
               </a:tblPr>
               <a:tblGrid>
                 <a:gridCol w="2013907">
@@ -9450,11 +9846,7 @@
           <a:p>
             <a:r>
               <a:rPr lang="ko-KR" altLang="en-US" dirty="0" smtClean="0"/>
-              <a:t>다중 </a:t>
-            </a:r>
-            <a:r>
-              <a:rPr lang="ko-KR" altLang="en-US" dirty="0" smtClean="0"/>
-              <a:t>상속</a:t>
+              <a:t>다중 상속</a:t>
             </a:r>
             <a:endParaRPr lang="ko-KR" altLang="en-US" dirty="0"/>
           </a:p>
@@ -9528,11 +9920,7 @@
             <a:pPr lvl="1"/>
             <a:r>
               <a:rPr lang="ko-KR" altLang="en-US" dirty="0" smtClean="0"/>
-              <a:t>사람과 </a:t>
-            </a:r>
-            <a:r>
-              <a:rPr lang="ko-KR" altLang="en-US" dirty="0" smtClean="0"/>
-              <a:t>물고기를 확장하고 있는 인어에게 수영을 해보라고 한다면</a:t>
+              <a:t>사람과 물고기를 확장하고 있는 인어에게 수영을 해보라고 한다면</a:t>
             </a:r>
             <a:r>
               <a:rPr lang="en-US" altLang="ko-KR" dirty="0" smtClean="0"/>
@@ -10001,26 +10389,17 @@
           <a:p>
             <a:r>
               <a:rPr lang="ko-KR" altLang="en-US" dirty="0" smtClean="0"/>
-              <a:t>다중 </a:t>
-            </a:r>
-            <a:r>
-              <a:rPr lang="ko-KR" altLang="en-US" dirty="0" smtClean="0"/>
-              <a:t>상속 가능</a:t>
+              <a:t>다중 상속 가능</a:t>
             </a:r>
             <a:r>
               <a:rPr lang="en-US" altLang="ko-KR" dirty="0" smtClean="0"/>
               <a:t>.</a:t>
             </a:r>
-            <a:endParaRPr lang="en-US" altLang="ko-KR" dirty="0" smtClean="0"/>
-          </a:p>
-          <a:p>
-            <a:r>
-              <a:rPr lang="ko-KR" altLang="en-US" dirty="0" smtClean="0"/>
-              <a:t>인터페이스의 메서드들은 전부 추상 </a:t>
-            </a:r>
-            <a:r>
-              <a:rPr lang="ko-KR" altLang="en-US" dirty="0" smtClean="0"/>
-              <a:t>메서드</a:t>
+          </a:p>
+          <a:p>
+            <a:r>
+              <a:rPr lang="ko-KR" altLang="en-US" dirty="0" smtClean="0"/>
+              <a:t>인터페이스의 메서드들은 전부 추상 메서드</a:t>
             </a:r>
             <a:endParaRPr lang="en-US" altLang="ko-KR" dirty="0" smtClean="0"/>
           </a:p>
@@ -11555,48 +11934,44 @@
             <p:ph type="title"/>
           </p:nvPr>
         </p:nvSpPr>
-        <p:spPr/>
+        <p:spPr>
+          <a:xfrm>
+            <a:off x="162962" y="253498"/>
+            <a:ext cx="11814773" cy="6409852"/>
+          </a:xfrm>
+        </p:spPr>
         <p:txBody>
-          <a:bodyPr/>
+          <a:bodyPr>
+            <a:normAutofit/>
+          </a:bodyPr>
           <a:lstStyle/>
           <a:p>
-            <a:r>
-              <a:rPr lang="en-US" altLang="ko-KR" dirty="0" smtClean="0"/>
+            <a:pPr algn="ctr"/>
+            <a:r>
+              <a:rPr lang="en-US" altLang="ko-KR" sz="6000" dirty="0" smtClean="0"/>
               <a:t>Demo</a:t>
             </a:r>
-            <a:endParaRPr lang="ko-KR" altLang="en-US" dirty="0"/>
-          </a:p>
-        </p:txBody>
-      </p:sp>
-      <p:sp>
-        <p:nvSpPr>
-          <p:cNvPr id="3" name="내용 개체 틀 2"/>
-          <p:cNvSpPr>
-            <a:spLocks noGrp="1"/>
-          </p:cNvSpPr>
-          <p:nvPr>
-            <p:ph idx="1"/>
-          </p:nvPr>
-        </p:nvSpPr>
-        <p:spPr/>
-        <p:txBody>
-          <a:bodyPr/>
-          <a:lstStyle/>
-          <a:p>
-            <a:endParaRPr lang="ko-KR" altLang="en-US"/>
+            <a:endParaRPr lang="ko-KR" altLang="en-US" sz="6000" dirty="0"/>
           </a:p>
         </p:txBody>
       </p:sp>
     </p:spTree>
     <p:extLst>
       <p:ext uri="{BB962C8B-B14F-4D97-AF65-F5344CB8AC3E}">
-        <p14:creationId xmlns:p14="http://schemas.microsoft.com/office/powerpoint/2010/main" val="508936432"/>
+        <p14:creationId xmlns:p14="http://schemas.microsoft.com/office/powerpoint/2010/main" val="1904397865"/>
       </p:ext>
     </p:extLst>
   </p:cSld>
   <p:clrMapOvr>
     <a:masterClrMapping/>
   </p:clrMapOvr>
+  <p:timing>
+    <p:tnLst>
+      <p:par>
+        <p:cTn id="1" dur="indefinite" restart="never" nodeType="tmRoot"/>
+      </p:par>
+    </p:tnLst>
+  </p:timing>
 </p:sld>
 </file>
 
@@ -11787,48 +12162,44 @@
             <p:ph type="title"/>
           </p:nvPr>
         </p:nvSpPr>
-        <p:spPr/>
+        <p:spPr>
+          <a:xfrm>
+            <a:off x="162962" y="253498"/>
+            <a:ext cx="11814773" cy="6409852"/>
+          </a:xfrm>
+        </p:spPr>
         <p:txBody>
-          <a:bodyPr/>
+          <a:bodyPr>
+            <a:normAutofit/>
+          </a:bodyPr>
           <a:lstStyle/>
           <a:p>
-            <a:r>
-              <a:rPr lang="en-US" altLang="ko-KR" dirty="0" smtClean="0"/>
+            <a:pPr algn="ctr"/>
+            <a:r>
+              <a:rPr lang="en-US" altLang="ko-KR" sz="6000" dirty="0" smtClean="0"/>
               <a:t>Demo</a:t>
             </a:r>
-            <a:endParaRPr lang="ko-KR" altLang="en-US" dirty="0"/>
-          </a:p>
-        </p:txBody>
-      </p:sp>
-      <p:sp>
-        <p:nvSpPr>
-          <p:cNvPr id="3" name="내용 개체 틀 2"/>
-          <p:cNvSpPr>
-            <a:spLocks noGrp="1"/>
-          </p:cNvSpPr>
-          <p:nvPr>
-            <p:ph idx="1"/>
-          </p:nvPr>
-        </p:nvSpPr>
-        <p:spPr/>
-        <p:txBody>
-          <a:bodyPr/>
-          <a:lstStyle/>
-          <a:p>
-            <a:endParaRPr lang="ko-KR" altLang="en-US"/>
+            <a:endParaRPr lang="ko-KR" altLang="en-US" sz="6000" dirty="0"/>
           </a:p>
         </p:txBody>
       </p:sp>
     </p:spTree>
     <p:extLst>
       <p:ext uri="{BB962C8B-B14F-4D97-AF65-F5344CB8AC3E}">
-        <p14:creationId xmlns:p14="http://schemas.microsoft.com/office/powerpoint/2010/main" val="2634786137"/>
+        <p14:creationId xmlns:p14="http://schemas.microsoft.com/office/powerpoint/2010/main" val="3352247677"/>
       </p:ext>
     </p:extLst>
   </p:cSld>
   <p:clrMapOvr>
     <a:masterClrMapping/>
   </p:clrMapOvr>
+  <p:timing>
+    <p:tnLst>
+      <p:par>
+        <p:cTn id="1" dur="indefinite" restart="never" nodeType="tmRoot"/>
+      </p:par>
+    </p:tnLst>
+  </p:timing>
 </p:sld>
 </file>
 
@@ -11851,33 +12222,6 @@
       </p:grpSpPr>
       <p:sp>
         <p:nvSpPr>
-          <p:cNvPr id="2" name="제목 1"/>
-          <p:cNvSpPr>
-            <a:spLocks noGrp="1"/>
-          </p:cNvSpPr>
-          <p:nvPr>
-            <p:ph type="title"/>
-          </p:nvPr>
-        </p:nvSpPr>
-        <p:spPr/>
-        <p:txBody>
-          <a:bodyPr/>
-          <a:lstStyle/>
-          <a:p>
-            <a:r>
-              <a:rPr lang="ko-KR" altLang="en-US" dirty="0" smtClean="0"/>
-              <a:t>객체란</a:t>
-            </a:r>
-            <a:r>
-              <a:rPr lang="en-US" altLang="ko-KR" dirty="0" smtClean="0"/>
-              <a:t>?</a:t>
-            </a:r>
-            <a:endParaRPr lang="ko-KR" altLang="en-US" dirty="0"/>
-          </a:p>
-        </p:txBody>
-      </p:sp>
-      <p:sp>
-        <p:nvSpPr>
           <p:cNvPr id="3" name="내용 개체 틀 2"/>
           <p:cNvSpPr>
             <a:spLocks noGrp="1"/>
@@ -11886,71 +12230,191 @@
             <p:ph idx="1"/>
           </p:nvPr>
         </p:nvSpPr>
-        <p:spPr/>
+        <p:spPr>
+          <a:xfrm>
+            <a:off x="838200" y="1825625"/>
+            <a:ext cx="10515600" cy="3506866"/>
+          </a:xfrm>
+        </p:spPr>
         <p:txBody>
           <a:bodyPr/>
           <a:lstStyle/>
           <a:p>
-            <a:r>
-              <a:rPr lang="ko-KR" altLang="en-US" dirty="0" err="1" smtClean="0"/>
-              <a:t>실세계와</a:t>
-            </a:r>
-            <a:r>
-              <a:rPr lang="ko-KR" altLang="en-US" dirty="0" smtClean="0"/>
-              <a:t> 비교하자면 세상에 존재하는 모든 사물이 객체</a:t>
+            <a:pPr>
+              <a:lnSpc>
+                <a:spcPct val="100000"/>
+              </a:lnSpc>
+            </a:pPr>
+            <a:r>
+              <a:rPr lang="ko-KR" altLang="en-US" dirty="0"/>
+              <a:t>객체 지향 프로그래밍</a:t>
+            </a:r>
+            <a:r>
+              <a:rPr lang="en-US" altLang="ko-KR" dirty="0"/>
+              <a:t>(</a:t>
+            </a:r>
+            <a:r>
+              <a:rPr lang="ko-KR" altLang="en-US" dirty="0"/>
+              <a:t>영어</a:t>
+            </a:r>
+            <a:r>
+              <a:rPr lang="en-US" altLang="ko-KR" dirty="0"/>
+              <a:t>: Object-Oriented Programming, OOP)</a:t>
+            </a:r>
+            <a:r>
+              <a:rPr lang="ko-KR" altLang="en-US" dirty="0"/>
+              <a:t>은 컴퓨터 프로그래밍의 패러다임의 하나이다</a:t>
+            </a:r>
+            <a:r>
+              <a:rPr lang="en-US" altLang="ko-KR" dirty="0"/>
+              <a:t>. </a:t>
+            </a:r>
+            <a:endParaRPr lang="en-US" altLang="ko-KR" dirty="0" smtClean="0"/>
+          </a:p>
+          <a:p>
+            <a:pPr>
+              <a:lnSpc>
+                <a:spcPct val="100000"/>
+              </a:lnSpc>
+            </a:pPr>
+            <a:r>
+              <a:rPr lang="ko-KR" altLang="en-US" dirty="0" smtClean="0"/>
+              <a:t>컴퓨터 </a:t>
+            </a:r>
+            <a:r>
+              <a:rPr lang="ko-KR" altLang="en-US" dirty="0"/>
+              <a:t>프로그램을 명령어의 목록으로 보는 시각에서 벗어나 여러 개의 독립된 단위</a:t>
+            </a:r>
+            <a:r>
+              <a:rPr lang="en-US" altLang="ko-KR" dirty="0"/>
+              <a:t>, </a:t>
+            </a:r>
+            <a:r>
+              <a:rPr lang="ko-KR" altLang="en-US" dirty="0"/>
+              <a:t>즉 </a:t>
+            </a:r>
+            <a:r>
+              <a:rPr lang="en-US" altLang="ko-KR" dirty="0"/>
+              <a:t>"</a:t>
+            </a:r>
+            <a:r>
+              <a:rPr lang="ko-KR" altLang="en-US" dirty="0"/>
+              <a:t>객체</a:t>
+            </a:r>
+            <a:r>
+              <a:rPr lang="en-US" altLang="ko-KR" dirty="0"/>
+              <a:t>"</a:t>
+            </a:r>
+            <a:r>
+              <a:rPr lang="ko-KR" altLang="en-US" dirty="0"/>
+              <a:t>들의 모임으로 파악하고자 하는 것이다</a:t>
+            </a:r>
+            <a:r>
+              <a:rPr lang="en-US" altLang="ko-KR" dirty="0"/>
+              <a:t>. </a:t>
+            </a:r>
+            <a:endParaRPr lang="en-US" altLang="ko-KR" dirty="0" smtClean="0"/>
+          </a:p>
+          <a:p>
+            <a:pPr>
+              <a:lnSpc>
+                <a:spcPct val="100000"/>
+              </a:lnSpc>
+            </a:pPr>
+            <a:r>
+              <a:rPr lang="ko-KR" altLang="en-US" dirty="0" smtClean="0"/>
+              <a:t>각각의 </a:t>
+            </a:r>
+            <a:r>
+              <a:rPr lang="ko-KR" altLang="en-US" dirty="0"/>
+              <a:t>객체는 메시지를 주고받고</a:t>
+            </a:r>
+            <a:r>
+              <a:rPr lang="en-US" altLang="ko-KR" dirty="0"/>
+              <a:t>, </a:t>
+            </a:r>
+            <a:r>
+              <a:rPr lang="ko-KR" altLang="en-US" dirty="0"/>
+              <a:t>데이터를 처리할 수 있다</a:t>
+            </a:r>
+            <a:r>
+              <a:rPr lang="en-US" altLang="ko-KR" dirty="0"/>
+              <a:t>.</a:t>
+            </a:r>
+            <a:endParaRPr lang="ko-KR" altLang="en-US" dirty="0"/>
+          </a:p>
+        </p:txBody>
+      </p:sp>
+      <p:sp>
+        <p:nvSpPr>
+          <p:cNvPr id="4" name="TextBox 3"/>
+          <p:cNvSpPr txBox="1"/>
+          <p:nvPr/>
+        </p:nvSpPr>
+        <p:spPr>
+          <a:xfrm>
+            <a:off x="7921783" y="5005763"/>
+            <a:ext cx="1959191" cy="461665"/>
+          </a:xfrm>
+          <a:prstGeom prst="rect">
+            <a:avLst/>
+          </a:prstGeom>
+          <a:noFill/>
+        </p:spPr>
+        <p:txBody>
+          <a:bodyPr wrap="none" rtlCol="0">
+            <a:spAutoFit/>
+          </a:bodyPr>
+          <a:lstStyle/>
+          <a:p>
+            <a:r>
+              <a:rPr lang="en-US" altLang="ko-KR" sz="2400" dirty="0" smtClean="0"/>
+              <a:t>- </a:t>
+            </a:r>
+            <a:r>
+              <a:rPr lang="ko-KR" altLang="en-US" sz="2400" dirty="0" smtClean="0"/>
+              <a:t>위키피디아</a:t>
+            </a:r>
+            <a:endParaRPr lang="ko-KR" altLang="en-US" sz="2400" dirty="0"/>
+          </a:p>
+        </p:txBody>
+      </p:sp>
+      <p:sp>
+        <p:nvSpPr>
+          <p:cNvPr id="6" name="제목 1"/>
+          <p:cNvSpPr>
+            <a:spLocks noGrp="1"/>
+          </p:cNvSpPr>
+          <p:nvPr>
+            <p:ph type="title"/>
+          </p:nvPr>
+        </p:nvSpPr>
+        <p:spPr>
+          <a:xfrm>
+            <a:off x="838200" y="365125"/>
+            <a:ext cx="10515600" cy="1325563"/>
+          </a:xfrm>
+        </p:spPr>
+        <p:txBody>
+          <a:bodyPr/>
+          <a:lstStyle/>
+          <a:p>
+            <a:r>
+              <a:rPr lang="ko-KR" altLang="en-US" dirty="0" smtClean="0"/>
+              <a:t>객체지향 프로그래밍이란</a:t>
             </a:r>
             <a:r>
               <a:rPr lang="en-US" altLang="ko-KR" dirty="0" smtClean="0"/>
-              <a:t>.</a:t>
-            </a:r>
-          </a:p>
-          <a:p>
-            <a:r>
-              <a:rPr lang="ko-KR" altLang="en-US" dirty="0" smtClean="0"/>
-              <a:t>저장 공간에 할당된 공간</a:t>
-            </a:r>
-            <a:endParaRPr lang="en-US" altLang="ko-KR" dirty="0"/>
-          </a:p>
-          <a:p>
-            <a:pPr lvl="1"/>
-            <a:r>
-              <a:rPr lang="ko-KR" altLang="en-US" dirty="0" smtClean="0"/>
-              <a:t>객체 참조 변수를 통해 해당 공간에 접근</a:t>
-            </a:r>
-            <a:endParaRPr lang="en-US" altLang="ko-KR" dirty="0" smtClean="0"/>
-          </a:p>
-          <a:p>
-            <a:r>
-              <a:rPr lang="ko-KR" altLang="en-US" dirty="0" smtClean="0"/>
-              <a:t>하나의 클래스를 통해 다수의 객체가 생성되지만 각각의 객체는 고유함</a:t>
-            </a:r>
-            <a:r>
-              <a:rPr lang="en-US" altLang="ko-KR" dirty="0" smtClean="0"/>
-              <a:t>.</a:t>
-            </a:r>
-            <a:endParaRPr lang="en-US" altLang="ko-KR" dirty="0" smtClean="0"/>
-          </a:p>
-          <a:p>
-            <a:r>
-              <a:rPr lang="ko-KR" altLang="en-US" dirty="0" smtClean="0"/>
-              <a:t>속성 </a:t>
-            </a:r>
-            <a:r>
-              <a:rPr lang="en-US" altLang="ko-KR" dirty="0" smtClean="0"/>
-              <a:t>+ </a:t>
-            </a:r>
-            <a:r>
-              <a:rPr lang="ko-KR" altLang="en-US" dirty="0" smtClean="0"/>
-              <a:t>행위</a:t>
-            </a:r>
-            <a:endParaRPr lang="en-US" altLang="ko-KR" dirty="0" smtClean="0"/>
+              <a:t>?</a:t>
+            </a:r>
+            <a:endParaRPr lang="ko-KR" altLang="en-US" dirty="0"/>
           </a:p>
         </p:txBody>
       </p:sp>
     </p:spTree>
     <p:extLst>
       <p:ext uri="{BB962C8B-B14F-4D97-AF65-F5344CB8AC3E}">
-        <p14:creationId xmlns:p14="http://schemas.microsoft.com/office/powerpoint/2010/main" val="3037078371"/>
+        <p14:creationId xmlns:p14="http://schemas.microsoft.com/office/powerpoint/2010/main" val="3824584008"/>
       </p:ext>
     </p:extLst>
   </p:cSld>
@@ -13233,42 +13697,31 @@
             <p:ph type="title"/>
           </p:nvPr>
         </p:nvSpPr>
-        <p:spPr/>
+        <p:spPr>
+          <a:xfrm>
+            <a:off x="162962" y="253498"/>
+            <a:ext cx="11814773" cy="6409852"/>
+          </a:xfrm>
+        </p:spPr>
         <p:txBody>
-          <a:bodyPr/>
+          <a:bodyPr>
+            <a:normAutofit/>
+          </a:bodyPr>
           <a:lstStyle/>
           <a:p>
-            <a:r>
-              <a:rPr lang="en-US" altLang="ko-KR" dirty="0" smtClean="0"/>
+            <a:pPr algn="ctr"/>
+            <a:r>
+              <a:rPr lang="en-US" altLang="ko-KR" sz="6000" dirty="0" smtClean="0"/>
               <a:t>Demo</a:t>
             </a:r>
-            <a:endParaRPr lang="ko-KR" altLang="en-US" dirty="0"/>
-          </a:p>
-        </p:txBody>
-      </p:sp>
-      <p:sp>
-        <p:nvSpPr>
-          <p:cNvPr id="3" name="내용 개체 틀 2"/>
-          <p:cNvSpPr>
-            <a:spLocks noGrp="1"/>
-          </p:cNvSpPr>
-          <p:nvPr>
-            <p:ph idx="1"/>
-          </p:nvPr>
-        </p:nvSpPr>
-        <p:spPr/>
-        <p:txBody>
-          <a:bodyPr/>
-          <a:lstStyle/>
-          <a:p>
-            <a:endParaRPr lang="ko-KR" altLang="en-US"/>
+            <a:endParaRPr lang="ko-KR" altLang="en-US" sz="6000" dirty="0"/>
           </a:p>
         </p:txBody>
       </p:sp>
     </p:spTree>
     <p:extLst>
       <p:ext uri="{BB962C8B-B14F-4D97-AF65-F5344CB8AC3E}">
-        <p14:creationId xmlns:p14="http://schemas.microsoft.com/office/powerpoint/2010/main" val="646041004"/>
+        <p14:creationId xmlns:p14="http://schemas.microsoft.com/office/powerpoint/2010/main" val="2934615063"/>
       </p:ext>
     </p:extLst>
   </p:cSld>
@@ -13420,11 +13873,7 @@
             </a:pPr>
             <a:r>
               <a:rPr lang="ko-KR" altLang="en-US" sz="2400" dirty="0" smtClean="0"/>
-              <a:t>추상 클래스도 클래스이기 때문에 다중 상속이 </a:t>
-            </a:r>
-            <a:r>
-              <a:rPr lang="ko-KR" altLang="en-US" sz="2400" dirty="0" smtClean="0"/>
-              <a:t>불가능</a:t>
+              <a:t>추상 클래스도 클래스이기 때문에 다중 상속이 불가능</a:t>
             </a:r>
             <a:endParaRPr lang="en-US" altLang="ko-KR" sz="2400" dirty="0" smtClean="0"/>
           </a:p>
@@ -13456,11 +13905,7 @@
             </a:r>
             <a:r>
               <a:rPr lang="ko-KR" altLang="en-US" sz="2000" dirty="0" smtClean="0"/>
-              <a:t> 필드가 </a:t>
-            </a:r>
-            <a:r>
-              <a:rPr lang="ko-KR" altLang="en-US" sz="2000" dirty="0" smtClean="0"/>
-              <a:t>없기 때문에 다중상속 가능</a:t>
+              <a:t> 필드가 없기 때문에 다중상속 가능</a:t>
             </a:r>
             <a:endParaRPr lang="en-US" altLang="ko-KR" sz="2000" dirty="0" smtClean="0"/>
           </a:p>
@@ -13918,48 +14363,44 @@
             <p:ph type="title"/>
           </p:nvPr>
         </p:nvSpPr>
-        <p:spPr/>
+        <p:spPr>
+          <a:xfrm>
+            <a:off x="162962" y="253498"/>
+            <a:ext cx="11814773" cy="6409852"/>
+          </a:xfrm>
+        </p:spPr>
         <p:txBody>
-          <a:bodyPr/>
+          <a:bodyPr>
+            <a:normAutofit/>
+          </a:bodyPr>
           <a:lstStyle/>
           <a:p>
-            <a:r>
-              <a:rPr lang="en-US" altLang="ko-KR" dirty="0" smtClean="0"/>
+            <a:pPr algn="ctr"/>
+            <a:r>
+              <a:rPr lang="en-US" altLang="ko-KR" sz="6000" dirty="0" smtClean="0"/>
               <a:t>Demo</a:t>
             </a:r>
-            <a:endParaRPr lang="ko-KR" altLang="en-US" dirty="0"/>
-          </a:p>
-        </p:txBody>
-      </p:sp>
-      <p:sp>
-        <p:nvSpPr>
-          <p:cNvPr id="3" name="내용 개체 틀 2"/>
-          <p:cNvSpPr>
-            <a:spLocks noGrp="1"/>
-          </p:cNvSpPr>
-          <p:nvPr>
-            <p:ph idx="1"/>
-          </p:nvPr>
-        </p:nvSpPr>
-        <p:spPr/>
-        <p:txBody>
-          <a:bodyPr/>
-          <a:lstStyle/>
-          <a:p>
-            <a:endParaRPr lang="ko-KR" altLang="en-US"/>
+            <a:endParaRPr lang="ko-KR" altLang="en-US" sz="6000" dirty="0"/>
           </a:p>
         </p:txBody>
       </p:sp>
     </p:spTree>
     <p:extLst>
       <p:ext uri="{BB962C8B-B14F-4D97-AF65-F5344CB8AC3E}">
-        <p14:creationId xmlns:p14="http://schemas.microsoft.com/office/powerpoint/2010/main" val="2703053575"/>
+        <p14:creationId xmlns:p14="http://schemas.microsoft.com/office/powerpoint/2010/main" val="4057511765"/>
       </p:ext>
     </p:extLst>
   </p:cSld>
   <p:clrMapOvr>
     <a:masterClrMapping/>
   </p:clrMapOvr>
+  <p:timing>
+    <p:tnLst>
+      <p:par>
+        <p:cTn id="1" dur="indefinite" restart="never" nodeType="tmRoot"/>
+      </p:par>
+    </p:tnLst>
+  </p:timing>
 </p:sld>
 </file>
 
@@ -14065,11 +14506,7 @@
           <a:p>
             <a:r>
               <a:rPr lang="ko-KR" altLang="en-US" dirty="0" smtClean="0"/>
-              <a:t>올라타서 아랫부분이 보이지 않으므로 </a:t>
-            </a:r>
-            <a:r>
-              <a:rPr lang="ko-KR" altLang="en-US" dirty="0" smtClean="0"/>
-              <a:t>재정의 </a:t>
+              <a:t>올라타서 아랫부분이 보이지 않으므로 재정의 </a:t>
             </a:r>
             <a:r>
               <a:rPr lang="en-US" altLang="ko-KR" dirty="0" smtClean="0"/>
@@ -14087,15 +14524,7 @@
           <a:p>
             <a:r>
               <a:rPr lang="ko-KR" altLang="en-US" dirty="0" smtClean="0"/>
-              <a:t>적재해서 </a:t>
-            </a:r>
-            <a:r>
-              <a:rPr lang="ko-KR" altLang="en-US" dirty="0" smtClean="0"/>
-              <a:t>뒤로 계속 늘어나므로 동일한 이름의 메서드가 늘어나는 것을 </a:t>
-            </a:r>
-            <a:r>
-              <a:rPr lang="ko-KR" altLang="en-US" dirty="0" smtClean="0"/>
-              <a:t>연상 </a:t>
+              <a:t>적재해서 뒤로 계속 늘어나므로 동일한 이름의 메서드가 늘어나는 것을 연상 </a:t>
             </a:r>
             <a:r>
               <a:rPr lang="en-US" altLang="ko-KR" dirty="0" smtClean="0"/>
@@ -14321,7 +14750,6 @@
               <a:rPr lang="en-US" altLang="ko-KR" dirty="0" smtClean="0"/>
               <a:t>.</a:t>
             </a:r>
-            <a:endParaRPr lang="en-US" altLang="ko-KR" dirty="0" smtClean="0"/>
           </a:p>
         </p:txBody>
       </p:sp>
@@ -14365,48 +14793,44 @@
             <p:ph type="title"/>
           </p:nvPr>
         </p:nvSpPr>
-        <p:spPr/>
+        <p:spPr>
+          <a:xfrm>
+            <a:off x="162962" y="253498"/>
+            <a:ext cx="11814773" cy="6409852"/>
+          </a:xfrm>
+        </p:spPr>
         <p:txBody>
-          <a:bodyPr/>
+          <a:bodyPr>
+            <a:normAutofit/>
+          </a:bodyPr>
           <a:lstStyle/>
           <a:p>
-            <a:r>
-              <a:rPr lang="en-US" altLang="ko-KR" dirty="0" smtClean="0"/>
+            <a:pPr algn="ctr"/>
+            <a:r>
+              <a:rPr lang="en-US" altLang="ko-KR" sz="6000" dirty="0" smtClean="0"/>
               <a:t>Demo</a:t>
             </a:r>
-            <a:endParaRPr lang="ko-KR" altLang="en-US" dirty="0"/>
-          </a:p>
-        </p:txBody>
-      </p:sp>
-      <p:sp>
-        <p:nvSpPr>
-          <p:cNvPr id="3" name="내용 개체 틀 2"/>
-          <p:cNvSpPr>
-            <a:spLocks noGrp="1"/>
-          </p:cNvSpPr>
-          <p:nvPr>
-            <p:ph idx="1"/>
-          </p:nvPr>
-        </p:nvSpPr>
-        <p:spPr/>
-        <p:txBody>
-          <a:bodyPr/>
-          <a:lstStyle/>
-          <a:p>
-            <a:endParaRPr lang="ko-KR" altLang="en-US"/>
+            <a:endParaRPr lang="ko-KR" altLang="en-US" sz="6000" dirty="0"/>
           </a:p>
         </p:txBody>
       </p:sp>
     </p:spTree>
     <p:extLst>
       <p:ext uri="{BB962C8B-B14F-4D97-AF65-F5344CB8AC3E}">
-        <p14:creationId xmlns:p14="http://schemas.microsoft.com/office/powerpoint/2010/main" val="3107293331"/>
+        <p14:creationId xmlns:p14="http://schemas.microsoft.com/office/powerpoint/2010/main" val="4153620563"/>
       </p:ext>
     </p:extLst>
   </p:cSld>
   <p:clrMapOvr>
     <a:masterClrMapping/>
   </p:clrMapOvr>
+  <p:timing>
+    <p:tnLst>
+      <p:par>
+        <p:cTn id="1" dur="indefinite" restart="never" nodeType="tmRoot"/>
+      </p:par>
+    </p:tnLst>
+  </p:timing>
 </p:sld>
 </file>
 
@@ -14444,15 +14868,11 @@
           <a:p>
             <a:r>
               <a:rPr lang="ko-KR" altLang="en-US" dirty="0" smtClean="0"/>
-              <a:t>객체 </a:t>
+              <a:t>객체란</a:t>
             </a:r>
             <a:r>
               <a:rPr lang="en-US" altLang="ko-KR" dirty="0" smtClean="0"/>
-              <a:t>vs </a:t>
-            </a:r>
-            <a:r>
-              <a:rPr lang="ko-KR" altLang="en-US" dirty="0" smtClean="0"/>
-              <a:t>클래스</a:t>
+              <a:t>?</a:t>
             </a:r>
             <a:endParaRPr lang="ko-KR" altLang="en-US" dirty="0"/>
           </a:p>
@@ -14470,212 +14890,68 @@
         </p:nvSpPr>
         <p:spPr/>
         <p:txBody>
-          <a:bodyPr>
-            <a:normAutofit/>
-          </a:bodyPr>
+          <a:bodyPr/>
           <a:lstStyle/>
           <a:p>
-            <a:pPr>
-              <a:lnSpc>
-                <a:spcPct val="150000"/>
-              </a:lnSpc>
-            </a:pPr>
-            <a:r>
-              <a:rPr lang="ko-KR" altLang="en-US" sz="2400" dirty="0" smtClean="0"/>
-              <a:t>클래스는 같은 속성들과 기능들을 가진 객체들을 총칭하는 개념</a:t>
-            </a:r>
-            <a:endParaRPr lang="en-US" altLang="ko-KR" sz="2400" dirty="0" smtClean="0"/>
-          </a:p>
-          <a:p>
-            <a:pPr lvl="1">
-              <a:lnSpc>
-                <a:spcPct val="150000"/>
-              </a:lnSpc>
-            </a:pPr>
-            <a:r>
-              <a:rPr lang="ko-KR" altLang="en-US" sz="2000" dirty="0" smtClean="0"/>
-              <a:t>이 개념적인 클래스를 통해 실체화 된 것이 객체</a:t>
-            </a:r>
-            <a:r>
-              <a:rPr lang="en-US" altLang="ko-KR" sz="2000" dirty="0" smtClean="0"/>
-              <a:t>(</a:t>
-            </a:r>
-            <a:r>
-              <a:rPr lang="ko-KR" altLang="en-US" sz="2000" dirty="0" smtClean="0"/>
-              <a:t>인스턴스</a:t>
-            </a:r>
-            <a:r>
-              <a:rPr lang="en-US" altLang="ko-KR" sz="2000" dirty="0" smtClean="0"/>
-              <a:t>).</a:t>
-            </a:r>
-          </a:p>
-          <a:p>
-            <a:pPr>
-              <a:lnSpc>
-                <a:spcPct val="150000"/>
-              </a:lnSpc>
-            </a:pPr>
-            <a:r>
-              <a:rPr lang="ko-KR" altLang="en-US" sz="2400" dirty="0" smtClean="0"/>
-              <a:t>클래스에는 </a:t>
-            </a:r>
-            <a:r>
-              <a:rPr lang="ko-KR" altLang="en-US" sz="2400" dirty="0"/>
-              <a:t>객체를 생성하기 위한 필드와 </a:t>
-            </a:r>
-            <a:r>
-              <a:rPr lang="ko-KR" altLang="en-US" sz="2400" dirty="0" err="1"/>
-              <a:t>메소드가</a:t>
-            </a:r>
-            <a:r>
-              <a:rPr lang="ko-KR" altLang="en-US" sz="2400" dirty="0"/>
-              <a:t> 정의되어 있다</a:t>
-            </a:r>
-            <a:r>
-              <a:rPr lang="en-US" altLang="ko-KR" sz="2400" dirty="0" smtClean="0"/>
+            <a:r>
+              <a:rPr lang="ko-KR" altLang="en-US" dirty="0" err="1" smtClean="0"/>
+              <a:t>실세계와</a:t>
+            </a:r>
+            <a:r>
+              <a:rPr lang="ko-KR" altLang="en-US" dirty="0" smtClean="0"/>
+              <a:t> 비교하자면 세상에 존재하는 모든 사물이 객체</a:t>
+            </a:r>
+            <a:r>
+              <a:rPr lang="en-US" altLang="ko-KR" dirty="0" smtClean="0"/>
               <a:t>.</a:t>
             </a:r>
           </a:p>
           <a:p>
-            <a:pPr lvl="1">
-              <a:lnSpc>
-                <a:spcPct val="150000"/>
-              </a:lnSpc>
-            </a:pPr>
-            <a:r>
-              <a:rPr lang="ko-KR" altLang="en-US" sz="2000" dirty="0" smtClean="0"/>
-              <a:t>클래스를 통해 실체화된 객체는 고유한 속성을 가진다</a:t>
-            </a:r>
-            <a:r>
-              <a:rPr lang="en-US" altLang="ko-KR" sz="2000" dirty="0" smtClean="0"/>
+            <a:r>
+              <a:rPr lang="ko-KR" altLang="en-US" dirty="0" smtClean="0"/>
+              <a:t>저장 공간에 할당된 공간</a:t>
+            </a:r>
+            <a:endParaRPr lang="en-US" altLang="ko-KR" dirty="0"/>
+          </a:p>
+          <a:p>
+            <a:pPr lvl="1"/>
+            <a:r>
+              <a:rPr lang="ko-KR" altLang="en-US" dirty="0" smtClean="0"/>
+              <a:t>객체 참조 변수를 통해 해당 공간에 접근</a:t>
+            </a:r>
+            <a:endParaRPr lang="en-US" altLang="ko-KR" dirty="0" smtClean="0"/>
+          </a:p>
+          <a:p>
+            <a:r>
+              <a:rPr lang="ko-KR" altLang="en-US" dirty="0" smtClean="0"/>
+              <a:t>하나의 클래스를 통해 다수의 객체가 생성되지만 각각의 객체는 고유함</a:t>
+            </a:r>
+            <a:r>
+              <a:rPr lang="en-US" altLang="ko-KR" dirty="0" smtClean="0"/>
               <a:t>.</a:t>
             </a:r>
-            <a:endParaRPr lang="en-US" altLang="ko-KR" sz="2000" dirty="0"/>
-          </a:p>
-          <a:p>
-            <a:pPr marL="0" indent="0">
-              <a:lnSpc>
-                <a:spcPct val="150000"/>
-              </a:lnSpc>
-              <a:buNone/>
-            </a:pPr>
-            <a:endParaRPr lang="en-US" altLang="ko-KR" sz="2400" dirty="0" smtClean="0"/>
-          </a:p>
-          <a:p>
-            <a:pPr marL="0" indent="0" algn="ctr">
-              <a:lnSpc>
-                <a:spcPct val="150000"/>
-              </a:lnSpc>
-              <a:buNone/>
-            </a:pPr>
-            <a:r>
-              <a:rPr lang="ko-KR" altLang="en-US" sz="2400" dirty="0" smtClean="0">
-                <a:solidFill>
-                  <a:schemeClr val="accent5"/>
-                </a:solidFill>
-              </a:rPr>
-              <a:t>클래스</a:t>
-            </a:r>
-            <a:r>
-              <a:rPr lang="ko-KR" altLang="en-US" sz="2400" dirty="0" smtClean="0"/>
-              <a:t> 객체참조변수명 </a:t>
-            </a:r>
-            <a:r>
-              <a:rPr lang="en-US" altLang="ko-KR" sz="2400" dirty="0" smtClean="0"/>
-              <a:t>= </a:t>
-            </a:r>
-            <a:r>
-              <a:rPr lang="en-US" altLang="ko-KR" sz="2400" u="sng" dirty="0" smtClean="0">
-                <a:solidFill>
-                  <a:schemeClr val="accent2"/>
-                </a:solidFill>
-              </a:rPr>
-              <a:t>new</a:t>
-            </a:r>
-            <a:r>
-              <a:rPr lang="en-US" altLang="ko-KR" sz="2400" dirty="0" smtClean="0"/>
-              <a:t> </a:t>
-            </a:r>
-            <a:r>
-              <a:rPr lang="ko-KR" altLang="en-US" sz="2400" dirty="0" smtClean="0">
-                <a:solidFill>
-                  <a:schemeClr val="accent5"/>
-                </a:solidFill>
-              </a:rPr>
-              <a:t>클래스</a:t>
-            </a:r>
-            <a:r>
-              <a:rPr lang="en-US" altLang="ko-KR" sz="2400" dirty="0" smtClean="0"/>
-              <a:t>();</a:t>
-            </a:r>
-          </a:p>
-          <a:p>
-            <a:pPr lvl="1">
-              <a:lnSpc>
-                <a:spcPct val="150000"/>
-              </a:lnSpc>
-            </a:pPr>
-            <a:endParaRPr lang="en-US" altLang="ko-KR" sz="2000" dirty="0" smtClean="0"/>
-          </a:p>
-          <a:p>
-            <a:pPr>
-              <a:lnSpc>
-                <a:spcPct val="150000"/>
-              </a:lnSpc>
-            </a:pPr>
-            <a:endParaRPr lang="ko-KR" altLang="en-US" sz="2400" dirty="0"/>
-          </a:p>
-        </p:txBody>
-      </p:sp>
-      <p:sp>
-        <p:nvSpPr>
-          <p:cNvPr id="11" name="TextBox 10"/>
-          <p:cNvSpPr txBox="1"/>
-          <p:nvPr/>
-        </p:nvSpPr>
-        <p:spPr>
-          <a:xfrm>
-            <a:off x="6835366" y="5558828"/>
-            <a:ext cx="3881191" cy="523220"/>
-          </a:xfrm>
-          <a:prstGeom prst="rect">
-            <a:avLst/>
-          </a:prstGeom>
-          <a:noFill/>
-        </p:spPr>
-        <p:txBody>
-          <a:bodyPr wrap="none" rtlCol="0">
-            <a:spAutoFit/>
-          </a:bodyPr>
-          <a:lstStyle/>
-          <a:p>
-            <a:r>
-              <a:rPr lang="en-US" altLang="ko-KR" sz="1400" dirty="0" smtClean="0"/>
-              <a:t>new </a:t>
-            </a:r>
-            <a:r>
-              <a:rPr lang="ko-KR" altLang="en-US" sz="1400" dirty="0" smtClean="0"/>
-              <a:t>연산자를 통해 객체가 메모리에 할당되고</a:t>
-            </a:r>
-            <a:endParaRPr lang="en-US" altLang="ko-KR" sz="1400" dirty="0" smtClean="0"/>
-          </a:p>
-          <a:p>
-            <a:r>
-              <a:rPr lang="ko-KR" altLang="en-US" sz="1400" dirty="0" smtClean="0"/>
-              <a:t>해당 객체의 생성자가 호출된다</a:t>
-            </a:r>
-            <a:r>
-              <a:rPr lang="en-US" altLang="ko-KR" sz="1400" dirty="0" smtClean="0"/>
-              <a:t>.</a:t>
-            </a:r>
-            <a:endParaRPr lang="ko-KR" altLang="en-US" sz="1400" dirty="0"/>
+          </a:p>
+          <a:p>
+            <a:r>
+              <a:rPr lang="ko-KR" altLang="en-US" dirty="0" smtClean="0"/>
+              <a:t>속성 </a:t>
+            </a:r>
+            <a:r>
+              <a:rPr lang="en-US" altLang="ko-KR" dirty="0" smtClean="0"/>
+              <a:t>+ </a:t>
+            </a:r>
+            <a:r>
+              <a:rPr lang="ko-KR" altLang="en-US" dirty="0" smtClean="0"/>
+              <a:t>행위</a:t>
+            </a:r>
+            <a:endParaRPr lang="en-US" altLang="ko-KR" dirty="0" smtClean="0"/>
           </a:p>
         </p:txBody>
       </p:sp>
     </p:spTree>
     <p:extLst>
       <p:ext uri="{BB962C8B-B14F-4D97-AF65-F5344CB8AC3E}">
-        <p14:creationId xmlns:p14="http://schemas.microsoft.com/office/powerpoint/2010/main" val="4069701808"/>
+        <p14:creationId xmlns:p14="http://schemas.microsoft.com/office/powerpoint/2010/main" val="3037078371"/>
       </p:ext>
     </p:extLst>
   </p:cSld>
@@ -15856,7 +16132,361 @@
 </p:sld>
 </file>
 
+<file path=ppt/slides/slide46.xml><?xml version="1.0" encoding="utf-8"?>
+<p:sld xmlns:a="http://schemas.openxmlformats.org/drawingml/2006/main" xmlns:r="http://schemas.openxmlformats.org/officeDocument/2006/relationships" xmlns:p="http://schemas.openxmlformats.org/presentationml/2006/main">
+  <p:cSld>
+    <p:spTree>
+      <p:nvGrpSpPr>
+        <p:cNvPr id="1" name=""/>
+        <p:cNvGrpSpPr/>
+        <p:nvPr/>
+      </p:nvGrpSpPr>
+      <p:grpSpPr>
+        <a:xfrm>
+          <a:off x="0" y="0"/>
+          <a:ext cx="0" cy="0"/>
+          <a:chOff x="0" y="0"/>
+          <a:chExt cx="0" cy="0"/>
+        </a:xfrm>
+      </p:grpSpPr>
+      <p:sp>
+        <p:nvSpPr>
+          <p:cNvPr id="2" name="제목 1"/>
+          <p:cNvSpPr>
+            <a:spLocks noGrp="1"/>
+          </p:cNvSpPr>
+          <p:nvPr>
+            <p:ph type="title"/>
+          </p:nvPr>
+        </p:nvSpPr>
+        <p:spPr>
+          <a:xfrm>
+            <a:off x="162962" y="253498"/>
+            <a:ext cx="11814773" cy="6409852"/>
+          </a:xfrm>
+        </p:spPr>
+        <p:txBody>
+          <a:bodyPr>
+            <a:normAutofit/>
+          </a:bodyPr>
+          <a:lstStyle/>
+          <a:p>
+            <a:pPr algn="ctr"/>
+            <a:r>
+              <a:rPr lang="ko-KR" altLang="en-US" sz="6000" dirty="0" smtClean="0"/>
+              <a:t>감사합니다</a:t>
+            </a:r>
+            <a:r>
+              <a:rPr lang="en-US" altLang="ko-KR" sz="6000" dirty="0" smtClean="0"/>
+              <a:t>.</a:t>
+            </a:r>
+            <a:endParaRPr lang="ko-KR" altLang="en-US" sz="6000" dirty="0"/>
+          </a:p>
+        </p:txBody>
+      </p:sp>
+    </p:spTree>
+    <p:extLst>
+      <p:ext uri="{BB962C8B-B14F-4D97-AF65-F5344CB8AC3E}">
+        <p14:creationId xmlns:p14="http://schemas.microsoft.com/office/powerpoint/2010/main" val="3687232432"/>
+      </p:ext>
+    </p:extLst>
+  </p:cSld>
+  <p:clrMapOvr>
+    <a:masterClrMapping/>
+  </p:clrMapOvr>
+  <p:timing>
+    <p:tnLst>
+      <p:par>
+        <p:cTn id="1" dur="indefinite" restart="never" nodeType="tmRoot"/>
+      </p:par>
+    </p:tnLst>
+  </p:timing>
+</p:sld>
+</file>
+
 <file path=ppt/slides/slide5.xml><?xml version="1.0" encoding="utf-8"?>
+<p:sld xmlns:a="http://schemas.openxmlformats.org/drawingml/2006/main" xmlns:r="http://schemas.openxmlformats.org/officeDocument/2006/relationships" xmlns:p="http://schemas.openxmlformats.org/presentationml/2006/main">
+  <p:cSld>
+    <p:spTree>
+      <p:nvGrpSpPr>
+        <p:cNvPr id="1" name=""/>
+        <p:cNvGrpSpPr/>
+        <p:nvPr/>
+      </p:nvGrpSpPr>
+      <p:grpSpPr>
+        <a:xfrm>
+          <a:off x="0" y="0"/>
+          <a:ext cx="0" cy="0"/>
+          <a:chOff x="0" y="0"/>
+          <a:chExt cx="0" cy="0"/>
+        </a:xfrm>
+      </p:grpSpPr>
+      <p:sp>
+        <p:nvSpPr>
+          <p:cNvPr id="2" name="제목 1"/>
+          <p:cNvSpPr>
+            <a:spLocks noGrp="1"/>
+          </p:cNvSpPr>
+          <p:nvPr>
+            <p:ph type="title"/>
+          </p:nvPr>
+        </p:nvSpPr>
+        <p:spPr/>
+        <p:txBody>
+          <a:bodyPr/>
+          <a:lstStyle/>
+          <a:p>
+            <a:r>
+              <a:rPr lang="ko-KR" altLang="en-US" dirty="0" smtClean="0"/>
+              <a:t>객체 </a:t>
+            </a:r>
+            <a:r>
+              <a:rPr lang="en-US" altLang="ko-KR" dirty="0" smtClean="0"/>
+              <a:t>vs </a:t>
+            </a:r>
+            <a:r>
+              <a:rPr lang="ko-KR" altLang="en-US" dirty="0" smtClean="0"/>
+              <a:t>클래스</a:t>
+            </a:r>
+            <a:endParaRPr lang="ko-KR" altLang="en-US" dirty="0"/>
+          </a:p>
+        </p:txBody>
+      </p:sp>
+      <p:sp>
+        <p:nvSpPr>
+          <p:cNvPr id="3" name="내용 개체 틀 2"/>
+          <p:cNvSpPr>
+            <a:spLocks noGrp="1"/>
+          </p:cNvSpPr>
+          <p:nvPr>
+            <p:ph idx="1"/>
+          </p:nvPr>
+        </p:nvSpPr>
+        <p:spPr/>
+        <p:txBody>
+          <a:bodyPr>
+            <a:normAutofit/>
+          </a:bodyPr>
+          <a:lstStyle/>
+          <a:p>
+            <a:pPr>
+              <a:lnSpc>
+                <a:spcPct val="150000"/>
+              </a:lnSpc>
+            </a:pPr>
+            <a:r>
+              <a:rPr lang="ko-KR" altLang="en-US" sz="2400" dirty="0" smtClean="0"/>
+              <a:t>클래스는 같은 속성들과 기능들을 가진 객체들을 총칭하는 개념</a:t>
+            </a:r>
+            <a:endParaRPr lang="en-US" altLang="ko-KR" sz="2400" dirty="0" smtClean="0"/>
+          </a:p>
+          <a:p>
+            <a:pPr lvl="1">
+              <a:lnSpc>
+                <a:spcPct val="150000"/>
+              </a:lnSpc>
+            </a:pPr>
+            <a:r>
+              <a:rPr lang="ko-KR" altLang="en-US" sz="2000" dirty="0" smtClean="0"/>
+              <a:t>이 개념적인 클래스를 통해 실체화 된 것이 객체</a:t>
+            </a:r>
+            <a:r>
+              <a:rPr lang="en-US" altLang="ko-KR" sz="2000" dirty="0" smtClean="0"/>
+              <a:t>(</a:t>
+            </a:r>
+            <a:r>
+              <a:rPr lang="ko-KR" altLang="en-US" sz="2000" dirty="0" smtClean="0"/>
+              <a:t>인스턴스</a:t>
+            </a:r>
+            <a:r>
+              <a:rPr lang="en-US" altLang="ko-KR" sz="2000" dirty="0" smtClean="0"/>
+              <a:t>).</a:t>
+            </a:r>
+          </a:p>
+          <a:p>
+            <a:pPr>
+              <a:lnSpc>
+                <a:spcPct val="150000"/>
+              </a:lnSpc>
+            </a:pPr>
+            <a:r>
+              <a:rPr lang="ko-KR" altLang="en-US" sz="2400" dirty="0" smtClean="0"/>
+              <a:t>클래스에는 </a:t>
+            </a:r>
+            <a:r>
+              <a:rPr lang="ko-KR" altLang="en-US" sz="2400" dirty="0"/>
+              <a:t>객체를 생성하기 위한 필드와 </a:t>
+            </a:r>
+            <a:r>
+              <a:rPr lang="ko-KR" altLang="en-US" sz="2400" dirty="0" err="1"/>
+              <a:t>메소드가</a:t>
+            </a:r>
+            <a:r>
+              <a:rPr lang="ko-KR" altLang="en-US" sz="2400" dirty="0"/>
+              <a:t> 정의되어 있다</a:t>
+            </a:r>
+            <a:r>
+              <a:rPr lang="en-US" altLang="ko-KR" sz="2400" dirty="0" smtClean="0"/>
+              <a:t>.</a:t>
+            </a:r>
+          </a:p>
+          <a:p>
+            <a:pPr lvl="1">
+              <a:lnSpc>
+                <a:spcPct val="150000"/>
+              </a:lnSpc>
+            </a:pPr>
+            <a:r>
+              <a:rPr lang="ko-KR" altLang="en-US" sz="2000" dirty="0" smtClean="0"/>
+              <a:t>클래스를 통해 실체화된 객체는 고유한 속성을 가진다</a:t>
+            </a:r>
+            <a:r>
+              <a:rPr lang="en-US" altLang="ko-KR" sz="2000" dirty="0" smtClean="0"/>
+              <a:t>.</a:t>
+            </a:r>
+            <a:endParaRPr lang="en-US" altLang="ko-KR" sz="2000" dirty="0"/>
+          </a:p>
+          <a:p>
+            <a:pPr marL="0" indent="0">
+              <a:lnSpc>
+                <a:spcPct val="150000"/>
+              </a:lnSpc>
+              <a:buNone/>
+            </a:pPr>
+            <a:endParaRPr lang="en-US" altLang="ko-KR" sz="2400" dirty="0" smtClean="0"/>
+          </a:p>
+          <a:p>
+            <a:pPr marL="0" indent="0" algn="ctr">
+              <a:lnSpc>
+                <a:spcPct val="150000"/>
+              </a:lnSpc>
+              <a:buNone/>
+            </a:pPr>
+            <a:r>
+              <a:rPr lang="ko-KR" altLang="en-US" sz="2400" dirty="0" smtClean="0">
+                <a:solidFill>
+                  <a:schemeClr val="accent5"/>
+                </a:solidFill>
+              </a:rPr>
+              <a:t>클래스</a:t>
+            </a:r>
+            <a:r>
+              <a:rPr lang="ko-KR" altLang="en-US" sz="2400" dirty="0" smtClean="0"/>
+              <a:t> 객체참조변수명 </a:t>
+            </a:r>
+            <a:r>
+              <a:rPr lang="en-US" altLang="ko-KR" sz="2400" dirty="0" smtClean="0"/>
+              <a:t>= </a:t>
+            </a:r>
+            <a:r>
+              <a:rPr lang="en-US" altLang="ko-KR" sz="2400" u="sng" dirty="0" smtClean="0">
+                <a:solidFill>
+                  <a:schemeClr val="accent2"/>
+                </a:solidFill>
+              </a:rPr>
+              <a:t>new</a:t>
+            </a:r>
+            <a:r>
+              <a:rPr lang="en-US" altLang="ko-KR" sz="2400" dirty="0" smtClean="0"/>
+              <a:t> </a:t>
+            </a:r>
+            <a:r>
+              <a:rPr lang="ko-KR" altLang="en-US" sz="2400" dirty="0" smtClean="0">
+                <a:solidFill>
+                  <a:schemeClr val="accent5"/>
+                </a:solidFill>
+              </a:rPr>
+              <a:t>클래스</a:t>
+            </a:r>
+            <a:r>
+              <a:rPr lang="en-US" altLang="ko-KR" sz="2400" dirty="0" smtClean="0"/>
+              <a:t>();</a:t>
+            </a:r>
+          </a:p>
+          <a:p>
+            <a:pPr lvl="1">
+              <a:lnSpc>
+                <a:spcPct val="150000"/>
+              </a:lnSpc>
+            </a:pPr>
+            <a:endParaRPr lang="en-US" altLang="ko-KR" sz="2000" dirty="0" smtClean="0"/>
+          </a:p>
+          <a:p>
+            <a:pPr>
+              <a:lnSpc>
+                <a:spcPct val="150000"/>
+              </a:lnSpc>
+            </a:pPr>
+            <a:endParaRPr lang="ko-KR" altLang="en-US" sz="2400" dirty="0"/>
+          </a:p>
+        </p:txBody>
+      </p:sp>
+      <p:sp>
+        <p:nvSpPr>
+          <p:cNvPr id="11" name="TextBox 10"/>
+          <p:cNvSpPr txBox="1"/>
+          <p:nvPr/>
+        </p:nvSpPr>
+        <p:spPr>
+          <a:xfrm>
+            <a:off x="6835366" y="5558828"/>
+            <a:ext cx="3881191" cy="523220"/>
+          </a:xfrm>
+          <a:prstGeom prst="rect">
+            <a:avLst/>
+          </a:prstGeom>
+          <a:noFill/>
+        </p:spPr>
+        <p:txBody>
+          <a:bodyPr wrap="none" rtlCol="0">
+            <a:spAutoFit/>
+          </a:bodyPr>
+          <a:lstStyle/>
+          <a:p>
+            <a:r>
+              <a:rPr lang="en-US" altLang="ko-KR" sz="1400" dirty="0" smtClean="0"/>
+              <a:t>new </a:t>
+            </a:r>
+            <a:r>
+              <a:rPr lang="ko-KR" altLang="en-US" sz="1400" dirty="0" smtClean="0"/>
+              <a:t>연산자를 통해 객체가 메모리에 할당되고</a:t>
+            </a:r>
+            <a:endParaRPr lang="en-US" altLang="ko-KR" sz="1400" dirty="0" smtClean="0"/>
+          </a:p>
+          <a:p>
+            <a:r>
+              <a:rPr lang="ko-KR" altLang="en-US" sz="1400" dirty="0" smtClean="0"/>
+              <a:t>해당 객체의 생성자가 호출된다</a:t>
+            </a:r>
+            <a:r>
+              <a:rPr lang="en-US" altLang="ko-KR" sz="1400" dirty="0" smtClean="0"/>
+              <a:t>.</a:t>
+            </a:r>
+            <a:endParaRPr lang="ko-KR" altLang="en-US" sz="1400" dirty="0"/>
+          </a:p>
+        </p:txBody>
+      </p:sp>
+    </p:spTree>
+    <p:extLst>
+      <p:ext uri="{BB962C8B-B14F-4D97-AF65-F5344CB8AC3E}">
+        <p14:creationId xmlns:p14="http://schemas.microsoft.com/office/powerpoint/2010/main" val="4069701808"/>
+      </p:ext>
+    </p:extLst>
+  </p:cSld>
+  <p:clrMapOvr>
+    <a:masterClrMapping/>
+  </p:clrMapOvr>
+  <p:timing>
+    <p:tnLst>
+      <p:par>
+        <p:cTn id="1" dur="indefinite" restart="never" nodeType="tmRoot"/>
+      </p:par>
+    </p:tnLst>
+  </p:timing>
+</p:sld>
+</file>
+
+<file path=ppt/slides/slide6.xml><?xml version="1.0" encoding="utf-8"?>
 <p:sld xmlns:a="http://schemas.openxmlformats.org/drawingml/2006/main" xmlns:r="http://schemas.openxmlformats.org/officeDocument/2006/relationships" xmlns:p="http://schemas.openxmlformats.org/presentationml/2006/main">
   <p:cSld>
     <p:spTree>
@@ -16241,7 +16871,7 @@
 </p:sld>
 </file>
 
-<file path=ppt/slides/slide6.xml><?xml version="1.0" encoding="utf-8"?>
+<file path=ppt/slides/slide7.xml><?xml version="1.0" encoding="utf-8"?>
 <p:sld xmlns:a="http://schemas.openxmlformats.org/drawingml/2006/main" xmlns:r="http://schemas.openxmlformats.org/officeDocument/2006/relationships" xmlns:p="http://schemas.openxmlformats.org/presentationml/2006/main">
   <p:cSld>
     <p:spTree>
@@ -16595,7 +17225,7 @@
           <p:nvPr>
             <p:extLst>
               <p:ext uri="{D42A27DB-BD31-4B8C-83A1-F6EECF244321}">
-                <p14:modId xmlns:p14="http://schemas.microsoft.com/office/powerpoint/2010/main" val="2066024373"/>
+                <p14:modId xmlns:p14="http://schemas.microsoft.com/office/powerpoint/2010/main" val="2694576898"/>
               </p:ext>
             </p:extLst>
           </p:nvPr>
@@ -16608,7 +17238,7 @@
           <a:graphicData uri="http://schemas.openxmlformats.org/drawingml/2006/table">
             <a:tbl>
               <a:tblPr firstRow="1" bandRow="1">
-                <a:tableStyleId>{F5AB1C69-6EDB-4FF4-983F-18BD219EF322}</a:tableStyleId>
+                <a:tableStyleId>{5C22544A-7EE6-4342-B048-85BDC9FD1C3A}</a:tableStyleId>
               </a:tblPr>
               <a:tblGrid>
                 <a:gridCol w="1464732">
@@ -16706,7 +17336,7 @@
           <p:nvPr>
             <p:extLst>
               <p:ext uri="{D42A27DB-BD31-4B8C-83A1-F6EECF244321}">
-                <p14:modId xmlns:p14="http://schemas.microsoft.com/office/powerpoint/2010/main" val="3962915069"/>
+                <p14:modId xmlns:p14="http://schemas.microsoft.com/office/powerpoint/2010/main" val="876847824"/>
               </p:ext>
             </p:extLst>
           </p:nvPr>
@@ -16719,7 +17349,7 @@
           <a:graphicData uri="http://schemas.openxmlformats.org/drawingml/2006/table">
             <a:tbl>
               <a:tblPr firstRow="1" bandRow="1">
-                <a:tableStyleId>{F5AB1C69-6EDB-4FF4-983F-18BD219EF322}</a:tableStyleId>
+                <a:tableStyleId>{5C22544A-7EE6-4342-B048-85BDC9FD1C3A}</a:tableStyleId>
               </a:tblPr>
               <a:tblGrid>
                 <a:gridCol w="1464732">
@@ -16805,7 +17435,7 @@
           <p:nvPr>
             <p:extLst>
               <p:ext uri="{D42A27DB-BD31-4B8C-83A1-F6EECF244321}">
-                <p14:modId xmlns:p14="http://schemas.microsoft.com/office/powerpoint/2010/main" val="2574776736"/>
+                <p14:modId xmlns:p14="http://schemas.microsoft.com/office/powerpoint/2010/main" val="3981284571"/>
               </p:ext>
             </p:extLst>
           </p:nvPr>
@@ -16818,7 +17448,7 @@
           <a:graphicData uri="http://schemas.openxmlformats.org/drawingml/2006/table">
             <a:tbl>
               <a:tblPr firstRow="1" bandRow="1">
-                <a:tableStyleId>{21E4AEA4-8DFA-4A89-87EB-49C32662AFE0}</a:tableStyleId>
+                <a:tableStyleId>{5C22544A-7EE6-4342-B048-85BDC9FD1C3A}</a:tableStyleId>
               </a:tblPr>
               <a:tblGrid>
                 <a:gridCol w="1464732">
@@ -17039,78 +17669,6 @@
     <p:extLst>
       <p:ext uri="{BB962C8B-B14F-4D97-AF65-F5344CB8AC3E}">
         <p14:creationId xmlns:p14="http://schemas.microsoft.com/office/powerpoint/2010/main" val="2046284262"/>
-      </p:ext>
-    </p:extLst>
-  </p:cSld>
-  <p:clrMapOvr>
-    <a:masterClrMapping/>
-  </p:clrMapOvr>
-  <p:timing>
-    <p:tnLst>
-      <p:par>
-        <p:cTn id="1" dur="indefinite" restart="never" nodeType="tmRoot"/>
-      </p:par>
-    </p:tnLst>
-  </p:timing>
-</p:sld>
-</file>
-
-<file path=ppt/slides/slide7.xml><?xml version="1.0" encoding="utf-8"?>
-<p:sld xmlns:a="http://schemas.openxmlformats.org/drawingml/2006/main" xmlns:r="http://schemas.openxmlformats.org/officeDocument/2006/relationships" xmlns:p="http://schemas.openxmlformats.org/presentationml/2006/main">
-  <p:cSld>
-    <p:spTree>
-      <p:nvGrpSpPr>
-        <p:cNvPr id="1" name=""/>
-        <p:cNvGrpSpPr/>
-        <p:nvPr/>
-      </p:nvGrpSpPr>
-      <p:grpSpPr>
-        <a:xfrm>
-          <a:off x="0" y="0"/>
-          <a:ext cx="0" cy="0"/>
-          <a:chOff x="0" y="0"/>
-          <a:chExt cx="0" cy="0"/>
-        </a:xfrm>
-      </p:grpSpPr>
-      <p:sp>
-        <p:nvSpPr>
-          <p:cNvPr id="2" name="제목 1"/>
-          <p:cNvSpPr>
-            <a:spLocks noGrp="1"/>
-          </p:cNvSpPr>
-          <p:nvPr>
-            <p:ph type="title"/>
-          </p:nvPr>
-        </p:nvSpPr>
-        <p:spPr>
-          <a:xfrm>
-            <a:off x="162962" y="253498"/>
-            <a:ext cx="11814773" cy="6409852"/>
-          </a:xfrm>
-        </p:spPr>
-        <p:txBody>
-          <a:bodyPr>
-            <a:normAutofit/>
-          </a:bodyPr>
-          <a:lstStyle/>
-          <a:p>
-            <a:pPr algn="ctr"/>
-            <a:r>
-              <a:rPr lang="ko-KR" altLang="en-US" sz="6000" dirty="0" smtClean="0"/>
-              <a:t>클래스 </a:t>
-            </a:r>
-            <a:r>
-              <a:rPr lang="en-US" altLang="ko-KR" sz="6000" dirty="0" smtClean="0"/>
-              <a:t>(Class)</a:t>
-            </a:r>
-            <a:endParaRPr lang="ko-KR" altLang="en-US" sz="6000" dirty="0"/>
-          </a:p>
-        </p:txBody>
-      </p:sp>
-    </p:spTree>
-    <p:extLst>
-      <p:ext uri="{BB962C8B-B14F-4D97-AF65-F5344CB8AC3E}">
-        <p14:creationId xmlns:p14="http://schemas.microsoft.com/office/powerpoint/2010/main" val="2078755298"/>
       </p:ext>
     </p:extLst>
   </p:cSld>

--- a/ppt/객체지향 기본.pptx
+++ b/ppt/객체지향 기본.pptx
@@ -38,31 +38,33 @@
     <p:sldId id="265" r:id="rId32"/>
     <p:sldId id="268" r:id="rId33"/>
     <p:sldId id="286" r:id="rId34"/>
-    <p:sldId id="308" r:id="rId35"/>
-    <p:sldId id="336" r:id="rId36"/>
-    <p:sldId id="287" r:id="rId37"/>
-    <p:sldId id="337" r:id="rId38"/>
-    <p:sldId id="305" r:id="rId39"/>
-    <p:sldId id="306" r:id="rId40"/>
-    <p:sldId id="313" r:id="rId41"/>
-    <p:sldId id="270" r:id="rId42"/>
-    <p:sldId id="290" r:id="rId43"/>
-    <p:sldId id="291" r:id="rId44"/>
-    <p:sldId id="338" r:id="rId45"/>
-    <p:sldId id="292" r:id="rId46"/>
-    <p:sldId id="320" r:id="rId47"/>
-    <p:sldId id="271" r:id="rId48"/>
-    <p:sldId id="339" r:id="rId49"/>
-    <p:sldId id="273" r:id="rId50"/>
-    <p:sldId id="324" r:id="rId51"/>
-    <p:sldId id="297" r:id="rId52"/>
-    <p:sldId id="298" r:id="rId53"/>
-    <p:sldId id="299" r:id="rId54"/>
-    <p:sldId id="325" r:id="rId55"/>
-    <p:sldId id="300" r:id="rId56"/>
-    <p:sldId id="326" r:id="rId57"/>
-    <p:sldId id="301" r:id="rId58"/>
-    <p:sldId id="316" r:id="rId59"/>
+    <p:sldId id="340" r:id="rId35"/>
+    <p:sldId id="308" r:id="rId36"/>
+    <p:sldId id="336" r:id="rId37"/>
+    <p:sldId id="287" r:id="rId38"/>
+    <p:sldId id="337" r:id="rId39"/>
+    <p:sldId id="305" r:id="rId40"/>
+    <p:sldId id="306" r:id="rId41"/>
+    <p:sldId id="341" r:id="rId42"/>
+    <p:sldId id="270" r:id="rId43"/>
+    <p:sldId id="290" r:id="rId44"/>
+    <p:sldId id="291" r:id="rId45"/>
+    <p:sldId id="338" r:id="rId46"/>
+    <p:sldId id="292" r:id="rId47"/>
+    <p:sldId id="320" r:id="rId48"/>
+    <p:sldId id="271" r:id="rId49"/>
+    <p:sldId id="339" r:id="rId50"/>
+    <p:sldId id="342" r:id="rId51"/>
+    <p:sldId id="273" r:id="rId52"/>
+    <p:sldId id="343" r:id="rId53"/>
+    <p:sldId id="297" r:id="rId54"/>
+    <p:sldId id="298" r:id="rId55"/>
+    <p:sldId id="299" r:id="rId56"/>
+    <p:sldId id="344" r:id="rId57"/>
+    <p:sldId id="300" r:id="rId58"/>
+    <p:sldId id="345" r:id="rId59"/>
+    <p:sldId id="301" r:id="rId60"/>
+    <p:sldId id="316" r:id="rId61"/>
   </p:sldIdLst>
   <p:sldSz cx="12192000" cy="6858000"/>
   <p:notesSz cx="6858000" cy="9144000"/>
@@ -3099,6 +3101,12 @@
           <a:bodyPr/>
           <a:lstStyle/>
           <a:p>
+            <a:endParaRPr lang="en-US" altLang="ko-KR" dirty="0" smtClean="0"/>
+          </a:p>
+          <a:p>
+            <a:endParaRPr lang="en-US" altLang="ko-KR" dirty="0"/>
+          </a:p>
+          <a:p>
             <a:r>
               <a:rPr lang="en-US" altLang="ko-KR" dirty="0" err="1" smtClean="0"/>
               <a:t>Javacafe</a:t>
@@ -3798,11 +3806,7 @@
               </a:r>
               <a:r>
                 <a:rPr lang="en-US" altLang="ko-KR" sz="1400" dirty="0" smtClean="0"/>
-                <a:t> </a:t>
-              </a:r>
-              <a:r>
-                <a:rPr lang="en-US" altLang="ko-KR" sz="1400" dirty="0" smtClean="0"/>
-                <a:t>String name;</a:t>
+                <a:t> String name;</a:t>
               </a:r>
             </a:p>
             <a:p>
@@ -6878,11 +6882,7 @@
             <a:pPr algn="ctr"/>
             <a:r>
               <a:rPr lang="ko-KR" altLang="en-US" sz="6000" dirty="0" smtClean="0"/>
-              <a:t>객체지향</a:t>
-            </a:r>
-            <a:r>
-              <a:rPr lang="ko-KR" altLang="en-US" sz="6000" dirty="0" smtClean="0"/>
-              <a:t>의 </a:t>
+              <a:t>객체지향의 </a:t>
             </a:r>
             <a:r>
               <a:rPr lang="en-US" altLang="ko-KR" sz="6000" dirty="0" smtClean="0"/>
@@ -11956,7 +11956,7 @@
                   <a:prstClr val="black"/>
                 </a:solidFill>
               </a:rPr>
-              <a:t>oop.inheritance1.Example2</a:t>
+              <a:t>oop.inheritance.Example2</a:t>
             </a:r>
             <a:endParaRPr lang="ko-KR" altLang="en-US" sz="6000" dirty="0"/>
           </a:p>
@@ -14107,6 +14107,200 @@
 </file>
 
 <file path=ppt/slides/slide34.xml><?xml version="1.0" encoding="utf-8"?>
+<p:sld xmlns:a="http://schemas.openxmlformats.org/drawingml/2006/main" xmlns:r="http://schemas.openxmlformats.org/officeDocument/2006/relationships" xmlns:p="http://schemas.openxmlformats.org/presentationml/2006/main">
+  <p:cSld>
+    <p:spTree>
+      <p:nvGrpSpPr>
+        <p:cNvPr id="1" name=""/>
+        <p:cNvGrpSpPr/>
+        <p:nvPr/>
+      </p:nvGrpSpPr>
+      <p:grpSpPr>
+        <a:xfrm>
+          <a:off x="0" y="0"/>
+          <a:ext cx="0" cy="0"/>
+          <a:chOff x="0" y="0"/>
+          <a:chExt cx="0" cy="0"/>
+        </a:xfrm>
+      </p:grpSpPr>
+      <p:sp>
+        <p:nvSpPr>
+          <p:cNvPr id="2" name="제목 1"/>
+          <p:cNvSpPr>
+            <a:spLocks noGrp="1"/>
+          </p:cNvSpPr>
+          <p:nvPr>
+            <p:ph type="title"/>
+          </p:nvPr>
+        </p:nvSpPr>
+        <p:spPr/>
+        <p:txBody>
+          <a:bodyPr/>
+          <a:lstStyle/>
+          <a:p>
+            <a:r>
+              <a:rPr lang="ko-KR" altLang="en-US" dirty="0" smtClean="0"/>
+              <a:t>인터페이스의 </a:t>
+            </a:r>
+            <a:r>
+              <a:rPr lang="en-US" altLang="ko-KR" dirty="0" smtClean="0"/>
+              <a:t>default </a:t>
+            </a:r>
+            <a:r>
+              <a:rPr lang="ko-KR" altLang="en-US" dirty="0" err="1" smtClean="0"/>
+              <a:t>메소드</a:t>
+            </a:r>
+            <a:endParaRPr lang="ko-KR" altLang="en-US" dirty="0"/>
+          </a:p>
+        </p:txBody>
+      </p:sp>
+      <p:sp>
+        <p:nvSpPr>
+          <p:cNvPr id="3" name="내용 개체 틀 2"/>
+          <p:cNvSpPr>
+            <a:spLocks noGrp="1"/>
+          </p:cNvSpPr>
+          <p:nvPr>
+            <p:ph idx="1"/>
+          </p:nvPr>
+        </p:nvSpPr>
+        <p:spPr/>
+        <p:txBody>
+          <a:bodyPr>
+            <a:normAutofit/>
+          </a:bodyPr>
+          <a:lstStyle/>
+          <a:p>
+            <a:pPr>
+              <a:lnSpc>
+                <a:spcPct val="100000"/>
+              </a:lnSpc>
+            </a:pPr>
+            <a:r>
+              <a:rPr lang="en-US" altLang="ko-KR" sz="2400" dirty="0" smtClean="0"/>
+              <a:t>java8</a:t>
+            </a:r>
+            <a:r>
+              <a:rPr lang="ko-KR" altLang="en-US" sz="2400" dirty="0" smtClean="0"/>
+              <a:t>에서 함수형 프로그래밍 요소들이 들어오면서 하위호환성을 위해 불가피하게 추가</a:t>
+            </a:r>
+            <a:endParaRPr lang="en-US" altLang="ko-KR" sz="2400" dirty="0" smtClean="0"/>
+          </a:p>
+          <a:p>
+            <a:pPr lvl="1">
+              <a:lnSpc>
+                <a:spcPct val="100000"/>
+              </a:lnSpc>
+            </a:pPr>
+            <a:r>
+              <a:rPr lang="en-US" altLang="ko-KR" sz="2000" dirty="0" smtClean="0"/>
+              <a:t>ex) List</a:t>
+            </a:r>
+          </a:p>
+          <a:p>
+            <a:pPr lvl="1">
+              <a:lnSpc>
+                <a:spcPct val="100000"/>
+              </a:lnSpc>
+            </a:pPr>
+            <a:endParaRPr lang="en-US" altLang="ko-KR" sz="2000" dirty="0"/>
+          </a:p>
+          <a:p>
+            <a:pPr>
+              <a:lnSpc>
+                <a:spcPct val="100000"/>
+              </a:lnSpc>
+            </a:pPr>
+            <a:r>
+              <a:rPr lang="en-US" altLang="ko-KR" sz="2400" dirty="0" smtClean="0"/>
+              <a:t>interface</a:t>
+            </a:r>
+            <a:r>
+              <a:rPr lang="ko-KR" altLang="en-US" sz="2400" dirty="0" smtClean="0"/>
+              <a:t>에도 구현 </a:t>
+            </a:r>
+            <a:r>
+              <a:rPr lang="ko-KR" altLang="en-US" sz="2400" dirty="0" err="1" smtClean="0"/>
+              <a:t>메소드를</a:t>
+            </a:r>
+            <a:r>
+              <a:rPr lang="ko-KR" altLang="en-US" sz="2400" dirty="0" smtClean="0"/>
+              <a:t> 가짐으로써 다중 상속의 문제점이 다시 불거짐</a:t>
+            </a:r>
+            <a:endParaRPr lang="en-US" altLang="ko-KR" sz="2400" dirty="0" smtClean="0"/>
+          </a:p>
+          <a:p>
+            <a:pPr lvl="1">
+              <a:lnSpc>
+                <a:spcPct val="100000"/>
+              </a:lnSpc>
+            </a:pPr>
+            <a:r>
+              <a:rPr lang="ko-KR" altLang="en-US" sz="2000" dirty="0" smtClean="0"/>
+              <a:t>다이아몬드 상속 문제</a:t>
+            </a:r>
+            <a:endParaRPr lang="en-US" altLang="ko-KR" sz="2000" dirty="0" smtClean="0"/>
+          </a:p>
+          <a:p>
+            <a:pPr lvl="1">
+              <a:lnSpc>
+                <a:spcPct val="100000"/>
+              </a:lnSpc>
+            </a:pPr>
+            <a:endParaRPr lang="en-US" altLang="ko-KR" sz="2000" dirty="0"/>
+          </a:p>
+          <a:p>
+            <a:pPr>
+              <a:lnSpc>
+                <a:spcPct val="100000"/>
+              </a:lnSpc>
+            </a:pPr>
+            <a:r>
+              <a:rPr lang="ko-KR" altLang="en-US" sz="2400" dirty="0" smtClean="0"/>
+              <a:t>다중 상속 시 명확한 </a:t>
+            </a:r>
+            <a:r>
+              <a:rPr lang="ko-KR" altLang="en-US" sz="2400" dirty="0" err="1" smtClean="0"/>
+              <a:t>메소드</a:t>
+            </a:r>
+            <a:r>
+              <a:rPr lang="ko-KR" altLang="en-US" sz="2400" dirty="0" smtClean="0"/>
+              <a:t> 호출을 위해 상위 인터페이스의 </a:t>
+            </a:r>
+            <a:r>
+              <a:rPr lang="ko-KR" altLang="en-US" sz="2400" dirty="0" err="1" smtClean="0"/>
+              <a:t>메소드</a:t>
+            </a:r>
+            <a:r>
+              <a:rPr lang="ko-KR" altLang="en-US" sz="2400" dirty="0" smtClean="0"/>
+              <a:t> 명시</a:t>
+            </a:r>
+            <a:endParaRPr lang="en-US" altLang="ko-KR" sz="2400" dirty="0" smtClean="0"/>
+          </a:p>
+          <a:p>
+            <a:pPr>
+              <a:lnSpc>
+                <a:spcPct val="100000"/>
+              </a:lnSpc>
+            </a:pPr>
+            <a:endParaRPr lang="ko-KR" altLang="en-US" sz="2400" dirty="0"/>
+          </a:p>
+        </p:txBody>
+      </p:sp>
+    </p:spTree>
+    <p:extLst>
+      <p:ext uri="{BB962C8B-B14F-4D97-AF65-F5344CB8AC3E}">
+        <p14:creationId xmlns:p14="http://schemas.microsoft.com/office/powerpoint/2010/main" val="54053379"/>
+      </p:ext>
+    </p:extLst>
+  </p:cSld>
+  <p:clrMapOvr>
+    <a:masterClrMapping/>
+  </p:clrMapOvr>
+</p:sld>
+</file>
+
+<file path=ppt/slides/slide35.xml><?xml version="1.0" encoding="utf-8"?>
 <p:sld xmlns:a="http://schemas.openxmlformats.org/drawingml/2006/main" xmlns:r="http://schemas.openxmlformats.org/officeDocument/2006/relationships" xmlns:p="http://schemas.openxmlformats.org/presentationml/2006/main">
   <p:cSld>
     <p:spTree>
@@ -15304,7 +15498,7 @@
 </p:sld>
 </file>
 
-<file path=ppt/slides/slide35.xml><?xml version="1.0" encoding="utf-8"?>
+<file path=ppt/slides/slide36.xml><?xml version="1.0" encoding="utf-8"?>
 <p:sld xmlns:a="http://schemas.openxmlformats.org/drawingml/2006/main" xmlns:r="http://schemas.openxmlformats.org/officeDocument/2006/relationships" xmlns:p="http://schemas.openxmlformats.org/presentationml/2006/main">
   <p:cSld>
     <p:spTree>
@@ -15383,7 +15577,7 @@
 </p:sld>
 </file>
 
-<file path=ppt/slides/slide36.xml><?xml version="1.0" encoding="utf-8"?>
+<file path=ppt/slides/slide37.xml><?xml version="1.0" encoding="utf-8"?>
 <p:sld xmlns:a="http://schemas.openxmlformats.org/drawingml/2006/main" xmlns:r="http://schemas.openxmlformats.org/officeDocument/2006/relationships" xmlns:p="http://schemas.openxmlformats.org/presentationml/2006/main">
   <p:cSld>
     <p:spTree>
@@ -15547,7 +15741,7 @@
 </p:sld>
 </file>
 
-<file path=ppt/slides/slide37.xml><?xml version="1.0" encoding="utf-8"?>
+<file path=ppt/slides/slide38.xml><?xml version="1.0" encoding="utf-8"?>
 <p:sld xmlns:a="http://schemas.openxmlformats.org/drawingml/2006/main" xmlns:r="http://schemas.openxmlformats.org/officeDocument/2006/relationships" xmlns:p="http://schemas.openxmlformats.org/presentationml/2006/main">
   <p:cSld>
     <p:spTree>
@@ -15626,7 +15820,7 @@
 </p:sld>
 </file>
 
-<file path=ppt/slides/slide38.xml><?xml version="1.0" encoding="utf-8"?>
+<file path=ppt/slides/slide39.xml><?xml version="1.0" encoding="utf-8"?>
 <p:sld xmlns:a="http://schemas.openxmlformats.org/drawingml/2006/main" xmlns:r="http://schemas.openxmlformats.org/officeDocument/2006/relationships" xmlns:p="http://schemas.openxmlformats.org/presentationml/2006/main">
   <p:cSld>
     <p:spTree>
@@ -16695,184 +16889,6 @@
 </p:sld>
 </file>
 
-<file path=ppt/slides/slide39.xml><?xml version="1.0" encoding="utf-8"?>
-<p:sld xmlns:a="http://schemas.openxmlformats.org/drawingml/2006/main" xmlns:r="http://schemas.openxmlformats.org/officeDocument/2006/relationships" xmlns:p="http://schemas.openxmlformats.org/presentationml/2006/main">
-  <p:cSld>
-    <p:spTree>
-      <p:nvGrpSpPr>
-        <p:cNvPr id="1" name=""/>
-        <p:cNvGrpSpPr/>
-        <p:nvPr/>
-      </p:nvGrpSpPr>
-      <p:grpSpPr>
-        <a:xfrm>
-          <a:off x="0" y="0"/>
-          <a:ext cx="0" cy="0"/>
-          <a:chOff x="0" y="0"/>
-          <a:chExt cx="0" cy="0"/>
-        </a:xfrm>
-      </p:grpSpPr>
-      <p:sp>
-        <p:nvSpPr>
-          <p:cNvPr id="2" name="제목 1"/>
-          <p:cNvSpPr>
-            <a:spLocks noGrp="1"/>
-          </p:cNvSpPr>
-          <p:nvPr>
-            <p:ph type="title"/>
-          </p:nvPr>
-        </p:nvSpPr>
-        <p:spPr/>
-        <p:txBody>
-          <a:bodyPr/>
-          <a:lstStyle/>
-          <a:p>
-            <a:r>
-              <a:rPr lang="ko-KR" altLang="en-US" dirty="0" smtClean="0"/>
-              <a:t>추상 클래스 </a:t>
-            </a:r>
-            <a:r>
-              <a:rPr lang="en-US" altLang="ko-KR" dirty="0" smtClean="0"/>
-              <a:t>(</a:t>
-            </a:r>
-            <a:r>
-              <a:rPr lang="en-US" altLang="ko-KR" dirty="0"/>
-              <a:t>A</a:t>
-            </a:r>
-            <a:r>
-              <a:rPr lang="en-US" altLang="ko-KR" dirty="0" smtClean="0"/>
-              <a:t>bstract Class)</a:t>
-            </a:r>
-            <a:endParaRPr lang="ko-KR" altLang="en-US" dirty="0"/>
-          </a:p>
-        </p:txBody>
-      </p:sp>
-      <p:sp>
-        <p:nvSpPr>
-          <p:cNvPr id="3" name="내용 개체 틀 2"/>
-          <p:cNvSpPr>
-            <a:spLocks noGrp="1"/>
-          </p:cNvSpPr>
-          <p:nvPr>
-            <p:ph idx="1"/>
-          </p:nvPr>
-        </p:nvSpPr>
-        <p:spPr/>
-        <p:txBody>
-          <a:bodyPr/>
-          <a:lstStyle/>
-          <a:p>
-            <a:r>
-              <a:rPr lang="ko-KR" altLang="en-US" dirty="0" smtClean="0"/>
-              <a:t>추상 </a:t>
-            </a:r>
-            <a:r>
-              <a:rPr lang="ko-KR" altLang="en-US" dirty="0" err="1" smtClean="0"/>
-              <a:t>메서드가</a:t>
-            </a:r>
-            <a:r>
-              <a:rPr lang="ko-KR" altLang="en-US" dirty="0" smtClean="0"/>
-              <a:t> 하나 이상 포함된 클래스</a:t>
-            </a:r>
-            <a:endParaRPr lang="en-US" altLang="ko-KR" dirty="0" smtClean="0"/>
-          </a:p>
-          <a:p>
-            <a:r>
-              <a:rPr lang="en-US" altLang="ko-KR" dirty="0" smtClean="0"/>
-              <a:t>Class </a:t>
-            </a:r>
-            <a:r>
-              <a:rPr lang="ko-KR" altLang="en-US" dirty="0" smtClean="0"/>
-              <a:t>앞에 </a:t>
-            </a:r>
-            <a:r>
-              <a:rPr lang="en-US" altLang="ko-KR" dirty="0" smtClean="0"/>
-              <a:t>abstract </a:t>
-            </a:r>
-            <a:r>
-              <a:rPr lang="ko-KR" altLang="en-US" dirty="0" smtClean="0"/>
-              <a:t>키워드를 붙여서 표현</a:t>
-            </a:r>
-            <a:endParaRPr lang="en-US" altLang="ko-KR" dirty="0" smtClean="0"/>
-          </a:p>
-          <a:p>
-            <a:r>
-              <a:rPr lang="en-US" altLang="ko-KR" dirty="0" smtClean="0"/>
-              <a:t>Abstract</a:t>
-            </a:r>
-            <a:r>
-              <a:rPr lang="ko-KR" altLang="en-US" dirty="0" smtClean="0"/>
-              <a:t>와 </a:t>
-            </a:r>
-            <a:r>
-              <a:rPr lang="en-US" altLang="ko-KR" dirty="0" smtClean="0"/>
-              <a:t>final </a:t>
-            </a:r>
-            <a:r>
-              <a:rPr lang="ko-KR" altLang="en-US" dirty="0" smtClean="0"/>
-              <a:t>키워드는 함께 사용할 수 없다</a:t>
-            </a:r>
-            <a:r>
-              <a:rPr lang="en-US" altLang="ko-KR" dirty="0" smtClean="0"/>
-              <a:t>.</a:t>
-            </a:r>
-          </a:p>
-          <a:p>
-            <a:r>
-              <a:rPr lang="en-US" altLang="ko-KR" dirty="0" smtClean="0"/>
-              <a:t>Abstract </a:t>
-            </a:r>
-            <a:r>
-              <a:rPr lang="ko-KR" altLang="en-US" dirty="0" err="1" smtClean="0"/>
-              <a:t>메서드는</a:t>
-            </a:r>
-            <a:r>
-              <a:rPr lang="ko-KR" altLang="en-US" dirty="0" smtClean="0"/>
-              <a:t> 하위 클래스에서 반드시 구현해야 함</a:t>
-            </a:r>
-            <a:endParaRPr lang="en-US" altLang="ko-KR" dirty="0" smtClean="0"/>
-          </a:p>
-          <a:p>
-            <a:r>
-              <a:rPr lang="ko-KR" altLang="en-US" dirty="0" smtClean="0"/>
-              <a:t>일반 클래스처럼 </a:t>
-            </a:r>
-            <a:r>
-              <a:rPr lang="en-US" altLang="ko-KR" dirty="0" smtClean="0"/>
-              <a:t>new </a:t>
-            </a:r>
-            <a:r>
-              <a:rPr lang="ko-KR" altLang="en-US" dirty="0" smtClean="0"/>
-              <a:t>키워드를 사용하여 생성할 수 없음</a:t>
-            </a:r>
-            <a:r>
-              <a:rPr lang="en-US" altLang="ko-KR" dirty="0" smtClean="0"/>
-              <a:t>.</a:t>
-            </a:r>
-            <a:endParaRPr lang="ko-KR" altLang="en-US" dirty="0"/>
-          </a:p>
-        </p:txBody>
-      </p:sp>
-    </p:spTree>
-    <p:extLst>
-      <p:ext uri="{BB962C8B-B14F-4D97-AF65-F5344CB8AC3E}">
-        <p14:creationId xmlns:p14="http://schemas.microsoft.com/office/powerpoint/2010/main" val="1506179844"/>
-      </p:ext>
-    </p:extLst>
-  </p:cSld>
-  <p:clrMapOvr>
-    <a:masterClrMapping/>
-  </p:clrMapOvr>
-  <p:timing>
-    <p:tnLst>
-      <p:par>
-        <p:cTn id="1" dur="indefinite" restart="never" nodeType="tmRoot"/>
-      </p:par>
-    </p:tnLst>
-  </p:timing>
-</p:sld>
-</file>
-
 <file path=ppt/slides/slide4.xml><?xml version="1.0" encoding="utf-8"?>
 <p:sld xmlns:a="http://schemas.openxmlformats.org/drawingml/2006/main" xmlns:r="http://schemas.openxmlformats.org/officeDocument/2006/relationships" xmlns:p="http://schemas.openxmlformats.org/presentationml/2006/main">
   <p:cSld>
@@ -17144,31 +17160,141 @@
             <p:ph type="title"/>
           </p:nvPr>
         </p:nvSpPr>
-        <p:spPr>
-          <a:xfrm>
-            <a:off x="162962" y="253498"/>
-            <a:ext cx="11814773" cy="6409852"/>
-          </a:xfrm>
-        </p:spPr>
+        <p:spPr/>
         <p:txBody>
-          <a:bodyPr>
-            <a:normAutofit/>
-          </a:bodyPr>
+          <a:bodyPr/>
           <a:lstStyle/>
           <a:p>
-            <a:pPr algn="ctr"/>
-            <a:r>
-              <a:rPr lang="en-US" altLang="ko-KR" sz="6000" dirty="0" smtClean="0"/>
-              <a:t>Demo</a:t>
-            </a:r>
-            <a:endParaRPr lang="ko-KR" altLang="en-US" sz="6000" dirty="0"/>
+            <a:r>
+              <a:rPr lang="ko-KR" altLang="en-US" dirty="0" smtClean="0"/>
+              <a:t>추상 클래스 </a:t>
+            </a:r>
+            <a:r>
+              <a:rPr lang="en-US" altLang="ko-KR" dirty="0" smtClean="0"/>
+              <a:t>(</a:t>
+            </a:r>
+            <a:r>
+              <a:rPr lang="en-US" altLang="ko-KR" dirty="0"/>
+              <a:t>A</a:t>
+            </a:r>
+            <a:r>
+              <a:rPr lang="en-US" altLang="ko-KR" dirty="0" smtClean="0"/>
+              <a:t>bstract Class)</a:t>
+            </a:r>
+            <a:endParaRPr lang="ko-KR" altLang="en-US" dirty="0"/>
+          </a:p>
+        </p:txBody>
+      </p:sp>
+      <p:sp>
+        <p:nvSpPr>
+          <p:cNvPr id="3" name="내용 개체 틀 2"/>
+          <p:cNvSpPr>
+            <a:spLocks noGrp="1"/>
+          </p:cNvSpPr>
+          <p:nvPr>
+            <p:ph idx="1"/>
+          </p:nvPr>
+        </p:nvSpPr>
+        <p:spPr/>
+        <p:txBody>
+          <a:bodyPr/>
+          <a:lstStyle/>
+          <a:p>
+            <a:r>
+              <a:rPr lang="ko-KR" altLang="en-US" dirty="0" smtClean="0"/>
+              <a:t>추상 </a:t>
+            </a:r>
+            <a:r>
+              <a:rPr lang="ko-KR" altLang="en-US" dirty="0" err="1" smtClean="0"/>
+              <a:t>메서드가</a:t>
+            </a:r>
+            <a:r>
+              <a:rPr lang="ko-KR" altLang="en-US" dirty="0" smtClean="0"/>
+              <a:t> 하나 이상 포함된 클래스</a:t>
+            </a:r>
+            <a:endParaRPr lang="en-US" altLang="ko-KR" dirty="0" smtClean="0"/>
+          </a:p>
+          <a:p>
+            <a:r>
+              <a:rPr lang="en-US" altLang="ko-KR" dirty="0" smtClean="0"/>
+              <a:t>Class </a:t>
+            </a:r>
+            <a:r>
+              <a:rPr lang="ko-KR" altLang="en-US" dirty="0" smtClean="0"/>
+              <a:t>앞에 </a:t>
+            </a:r>
+            <a:r>
+              <a:rPr lang="en-US" altLang="ko-KR" dirty="0" smtClean="0"/>
+              <a:t>abstract </a:t>
+            </a:r>
+            <a:r>
+              <a:rPr lang="ko-KR" altLang="en-US" dirty="0" smtClean="0"/>
+              <a:t>키워드를 붙여서 표현</a:t>
+            </a:r>
+            <a:endParaRPr lang="en-US" altLang="ko-KR" dirty="0" smtClean="0"/>
+          </a:p>
+          <a:p>
+            <a:r>
+              <a:rPr lang="en-US" altLang="ko-KR" dirty="0" smtClean="0"/>
+              <a:t>Abstract</a:t>
+            </a:r>
+            <a:r>
+              <a:rPr lang="ko-KR" altLang="en-US" dirty="0" smtClean="0"/>
+              <a:t>와 </a:t>
+            </a:r>
+            <a:r>
+              <a:rPr lang="en-US" altLang="ko-KR" dirty="0" smtClean="0"/>
+              <a:t>final </a:t>
+            </a:r>
+            <a:r>
+              <a:rPr lang="ko-KR" altLang="en-US" dirty="0" smtClean="0"/>
+              <a:t>키워드는 함께 사용할 수 없다</a:t>
+            </a:r>
+            <a:r>
+              <a:rPr lang="en-US" altLang="ko-KR" dirty="0" smtClean="0"/>
+              <a:t>.</a:t>
+            </a:r>
+          </a:p>
+          <a:p>
+            <a:r>
+              <a:rPr lang="en-US" altLang="ko-KR" dirty="0" smtClean="0"/>
+              <a:t>Abstract </a:t>
+            </a:r>
+            <a:r>
+              <a:rPr lang="ko-KR" altLang="en-US" dirty="0" err="1" smtClean="0"/>
+              <a:t>메서드는</a:t>
+            </a:r>
+            <a:r>
+              <a:rPr lang="ko-KR" altLang="en-US" dirty="0" smtClean="0"/>
+              <a:t> 하위 클래스에서 반드시 구현해야 함</a:t>
+            </a:r>
+            <a:endParaRPr lang="en-US" altLang="ko-KR" dirty="0" smtClean="0"/>
+          </a:p>
+          <a:p>
+            <a:r>
+              <a:rPr lang="ko-KR" altLang="en-US" dirty="0" smtClean="0"/>
+              <a:t>일반 클래스처럼 </a:t>
+            </a:r>
+            <a:r>
+              <a:rPr lang="en-US" altLang="ko-KR" dirty="0" smtClean="0"/>
+              <a:t>new </a:t>
+            </a:r>
+            <a:r>
+              <a:rPr lang="ko-KR" altLang="en-US" dirty="0" smtClean="0"/>
+              <a:t>키워드를 사용하여 생성할 수 없음</a:t>
+            </a:r>
+            <a:r>
+              <a:rPr lang="en-US" altLang="ko-KR" dirty="0" smtClean="0"/>
+              <a:t>.</a:t>
+            </a:r>
+            <a:endParaRPr lang="ko-KR" altLang="en-US" dirty="0"/>
           </a:p>
         </p:txBody>
       </p:sp>
     </p:spTree>
     <p:extLst>
       <p:ext uri="{BB962C8B-B14F-4D97-AF65-F5344CB8AC3E}">
-        <p14:creationId xmlns:p14="http://schemas.microsoft.com/office/powerpoint/2010/main" val="2934615063"/>
+        <p14:creationId xmlns:p14="http://schemas.microsoft.com/office/powerpoint/2010/main" val="1506179844"/>
       </p:ext>
     </p:extLst>
   </p:cSld>
@@ -17212,193 +17338,55 @@
             <p:ph type="title"/>
           </p:nvPr>
         </p:nvSpPr>
-        <p:spPr/>
-        <p:txBody>
-          <a:bodyPr/>
-          <a:lstStyle/>
-          <a:p>
-            <a:r>
-              <a:rPr lang="ko-KR" altLang="en-US" dirty="0" err="1" smtClean="0"/>
-              <a:t>추상클래스</a:t>
-            </a:r>
-            <a:r>
-              <a:rPr lang="ko-KR" altLang="en-US" dirty="0" smtClean="0"/>
-              <a:t> </a:t>
-            </a:r>
-            <a:r>
-              <a:rPr lang="en-US" altLang="ko-KR" dirty="0" err="1" smtClean="0"/>
-              <a:t>vs</a:t>
-            </a:r>
-            <a:r>
-              <a:rPr lang="en-US" altLang="ko-KR" dirty="0" smtClean="0"/>
-              <a:t> </a:t>
-            </a:r>
-            <a:r>
-              <a:rPr lang="ko-KR" altLang="en-US" dirty="0" smtClean="0"/>
-              <a:t>인터페이스</a:t>
-            </a:r>
-            <a:endParaRPr lang="ko-KR" altLang="en-US" dirty="0"/>
-          </a:p>
-        </p:txBody>
-      </p:sp>
-      <p:sp>
-        <p:nvSpPr>
-          <p:cNvPr id="3" name="내용 개체 틀 2"/>
-          <p:cNvSpPr>
-            <a:spLocks noGrp="1"/>
-          </p:cNvSpPr>
-          <p:nvPr>
-            <p:ph idx="1"/>
-          </p:nvPr>
-        </p:nvSpPr>
-        <p:spPr/>
+        <p:spPr>
+          <a:xfrm>
+            <a:off x="162962" y="253498"/>
+            <a:ext cx="11814773" cy="6409852"/>
+          </a:xfrm>
+        </p:spPr>
         <p:txBody>
           <a:bodyPr>
-            <a:normAutofit fontScale="85000" lnSpcReduction="10000"/>
+            <a:normAutofit/>
           </a:bodyPr>
           <a:lstStyle/>
           <a:p>
-            <a:pPr>
-              <a:lnSpc>
-                <a:spcPct val="150000"/>
-              </a:lnSpc>
-            </a:pPr>
-            <a:r>
-              <a:rPr lang="ko-KR" altLang="en-US" sz="2400" dirty="0" smtClean="0"/>
-              <a:t>추상 클래스는 </a:t>
-            </a:r>
-            <a:r>
-              <a:rPr lang="en-US" altLang="ko-KR" sz="2400" dirty="0" smtClean="0"/>
-              <a:t>extends, </a:t>
-            </a:r>
-            <a:r>
-              <a:rPr lang="ko-KR" altLang="en-US" sz="2400" dirty="0" smtClean="0"/>
-              <a:t>인터페이스는 </a:t>
-            </a:r>
-            <a:r>
-              <a:rPr lang="en-US" altLang="ko-KR" sz="2400" dirty="0" smtClean="0"/>
-              <a:t>implements </a:t>
-            </a:r>
-            <a:r>
-              <a:rPr lang="ko-KR" altLang="en-US" sz="2400" dirty="0" smtClean="0"/>
-              <a:t>키워드 사용</a:t>
-            </a:r>
-            <a:endParaRPr lang="en-US" altLang="ko-KR" sz="2400" dirty="0" smtClean="0"/>
-          </a:p>
-          <a:p>
-            <a:pPr>
-              <a:lnSpc>
-                <a:spcPct val="150000"/>
-              </a:lnSpc>
-            </a:pPr>
-            <a:r>
-              <a:rPr lang="ko-KR" altLang="en-US" sz="2400" dirty="0" smtClean="0"/>
-              <a:t>추상 클래스는 필드를 가질 수 있지만 인터페이스는 불가능</a:t>
-            </a:r>
-            <a:endParaRPr lang="en-US" altLang="ko-KR" sz="2400" dirty="0" smtClean="0"/>
-          </a:p>
-          <a:p>
-            <a:pPr lvl="1">
-              <a:lnSpc>
-                <a:spcPct val="150000"/>
-              </a:lnSpc>
-            </a:pPr>
-            <a:r>
-              <a:rPr lang="en-US" altLang="ko-KR" sz="2000" dirty="0" smtClean="0"/>
-              <a:t>Static </a:t>
-            </a:r>
-            <a:r>
-              <a:rPr lang="ko-KR" altLang="en-US" sz="2000" dirty="0" smtClean="0"/>
-              <a:t>변수는 가질 수 있음</a:t>
-            </a:r>
-            <a:r>
-              <a:rPr lang="en-US" altLang="ko-KR" sz="2000" dirty="0" smtClean="0"/>
-              <a:t>.</a:t>
-            </a:r>
-          </a:p>
-          <a:p>
-            <a:pPr>
-              <a:lnSpc>
-                <a:spcPct val="150000"/>
-              </a:lnSpc>
-            </a:pPr>
-            <a:r>
-              <a:rPr lang="ko-KR" altLang="en-US" sz="2400" dirty="0" smtClean="0"/>
-              <a:t>추상 클래스도 클래스이기 때문에 다중 상속이 불가능</a:t>
-            </a:r>
-            <a:endParaRPr lang="en-US" altLang="ko-KR" sz="2400" dirty="0" smtClean="0"/>
-          </a:p>
-          <a:p>
-            <a:pPr>
-              <a:lnSpc>
-                <a:spcPct val="150000"/>
-              </a:lnSpc>
-            </a:pPr>
-            <a:r>
-              <a:rPr lang="ko-KR" altLang="en-US" sz="2400" dirty="0" smtClean="0"/>
-              <a:t>다중 상속이 불가능한 제약을 인터페이스로 해결</a:t>
-            </a:r>
-            <a:endParaRPr lang="en-US" altLang="ko-KR" sz="2400" dirty="0" smtClean="0"/>
-          </a:p>
-          <a:p>
-            <a:pPr lvl="1">
-              <a:lnSpc>
-                <a:spcPct val="150000"/>
-              </a:lnSpc>
-            </a:pPr>
-            <a:r>
-              <a:rPr lang="ko-KR" altLang="en-US" sz="2000" dirty="0" smtClean="0"/>
-              <a:t>인터페이스는 메서드의 </a:t>
-            </a:r>
-            <a:r>
-              <a:rPr lang="ko-KR" altLang="en-US" sz="2000" dirty="0" err="1" smtClean="0"/>
-              <a:t>구현부분과</a:t>
-            </a:r>
-            <a:r>
-              <a:rPr lang="ko-KR" altLang="en-US" sz="2000" dirty="0" smtClean="0"/>
-              <a:t> 필드가 없기 때문에 다중상속 가능</a:t>
-            </a:r>
-            <a:endParaRPr lang="en-US" altLang="ko-KR" sz="2000" dirty="0" smtClean="0"/>
-          </a:p>
-          <a:p>
-            <a:pPr>
-              <a:lnSpc>
-                <a:spcPct val="150000"/>
-              </a:lnSpc>
-            </a:pPr>
-            <a:r>
-              <a:rPr lang="ko-KR" altLang="en-US" sz="2400" dirty="0" smtClean="0"/>
-              <a:t>추상 클래스는 클래스를 상속 받아서 기능을 이용하거나 확장하는 목적</a:t>
-            </a:r>
-            <a:endParaRPr lang="en-US" altLang="ko-KR" sz="2400" dirty="0" smtClean="0"/>
-          </a:p>
-          <a:p>
-            <a:pPr>
-              <a:lnSpc>
-                <a:spcPct val="150000"/>
-              </a:lnSpc>
-            </a:pPr>
-            <a:r>
-              <a:rPr lang="ko-KR" altLang="en-US" sz="2400" dirty="0" smtClean="0"/>
-              <a:t>인터페이스는 </a:t>
-            </a:r>
-            <a:r>
-              <a:rPr lang="ko-KR" altLang="en-US" sz="2400" dirty="0" err="1" smtClean="0"/>
-              <a:t>메서드</a:t>
-            </a:r>
-            <a:r>
-              <a:rPr lang="ko-KR" altLang="en-US" sz="2400" dirty="0" smtClean="0"/>
-              <a:t> 구현을 강제하여 하위 클래스에게 같은 동작을 행하도록 함</a:t>
-            </a:r>
-            <a:endParaRPr lang="en-US" altLang="ko-KR" sz="2400" dirty="0" smtClean="0"/>
+            <a:pPr algn="ctr"/>
+            <a:r>
+              <a:rPr lang="en-US" altLang="ko-KR" sz="6000" dirty="0" smtClean="0"/>
+              <a:t>Demo</a:t>
+            </a:r>
+            <a:br>
+              <a:rPr lang="en-US" altLang="ko-KR" sz="6000" dirty="0" smtClean="0"/>
+            </a:br>
+            <a:r>
+              <a:rPr lang="en-US" altLang="ko-KR" sz="1400" dirty="0" smtClean="0">
+                <a:solidFill>
+                  <a:prstClr val="black"/>
+                </a:solidFill>
+              </a:rPr>
+              <a:t>oop.inheritance.Example3</a:t>
+            </a:r>
+            <a:endParaRPr lang="ko-KR" altLang="en-US" sz="6000" dirty="0"/>
           </a:p>
         </p:txBody>
       </p:sp>
     </p:spTree>
+    <p:extLst>
+      <p:ext uri="{BB962C8B-B14F-4D97-AF65-F5344CB8AC3E}">
+        <p14:creationId xmlns:p14="http://schemas.microsoft.com/office/powerpoint/2010/main" val="2845473465"/>
+      </p:ext>
+    </p:extLst>
   </p:cSld>
   <p:clrMapOvr>
     <a:masterClrMapping/>
   </p:clrMapOvr>
+  <p:timing>
+    <p:tnLst>
+      <p:par>
+        <p:cTn id="1" dur="indefinite" restart="never" nodeType="tmRoot"/>
+      </p:par>
+    </p:tnLst>
+  </p:timing>
 </p:sld>
 </file>
 
@@ -17435,16 +17423,24 @@
           <a:lstStyle/>
           <a:p>
             <a:r>
-              <a:rPr lang="ko-KR" altLang="en-US" dirty="0" smtClean="0"/>
-              <a:t>추상 클래스 </a:t>
+              <a:rPr lang="ko-KR" altLang="en-US" dirty="0" err="1" smtClean="0"/>
+              <a:t>추상클래스</a:t>
+            </a:r>
+            <a:r>
+              <a:rPr lang="ko-KR" altLang="en-US" dirty="0" smtClean="0"/>
+              <a:t> </a:t>
+            </a:r>
+            <a:r>
+              <a:rPr lang="en-US" altLang="ko-KR" dirty="0" err="1" smtClean="0"/>
+              <a:t>vs</a:t>
             </a:r>
             <a:r>
               <a:rPr lang="en-US" altLang="ko-KR" dirty="0" smtClean="0"/>
-              <a:t>vs</a:t>
-            </a:r>
-            <a:r>
-              <a:rPr lang="ko-KR" altLang="en-US" dirty="0" smtClean="0"/>
-              <a:t> 인터페이스</a:t>
+              <a:t> </a:t>
+            </a:r>
+            <a:r>
+              <a:rPr lang="ko-KR" altLang="en-US" dirty="0" smtClean="0"/>
+              <a:t>인터페이스</a:t>
             </a:r>
             <a:endParaRPr lang="ko-KR" altLang="en-US" dirty="0"/>
           </a:p>
@@ -17462,60 +17458,148 @@
         </p:nvSpPr>
         <p:spPr/>
         <p:txBody>
-          <a:bodyPr/>
+          <a:bodyPr>
+            <a:normAutofit fontScale="85000" lnSpcReduction="10000"/>
+          </a:bodyPr>
           <a:lstStyle/>
           <a:p>
-            <a:r>
-              <a:rPr lang="ko-KR" altLang="en-US" dirty="0" smtClean="0"/>
-              <a:t>어떤 것을 사용할 것인가</a:t>
-            </a:r>
-            <a:r>
-              <a:rPr lang="en-US" altLang="ko-KR" dirty="0" smtClean="0"/>
-              <a:t>?</a:t>
-            </a:r>
-          </a:p>
-          <a:p>
-            <a:endParaRPr lang="en-US" altLang="ko-KR" dirty="0"/>
-          </a:p>
-          <a:p>
-            <a:pPr marL="0" indent="0">
-              <a:buNone/>
+            <a:pPr>
+              <a:lnSpc>
+                <a:spcPct val="150000"/>
+              </a:lnSpc>
             </a:pPr>
             <a:r>
-              <a:rPr lang="ko-KR" altLang="en-US" dirty="0" smtClean="0"/>
-              <a:t>추상 </a:t>
-            </a:r>
-            <a:r>
-              <a:rPr lang="ko-KR" altLang="en-US" dirty="0" err="1" smtClean="0"/>
-              <a:t>메소드만으로</a:t>
-            </a:r>
-            <a:r>
-              <a:rPr lang="ko-KR" altLang="en-US" dirty="0" smtClean="0"/>
-              <a:t> 가능한 경우에는 인터페이스를</a:t>
-            </a:r>
-            <a:r>
-              <a:rPr lang="en-US" altLang="ko-KR" dirty="0" smtClean="0"/>
-              <a:t>,</a:t>
-            </a:r>
-          </a:p>
-          <a:p>
-            <a:pPr marL="0" indent="0">
-              <a:buNone/>
+              <a:rPr lang="ko-KR" altLang="en-US" sz="2400" dirty="0" smtClean="0"/>
+              <a:t>추상 클래스는 </a:t>
+            </a:r>
+            <a:r>
+              <a:rPr lang="en-US" altLang="ko-KR" sz="2400" dirty="0" smtClean="0"/>
+              <a:t>extends, </a:t>
+            </a:r>
+            <a:r>
+              <a:rPr lang="ko-KR" altLang="en-US" sz="2400" dirty="0" smtClean="0"/>
+              <a:t>인터페이스는 </a:t>
+            </a:r>
+            <a:r>
+              <a:rPr lang="en-US" altLang="ko-KR" sz="2400" dirty="0" smtClean="0"/>
+              <a:t>implements </a:t>
+            </a:r>
+            <a:r>
+              <a:rPr lang="ko-KR" altLang="en-US" sz="2400" dirty="0" smtClean="0"/>
+              <a:t>키워드 사용</a:t>
+            </a:r>
+            <a:endParaRPr lang="en-US" altLang="ko-KR" sz="2400" dirty="0" smtClean="0"/>
+          </a:p>
+          <a:p>
+            <a:pPr>
+              <a:lnSpc>
+                <a:spcPct val="150000"/>
+              </a:lnSpc>
             </a:pPr>
             <a:r>
-              <a:rPr lang="ko-KR" altLang="en-US" dirty="0" smtClean="0"/>
-              <a:t>공통된 구현 부분이나 필드가 필요한 경우에는 추상클래스를</a:t>
-            </a:r>
-            <a:endParaRPr lang="ko-KR" altLang="en-US" dirty="0"/>
+              <a:rPr lang="ko-KR" altLang="en-US" sz="2400" dirty="0" smtClean="0"/>
+              <a:t>추상 클래스는 필드를 가질 수 있지만 인터페이스는 불가능</a:t>
+            </a:r>
+            <a:endParaRPr lang="en-US" altLang="ko-KR" sz="2400" dirty="0" smtClean="0"/>
+          </a:p>
+          <a:p>
+            <a:pPr lvl="1">
+              <a:lnSpc>
+                <a:spcPct val="150000"/>
+              </a:lnSpc>
+            </a:pPr>
+            <a:r>
+              <a:rPr lang="en-US" altLang="ko-KR" sz="2000" dirty="0" smtClean="0"/>
+              <a:t>Static </a:t>
+            </a:r>
+            <a:r>
+              <a:rPr lang="ko-KR" altLang="en-US" sz="2000" dirty="0" smtClean="0"/>
+              <a:t>변수는 가질 수 있음</a:t>
+            </a:r>
+            <a:r>
+              <a:rPr lang="en-US" altLang="ko-KR" sz="2000" dirty="0" smtClean="0"/>
+              <a:t>.</a:t>
+            </a:r>
+          </a:p>
+          <a:p>
+            <a:pPr>
+              <a:lnSpc>
+                <a:spcPct val="150000"/>
+              </a:lnSpc>
+            </a:pPr>
+            <a:r>
+              <a:rPr lang="ko-KR" altLang="en-US" sz="2400" dirty="0" smtClean="0"/>
+              <a:t>추상 클래스도 클래스이기 때문에 다중 상속이 불가능</a:t>
+            </a:r>
+            <a:endParaRPr lang="en-US" altLang="ko-KR" sz="2400" dirty="0" smtClean="0"/>
+          </a:p>
+          <a:p>
+            <a:pPr>
+              <a:lnSpc>
+                <a:spcPct val="150000"/>
+              </a:lnSpc>
+            </a:pPr>
+            <a:r>
+              <a:rPr lang="ko-KR" altLang="en-US" sz="2400" dirty="0" smtClean="0"/>
+              <a:t>다중 상속이 불가능한 제약을 인터페이스로 해결</a:t>
+            </a:r>
+            <a:endParaRPr lang="en-US" altLang="ko-KR" sz="2400" dirty="0" smtClean="0"/>
+          </a:p>
+          <a:p>
+            <a:pPr lvl="1">
+              <a:lnSpc>
+                <a:spcPct val="150000"/>
+              </a:lnSpc>
+            </a:pPr>
+            <a:r>
+              <a:rPr lang="ko-KR" altLang="en-US" sz="2000" dirty="0" smtClean="0"/>
+              <a:t>인터페이스는 메서드의 </a:t>
+            </a:r>
+            <a:r>
+              <a:rPr lang="ko-KR" altLang="en-US" sz="2000" dirty="0" err="1" smtClean="0"/>
+              <a:t>구현부분과</a:t>
+            </a:r>
+            <a:r>
+              <a:rPr lang="ko-KR" altLang="en-US" sz="2000" dirty="0" smtClean="0"/>
+              <a:t> 필드가 없기 때문에 다중상속 가능</a:t>
+            </a:r>
+            <a:endParaRPr lang="en-US" altLang="ko-KR" sz="2000" dirty="0" smtClean="0"/>
+          </a:p>
+          <a:p>
+            <a:pPr>
+              <a:lnSpc>
+                <a:spcPct val="150000"/>
+              </a:lnSpc>
+            </a:pPr>
+            <a:r>
+              <a:rPr lang="ko-KR" altLang="en-US" sz="2400" dirty="0" smtClean="0"/>
+              <a:t>추상 클래스는 클래스를 상속 받아서 기능을 이용하거나 확장하는 목적</a:t>
+            </a:r>
+            <a:endParaRPr lang="en-US" altLang="ko-KR" sz="2400" dirty="0" smtClean="0"/>
+          </a:p>
+          <a:p>
+            <a:pPr>
+              <a:lnSpc>
+                <a:spcPct val="150000"/>
+              </a:lnSpc>
+            </a:pPr>
+            <a:r>
+              <a:rPr lang="ko-KR" altLang="en-US" sz="2400" dirty="0" smtClean="0"/>
+              <a:t>인터페이스는 </a:t>
+            </a:r>
+            <a:r>
+              <a:rPr lang="ko-KR" altLang="en-US" sz="2400" dirty="0" err="1" smtClean="0"/>
+              <a:t>메서드</a:t>
+            </a:r>
+            <a:r>
+              <a:rPr lang="ko-KR" altLang="en-US" sz="2400" dirty="0" smtClean="0"/>
+              <a:t> 구현을 강제하여 하위 클래스에게 같은 동작을 행하도록 함</a:t>
+            </a:r>
+            <a:endParaRPr lang="en-US" altLang="ko-KR" sz="2400" dirty="0" smtClean="0"/>
           </a:p>
         </p:txBody>
       </p:sp>
     </p:spTree>
-    <p:extLst>
-      <p:ext uri="{BB962C8B-B14F-4D97-AF65-F5344CB8AC3E}">
-        <p14:creationId xmlns:p14="http://schemas.microsoft.com/office/powerpoint/2010/main" val="3853803312"/>
-      </p:ext>
-    </p:extLst>
   </p:cSld>
   <p:clrMapOvr>
     <a:masterClrMapping/>
@@ -17556,6 +17640,127 @@
           <a:lstStyle/>
           <a:p>
             <a:r>
+              <a:rPr lang="ko-KR" altLang="en-US" dirty="0" smtClean="0"/>
+              <a:t>추상 클래스 </a:t>
+            </a:r>
+            <a:r>
+              <a:rPr lang="en-US" altLang="ko-KR" dirty="0" smtClean="0"/>
+              <a:t>vs</a:t>
+            </a:r>
+            <a:r>
+              <a:rPr lang="ko-KR" altLang="en-US" dirty="0" smtClean="0"/>
+              <a:t> 인터페이스</a:t>
+            </a:r>
+            <a:endParaRPr lang="ko-KR" altLang="en-US" dirty="0"/>
+          </a:p>
+        </p:txBody>
+      </p:sp>
+      <p:sp>
+        <p:nvSpPr>
+          <p:cNvPr id="3" name="내용 개체 틀 2"/>
+          <p:cNvSpPr>
+            <a:spLocks noGrp="1"/>
+          </p:cNvSpPr>
+          <p:nvPr>
+            <p:ph idx="1"/>
+          </p:nvPr>
+        </p:nvSpPr>
+        <p:spPr/>
+        <p:txBody>
+          <a:bodyPr/>
+          <a:lstStyle/>
+          <a:p>
+            <a:r>
+              <a:rPr lang="ko-KR" altLang="en-US" dirty="0" smtClean="0"/>
+              <a:t>어떤 것을 사용할 것인가</a:t>
+            </a:r>
+            <a:r>
+              <a:rPr lang="en-US" altLang="ko-KR" dirty="0" smtClean="0"/>
+              <a:t>?</a:t>
+            </a:r>
+          </a:p>
+          <a:p>
+            <a:endParaRPr lang="en-US" altLang="ko-KR" dirty="0"/>
+          </a:p>
+          <a:p>
+            <a:pPr marL="0" indent="0">
+              <a:buNone/>
+            </a:pPr>
+            <a:r>
+              <a:rPr lang="ko-KR" altLang="en-US" dirty="0" smtClean="0"/>
+              <a:t>추상 </a:t>
+            </a:r>
+            <a:r>
+              <a:rPr lang="ko-KR" altLang="en-US" dirty="0" err="1" smtClean="0"/>
+              <a:t>메소드만으로</a:t>
+            </a:r>
+            <a:r>
+              <a:rPr lang="ko-KR" altLang="en-US" dirty="0" smtClean="0"/>
+              <a:t> 가능한 경우에는 인터페이스를</a:t>
+            </a:r>
+            <a:r>
+              <a:rPr lang="en-US" altLang="ko-KR" dirty="0" smtClean="0"/>
+              <a:t>,</a:t>
+            </a:r>
+          </a:p>
+          <a:p>
+            <a:pPr marL="0" indent="0">
+              <a:buNone/>
+            </a:pPr>
+            <a:r>
+              <a:rPr lang="ko-KR" altLang="en-US" dirty="0" smtClean="0"/>
+              <a:t>공통된 구현 부분이나 필드가 필요한 경우에는 추상클래스를</a:t>
+            </a:r>
+            <a:endParaRPr lang="ko-KR" altLang="en-US" dirty="0"/>
+          </a:p>
+        </p:txBody>
+      </p:sp>
+    </p:spTree>
+    <p:extLst>
+      <p:ext uri="{BB962C8B-B14F-4D97-AF65-F5344CB8AC3E}">
+        <p14:creationId xmlns:p14="http://schemas.microsoft.com/office/powerpoint/2010/main" val="3853803312"/>
+      </p:ext>
+    </p:extLst>
+  </p:cSld>
+  <p:clrMapOvr>
+    <a:masterClrMapping/>
+  </p:clrMapOvr>
+</p:sld>
+</file>
+
+<file path=ppt/slides/slide44.xml><?xml version="1.0" encoding="utf-8"?>
+<p:sld xmlns:a="http://schemas.openxmlformats.org/drawingml/2006/main" xmlns:r="http://schemas.openxmlformats.org/officeDocument/2006/relationships" xmlns:p="http://schemas.openxmlformats.org/presentationml/2006/main">
+  <p:cSld>
+    <p:spTree>
+      <p:nvGrpSpPr>
+        <p:cNvPr id="1" name=""/>
+        <p:cNvGrpSpPr/>
+        <p:nvPr/>
+      </p:nvGrpSpPr>
+      <p:grpSpPr>
+        <a:xfrm>
+          <a:off x="0" y="0"/>
+          <a:ext cx="0" cy="0"/>
+          <a:chOff x="0" y="0"/>
+          <a:chExt cx="0" cy="0"/>
+        </a:xfrm>
+      </p:grpSpPr>
+      <p:sp>
+        <p:nvSpPr>
+          <p:cNvPr id="2" name="제목 1"/>
+          <p:cNvSpPr>
+            <a:spLocks noGrp="1"/>
+          </p:cNvSpPr>
+          <p:nvPr>
+            <p:ph type="title"/>
+          </p:nvPr>
+        </p:nvSpPr>
+        <p:spPr/>
+        <p:txBody>
+          <a:bodyPr/>
+          <a:lstStyle/>
+          <a:p>
+            <a:r>
               <a:rPr lang="ko-KR" altLang="en-US" dirty="0" err="1" smtClean="0"/>
               <a:t>다형성</a:t>
             </a:r>
@@ -17831,7 +18036,7 @@
 </p:sld>
 </file>
 
-<file path=ppt/slides/slide44.xml><?xml version="1.0" encoding="utf-8"?>
+<file path=ppt/slides/slide45.xml><?xml version="1.0" encoding="utf-8"?>
 <p:sld xmlns:a="http://schemas.openxmlformats.org/drawingml/2006/main" xmlns:r="http://schemas.openxmlformats.org/officeDocument/2006/relationships" xmlns:p="http://schemas.openxmlformats.org/presentationml/2006/main">
   <p:cSld>
     <p:spTree>
@@ -17910,261 +18115,6 @@
 </p:sld>
 </file>
 
-<file path=ppt/slides/slide45.xml><?xml version="1.0" encoding="utf-8"?>
-<p:sld xmlns:a="http://schemas.openxmlformats.org/drawingml/2006/main" xmlns:r="http://schemas.openxmlformats.org/officeDocument/2006/relationships" xmlns:p="http://schemas.openxmlformats.org/presentationml/2006/main">
-  <p:cSld>
-    <p:spTree>
-      <p:nvGrpSpPr>
-        <p:cNvPr id="1" name=""/>
-        <p:cNvGrpSpPr/>
-        <p:nvPr/>
-      </p:nvGrpSpPr>
-      <p:grpSpPr>
-        <a:xfrm>
-          <a:off x="0" y="0"/>
-          <a:ext cx="0" cy="0"/>
-          <a:chOff x="0" y="0"/>
-          <a:chExt cx="0" cy="0"/>
-        </a:xfrm>
-      </p:grpSpPr>
-      <p:sp>
-        <p:nvSpPr>
-          <p:cNvPr id="2" name="제목 1"/>
-          <p:cNvSpPr>
-            <a:spLocks noGrp="1"/>
-          </p:cNvSpPr>
-          <p:nvPr>
-            <p:ph type="title"/>
-          </p:nvPr>
-        </p:nvSpPr>
-        <p:spPr/>
-        <p:txBody>
-          <a:bodyPr/>
-          <a:lstStyle/>
-          <a:p>
-            <a:r>
-              <a:rPr lang="ko-KR" altLang="en-US" dirty="0" err="1" smtClean="0"/>
-              <a:t>오버라이딩</a:t>
-            </a:r>
-            <a:r>
-              <a:rPr lang="ko-KR" altLang="en-US" dirty="0" smtClean="0"/>
-              <a:t> </a:t>
-            </a:r>
-            <a:r>
-              <a:rPr lang="en-US" altLang="ko-KR" dirty="0" smtClean="0"/>
-              <a:t>(Overriding)</a:t>
-            </a:r>
-            <a:endParaRPr lang="en-US" altLang="ko-KR" dirty="0"/>
-          </a:p>
-        </p:txBody>
-      </p:sp>
-      <p:sp>
-        <p:nvSpPr>
-          <p:cNvPr id="3" name="내용 개체 틀 2"/>
-          <p:cNvSpPr>
-            <a:spLocks noGrp="1"/>
-          </p:cNvSpPr>
-          <p:nvPr>
-            <p:ph idx="1"/>
-          </p:nvPr>
-        </p:nvSpPr>
-        <p:spPr/>
-        <p:txBody>
-          <a:bodyPr>
-            <a:normAutofit/>
-          </a:bodyPr>
-          <a:lstStyle/>
-          <a:p>
-            <a:pPr>
-              <a:lnSpc>
-                <a:spcPct val="100000"/>
-              </a:lnSpc>
-            </a:pPr>
-            <a:r>
-              <a:rPr lang="ko-KR" altLang="en-US" dirty="0"/>
-              <a:t>상속된 </a:t>
-            </a:r>
-            <a:r>
-              <a:rPr lang="ko-KR" altLang="en-US" dirty="0" err="1"/>
-              <a:t>메소드의</a:t>
-            </a:r>
-            <a:r>
-              <a:rPr lang="ko-KR" altLang="en-US" dirty="0"/>
-              <a:t> 내용이 </a:t>
-            </a:r>
-            <a:r>
-              <a:rPr lang="ko-KR" altLang="en-US" dirty="0" smtClean="0"/>
-              <a:t>하위 </a:t>
-            </a:r>
-            <a:r>
-              <a:rPr lang="ko-KR" altLang="en-US" dirty="0"/>
-              <a:t>클래스에 맞지 않을 경우</a:t>
-            </a:r>
-            <a:r>
-              <a:rPr lang="en-US" altLang="ko-KR" dirty="0"/>
-              <a:t>, </a:t>
-            </a:r>
-            <a:r>
-              <a:rPr lang="ko-KR" altLang="en-US" dirty="0" smtClean="0"/>
-              <a:t>하위 </a:t>
-            </a:r>
-            <a:r>
-              <a:rPr lang="ko-KR" altLang="en-US" dirty="0"/>
-              <a:t>클래스에서 동일한 </a:t>
-            </a:r>
-            <a:r>
-              <a:rPr lang="ko-KR" altLang="en-US" dirty="0" err="1"/>
-              <a:t>메소드를</a:t>
-            </a:r>
-            <a:r>
-              <a:rPr lang="ko-KR" altLang="en-US" dirty="0"/>
-              <a:t> 재정의 하는 </a:t>
-            </a:r>
-            <a:r>
-              <a:rPr lang="ko-KR" altLang="en-US" dirty="0" smtClean="0"/>
-              <a:t>것</a:t>
-            </a:r>
-            <a:endParaRPr lang="en-US" altLang="ko-KR" dirty="0" smtClean="0"/>
-          </a:p>
-          <a:p>
-            <a:pPr>
-              <a:lnSpc>
-                <a:spcPct val="100000"/>
-              </a:lnSpc>
-            </a:pPr>
-            <a:endParaRPr lang="en-US" altLang="ko-KR" dirty="0" smtClean="0"/>
-          </a:p>
-          <a:p>
-            <a:pPr>
-              <a:lnSpc>
-                <a:spcPct val="100000"/>
-              </a:lnSpc>
-            </a:pPr>
-            <a:r>
-              <a:rPr lang="ko-KR" altLang="en-US" dirty="0"/>
-              <a:t>상위 </a:t>
-            </a:r>
-            <a:r>
-              <a:rPr lang="ko-KR" altLang="en-US" dirty="0" smtClean="0"/>
-              <a:t>클래스의 </a:t>
-            </a:r>
-            <a:r>
-              <a:rPr lang="ko-KR" altLang="en-US" dirty="0" err="1"/>
-              <a:t>메소드는</a:t>
-            </a:r>
-            <a:r>
-              <a:rPr lang="ko-KR" altLang="en-US" dirty="0"/>
-              <a:t> </a:t>
-            </a:r>
-            <a:r>
-              <a:rPr lang="ko-KR" altLang="en-US" dirty="0" err="1"/>
-              <a:t>숨겨지기</a:t>
-            </a:r>
-            <a:r>
-              <a:rPr lang="ko-KR" altLang="en-US" dirty="0"/>
-              <a:t> 때문에 메서드 호출 시 하위 클래스의 메서드가 호출된다</a:t>
-            </a:r>
-            <a:r>
-              <a:rPr lang="en-US" altLang="ko-KR" dirty="0"/>
-              <a:t>.</a:t>
-            </a:r>
-          </a:p>
-          <a:p>
-            <a:pPr lvl="1">
-              <a:lnSpc>
-                <a:spcPct val="100000"/>
-              </a:lnSpc>
-            </a:pPr>
-            <a:r>
-              <a:rPr lang="ko-KR" altLang="en-US" dirty="0" smtClean="0"/>
-              <a:t>상위 클래스의 </a:t>
-            </a:r>
-            <a:r>
-              <a:rPr lang="ko-KR" altLang="en-US" dirty="0"/>
-              <a:t>메서드와 동일한 </a:t>
-            </a:r>
-            <a:r>
-              <a:rPr lang="ko-KR" altLang="en-US" dirty="0" err="1"/>
-              <a:t>시그너처를</a:t>
-            </a:r>
-            <a:r>
-              <a:rPr lang="ko-KR" altLang="en-US" dirty="0"/>
-              <a:t> 가져야한다</a:t>
-            </a:r>
-            <a:r>
-              <a:rPr lang="en-US" altLang="ko-KR" dirty="0"/>
-              <a:t>.</a:t>
-            </a:r>
-          </a:p>
-          <a:p>
-            <a:pPr lvl="1">
-              <a:lnSpc>
-                <a:spcPct val="100000"/>
-              </a:lnSpc>
-            </a:pPr>
-            <a:r>
-              <a:rPr lang="ko-KR" altLang="en-US" dirty="0" smtClean="0"/>
-              <a:t>접근 </a:t>
-            </a:r>
-            <a:r>
-              <a:rPr lang="ko-KR" altLang="en-US" dirty="0"/>
-              <a:t>제한을 더 강하게 </a:t>
-            </a:r>
-            <a:r>
-              <a:rPr lang="ko-KR" altLang="en-US" dirty="0" err="1"/>
-              <a:t>오버라이딩</a:t>
-            </a:r>
-            <a:r>
-              <a:rPr lang="ko-KR" altLang="en-US" dirty="0"/>
-              <a:t> 할 수 없다</a:t>
-            </a:r>
-            <a:r>
-              <a:rPr lang="en-US" altLang="ko-KR" dirty="0"/>
-              <a:t>.</a:t>
-            </a:r>
-          </a:p>
-          <a:p>
-            <a:pPr lvl="1">
-              <a:lnSpc>
-                <a:spcPct val="100000"/>
-              </a:lnSpc>
-            </a:pPr>
-            <a:r>
-              <a:rPr lang="ko-KR" altLang="en-US" dirty="0" smtClean="0"/>
-              <a:t>새로운 </a:t>
-            </a:r>
-            <a:r>
-              <a:rPr lang="ko-KR" altLang="en-US" dirty="0"/>
-              <a:t>예외를 </a:t>
-            </a:r>
-            <a:r>
-              <a:rPr lang="en-US" altLang="ko-KR" dirty="0"/>
-              <a:t>throws</a:t>
-            </a:r>
-            <a:r>
-              <a:rPr lang="ko-KR" altLang="en-US" dirty="0"/>
-              <a:t>할 수 없다</a:t>
-            </a:r>
-            <a:r>
-              <a:rPr lang="en-US" altLang="ko-KR" dirty="0" smtClean="0"/>
-              <a:t>.</a:t>
-            </a:r>
-          </a:p>
-        </p:txBody>
-      </p:sp>
-    </p:spTree>
-    <p:extLst>
-      <p:ext uri="{BB962C8B-B14F-4D97-AF65-F5344CB8AC3E}">
-        <p14:creationId xmlns:p14="http://schemas.microsoft.com/office/powerpoint/2010/main" val="894146734"/>
-      </p:ext>
-    </p:extLst>
-  </p:cSld>
-  <p:clrMapOvr>
-    <a:masterClrMapping/>
-  </p:clrMapOvr>
-</p:sld>
-</file>
-
 <file path=ppt/slides/slide46.xml><?xml version="1.0" encoding="utf-8"?>
 <p:sld xmlns:a="http://schemas.openxmlformats.org/drawingml/2006/main" xmlns:r="http://schemas.openxmlformats.org/officeDocument/2006/relationships" xmlns:p="http://schemas.openxmlformats.org/presentationml/2006/main">
   <p:cSld>
@@ -18198,14 +18148,18 @@
           <a:lstStyle/>
           <a:p>
             <a:r>
-              <a:rPr lang="ko-KR" altLang="en-US" dirty="0" smtClean="0"/>
-              <a:t>오버 로딩 </a:t>
+              <a:rPr lang="ko-KR" altLang="en-US" dirty="0" err="1" smtClean="0"/>
+              <a:t>오버라이딩</a:t>
+            </a:r>
+            <a:r>
+              <a:rPr lang="ko-KR" altLang="en-US" dirty="0" smtClean="0"/>
+              <a:t> </a:t>
             </a:r>
             <a:r>
               <a:rPr lang="en-US" altLang="ko-KR" dirty="0" smtClean="0"/>
-              <a:t>(Overloading)</a:t>
-            </a:r>
-            <a:endParaRPr lang="ko-KR" altLang="en-US" dirty="0"/>
+              <a:t>(Overriding)</a:t>
+            </a:r>
+            <a:endParaRPr lang="en-US" altLang="ko-KR" dirty="0"/>
           </a:p>
         </p:txBody>
       </p:sp>
@@ -18221,110 +18175,192 @@
         </p:nvSpPr>
         <p:spPr/>
         <p:txBody>
-          <a:bodyPr/>
-          <a:lstStyle/>
-          <a:p>
-            <a:r>
-              <a:rPr lang="ko-KR" altLang="en-US" dirty="0" smtClean="0"/>
-              <a:t>클래스 내에 같은 이름의 </a:t>
-            </a:r>
-            <a:r>
-              <a:rPr lang="ko-KR" altLang="en-US" dirty="0" err="1" smtClean="0"/>
-              <a:t>메소드를</a:t>
-            </a:r>
-            <a:r>
-              <a:rPr lang="ko-KR" altLang="en-US" dirty="0" smtClean="0"/>
-              <a:t> 여러 개 선언하는 것</a:t>
-            </a:r>
-            <a:endParaRPr lang="en-US" altLang="ko-KR" dirty="0" smtClean="0"/>
-          </a:p>
-          <a:p>
-            <a:r>
-              <a:rPr lang="ko-KR" altLang="en-US" dirty="0" smtClean="0"/>
-              <a:t>오버로딩 된 </a:t>
-            </a:r>
-            <a:r>
-              <a:rPr lang="ko-KR" altLang="en-US" dirty="0" err="1" smtClean="0"/>
-              <a:t>메소드를</a:t>
-            </a:r>
-            <a:r>
-              <a:rPr lang="ko-KR" altLang="en-US" dirty="0" smtClean="0"/>
-              <a:t> 호출할 경우 </a:t>
-            </a:r>
-            <a:r>
-              <a:rPr lang="en-US" altLang="ko-KR" dirty="0" smtClean="0"/>
-              <a:t>JVM</a:t>
-            </a:r>
-            <a:r>
-              <a:rPr lang="ko-KR" altLang="en-US" dirty="0" smtClean="0"/>
-              <a:t>은 </a:t>
-            </a:r>
-            <a:r>
-              <a:rPr lang="ko-KR" altLang="en-US" dirty="0" err="1" smtClean="0"/>
-              <a:t>매개값의</a:t>
-            </a:r>
-            <a:r>
-              <a:rPr lang="ko-KR" altLang="en-US" dirty="0" smtClean="0"/>
-              <a:t> 타입을 보고 </a:t>
-            </a:r>
-            <a:r>
-              <a:rPr lang="ko-KR" altLang="en-US" dirty="0" err="1" smtClean="0"/>
-              <a:t>메소드를</a:t>
-            </a:r>
-            <a:r>
-              <a:rPr lang="ko-KR" altLang="en-US" dirty="0" smtClean="0"/>
-              <a:t> 선택</a:t>
-            </a:r>
-            <a:endParaRPr lang="en-US" altLang="ko-KR" dirty="0" smtClean="0"/>
-          </a:p>
-          <a:p>
-            <a:pPr lvl="1"/>
-            <a:r>
-              <a:rPr lang="ko-KR" altLang="en-US" dirty="0" smtClean="0"/>
-              <a:t>타입이 일치하지 않을 경우 타입 변환이 가능한지 검사</a:t>
-            </a:r>
-            <a:endParaRPr lang="en-US" altLang="ko-KR" dirty="0" smtClean="0"/>
-          </a:p>
-          <a:p>
-            <a:pPr lvl="1"/>
-            <a:endParaRPr lang="en-US" altLang="ko-KR" dirty="0"/>
-          </a:p>
-        </p:txBody>
-      </p:sp>
-      <p:sp>
-        <p:nvSpPr>
-          <p:cNvPr id="4" name="TextBox 3"/>
-          <p:cNvSpPr txBox="1"/>
-          <p:nvPr/>
-        </p:nvSpPr>
-        <p:spPr>
-          <a:xfrm>
-            <a:off x="5178489" y="4767942"/>
-            <a:ext cx="1189749" cy="369332"/>
-          </a:xfrm>
-          <a:prstGeom prst="rect">
-            <a:avLst/>
-          </a:prstGeom>
-          <a:noFill/>
-        </p:spPr>
-        <p:txBody>
-          <a:bodyPr wrap="none" rtlCol="0">
-            <a:spAutoFit/>
+          <a:bodyPr>
+            <a:normAutofit/>
           </a:bodyPr>
           <a:lstStyle/>
           <a:p>
-            <a:r>
-              <a:rPr lang="ko-KR" altLang="en-US" dirty="0" smtClean="0"/>
-              <a:t>예제 코드</a:t>
-            </a:r>
-            <a:endParaRPr lang="ko-KR" altLang="en-US" dirty="0"/>
+            <a:pPr>
+              <a:lnSpc>
+                <a:spcPct val="100000"/>
+              </a:lnSpc>
+            </a:pPr>
+            <a:r>
+              <a:rPr lang="ko-KR" altLang="en-US" dirty="0"/>
+              <a:t>상속된 </a:t>
+            </a:r>
+            <a:r>
+              <a:rPr lang="ko-KR" altLang="en-US" dirty="0" err="1"/>
+              <a:t>메소드의</a:t>
+            </a:r>
+            <a:r>
+              <a:rPr lang="ko-KR" altLang="en-US" dirty="0"/>
+              <a:t> 내용이 </a:t>
+            </a:r>
+            <a:r>
+              <a:rPr lang="ko-KR" altLang="en-US" dirty="0" smtClean="0"/>
+              <a:t>하위 </a:t>
+            </a:r>
+            <a:r>
+              <a:rPr lang="ko-KR" altLang="en-US" dirty="0"/>
+              <a:t>클래스에 맞지 않을 경우</a:t>
+            </a:r>
+            <a:r>
+              <a:rPr lang="en-US" altLang="ko-KR" dirty="0"/>
+              <a:t>, </a:t>
+            </a:r>
+            <a:r>
+              <a:rPr lang="ko-KR" altLang="en-US" dirty="0" smtClean="0"/>
+              <a:t>하위 </a:t>
+            </a:r>
+            <a:r>
+              <a:rPr lang="ko-KR" altLang="en-US" dirty="0"/>
+              <a:t>클래스에서 동일한 </a:t>
+            </a:r>
+            <a:r>
+              <a:rPr lang="ko-KR" altLang="en-US" dirty="0" err="1"/>
+              <a:t>메소드를</a:t>
+            </a:r>
+            <a:r>
+              <a:rPr lang="ko-KR" altLang="en-US" dirty="0"/>
+              <a:t> 재정의 하는 </a:t>
+            </a:r>
+            <a:r>
+              <a:rPr lang="ko-KR" altLang="en-US" dirty="0" smtClean="0"/>
+              <a:t>것</a:t>
+            </a:r>
+            <a:endParaRPr lang="en-US" altLang="ko-KR" dirty="0" smtClean="0"/>
+          </a:p>
+          <a:p>
+            <a:pPr>
+              <a:lnSpc>
+                <a:spcPct val="100000"/>
+              </a:lnSpc>
+            </a:pPr>
+            <a:endParaRPr lang="en-US" altLang="ko-KR" dirty="0" smtClean="0"/>
+          </a:p>
+          <a:p>
+            <a:pPr>
+              <a:lnSpc>
+                <a:spcPct val="100000"/>
+              </a:lnSpc>
+            </a:pPr>
+            <a:r>
+              <a:rPr lang="ko-KR" altLang="en-US" dirty="0"/>
+              <a:t>상위 </a:t>
+            </a:r>
+            <a:r>
+              <a:rPr lang="ko-KR" altLang="en-US" dirty="0" smtClean="0"/>
+              <a:t>클래스의 </a:t>
+            </a:r>
+            <a:r>
+              <a:rPr lang="ko-KR" altLang="en-US" dirty="0" err="1"/>
+              <a:t>메소드는</a:t>
+            </a:r>
+            <a:r>
+              <a:rPr lang="ko-KR" altLang="en-US" dirty="0"/>
+              <a:t> </a:t>
+            </a:r>
+            <a:r>
+              <a:rPr lang="ko-KR" altLang="en-US" dirty="0" err="1"/>
+              <a:t>숨겨지기</a:t>
+            </a:r>
+            <a:r>
+              <a:rPr lang="ko-KR" altLang="en-US" dirty="0"/>
+              <a:t> 때문에 메서드 호출 시 하위 클래스의 메서드가 호출된다</a:t>
+            </a:r>
+            <a:r>
+              <a:rPr lang="en-US" altLang="ko-KR" dirty="0"/>
+              <a:t>.</a:t>
+            </a:r>
+          </a:p>
+          <a:p>
+            <a:pPr lvl="1">
+              <a:lnSpc>
+                <a:spcPct val="100000"/>
+              </a:lnSpc>
+            </a:pPr>
+            <a:r>
+              <a:rPr lang="ko-KR" altLang="en-US" dirty="0" smtClean="0"/>
+              <a:t>상위 클래스의 </a:t>
+            </a:r>
+            <a:r>
+              <a:rPr lang="ko-KR" altLang="en-US" dirty="0"/>
+              <a:t>메서드와 동일한 </a:t>
+            </a:r>
+            <a:r>
+              <a:rPr lang="ko-KR" altLang="en-US" dirty="0" err="1"/>
+              <a:t>시그너처를</a:t>
+            </a:r>
+            <a:r>
+              <a:rPr lang="ko-KR" altLang="en-US" dirty="0"/>
+              <a:t> 가져야한다</a:t>
+            </a:r>
+            <a:r>
+              <a:rPr lang="en-US" altLang="ko-KR" dirty="0"/>
+              <a:t>.</a:t>
+            </a:r>
+          </a:p>
+          <a:p>
+            <a:pPr lvl="1">
+              <a:lnSpc>
+                <a:spcPct val="100000"/>
+              </a:lnSpc>
+            </a:pPr>
+            <a:r>
+              <a:rPr lang="ko-KR" altLang="en-US" dirty="0" smtClean="0"/>
+              <a:t>접근 </a:t>
+            </a:r>
+            <a:r>
+              <a:rPr lang="ko-KR" altLang="en-US" dirty="0"/>
+              <a:t>제한을 더 강하게 </a:t>
+            </a:r>
+            <a:r>
+              <a:rPr lang="ko-KR" altLang="en-US" dirty="0" err="1"/>
+              <a:t>오버라이딩</a:t>
+            </a:r>
+            <a:r>
+              <a:rPr lang="ko-KR" altLang="en-US" dirty="0"/>
+              <a:t> 할 수 없다</a:t>
+            </a:r>
+            <a:r>
+              <a:rPr lang="en-US" altLang="ko-KR" dirty="0"/>
+              <a:t>.</a:t>
+            </a:r>
+          </a:p>
+          <a:p>
+            <a:pPr lvl="1">
+              <a:lnSpc>
+                <a:spcPct val="100000"/>
+              </a:lnSpc>
+            </a:pPr>
+            <a:r>
+              <a:rPr lang="ko-KR" altLang="en-US" dirty="0" smtClean="0"/>
+              <a:t>새로운 </a:t>
+            </a:r>
+            <a:r>
+              <a:rPr lang="ko-KR" altLang="en-US" dirty="0"/>
+              <a:t>예외를 </a:t>
+            </a:r>
+            <a:r>
+              <a:rPr lang="en-US" altLang="ko-KR" dirty="0"/>
+              <a:t>throws</a:t>
+            </a:r>
+            <a:r>
+              <a:rPr lang="ko-KR" altLang="en-US" dirty="0"/>
+              <a:t>할 수 없다</a:t>
+            </a:r>
+            <a:r>
+              <a:rPr lang="en-US" altLang="ko-KR" dirty="0" smtClean="0"/>
+              <a:t>.</a:t>
+            </a:r>
           </a:p>
         </p:txBody>
       </p:sp>
     </p:spTree>
     <p:extLst>
       <p:ext uri="{BB962C8B-B14F-4D97-AF65-F5344CB8AC3E}">
-        <p14:creationId xmlns:p14="http://schemas.microsoft.com/office/powerpoint/2010/main" val="298808447"/>
+        <p14:creationId xmlns:p14="http://schemas.microsoft.com/office/powerpoint/2010/main" val="894146734"/>
       </p:ext>
     </p:extLst>
   </p:cSld>
@@ -18367,18 +18403,14 @@
           <a:lstStyle/>
           <a:p>
             <a:r>
-              <a:rPr lang="ko-KR" altLang="en-US" dirty="0"/>
-              <a:t>오버라이딩과 </a:t>
-            </a:r>
-            <a:r>
-              <a:rPr lang="ko-KR" altLang="en-US" dirty="0" err="1"/>
-              <a:t>오버로딩의</a:t>
-            </a:r>
-            <a:r>
-              <a:rPr lang="ko-KR" altLang="en-US" dirty="0"/>
-              <a:t> 혼돈</a:t>
-            </a:r>
-            <a:endParaRPr lang="en-US" altLang="ko-KR" dirty="0"/>
+              <a:rPr lang="ko-KR" altLang="en-US" dirty="0" smtClean="0"/>
+              <a:t>오버 로딩 </a:t>
+            </a:r>
+            <a:r>
+              <a:rPr lang="en-US" altLang="ko-KR" dirty="0" smtClean="0"/>
+              <a:t>(Overloading)</a:t>
+            </a:r>
+            <a:endParaRPr lang="ko-KR" altLang="en-US" dirty="0"/>
           </a:p>
         </p:txBody>
       </p:sp>
@@ -18399,6 +18431,179 @@
           <a:p>
             <a:r>
               <a:rPr lang="ko-KR" altLang="en-US" dirty="0" smtClean="0"/>
+              <a:t>클래스 내에 같은 이름의 </a:t>
+            </a:r>
+            <a:r>
+              <a:rPr lang="ko-KR" altLang="en-US" dirty="0" err="1" smtClean="0"/>
+              <a:t>메소드를</a:t>
+            </a:r>
+            <a:r>
+              <a:rPr lang="ko-KR" altLang="en-US" dirty="0" smtClean="0"/>
+              <a:t> 여러 개 선언하는 것</a:t>
+            </a:r>
+            <a:endParaRPr lang="en-US" altLang="ko-KR" dirty="0" smtClean="0"/>
+          </a:p>
+          <a:p>
+            <a:r>
+              <a:rPr lang="ko-KR" altLang="en-US" dirty="0" smtClean="0"/>
+              <a:t>오버로딩 된 </a:t>
+            </a:r>
+            <a:r>
+              <a:rPr lang="ko-KR" altLang="en-US" dirty="0" err="1" smtClean="0"/>
+              <a:t>메소드를</a:t>
+            </a:r>
+            <a:r>
+              <a:rPr lang="ko-KR" altLang="en-US" dirty="0" smtClean="0"/>
+              <a:t> 호출할 경우 </a:t>
+            </a:r>
+            <a:r>
+              <a:rPr lang="en-US" altLang="ko-KR" dirty="0" smtClean="0"/>
+              <a:t>JVM</a:t>
+            </a:r>
+            <a:r>
+              <a:rPr lang="ko-KR" altLang="en-US" dirty="0" smtClean="0"/>
+              <a:t>은 </a:t>
+            </a:r>
+            <a:r>
+              <a:rPr lang="ko-KR" altLang="en-US" dirty="0" err="1" smtClean="0"/>
+              <a:t>매개값의</a:t>
+            </a:r>
+            <a:r>
+              <a:rPr lang="ko-KR" altLang="en-US" dirty="0" smtClean="0"/>
+              <a:t> 타입을 보고 </a:t>
+            </a:r>
+            <a:r>
+              <a:rPr lang="ko-KR" altLang="en-US" dirty="0" err="1" smtClean="0"/>
+              <a:t>메소드를</a:t>
+            </a:r>
+            <a:r>
+              <a:rPr lang="ko-KR" altLang="en-US" dirty="0" smtClean="0"/>
+              <a:t> 선택</a:t>
+            </a:r>
+            <a:endParaRPr lang="en-US" altLang="ko-KR" dirty="0" smtClean="0"/>
+          </a:p>
+          <a:p>
+            <a:pPr lvl="1"/>
+            <a:r>
+              <a:rPr lang="ko-KR" altLang="en-US" dirty="0" smtClean="0"/>
+              <a:t>타입이 일치하지 않을 경우 타입 변환이 가능한지 검사</a:t>
+            </a:r>
+            <a:endParaRPr lang="en-US" altLang="ko-KR" dirty="0" smtClean="0"/>
+          </a:p>
+          <a:p>
+            <a:pPr lvl="1"/>
+            <a:endParaRPr lang="en-US" altLang="ko-KR" dirty="0"/>
+          </a:p>
+        </p:txBody>
+      </p:sp>
+      <p:sp>
+        <p:nvSpPr>
+          <p:cNvPr id="4" name="TextBox 3"/>
+          <p:cNvSpPr txBox="1"/>
+          <p:nvPr/>
+        </p:nvSpPr>
+        <p:spPr>
+          <a:xfrm>
+            <a:off x="5178489" y="4767942"/>
+            <a:ext cx="1189749" cy="369332"/>
+          </a:xfrm>
+          <a:prstGeom prst="rect">
+            <a:avLst/>
+          </a:prstGeom>
+          <a:noFill/>
+        </p:spPr>
+        <p:txBody>
+          <a:bodyPr wrap="none" rtlCol="0">
+            <a:spAutoFit/>
+          </a:bodyPr>
+          <a:lstStyle/>
+          <a:p>
+            <a:r>
+              <a:rPr lang="ko-KR" altLang="en-US" dirty="0" smtClean="0"/>
+              <a:t>예제 코드</a:t>
+            </a:r>
+            <a:endParaRPr lang="ko-KR" altLang="en-US" dirty="0"/>
+          </a:p>
+        </p:txBody>
+      </p:sp>
+    </p:spTree>
+    <p:extLst>
+      <p:ext uri="{BB962C8B-B14F-4D97-AF65-F5344CB8AC3E}">
+        <p14:creationId xmlns:p14="http://schemas.microsoft.com/office/powerpoint/2010/main" val="298808447"/>
+      </p:ext>
+    </p:extLst>
+  </p:cSld>
+  <p:clrMapOvr>
+    <a:masterClrMapping/>
+  </p:clrMapOvr>
+</p:sld>
+</file>
+
+<file path=ppt/slides/slide48.xml><?xml version="1.0" encoding="utf-8"?>
+<p:sld xmlns:a="http://schemas.openxmlformats.org/drawingml/2006/main" xmlns:r="http://schemas.openxmlformats.org/officeDocument/2006/relationships" xmlns:p="http://schemas.openxmlformats.org/presentationml/2006/main">
+  <p:cSld>
+    <p:spTree>
+      <p:nvGrpSpPr>
+        <p:cNvPr id="1" name=""/>
+        <p:cNvGrpSpPr/>
+        <p:nvPr/>
+      </p:nvGrpSpPr>
+      <p:grpSpPr>
+        <a:xfrm>
+          <a:off x="0" y="0"/>
+          <a:ext cx="0" cy="0"/>
+          <a:chOff x="0" y="0"/>
+          <a:chExt cx="0" cy="0"/>
+        </a:xfrm>
+      </p:grpSpPr>
+      <p:sp>
+        <p:nvSpPr>
+          <p:cNvPr id="2" name="제목 1"/>
+          <p:cNvSpPr>
+            <a:spLocks noGrp="1"/>
+          </p:cNvSpPr>
+          <p:nvPr>
+            <p:ph type="title"/>
+          </p:nvPr>
+        </p:nvSpPr>
+        <p:spPr/>
+        <p:txBody>
+          <a:bodyPr/>
+          <a:lstStyle/>
+          <a:p>
+            <a:r>
+              <a:rPr lang="ko-KR" altLang="en-US" dirty="0"/>
+              <a:t>오버라이딩과 </a:t>
+            </a:r>
+            <a:r>
+              <a:rPr lang="ko-KR" altLang="en-US" dirty="0" err="1"/>
+              <a:t>오버로딩의</a:t>
+            </a:r>
+            <a:r>
+              <a:rPr lang="ko-KR" altLang="en-US" dirty="0"/>
+              <a:t> 혼돈</a:t>
+            </a:r>
+            <a:endParaRPr lang="en-US" altLang="ko-KR" dirty="0"/>
+          </a:p>
+        </p:txBody>
+      </p:sp>
+      <p:sp>
+        <p:nvSpPr>
+          <p:cNvPr id="3" name="내용 개체 틀 2"/>
+          <p:cNvSpPr>
+            <a:spLocks noGrp="1"/>
+          </p:cNvSpPr>
+          <p:nvPr>
+            <p:ph idx="1"/>
+          </p:nvPr>
+        </p:nvSpPr>
+        <p:spPr/>
+        <p:txBody>
+          <a:bodyPr/>
+          <a:lstStyle/>
+          <a:p>
+            <a:r>
+              <a:rPr lang="ko-KR" altLang="en-US" dirty="0" smtClean="0"/>
               <a:t>라이딩 </a:t>
             </a:r>
             <a:r>
@@ -18476,7 +18681,7 @@
 </p:sld>
 </file>
 
-<file path=ppt/slides/slide48.xml><?xml version="1.0" encoding="utf-8"?>
+<file path=ppt/slides/slide49.xml><?xml version="1.0" encoding="utf-8"?>
 <p:sld xmlns:a="http://schemas.openxmlformats.org/drawingml/2006/main" xmlns:r="http://schemas.openxmlformats.org/officeDocument/2006/relationships" xmlns:p="http://schemas.openxmlformats.org/presentationml/2006/main">
   <p:cSld>
     <p:spTree>
@@ -18552,241 +18757,6 @@
       </p:par>
     </p:tnLst>
   </p:timing>
-</p:sld>
-</file>
-
-<file path=ppt/slides/slide49.xml><?xml version="1.0" encoding="utf-8"?>
-<p:sld xmlns:a="http://schemas.openxmlformats.org/drawingml/2006/main" xmlns:r="http://schemas.openxmlformats.org/officeDocument/2006/relationships" xmlns:p="http://schemas.openxmlformats.org/presentationml/2006/main">
-  <p:cSld>
-    <p:spTree>
-      <p:nvGrpSpPr>
-        <p:cNvPr id="1" name=""/>
-        <p:cNvGrpSpPr/>
-        <p:nvPr/>
-      </p:nvGrpSpPr>
-      <p:grpSpPr>
-        <a:xfrm>
-          <a:off x="0" y="0"/>
-          <a:ext cx="0" cy="0"/>
-          <a:chOff x="0" y="0"/>
-          <a:chExt cx="0" cy="0"/>
-        </a:xfrm>
-      </p:grpSpPr>
-      <p:sp>
-        <p:nvSpPr>
-          <p:cNvPr id="2" name="제목 1"/>
-          <p:cNvSpPr>
-            <a:spLocks noGrp="1"/>
-          </p:cNvSpPr>
-          <p:nvPr>
-            <p:ph type="title"/>
-          </p:nvPr>
-        </p:nvSpPr>
-        <p:spPr/>
-        <p:txBody>
-          <a:bodyPr/>
-          <a:lstStyle/>
-          <a:p>
-            <a:r>
-              <a:rPr lang="en-US" altLang="ko-KR" dirty="0" smtClean="0"/>
-              <a:t>Call By</a:t>
-            </a:r>
-            <a:endParaRPr lang="ko-KR" altLang="en-US" dirty="0"/>
-          </a:p>
-        </p:txBody>
-      </p:sp>
-      <p:sp>
-        <p:nvSpPr>
-          <p:cNvPr id="3" name="내용 개체 틀 2"/>
-          <p:cNvSpPr>
-            <a:spLocks noGrp="1"/>
-          </p:cNvSpPr>
-          <p:nvPr>
-            <p:ph idx="1"/>
-          </p:nvPr>
-        </p:nvSpPr>
-        <p:spPr/>
-        <p:txBody>
-          <a:bodyPr/>
-          <a:lstStyle/>
-          <a:p>
-            <a:pPr>
-              <a:lnSpc>
-                <a:spcPct val="100000"/>
-              </a:lnSpc>
-            </a:pPr>
-            <a:r>
-              <a:rPr lang="en-US" altLang="ko-KR" dirty="0" smtClean="0"/>
-              <a:t>Call By Value : </a:t>
-            </a:r>
-            <a:r>
-              <a:rPr lang="ko-KR" altLang="en-US" dirty="0" smtClean="0"/>
-              <a:t>값에 의한 전달</a:t>
-            </a:r>
-            <a:endParaRPr lang="en-US" altLang="ko-KR" dirty="0" smtClean="0"/>
-          </a:p>
-          <a:p>
-            <a:pPr lvl="1">
-              <a:lnSpc>
-                <a:spcPct val="100000"/>
-              </a:lnSpc>
-            </a:pPr>
-            <a:r>
-              <a:rPr lang="ko-KR" altLang="en-US" dirty="0" smtClean="0"/>
-              <a:t>기본 </a:t>
-            </a:r>
-            <a:r>
-              <a:rPr lang="ko-KR" altLang="en-US" dirty="0" err="1" smtClean="0"/>
-              <a:t>자료형은</a:t>
-            </a:r>
-            <a:r>
-              <a:rPr lang="ko-KR" altLang="en-US" dirty="0" smtClean="0"/>
-              <a:t> 저장하고 있는 값이 전달</a:t>
-            </a:r>
-            <a:r>
-              <a:rPr lang="en-US" altLang="ko-KR" dirty="0" smtClean="0"/>
-              <a:t>(</a:t>
-            </a:r>
-            <a:r>
-              <a:rPr lang="ko-KR" altLang="en-US" dirty="0" smtClean="0"/>
-              <a:t>복사</a:t>
-            </a:r>
-            <a:r>
-              <a:rPr lang="en-US" altLang="ko-KR" dirty="0" smtClean="0"/>
-              <a:t>) </a:t>
-            </a:r>
-            <a:r>
-              <a:rPr lang="ko-KR" altLang="en-US" dirty="0" smtClean="0"/>
-              <a:t>된다</a:t>
-            </a:r>
-            <a:r>
-              <a:rPr lang="en-US" altLang="ko-KR" dirty="0" smtClean="0"/>
-              <a:t>.</a:t>
-            </a:r>
-          </a:p>
-          <a:p>
-            <a:pPr lvl="1">
-              <a:lnSpc>
-                <a:spcPct val="100000"/>
-              </a:lnSpc>
-            </a:pPr>
-            <a:r>
-              <a:rPr lang="ko-KR" altLang="en-US" dirty="0" err="1" smtClean="0"/>
-              <a:t>대입문</a:t>
-            </a:r>
-            <a:r>
-              <a:rPr lang="ko-KR" altLang="en-US" dirty="0" smtClean="0"/>
-              <a:t> 사용시 </a:t>
-            </a:r>
-            <a:r>
-              <a:rPr lang="en-US" altLang="ko-KR" dirty="0" smtClean="0"/>
-              <a:t>/ </a:t>
-            </a:r>
-            <a:r>
-              <a:rPr lang="ko-KR" altLang="en-US" dirty="0" smtClean="0"/>
-              <a:t>인자 전달 시 </a:t>
-            </a:r>
-            <a:r>
-              <a:rPr lang="en-US" altLang="ko-KR" dirty="0" smtClean="0"/>
-              <a:t>/ </a:t>
-            </a:r>
-            <a:r>
-              <a:rPr lang="ko-KR" altLang="en-US" dirty="0" err="1" smtClean="0"/>
-              <a:t>메서드</a:t>
-            </a:r>
-            <a:r>
-              <a:rPr lang="ko-KR" altLang="en-US" dirty="0" smtClean="0"/>
-              <a:t> 리턴 시</a:t>
-            </a:r>
-            <a:endParaRPr lang="en-US" altLang="ko-KR" dirty="0" smtClean="0"/>
-          </a:p>
-          <a:p>
-            <a:pPr lvl="1">
-              <a:lnSpc>
-                <a:spcPct val="100000"/>
-              </a:lnSpc>
-            </a:pPr>
-            <a:endParaRPr lang="en-US" altLang="ko-KR" dirty="0" smtClean="0"/>
-          </a:p>
-          <a:p>
-            <a:pPr lvl="1">
-              <a:lnSpc>
-                <a:spcPct val="100000"/>
-              </a:lnSpc>
-            </a:pPr>
-            <a:endParaRPr lang="en-US" altLang="ko-KR" dirty="0" smtClean="0"/>
-          </a:p>
-          <a:p>
-            <a:pPr>
-              <a:lnSpc>
-                <a:spcPct val="100000"/>
-              </a:lnSpc>
-            </a:pPr>
-            <a:r>
-              <a:rPr lang="en-US" altLang="ko-KR" dirty="0" smtClean="0"/>
-              <a:t>Call By Reference : </a:t>
-            </a:r>
-            <a:r>
-              <a:rPr lang="ko-KR" altLang="en-US" dirty="0" smtClean="0"/>
-              <a:t>참조</a:t>
-            </a:r>
-            <a:r>
-              <a:rPr lang="en-US" altLang="ko-KR" dirty="0" smtClean="0"/>
-              <a:t>/</a:t>
-            </a:r>
-            <a:r>
-              <a:rPr lang="ko-KR" altLang="en-US" dirty="0" smtClean="0"/>
-              <a:t>주소에 의한 전달</a:t>
-            </a:r>
-            <a:endParaRPr lang="en-US" altLang="ko-KR" dirty="0" smtClean="0"/>
-          </a:p>
-          <a:p>
-            <a:pPr lvl="1">
-              <a:lnSpc>
-                <a:spcPct val="100000"/>
-              </a:lnSpc>
-            </a:pPr>
-            <a:r>
-              <a:rPr lang="ko-KR" altLang="en-US" dirty="0" smtClean="0"/>
-              <a:t>객체참조변수에 </a:t>
-            </a:r>
-            <a:r>
-              <a:rPr lang="ko-KR" altLang="en-US" dirty="0" err="1" smtClean="0"/>
-              <a:t>주소값을</a:t>
-            </a:r>
-            <a:r>
-              <a:rPr lang="ko-KR" altLang="en-US" dirty="0" smtClean="0"/>
-              <a:t> 대입하여 </a:t>
-            </a:r>
-            <a:r>
-              <a:rPr lang="ko-KR" altLang="en-US" dirty="0" err="1" smtClean="0"/>
-              <a:t>힙영역에</a:t>
-            </a:r>
-            <a:r>
-              <a:rPr lang="ko-KR" altLang="en-US" dirty="0" smtClean="0"/>
-              <a:t> 존재하는 객체 참조</a:t>
-            </a:r>
-            <a:endParaRPr lang="en-US" altLang="ko-KR" dirty="0" smtClean="0"/>
-          </a:p>
-          <a:p>
-            <a:pPr lvl="1">
-              <a:lnSpc>
-                <a:spcPct val="100000"/>
-              </a:lnSpc>
-            </a:pPr>
-            <a:r>
-              <a:rPr lang="ko-KR" altLang="en-US" dirty="0" smtClean="0"/>
-              <a:t>포인터</a:t>
-            </a:r>
-            <a:endParaRPr lang="ko-KR" altLang="en-US" dirty="0"/>
-          </a:p>
-        </p:txBody>
-      </p:sp>
-    </p:spTree>
-  </p:cSld>
-  <p:clrMapOvr>
-    <a:masterClrMapping/>
-  </p:clrMapOvr>
 </p:sld>
 </file>
 
@@ -18997,8 +18967,23 @@
           <a:p>
             <a:pPr algn="ctr"/>
             <a:r>
+              <a:rPr lang="ko-KR" altLang="en-US" sz="6000" dirty="0" smtClean="0"/>
+              <a:t>그 외</a:t>
+            </a:r>
+            <a:r>
               <a:rPr lang="en-US" altLang="ko-KR" sz="6000" dirty="0" smtClean="0"/>
-              <a:t>Demo</a:t>
+              <a:t/>
+            </a:r>
+            <a:br>
+              <a:rPr lang="en-US" altLang="ko-KR" sz="6000" dirty="0" smtClean="0"/>
+            </a:br>
+            <a:r>
+              <a:rPr lang="en-US" altLang="ko-KR" sz="1400" dirty="0" smtClean="0">
+                <a:solidFill>
+                  <a:prstClr val="black"/>
+                </a:solidFill>
+              </a:rPr>
+              <a:t>call by value/reference, static, final, package</a:t>
             </a:r>
             <a:endParaRPr lang="ko-KR" altLang="en-US" sz="6000" dirty="0"/>
           </a:p>
@@ -19007,7 +18992,7 @@
     </p:spTree>
     <p:extLst>
       <p:ext uri="{BB962C8B-B14F-4D97-AF65-F5344CB8AC3E}">
-        <p14:creationId xmlns:p14="http://schemas.microsoft.com/office/powerpoint/2010/main" val="2210773707"/>
+        <p14:creationId xmlns:p14="http://schemas.microsoft.com/office/powerpoint/2010/main" val="2746307158"/>
       </p:ext>
     </p:extLst>
   </p:cSld>
@@ -19058,181 +19043,7 @@
           <a:p>
             <a:r>
               <a:rPr lang="en-US" altLang="ko-KR" dirty="0" smtClean="0"/>
-              <a:t>static</a:t>
-            </a:r>
-            <a:endParaRPr lang="ko-KR" altLang="en-US" dirty="0"/>
-          </a:p>
-        </p:txBody>
-      </p:sp>
-      <p:sp>
-        <p:nvSpPr>
-          <p:cNvPr id="3" name="내용 개체 틀 2"/>
-          <p:cNvSpPr>
-            <a:spLocks noGrp="1"/>
-          </p:cNvSpPr>
-          <p:nvPr>
-            <p:ph idx="1"/>
-          </p:nvPr>
-        </p:nvSpPr>
-        <p:spPr/>
-        <p:txBody>
-          <a:bodyPr>
-            <a:normAutofit/>
-          </a:bodyPr>
-          <a:lstStyle/>
-          <a:p>
-            <a:pPr>
-              <a:lnSpc>
-                <a:spcPct val="100000"/>
-              </a:lnSpc>
-            </a:pPr>
-            <a:r>
-              <a:rPr lang="ko-KR" altLang="en-US" dirty="0"/>
-              <a:t>클래스에 고정된 멤버로서 객체를 생성하지 않고 사용할 수 있는 필드와 </a:t>
-            </a:r>
-            <a:r>
-              <a:rPr lang="ko-KR" altLang="en-US" dirty="0" err="1" smtClean="0"/>
-              <a:t>메소드</a:t>
-            </a:r>
-            <a:endParaRPr lang="en-US" altLang="ko-KR" dirty="0" smtClean="0"/>
-          </a:p>
-          <a:p>
-            <a:pPr>
-              <a:lnSpc>
-                <a:spcPct val="100000"/>
-              </a:lnSpc>
-            </a:pPr>
-            <a:endParaRPr lang="en-US" altLang="ko-KR" dirty="0" smtClean="0"/>
-          </a:p>
-          <a:p>
-            <a:pPr>
-              <a:lnSpc>
-                <a:spcPct val="100000"/>
-              </a:lnSpc>
-            </a:pPr>
-            <a:r>
-              <a:rPr lang="en-US" altLang="ko-KR" dirty="0"/>
-              <a:t>static </a:t>
-            </a:r>
-            <a:r>
-              <a:rPr lang="ko-KR" altLang="en-US" dirty="0"/>
-              <a:t>필드와 메서드는 클래스에 고정된 멤버이므로 클래스 </a:t>
-            </a:r>
-            <a:r>
-              <a:rPr lang="ko-KR" altLang="en-US" dirty="0" err="1"/>
-              <a:t>로더가</a:t>
-            </a:r>
-            <a:r>
-              <a:rPr lang="ko-KR" altLang="en-US" dirty="0"/>
-              <a:t> 클래스</a:t>
-            </a:r>
-            <a:r>
-              <a:rPr lang="en-US" altLang="ko-KR" dirty="0"/>
-              <a:t>(</a:t>
-            </a:r>
-            <a:r>
-              <a:rPr lang="ko-KR" altLang="en-US" dirty="0"/>
-              <a:t>바이트 코드</a:t>
-            </a:r>
-            <a:r>
-              <a:rPr lang="en-US" altLang="ko-KR" dirty="0"/>
-              <a:t>)</a:t>
-            </a:r>
-            <a:r>
-              <a:rPr lang="ko-KR" altLang="en-US" dirty="0"/>
-              <a:t>를 </a:t>
-            </a:r>
-            <a:r>
-              <a:rPr lang="ko-KR" altLang="en-US" dirty="0" err="1"/>
-              <a:t>로딩해서</a:t>
-            </a:r>
-            <a:r>
-              <a:rPr lang="ko-KR" altLang="en-US" dirty="0"/>
-              <a:t> 메서드 메모리영역에 적재할 때 </a:t>
-            </a:r>
-            <a:r>
-              <a:rPr lang="ko-KR" altLang="en-US" dirty="0" err="1"/>
-              <a:t>클래스별로</a:t>
-            </a:r>
-            <a:r>
-              <a:rPr lang="ko-KR" altLang="en-US" dirty="0"/>
-              <a:t> 관리된다</a:t>
-            </a:r>
-            <a:r>
-              <a:rPr lang="en-US" altLang="ko-KR" dirty="0"/>
-              <a:t>.</a:t>
-            </a:r>
-          </a:p>
-          <a:p>
-            <a:pPr lvl="1">
-              <a:lnSpc>
-                <a:spcPct val="100000"/>
-              </a:lnSpc>
-            </a:pPr>
-            <a:r>
-              <a:rPr lang="ko-KR" altLang="en-US" dirty="0" smtClean="0"/>
-              <a:t>클래스 </a:t>
-            </a:r>
-            <a:r>
-              <a:rPr lang="ko-KR" altLang="en-US" dirty="0"/>
-              <a:t>로딩이 끝나면 바로 사용 </a:t>
-            </a:r>
-            <a:r>
-              <a:rPr lang="ko-KR" altLang="en-US" dirty="0" smtClean="0"/>
-              <a:t>가능</a:t>
-            </a:r>
-            <a:endParaRPr lang="en-US" altLang="ko-KR" dirty="0" smtClean="0"/>
-          </a:p>
-        </p:txBody>
-      </p:sp>
-    </p:spTree>
-    <p:extLst>
-      <p:ext uri="{BB962C8B-B14F-4D97-AF65-F5344CB8AC3E}">
-        <p14:creationId xmlns:p14="http://schemas.microsoft.com/office/powerpoint/2010/main" val="2389588374"/>
-      </p:ext>
-    </p:extLst>
-  </p:cSld>
-  <p:clrMapOvr>
-    <a:masterClrMapping/>
-  </p:clrMapOvr>
-</p:sld>
-</file>
-
-<file path=ppt/slides/slide52.xml><?xml version="1.0" encoding="utf-8"?>
-<p:sld xmlns:a="http://schemas.openxmlformats.org/drawingml/2006/main" xmlns:r="http://schemas.openxmlformats.org/officeDocument/2006/relationships" xmlns:p="http://schemas.openxmlformats.org/presentationml/2006/main">
-  <p:cSld>
-    <p:spTree>
-      <p:nvGrpSpPr>
-        <p:cNvPr id="1" name=""/>
-        <p:cNvGrpSpPr/>
-        <p:nvPr/>
-      </p:nvGrpSpPr>
-      <p:grpSpPr>
-        <a:xfrm>
-          <a:off x="0" y="0"/>
-          <a:ext cx="0" cy="0"/>
-          <a:chOff x="0" y="0"/>
-          <a:chExt cx="0" cy="0"/>
-        </a:xfrm>
-      </p:grpSpPr>
-      <p:sp>
-        <p:nvSpPr>
-          <p:cNvPr id="2" name="제목 1"/>
-          <p:cNvSpPr>
-            <a:spLocks noGrp="1"/>
-          </p:cNvSpPr>
-          <p:nvPr>
-            <p:ph type="title"/>
-          </p:nvPr>
-        </p:nvSpPr>
-        <p:spPr/>
-        <p:txBody>
-          <a:bodyPr/>
-          <a:lstStyle/>
-          <a:p>
-            <a:r>
-              <a:rPr lang="en-US" altLang="ko-KR" dirty="0" smtClean="0"/>
-              <a:t>static</a:t>
+              <a:t>Call By</a:t>
             </a:r>
             <a:endParaRPr lang="ko-KR" altLang="en-US" dirty="0"/>
           </a:p>
@@ -19259,17 +19070,14 @@
               </a:lnSpc>
             </a:pPr>
             <a:r>
-              <a:rPr lang="en-US" altLang="ko-KR" dirty="0"/>
-              <a:t>static </a:t>
-            </a:r>
-            <a:r>
-              <a:rPr lang="ko-KR" altLang="en-US" dirty="0"/>
-              <a:t>요소들은 클래스 이름으로 접근하는 것이 좋다</a:t>
-            </a:r>
-            <a:r>
-              <a:rPr lang="en-US" altLang="ko-KR" dirty="0"/>
-              <a:t>.</a:t>
-            </a:r>
+              <a:rPr lang="en-US" altLang="ko-KR" dirty="0" smtClean="0"/>
+              <a:t>Call By Value : </a:t>
+            </a:r>
+            <a:r>
+              <a:rPr lang="ko-KR" altLang="en-US" dirty="0" smtClean="0"/>
+              <a:t>값에 의한 전달</a:t>
+            </a:r>
+            <a:endParaRPr lang="en-US" altLang="ko-KR" dirty="0" smtClean="0"/>
           </a:p>
           <a:p>
             <a:pPr lvl="1">
@@ -19278,21 +19086,89 @@
               </a:lnSpc>
             </a:pPr>
             <a:r>
-              <a:rPr lang="ko-KR" altLang="en-US" dirty="0"/>
-              <a:t>인스턴스를 통해 접근할 경우 인스턴스를 먼저 </a:t>
-            </a:r>
-            <a:r>
-              <a:rPr lang="ko-KR" altLang="en-US" dirty="0" err="1"/>
-              <a:t>훑고나서</a:t>
-            </a:r>
-            <a:r>
-              <a:rPr lang="ko-KR" altLang="en-US" dirty="0"/>
-              <a:t> 없는 걸 확인한 후 클래스를 참조하기 때문에 하나의 스텝이 더 생긴다</a:t>
-            </a:r>
-            <a:r>
-              <a:rPr lang="en-US" altLang="ko-KR" dirty="0"/>
+              <a:rPr lang="ko-KR" altLang="en-US" dirty="0" smtClean="0"/>
+              <a:t>기본 </a:t>
+            </a:r>
+            <a:r>
+              <a:rPr lang="ko-KR" altLang="en-US" dirty="0" err="1" smtClean="0"/>
+              <a:t>자료형은</a:t>
+            </a:r>
+            <a:r>
+              <a:rPr lang="ko-KR" altLang="en-US" dirty="0" smtClean="0"/>
+              <a:t> 저장하고 있는 값이 전달</a:t>
+            </a:r>
+            <a:r>
+              <a:rPr lang="en-US" altLang="ko-KR" dirty="0" smtClean="0"/>
+              <a:t>(</a:t>
+            </a:r>
+            <a:r>
+              <a:rPr lang="ko-KR" altLang="en-US" dirty="0" smtClean="0"/>
+              <a:t>복사</a:t>
+            </a:r>
+            <a:r>
+              <a:rPr lang="en-US" altLang="ko-KR" dirty="0" smtClean="0"/>
+              <a:t>) </a:t>
+            </a:r>
+            <a:r>
+              <a:rPr lang="ko-KR" altLang="en-US" dirty="0" smtClean="0"/>
+              <a:t>된다</a:t>
+            </a:r>
+            <a:r>
+              <a:rPr lang="en-US" altLang="ko-KR" dirty="0" smtClean="0"/>
               <a:t>.</a:t>
             </a:r>
+          </a:p>
+          <a:p>
+            <a:pPr lvl="1">
+              <a:lnSpc>
+                <a:spcPct val="100000"/>
+              </a:lnSpc>
+            </a:pPr>
+            <a:r>
+              <a:rPr lang="ko-KR" altLang="en-US" dirty="0" err="1" smtClean="0"/>
+              <a:t>대입문</a:t>
+            </a:r>
+            <a:r>
+              <a:rPr lang="ko-KR" altLang="en-US" dirty="0" smtClean="0"/>
+              <a:t> 사용시 </a:t>
+            </a:r>
+            <a:r>
+              <a:rPr lang="en-US" altLang="ko-KR" dirty="0" smtClean="0"/>
+              <a:t>/ </a:t>
+            </a:r>
+            <a:r>
+              <a:rPr lang="ko-KR" altLang="en-US" dirty="0" smtClean="0"/>
+              <a:t>인자 전달 시 </a:t>
+            </a:r>
+            <a:r>
+              <a:rPr lang="en-US" altLang="ko-KR" dirty="0" smtClean="0"/>
+              <a:t>/ </a:t>
+            </a:r>
+            <a:r>
+              <a:rPr lang="ko-KR" altLang="en-US" dirty="0" err="1" smtClean="0"/>
+              <a:t>메서드</a:t>
+            </a:r>
+            <a:r>
+              <a:rPr lang="ko-KR" altLang="en-US" dirty="0" smtClean="0"/>
+              <a:t> 리턴 시</a:t>
+            </a:r>
+            <a:endParaRPr lang="en-US" altLang="ko-KR" dirty="0" smtClean="0"/>
+          </a:p>
+          <a:p>
+            <a:pPr lvl="1">
+              <a:lnSpc>
+                <a:spcPct val="100000"/>
+              </a:lnSpc>
+            </a:pPr>
+            <a:endParaRPr lang="en-US" altLang="ko-KR" dirty="0" smtClean="0"/>
+          </a:p>
+          <a:p>
+            <a:pPr lvl="1">
+              <a:lnSpc>
+                <a:spcPct val="100000"/>
+              </a:lnSpc>
+            </a:pPr>
+            <a:endParaRPr lang="en-US" altLang="ko-KR" dirty="0" smtClean="0"/>
           </a:p>
           <a:p>
             <a:pPr>
@@ -19301,29 +19177,22 @@
               </a:lnSpc>
             </a:pPr>
             <a:r>
-              <a:rPr lang="en-US" altLang="ko-KR" dirty="0"/>
-              <a:t>static </a:t>
-            </a:r>
-            <a:r>
-              <a:rPr lang="ko-KR" altLang="en-US" dirty="0"/>
-              <a:t>필드는 선언과 동시에 초기값을 주는 것이 보통이지만 초기화 과정이 복잡한 경우 </a:t>
-            </a:r>
-            <a:r>
-              <a:rPr lang="en-US" altLang="ko-KR" dirty="0"/>
-              <a:t>static </a:t>
-            </a:r>
-            <a:r>
-              <a:rPr lang="ko-KR" altLang="en-US" dirty="0" err="1"/>
-              <a:t>블럭을</a:t>
-            </a:r>
-            <a:r>
-              <a:rPr lang="ko-KR" altLang="en-US" dirty="0"/>
-              <a:t> 사용할 수 있다</a:t>
-            </a:r>
-            <a:r>
-              <a:rPr lang="en-US" altLang="ko-KR" dirty="0"/>
-              <a:t>.</a:t>
-            </a:r>
+              <a:rPr lang="en-US" altLang="ko-KR" dirty="0" smtClean="0"/>
+              <a:t>Call By Reference : </a:t>
+            </a:r>
+            <a:r>
+              <a:rPr lang="ko-KR" altLang="en-US" dirty="0" smtClean="0"/>
+              <a:t>참조</a:t>
+            </a:r>
+            <a:r>
+              <a:rPr lang="en-US" altLang="ko-KR" dirty="0" smtClean="0"/>
+              <a:t>/</a:t>
+            </a:r>
+            <a:r>
+              <a:rPr lang="ko-KR" altLang="en-US" dirty="0" smtClean="0"/>
+              <a:t>주소에 의한 전달</a:t>
+            </a:r>
+            <a:endParaRPr lang="en-US" altLang="ko-KR" dirty="0" smtClean="0"/>
           </a:p>
           <a:p>
             <a:pPr lvl="1">
@@ -19332,13 +19201,26 @@
               </a:lnSpc>
             </a:pPr>
             <a:r>
-              <a:rPr lang="ko-KR" altLang="en-US" dirty="0"/>
-              <a:t>클래스가 메모리로 로딩 될 때 자동으로 수행된다</a:t>
-            </a:r>
-            <a:r>
-              <a:rPr lang="en-US" altLang="ko-KR" dirty="0"/>
-              <a:t>. </a:t>
-            </a:r>
+              <a:rPr lang="ko-KR" altLang="en-US" dirty="0" smtClean="0"/>
+              <a:t>객체참조변수에 </a:t>
+            </a:r>
+            <a:r>
+              <a:rPr lang="ko-KR" altLang="en-US" dirty="0" err="1" smtClean="0"/>
+              <a:t>주소값을</a:t>
+            </a:r>
+            <a:r>
+              <a:rPr lang="ko-KR" altLang="en-US" dirty="0" smtClean="0"/>
+              <a:t> 대입하여 </a:t>
+            </a:r>
+            <a:r>
+              <a:rPr lang="ko-KR" altLang="en-US" dirty="0" err="1" smtClean="0"/>
+              <a:t>힙영역에</a:t>
+            </a:r>
+            <a:r>
+              <a:rPr lang="ko-KR" altLang="en-US" dirty="0" smtClean="0"/>
+              <a:t> 존재하는 객체 참조</a:t>
+            </a:r>
+            <a:endParaRPr lang="en-US" altLang="ko-KR" dirty="0" smtClean="0"/>
           </a:p>
           <a:p>
             <a:pPr lvl="1">
@@ -19347,43 +19229,14 @@
               </a:lnSpc>
             </a:pPr>
             <a:r>
-              <a:rPr lang="ko-KR" altLang="en-US" dirty="0"/>
-              <a:t>인스턴스가 없어도 실행되기 때문에 인스턴스 필드나 </a:t>
-            </a:r>
-            <a:r>
-              <a:rPr lang="ko-KR" altLang="en-US" dirty="0" err="1"/>
-              <a:t>메소드</a:t>
-            </a:r>
-            <a:r>
-              <a:rPr lang="en-US" altLang="ko-KR" dirty="0"/>
-              <a:t>, this </a:t>
-            </a:r>
-            <a:r>
-              <a:rPr lang="ko-KR" altLang="en-US" dirty="0"/>
-              <a:t>키워드를 사용할 수 없다</a:t>
-            </a:r>
-            <a:r>
-              <a:rPr lang="en-US" altLang="ko-KR" dirty="0"/>
-              <a:t>.</a:t>
-            </a:r>
-            <a:endParaRPr lang="ko-KR" altLang="en-US" dirty="0"/>
-          </a:p>
-          <a:p>
-            <a:pPr>
-              <a:lnSpc>
-                <a:spcPct val="100000"/>
-              </a:lnSpc>
-            </a:pPr>
+              <a:rPr lang="ko-KR" altLang="en-US" dirty="0" smtClean="0"/>
+              <a:t>포인터</a:t>
+            </a:r>
             <a:endParaRPr lang="ko-KR" altLang="en-US" dirty="0"/>
           </a:p>
         </p:txBody>
       </p:sp>
     </p:spTree>
-    <p:extLst>
-      <p:ext uri="{BB962C8B-B14F-4D97-AF65-F5344CB8AC3E}">
-        <p14:creationId xmlns:p14="http://schemas.microsoft.com/office/powerpoint/2010/main" val="3104462634"/>
-      </p:ext>
-    </p:extLst>
   </p:cSld>
   <p:clrMapOvr>
     <a:masterClrMapping/>
@@ -19391,221 +19244,7 @@
 </p:sld>
 </file>
 
-<file path=ppt/slides/slide53.xml><?xml version="1.0" encoding="utf-8"?>
-<p:sld xmlns:a="http://schemas.openxmlformats.org/drawingml/2006/main" xmlns:r="http://schemas.openxmlformats.org/officeDocument/2006/relationships" xmlns:p="http://schemas.openxmlformats.org/presentationml/2006/main">
-  <p:cSld>
-    <p:spTree>
-      <p:nvGrpSpPr>
-        <p:cNvPr id="1" name=""/>
-        <p:cNvGrpSpPr/>
-        <p:nvPr/>
-      </p:nvGrpSpPr>
-      <p:grpSpPr>
-        <a:xfrm>
-          <a:off x="0" y="0"/>
-          <a:ext cx="0" cy="0"/>
-          <a:chOff x="0" y="0"/>
-          <a:chExt cx="0" cy="0"/>
-        </a:xfrm>
-      </p:grpSpPr>
-      <p:sp>
-        <p:nvSpPr>
-          <p:cNvPr id="2" name="제목 1"/>
-          <p:cNvSpPr>
-            <a:spLocks noGrp="1"/>
-          </p:cNvSpPr>
-          <p:nvPr>
-            <p:ph type="title"/>
-          </p:nvPr>
-        </p:nvSpPr>
-        <p:spPr/>
-        <p:txBody>
-          <a:bodyPr/>
-          <a:lstStyle/>
-          <a:p>
-            <a:r>
-              <a:rPr lang="ko-KR" altLang="en-US" dirty="0" smtClean="0"/>
-              <a:t>인스턴스 </a:t>
-            </a:r>
-            <a:r>
-              <a:rPr lang="en-US" altLang="ko-KR" dirty="0" smtClean="0"/>
-              <a:t>vs static</a:t>
-            </a:r>
-            <a:endParaRPr lang="ko-KR" altLang="en-US" dirty="0"/>
-          </a:p>
-        </p:txBody>
-      </p:sp>
-      <p:sp>
-        <p:nvSpPr>
-          <p:cNvPr id="3" name="내용 개체 틀 2"/>
-          <p:cNvSpPr>
-            <a:spLocks noGrp="1"/>
-          </p:cNvSpPr>
-          <p:nvPr>
-            <p:ph idx="1"/>
-          </p:nvPr>
-        </p:nvSpPr>
-        <p:spPr/>
-        <p:txBody>
-          <a:bodyPr>
-            <a:normAutofit/>
-          </a:bodyPr>
-          <a:lstStyle/>
-          <a:p>
-            <a:pPr>
-              <a:lnSpc>
-                <a:spcPct val="100000"/>
-              </a:lnSpc>
-            </a:pPr>
-            <a:r>
-              <a:rPr lang="ko-KR" altLang="en-US" dirty="0" smtClean="0"/>
-              <a:t>인스턴스 필드 </a:t>
-            </a:r>
-            <a:r>
-              <a:rPr lang="en-US" altLang="ko-KR" dirty="0" smtClean="0"/>
-              <a:t>vs static </a:t>
-            </a:r>
-            <a:r>
-              <a:rPr lang="ko-KR" altLang="en-US" dirty="0" smtClean="0"/>
-              <a:t>필드</a:t>
-            </a:r>
-            <a:endParaRPr lang="en-US" altLang="ko-KR" dirty="0" smtClean="0"/>
-          </a:p>
-          <a:p>
-            <a:pPr lvl="1">
-              <a:lnSpc>
-                <a:spcPct val="100000"/>
-              </a:lnSpc>
-            </a:pPr>
-            <a:r>
-              <a:rPr lang="ko-KR" altLang="en-US" dirty="0" err="1"/>
-              <a:t>객체마다</a:t>
-            </a:r>
-            <a:r>
-              <a:rPr lang="ko-KR" altLang="en-US" dirty="0"/>
-              <a:t> 가지고 </a:t>
-            </a:r>
-            <a:r>
-              <a:rPr lang="ko-KR" altLang="en-US" dirty="0" smtClean="0"/>
-              <a:t>있어야 할 </a:t>
-            </a:r>
-            <a:r>
-              <a:rPr lang="ko-KR" altLang="en-US" dirty="0"/>
-              <a:t>데이터라면 인스턴스 필드로 선언</a:t>
-            </a:r>
-          </a:p>
-          <a:p>
-            <a:pPr lvl="1">
-              <a:lnSpc>
-                <a:spcPct val="100000"/>
-              </a:lnSpc>
-            </a:pPr>
-            <a:r>
-              <a:rPr lang="ko-KR" altLang="en-US" dirty="0" err="1" smtClean="0"/>
-              <a:t>객체마다</a:t>
-            </a:r>
-            <a:r>
-              <a:rPr lang="ko-KR" altLang="en-US" dirty="0" smtClean="0"/>
-              <a:t> </a:t>
-            </a:r>
-            <a:r>
-              <a:rPr lang="ko-KR" altLang="en-US" dirty="0"/>
-              <a:t>가지고 있을 필요성이 없는 </a:t>
-            </a:r>
-            <a:r>
-              <a:rPr lang="ko-KR" altLang="en-US" dirty="0" err="1"/>
-              <a:t>공용적인</a:t>
-            </a:r>
-            <a:r>
-              <a:rPr lang="ko-KR" altLang="en-US" dirty="0"/>
-              <a:t> 데이터라면 </a:t>
-            </a:r>
-            <a:r>
-              <a:rPr lang="ko-KR" altLang="en-US" dirty="0" err="1"/>
-              <a:t>정적필드로</a:t>
-            </a:r>
-            <a:r>
-              <a:rPr lang="ko-KR" altLang="en-US" dirty="0"/>
-              <a:t> 선언</a:t>
-            </a:r>
-          </a:p>
-          <a:p>
-            <a:pPr>
-              <a:lnSpc>
-                <a:spcPct val="100000"/>
-              </a:lnSpc>
-            </a:pPr>
-            <a:endParaRPr lang="en-US" altLang="ko-KR" dirty="0" smtClean="0"/>
-          </a:p>
-          <a:p>
-            <a:pPr>
-              <a:lnSpc>
-                <a:spcPct val="100000"/>
-              </a:lnSpc>
-            </a:pPr>
-            <a:r>
-              <a:rPr lang="ko-KR" altLang="en-US" dirty="0" smtClean="0"/>
-              <a:t>인스턴스 </a:t>
-            </a:r>
-            <a:r>
-              <a:rPr lang="ko-KR" altLang="en-US" dirty="0"/>
-              <a:t>메서드 </a:t>
-            </a:r>
-            <a:r>
-              <a:rPr lang="en-US" altLang="ko-KR" dirty="0"/>
-              <a:t>vs static </a:t>
-            </a:r>
-            <a:r>
-              <a:rPr lang="ko-KR" altLang="en-US" dirty="0"/>
-              <a:t>메서드</a:t>
-            </a:r>
-          </a:p>
-          <a:p>
-            <a:pPr lvl="1">
-              <a:lnSpc>
-                <a:spcPct val="100000"/>
-              </a:lnSpc>
-            </a:pPr>
-            <a:r>
-              <a:rPr lang="ko-KR" altLang="en-US" dirty="0" smtClean="0"/>
-              <a:t>인스턴스 </a:t>
-            </a:r>
-            <a:r>
-              <a:rPr lang="ko-KR" altLang="en-US" dirty="0"/>
-              <a:t>필드를 이용해서 실행해야 한다면 인스턴스 메서드로 선언</a:t>
-            </a:r>
-          </a:p>
-          <a:p>
-            <a:pPr lvl="1">
-              <a:lnSpc>
-                <a:spcPct val="100000"/>
-              </a:lnSpc>
-            </a:pPr>
-            <a:r>
-              <a:rPr lang="ko-KR" altLang="en-US" dirty="0" smtClean="0"/>
-              <a:t>인스턴스 </a:t>
-            </a:r>
-            <a:r>
-              <a:rPr lang="ko-KR" altLang="en-US" dirty="0"/>
-              <a:t>필드를 이용하지 않는 다면 정적 메서드로 선언</a:t>
-            </a:r>
-          </a:p>
-        </p:txBody>
-      </p:sp>
-    </p:spTree>
-    <p:extLst>
-      <p:ext uri="{BB962C8B-B14F-4D97-AF65-F5344CB8AC3E}">
-        <p14:creationId xmlns:p14="http://schemas.microsoft.com/office/powerpoint/2010/main" val="1458691717"/>
-      </p:ext>
-    </p:extLst>
-  </p:cSld>
-  <p:clrMapOvr>
-    <a:masterClrMapping/>
-  </p:clrMapOvr>
-</p:sld>
-</file>
-
-<file path=ppt/slides/slide54.xml><?xml version="1.0" encoding="utf-8"?>
+<file path=ppt/slides/slide52.xml><?xml version="1.0" encoding="utf-8"?>
 <p:sld xmlns:a="http://schemas.openxmlformats.org/drawingml/2006/main" xmlns:r="http://schemas.openxmlformats.org/officeDocument/2006/relationships" xmlns:p="http://schemas.openxmlformats.org/presentationml/2006/main">
   <p:cSld>
     <p:spTree>
@@ -19649,6 +19288,17 @@
               <a:rPr lang="en-US" altLang="ko-KR" sz="6000" dirty="0" smtClean="0"/>
               <a:t>Demo</a:t>
             </a:r>
+            <a:br>
+              <a:rPr lang="en-US" altLang="ko-KR" sz="6000" dirty="0" smtClean="0"/>
+            </a:br>
+            <a:r>
+              <a:rPr lang="en-US" altLang="ko-KR" sz="1400" dirty="0" smtClean="0">
+                <a:solidFill>
+                  <a:prstClr val="black"/>
+                </a:solidFill>
+              </a:rPr>
+              <a:t>oop.etc.Example1</a:t>
+            </a:r>
             <a:endParaRPr lang="ko-KR" altLang="en-US" sz="6000" dirty="0"/>
           </a:p>
         </p:txBody>
@@ -19656,7 +19306,7 @@
     </p:spTree>
     <p:extLst>
       <p:ext uri="{BB962C8B-B14F-4D97-AF65-F5344CB8AC3E}">
-        <p14:creationId xmlns:p14="http://schemas.microsoft.com/office/powerpoint/2010/main" val="558499827"/>
+        <p14:creationId xmlns:p14="http://schemas.microsoft.com/office/powerpoint/2010/main" val="3041554073"/>
       </p:ext>
     </p:extLst>
   </p:cSld>
@@ -19670,6 +19320,373 @@
       </p:par>
     </p:tnLst>
   </p:timing>
+</p:sld>
+</file>
+
+<file path=ppt/slides/slide53.xml><?xml version="1.0" encoding="utf-8"?>
+<p:sld xmlns:a="http://schemas.openxmlformats.org/drawingml/2006/main" xmlns:r="http://schemas.openxmlformats.org/officeDocument/2006/relationships" xmlns:p="http://schemas.openxmlformats.org/presentationml/2006/main">
+  <p:cSld>
+    <p:spTree>
+      <p:nvGrpSpPr>
+        <p:cNvPr id="1" name=""/>
+        <p:cNvGrpSpPr/>
+        <p:nvPr/>
+      </p:nvGrpSpPr>
+      <p:grpSpPr>
+        <a:xfrm>
+          <a:off x="0" y="0"/>
+          <a:ext cx="0" cy="0"/>
+          <a:chOff x="0" y="0"/>
+          <a:chExt cx="0" cy="0"/>
+        </a:xfrm>
+      </p:grpSpPr>
+      <p:sp>
+        <p:nvSpPr>
+          <p:cNvPr id="2" name="제목 1"/>
+          <p:cNvSpPr>
+            <a:spLocks noGrp="1"/>
+          </p:cNvSpPr>
+          <p:nvPr>
+            <p:ph type="title"/>
+          </p:nvPr>
+        </p:nvSpPr>
+        <p:spPr/>
+        <p:txBody>
+          <a:bodyPr/>
+          <a:lstStyle/>
+          <a:p>
+            <a:r>
+              <a:rPr lang="en-US" altLang="ko-KR" dirty="0" smtClean="0"/>
+              <a:t>static</a:t>
+            </a:r>
+            <a:endParaRPr lang="ko-KR" altLang="en-US" dirty="0"/>
+          </a:p>
+        </p:txBody>
+      </p:sp>
+      <p:sp>
+        <p:nvSpPr>
+          <p:cNvPr id="3" name="내용 개체 틀 2"/>
+          <p:cNvSpPr>
+            <a:spLocks noGrp="1"/>
+          </p:cNvSpPr>
+          <p:nvPr>
+            <p:ph idx="1"/>
+          </p:nvPr>
+        </p:nvSpPr>
+        <p:spPr/>
+        <p:txBody>
+          <a:bodyPr>
+            <a:normAutofit/>
+          </a:bodyPr>
+          <a:lstStyle/>
+          <a:p>
+            <a:pPr>
+              <a:lnSpc>
+                <a:spcPct val="100000"/>
+              </a:lnSpc>
+            </a:pPr>
+            <a:r>
+              <a:rPr lang="ko-KR" altLang="en-US" dirty="0"/>
+              <a:t>클래스에 고정된 멤버로서 객체를 생성하지 않고 사용할 수 있는 필드와 </a:t>
+            </a:r>
+            <a:r>
+              <a:rPr lang="ko-KR" altLang="en-US" dirty="0" err="1" smtClean="0"/>
+              <a:t>메소드</a:t>
+            </a:r>
+            <a:endParaRPr lang="en-US" altLang="ko-KR" dirty="0" smtClean="0"/>
+          </a:p>
+          <a:p>
+            <a:pPr>
+              <a:lnSpc>
+                <a:spcPct val="100000"/>
+              </a:lnSpc>
+            </a:pPr>
+            <a:endParaRPr lang="en-US" altLang="ko-KR" dirty="0" smtClean="0"/>
+          </a:p>
+          <a:p>
+            <a:pPr>
+              <a:lnSpc>
+                <a:spcPct val="100000"/>
+              </a:lnSpc>
+            </a:pPr>
+            <a:r>
+              <a:rPr lang="en-US" altLang="ko-KR" dirty="0"/>
+              <a:t>static </a:t>
+            </a:r>
+            <a:r>
+              <a:rPr lang="ko-KR" altLang="en-US" dirty="0"/>
+              <a:t>필드와 메서드는 클래스에 고정된 멤버이므로 클래스 </a:t>
+            </a:r>
+            <a:r>
+              <a:rPr lang="ko-KR" altLang="en-US" dirty="0" err="1"/>
+              <a:t>로더가</a:t>
+            </a:r>
+            <a:r>
+              <a:rPr lang="ko-KR" altLang="en-US" dirty="0"/>
+              <a:t> 클래스</a:t>
+            </a:r>
+            <a:r>
+              <a:rPr lang="en-US" altLang="ko-KR" dirty="0"/>
+              <a:t>(</a:t>
+            </a:r>
+            <a:r>
+              <a:rPr lang="ko-KR" altLang="en-US" dirty="0"/>
+              <a:t>바이트 코드</a:t>
+            </a:r>
+            <a:r>
+              <a:rPr lang="en-US" altLang="ko-KR" dirty="0"/>
+              <a:t>)</a:t>
+            </a:r>
+            <a:r>
+              <a:rPr lang="ko-KR" altLang="en-US" dirty="0"/>
+              <a:t>를 </a:t>
+            </a:r>
+            <a:r>
+              <a:rPr lang="ko-KR" altLang="en-US" dirty="0" err="1"/>
+              <a:t>로딩해서</a:t>
+            </a:r>
+            <a:r>
+              <a:rPr lang="ko-KR" altLang="en-US" dirty="0"/>
+              <a:t> 메서드 메모리영역에 적재할 때 </a:t>
+            </a:r>
+            <a:r>
+              <a:rPr lang="ko-KR" altLang="en-US" dirty="0" err="1"/>
+              <a:t>클래스별로</a:t>
+            </a:r>
+            <a:r>
+              <a:rPr lang="ko-KR" altLang="en-US" dirty="0"/>
+              <a:t> 관리된다</a:t>
+            </a:r>
+            <a:r>
+              <a:rPr lang="en-US" altLang="ko-KR" dirty="0"/>
+              <a:t>.</a:t>
+            </a:r>
+          </a:p>
+          <a:p>
+            <a:pPr lvl="1">
+              <a:lnSpc>
+                <a:spcPct val="100000"/>
+              </a:lnSpc>
+            </a:pPr>
+            <a:r>
+              <a:rPr lang="ko-KR" altLang="en-US" dirty="0" smtClean="0"/>
+              <a:t>클래스 </a:t>
+            </a:r>
+            <a:r>
+              <a:rPr lang="ko-KR" altLang="en-US" dirty="0"/>
+              <a:t>로딩이 끝나면 바로 사용 </a:t>
+            </a:r>
+            <a:r>
+              <a:rPr lang="ko-KR" altLang="en-US" dirty="0" smtClean="0"/>
+              <a:t>가능</a:t>
+            </a:r>
+            <a:endParaRPr lang="en-US" altLang="ko-KR" dirty="0" smtClean="0"/>
+          </a:p>
+        </p:txBody>
+      </p:sp>
+    </p:spTree>
+    <p:extLst>
+      <p:ext uri="{BB962C8B-B14F-4D97-AF65-F5344CB8AC3E}">
+        <p14:creationId xmlns:p14="http://schemas.microsoft.com/office/powerpoint/2010/main" val="2389588374"/>
+      </p:ext>
+    </p:extLst>
+  </p:cSld>
+  <p:clrMapOvr>
+    <a:masterClrMapping/>
+  </p:clrMapOvr>
+</p:sld>
+</file>
+
+<file path=ppt/slides/slide54.xml><?xml version="1.0" encoding="utf-8"?>
+<p:sld xmlns:a="http://schemas.openxmlformats.org/drawingml/2006/main" xmlns:r="http://schemas.openxmlformats.org/officeDocument/2006/relationships" xmlns:p="http://schemas.openxmlformats.org/presentationml/2006/main">
+  <p:cSld>
+    <p:spTree>
+      <p:nvGrpSpPr>
+        <p:cNvPr id="1" name=""/>
+        <p:cNvGrpSpPr/>
+        <p:nvPr/>
+      </p:nvGrpSpPr>
+      <p:grpSpPr>
+        <a:xfrm>
+          <a:off x="0" y="0"/>
+          <a:ext cx="0" cy="0"/>
+          <a:chOff x="0" y="0"/>
+          <a:chExt cx="0" cy="0"/>
+        </a:xfrm>
+      </p:grpSpPr>
+      <p:sp>
+        <p:nvSpPr>
+          <p:cNvPr id="2" name="제목 1"/>
+          <p:cNvSpPr>
+            <a:spLocks noGrp="1"/>
+          </p:cNvSpPr>
+          <p:nvPr>
+            <p:ph type="title"/>
+          </p:nvPr>
+        </p:nvSpPr>
+        <p:spPr/>
+        <p:txBody>
+          <a:bodyPr/>
+          <a:lstStyle/>
+          <a:p>
+            <a:r>
+              <a:rPr lang="en-US" altLang="ko-KR" dirty="0" smtClean="0"/>
+              <a:t>static</a:t>
+            </a:r>
+            <a:endParaRPr lang="ko-KR" altLang="en-US" dirty="0"/>
+          </a:p>
+        </p:txBody>
+      </p:sp>
+      <p:sp>
+        <p:nvSpPr>
+          <p:cNvPr id="3" name="내용 개체 틀 2"/>
+          <p:cNvSpPr>
+            <a:spLocks noGrp="1"/>
+          </p:cNvSpPr>
+          <p:nvPr>
+            <p:ph idx="1"/>
+          </p:nvPr>
+        </p:nvSpPr>
+        <p:spPr/>
+        <p:txBody>
+          <a:bodyPr/>
+          <a:lstStyle/>
+          <a:p>
+            <a:pPr>
+              <a:lnSpc>
+                <a:spcPct val="100000"/>
+              </a:lnSpc>
+            </a:pPr>
+            <a:r>
+              <a:rPr lang="en-US" altLang="ko-KR" dirty="0"/>
+              <a:t>static </a:t>
+            </a:r>
+            <a:r>
+              <a:rPr lang="ko-KR" altLang="en-US" dirty="0"/>
+              <a:t>요소들은 클래스 이름으로 접근하는 것이 좋다</a:t>
+            </a:r>
+            <a:r>
+              <a:rPr lang="en-US" altLang="ko-KR" dirty="0"/>
+              <a:t>.</a:t>
+            </a:r>
+          </a:p>
+          <a:p>
+            <a:pPr lvl="1">
+              <a:lnSpc>
+                <a:spcPct val="100000"/>
+              </a:lnSpc>
+            </a:pPr>
+            <a:r>
+              <a:rPr lang="ko-KR" altLang="en-US" dirty="0"/>
+              <a:t>인스턴스를 통해 접근할 경우 인스턴스를 먼저 </a:t>
+            </a:r>
+            <a:r>
+              <a:rPr lang="ko-KR" altLang="en-US" dirty="0" err="1"/>
+              <a:t>훑고나서</a:t>
+            </a:r>
+            <a:r>
+              <a:rPr lang="ko-KR" altLang="en-US" dirty="0"/>
+              <a:t> 없는 걸 확인한 후 클래스를 참조하기 때문에 하나의 스텝이 더 생긴다</a:t>
+            </a:r>
+            <a:r>
+              <a:rPr lang="en-US" altLang="ko-KR" dirty="0"/>
+              <a:t>.</a:t>
+            </a:r>
+          </a:p>
+          <a:p>
+            <a:pPr>
+              <a:lnSpc>
+                <a:spcPct val="100000"/>
+              </a:lnSpc>
+            </a:pPr>
+            <a:r>
+              <a:rPr lang="en-US" altLang="ko-KR" dirty="0"/>
+              <a:t>static </a:t>
+            </a:r>
+            <a:r>
+              <a:rPr lang="ko-KR" altLang="en-US" dirty="0"/>
+              <a:t>필드는 선언과 동시에 초기값을 주는 것이 보통이지만 초기화 과정이 복잡한 경우 </a:t>
+            </a:r>
+            <a:r>
+              <a:rPr lang="en-US" altLang="ko-KR" dirty="0"/>
+              <a:t>static </a:t>
+            </a:r>
+            <a:r>
+              <a:rPr lang="ko-KR" altLang="en-US" dirty="0" err="1"/>
+              <a:t>블럭을</a:t>
+            </a:r>
+            <a:r>
+              <a:rPr lang="ko-KR" altLang="en-US" dirty="0"/>
+              <a:t> 사용할 수 있다</a:t>
+            </a:r>
+            <a:r>
+              <a:rPr lang="en-US" altLang="ko-KR" dirty="0"/>
+              <a:t>.</a:t>
+            </a:r>
+          </a:p>
+          <a:p>
+            <a:pPr lvl="1">
+              <a:lnSpc>
+                <a:spcPct val="100000"/>
+              </a:lnSpc>
+            </a:pPr>
+            <a:r>
+              <a:rPr lang="ko-KR" altLang="en-US" dirty="0"/>
+              <a:t>클래스가 메모리로 로딩 될 때 자동으로 수행된다</a:t>
+            </a:r>
+            <a:r>
+              <a:rPr lang="en-US" altLang="ko-KR" dirty="0"/>
+              <a:t>. </a:t>
+            </a:r>
+          </a:p>
+          <a:p>
+            <a:pPr lvl="1">
+              <a:lnSpc>
+                <a:spcPct val="100000"/>
+              </a:lnSpc>
+            </a:pPr>
+            <a:r>
+              <a:rPr lang="ko-KR" altLang="en-US" dirty="0"/>
+              <a:t>인스턴스가 없어도 실행되기 때문에 인스턴스 필드나 </a:t>
+            </a:r>
+            <a:r>
+              <a:rPr lang="ko-KR" altLang="en-US" dirty="0" err="1"/>
+              <a:t>메소드</a:t>
+            </a:r>
+            <a:r>
+              <a:rPr lang="en-US" altLang="ko-KR" dirty="0"/>
+              <a:t>, this </a:t>
+            </a:r>
+            <a:r>
+              <a:rPr lang="ko-KR" altLang="en-US" dirty="0"/>
+              <a:t>키워드를 사용할 수 없다</a:t>
+            </a:r>
+            <a:r>
+              <a:rPr lang="en-US" altLang="ko-KR" dirty="0"/>
+              <a:t>.</a:t>
+            </a:r>
+            <a:endParaRPr lang="ko-KR" altLang="en-US" dirty="0"/>
+          </a:p>
+          <a:p>
+            <a:pPr>
+              <a:lnSpc>
+                <a:spcPct val="100000"/>
+              </a:lnSpc>
+            </a:pPr>
+            <a:endParaRPr lang="ko-KR" altLang="en-US" dirty="0"/>
+          </a:p>
+        </p:txBody>
+      </p:sp>
+    </p:spTree>
+    <p:extLst>
+      <p:ext uri="{BB962C8B-B14F-4D97-AF65-F5344CB8AC3E}">
+        <p14:creationId xmlns:p14="http://schemas.microsoft.com/office/powerpoint/2010/main" val="3104462634"/>
+      </p:ext>
+    </p:extLst>
+  </p:cSld>
+  <p:clrMapOvr>
+    <a:masterClrMapping/>
+  </p:clrMapOvr>
 </p:sld>
 </file>
 
@@ -19706,8 +19723,12 @@
           <a:lstStyle/>
           <a:p>
             <a:r>
+              <a:rPr lang="ko-KR" altLang="en-US" dirty="0" smtClean="0"/>
+              <a:t>인스턴스 </a:t>
+            </a:r>
+            <a:r>
               <a:rPr lang="en-US" altLang="ko-KR" dirty="0" smtClean="0"/>
-              <a:t>final</a:t>
+              <a:t>vs static</a:t>
             </a:r>
             <a:endParaRPr lang="ko-KR" altLang="en-US" dirty="0"/>
           </a:p>
@@ -19726,226 +19747,146 @@
         <p:spPr/>
         <p:txBody>
           <a:bodyPr>
-            <a:normAutofit fontScale="92500" lnSpcReduction="20000"/>
+            <a:normAutofit/>
           </a:bodyPr>
           <a:lstStyle/>
           <a:p>
             <a:pPr>
               <a:lnSpc>
-                <a:spcPct val="110000"/>
+                <a:spcPct val="100000"/>
               </a:lnSpc>
             </a:pPr>
             <a:r>
               <a:rPr lang="ko-KR" altLang="en-US" dirty="0" smtClean="0"/>
-              <a:t>초기값이 </a:t>
-            </a:r>
-            <a:r>
-              <a:rPr lang="ko-KR" altLang="en-US" dirty="0"/>
-              <a:t>저장되면 프로그램 실행 도중 수정할 수 없다</a:t>
-            </a:r>
-            <a:r>
-              <a:rPr lang="en-US" altLang="ko-KR" dirty="0"/>
-              <a:t>.</a:t>
-            </a:r>
+              <a:t>인스턴스 필드 </a:t>
+            </a:r>
+            <a:r>
+              <a:rPr lang="en-US" altLang="ko-KR" dirty="0" smtClean="0"/>
+              <a:t>vs static </a:t>
+            </a:r>
+            <a:r>
+              <a:rPr lang="ko-KR" altLang="en-US" dirty="0" smtClean="0"/>
+              <a:t>필드</a:t>
+            </a:r>
+            <a:endParaRPr lang="en-US" altLang="ko-KR" dirty="0" smtClean="0"/>
           </a:p>
           <a:p>
             <a:pPr lvl="1">
               <a:lnSpc>
-                <a:spcPct val="110000"/>
+                <a:spcPct val="100000"/>
               </a:lnSpc>
             </a:pPr>
             <a:r>
-              <a:rPr lang="ko-KR" altLang="en-US" dirty="0" smtClean="0"/>
-              <a:t>필드 </a:t>
-            </a:r>
-            <a:r>
               <a:rPr lang="ko-KR" altLang="en-US" dirty="0" err="1"/>
-              <a:t>선언시</a:t>
+              <a:t>객체마다</a:t>
             </a:r>
             <a:r>
               <a:rPr lang="ko-KR" altLang="en-US" dirty="0"/>
-              <a:t> 초기화를 하거나 </a:t>
-            </a:r>
-            <a:r>
-              <a:rPr lang="ko-KR" altLang="en-US" dirty="0" err="1"/>
-              <a:t>생성자에서</a:t>
+              <a:t> 가지고 </a:t>
+            </a:r>
+            <a:r>
+              <a:rPr lang="ko-KR" altLang="en-US" dirty="0" smtClean="0"/>
+              <a:t>있어야 할 </a:t>
             </a:r>
             <a:r>
               <a:rPr lang="ko-KR" altLang="en-US" dirty="0"/>
-              <a:t> 초기화를 수행해야 한다</a:t>
-            </a:r>
-            <a:r>
-              <a:rPr lang="en-US" altLang="ko-KR" dirty="0"/>
-              <a:t>.</a:t>
+              <a:t>데이터라면 인스턴스 필드로 선언</a:t>
             </a:r>
           </a:p>
           <a:p>
             <a:pPr lvl="1">
               <a:lnSpc>
-                <a:spcPct val="110000"/>
+                <a:spcPct val="100000"/>
               </a:lnSpc>
             </a:pPr>
             <a:r>
-              <a:rPr lang="ko-KR" altLang="en-US" dirty="0" smtClean="0"/>
-              <a:t>그렇지 </a:t>
+              <a:rPr lang="ko-KR" altLang="en-US" dirty="0" err="1" smtClean="0"/>
+              <a:t>객체마다</a:t>
+            </a:r>
+            <a:r>
+              <a:rPr lang="ko-KR" altLang="en-US" dirty="0" smtClean="0"/>
+              <a:t> </a:t>
             </a:r>
             <a:r>
               <a:rPr lang="ko-KR" altLang="en-US" dirty="0"/>
-              <a:t>않으면 컴파일 에러</a:t>
+              <a:t>가지고 있을 필요성이 없는 </a:t>
+            </a:r>
+            <a:r>
+              <a:rPr lang="ko-KR" altLang="en-US" dirty="0" err="1"/>
+              <a:t>공용적인</a:t>
+            </a:r>
+            <a:r>
+              <a:rPr lang="ko-KR" altLang="en-US" dirty="0"/>
+              <a:t> 데이터라면 </a:t>
+            </a:r>
+            <a:r>
+              <a:rPr lang="ko-KR" altLang="en-US" dirty="0" err="1"/>
+              <a:t>정적필드로</a:t>
+            </a:r>
+            <a:r>
+              <a:rPr lang="ko-KR" altLang="en-US" dirty="0"/>
+              <a:t> 선언</a:t>
             </a:r>
           </a:p>
           <a:p>
             <a:pPr>
               <a:lnSpc>
-                <a:spcPct val="110000"/>
+                <a:spcPct val="100000"/>
               </a:lnSpc>
             </a:pPr>
-            <a:r>
-              <a:rPr lang="en-US" altLang="ko-KR" dirty="0" smtClean="0"/>
-              <a:t>static </a:t>
+            <a:endParaRPr lang="en-US" altLang="ko-KR" dirty="0" smtClean="0"/>
+          </a:p>
+          <a:p>
+            <a:pPr>
+              <a:lnSpc>
+                <a:spcPct val="100000"/>
+              </a:lnSpc>
+            </a:pPr>
+            <a:r>
+              <a:rPr lang="ko-KR" altLang="en-US" dirty="0" smtClean="0"/>
+              <a:t>인스턴스 </a:t>
+            </a:r>
+            <a:r>
+              <a:rPr lang="ko-KR" altLang="en-US" dirty="0"/>
+              <a:t>메서드 </a:t>
             </a:r>
             <a:r>
               <a:rPr lang="en-US" altLang="ko-KR" dirty="0"/>
-              <a:t>final</a:t>
+              <a:t>vs static </a:t>
             </a:r>
             <a:r>
               <a:rPr lang="ko-KR" altLang="en-US" dirty="0"/>
-              <a:t>로 상수 선언</a:t>
+              <a:t>메서드</a:t>
             </a:r>
           </a:p>
           <a:p>
             <a:pPr lvl="1">
               <a:lnSpc>
-                <a:spcPct val="110000"/>
+                <a:spcPct val="100000"/>
               </a:lnSpc>
             </a:pPr>
             <a:r>
               <a:rPr lang="ko-KR" altLang="en-US" dirty="0" smtClean="0"/>
-              <a:t>클래스에만 </a:t>
+              <a:t>인스턴스 </a:t>
             </a:r>
             <a:r>
               <a:rPr lang="ko-KR" altLang="en-US" dirty="0"/>
-              <a:t>포함되며 값을 변경할 수 없다</a:t>
-            </a:r>
-            <a:r>
-              <a:rPr lang="en-US" altLang="ko-KR" dirty="0"/>
-              <a:t>.</a:t>
+              <a:t>필드를 이용해서 실행해야 한다면 인스턴스 메서드로 선언</a:t>
             </a:r>
           </a:p>
           <a:p>
             <a:pPr lvl="1">
               <a:lnSpc>
-                <a:spcPct val="110000"/>
+                <a:spcPct val="100000"/>
               </a:lnSpc>
             </a:pPr>
             <a:r>
               <a:rPr lang="ko-KR" altLang="en-US" dirty="0" smtClean="0"/>
-              <a:t>필드 </a:t>
-            </a:r>
-            <a:r>
-              <a:rPr lang="ko-KR" altLang="en-US" dirty="0" err="1"/>
-              <a:t>선언시</a:t>
+              <a:t>인스턴스 </a:t>
             </a:r>
             <a:r>
               <a:rPr lang="ko-KR" altLang="en-US" dirty="0"/>
-              <a:t> 초기화를 하거나 </a:t>
-            </a:r>
-            <a:r>
-              <a:rPr lang="en-US" altLang="ko-KR" dirty="0"/>
-              <a:t>static </a:t>
-            </a:r>
-            <a:r>
-              <a:rPr lang="ko-KR" altLang="en-US" dirty="0" err="1"/>
-              <a:t>블럭에서</a:t>
-            </a:r>
-            <a:r>
-              <a:rPr lang="ko-KR" altLang="en-US" dirty="0"/>
-              <a:t> 초기화를 수행해야 한다</a:t>
-            </a:r>
-            <a:r>
-              <a:rPr lang="en-US" altLang="ko-KR" dirty="0"/>
-              <a:t>.</a:t>
-            </a:r>
-          </a:p>
-          <a:p>
-            <a:pPr>
-              <a:lnSpc>
-                <a:spcPct val="110000"/>
-              </a:lnSpc>
-            </a:pPr>
-            <a:r>
-              <a:rPr lang="ko-KR" altLang="en-US" dirty="0" smtClean="0"/>
-              <a:t>상수 </a:t>
-            </a:r>
-            <a:r>
-              <a:rPr lang="ko-KR" altLang="en-US" dirty="0"/>
-              <a:t>이름은 모두 대문자로 하는 것이 관례</a:t>
-            </a:r>
-          </a:p>
-          <a:p>
-            <a:pPr lvl="1">
-              <a:lnSpc>
-                <a:spcPct val="110000"/>
-              </a:lnSpc>
-            </a:pPr>
-            <a:r>
-              <a:rPr lang="ko-KR" altLang="en-US" dirty="0" smtClean="0"/>
-              <a:t>예 </a:t>
-            </a:r>
-            <a:r>
-              <a:rPr lang="en-US" altLang="ko-KR" dirty="0"/>
-              <a:t>: </a:t>
-            </a:r>
-            <a:r>
-              <a:rPr lang="en-US" altLang="ko-KR" dirty="0" err="1"/>
-              <a:t>Math.PI</a:t>
-            </a:r>
-            <a:endParaRPr lang="en-US" altLang="ko-KR" dirty="0"/>
-          </a:p>
-          <a:p>
-            <a:pPr>
-              <a:lnSpc>
-                <a:spcPct val="110000"/>
-              </a:lnSpc>
-            </a:pPr>
-            <a:r>
-              <a:rPr lang="en-US" altLang="ko-KR" dirty="0" smtClean="0"/>
-              <a:t>final </a:t>
-            </a:r>
-            <a:r>
-              <a:rPr lang="ko-KR" altLang="en-US" dirty="0"/>
-              <a:t>메서드 </a:t>
-            </a:r>
-            <a:r>
-              <a:rPr lang="en-US" altLang="ko-KR" dirty="0"/>
-              <a:t>: </a:t>
-            </a:r>
-            <a:r>
-              <a:rPr lang="ko-KR" altLang="en-US" dirty="0" err="1"/>
-              <a:t>오버라이딩</a:t>
-            </a:r>
-            <a:r>
-              <a:rPr lang="ko-KR" altLang="en-US" dirty="0"/>
-              <a:t> 불가능</a:t>
-            </a:r>
-          </a:p>
-          <a:p>
-            <a:pPr>
-              <a:lnSpc>
-                <a:spcPct val="110000"/>
-              </a:lnSpc>
-            </a:pPr>
-            <a:r>
-              <a:rPr lang="en-US" altLang="ko-KR" dirty="0" smtClean="0"/>
-              <a:t>final </a:t>
-            </a:r>
-            <a:r>
-              <a:rPr lang="en-US" altLang="ko-KR" dirty="0"/>
-              <a:t>class : </a:t>
-            </a:r>
-            <a:r>
-              <a:rPr lang="ko-KR" altLang="en-US" dirty="0"/>
-              <a:t>상속 불가능</a:t>
+              <a:t>필드를 이용하지 않는 다면 정적 메서드로 선언</a:t>
             </a:r>
           </a:p>
         </p:txBody>
@@ -19953,7 +19894,7 @@
     </p:spTree>
     <p:extLst>
       <p:ext uri="{BB962C8B-B14F-4D97-AF65-F5344CB8AC3E}">
-        <p14:creationId xmlns:p14="http://schemas.microsoft.com/office/powerpoint/2010/main" val="641337394"/>
+        <p14:creationId xmlns:p14="http://schemas.microsoft.com/office/powerpoint/2010/main" val="1458691717"/>
       </p:ext>
     </p:extLst>
   </p:cSld>
@@ -20007,6 +19948,17 @@
               <a:rPr lang="en-US" altLang="ko-KR" sz="6000" dirty="0" smtClean="0"/>
               <a:t>Demo</a:t>
             </a:r>
+            <a:br>
+              <a:rPr lang="en-US" altLang="ko-KR" sz="6000" dirty="0" smtClean="0"/>
+            </a:br>
+            <a:r>
+              <a:rPr lang="en-US" altLang="ko-KR" sz="1400" dirty="0" smtClean="0">
+                <a:solidFill>
+                  <a:prstClr val="black"/>
+                </a:solidFill>
+              </a:rPr>
+              <a:t>oop.etc.Example2</a:t>
+            </a:r>
             <a:endParaRPr lang="ko-KR" altLang="en-US" sz="6000" dirty="0"/>
           </a:p>
         </p:txBody>
@@ -20014,7 +19966,7 @@
     </p:spTree>
     <p:extLst>
       <p:ext uri="{BB962C8B-B14F-4D97-AF65-F5344CB8AC3E}">
-        <p14:creationId xmlns:p14="http://schemas.microsoft.com/office/powerpoint/2010/main" val="961810280"/>
+        <p14:creationId xmlns:p14="http://schemas.microsoft.com/office/powerpoint/2010/main" val="4182178304"/>
       </p:ext>
     </p:extLst>
   </p:cSld>
@@ -20065,7 +20017,7 @@
           <a:p>
             <a:r>
               <a:rPr lang="en-US" altLang="ko-KR" dirty="0" smtClean="0"/>
-              <a:t>package</a:t>
+              <a:t>final</a:t>
             </a:r>
             <a:endParaRPr lang="ko-KR" altLang="en-US" dirty="0"/>
           </a:p>
@@ -20084,214 +20036,234 @@
         <p:spPr/>
         <p:txBody>
           <a:bodyPr>
-            <a:normAutofit fontScale="70000" lnSpcReduction="20000"/>
+            <a:normAutofit fontScale="92500" lnSpcReduction="20000"/>
           </a:bodyPr>
           <a:lstStyle/>
           <a:p>
             <a:pPr>
               <a:lnSpc>
-                <a:spcPct val="120000"/>
+                <a:spcPct val="110000"/>
               </a:lnSpc>
             </a:pPr>
             <a:r>
               <a:rPr lang="ko-KR" altLang="en-US" dirty="0" smtClean="0"/>
-              <a:t>클래스를 </a:t>
+              <a:t>초기값이 </a:t>
             </a:r>
             <a:r>
               <a:rPr lang="ko-KR" altLang="en-US" dirty="0"/>
-              <a:t>체계적으로 관리하기 위해 사용</a:t>
+              <a:t>저장되면 프로그램 실행 도중 수정할 수 없다</a:t>
+            </a:r>
+            <a:r>
+              <a:rPr lang="en-US" altLang="ko-KR" dirty="0"/>
+              <a:t>.</a:t>
+            </a:r>
+          </a:p>
+          <a:p>
+            <a:pPr lvl="1">
+              <a:lnSpc>
+                <a:spcPct val="110000"/>
+              </a:lnSpc>
+            </a:pPr>
+            <a:r>
+              <a:rPr lang="ko-KR" altLang="en-US" dirty="0" smtClean="0"/>
+              <a:t>필드 </a:t>
+            </a:r>
+            <a:r>
+              <a:rPr lang="ko-KR" altLang="en-US" dirty="0" err="1"/>
+              <a:t>선언시</a:t>
+            </a:r>
+            <a:r>
+              <a:rPr lang="ko-KR" altLang="en-US" dirty="0"/>
+              <a:t> 초기화를 하거나 </a:t>
+            </a:r>
+            <a:r>
+              <a:rPr lang="ko-KR" altLang="en-US" dirty="0" err="1"/>
+              <a:t>생성자에서</a:t>
+            </a:r>
+            <a:r>
+              <a:rPr lang="ko-KR" altLang="en-US" dirty="0"/>
+              <a:t> 초기화를 수행해야 한다</a:t>
+            </a:r>
+            <a:r>
+              <a:rPr lang="en-US" altLang="ko-KR" dirty="0"/>
+              <a:t>.</a:t>
+            </a:r>
+          </a:p>
+          <a:p>
+            <a:pPr lvl="1">
+              <a:lnSpc>
+                <a:spcPct val="110000"/>
+              </a:lnSpc>
+            </a:pPr>
+            <a:r>
+              <a:rPr lang="ko-KR" altLang="en-US" dirty="0" smtClean="0"/>
+              <a:t>그렇지 </a:t>
+            </a:r>
+            <a:r>
+              <a:rPr lang="ko-KR" altLang="en-US" dirty="0"/>
+              <a:t>않으면 컴파일 에러</a:t>
             </a:r>
           </a:p>
           <a:p>
             <a:pPr>
               <a:lnSpc>
-                <a:spcPct val="120000"/>
+                <a:spcPct val="110000"/>
               </a:lnSpc>
             </a:pPr>
             <a:r>
-              <a:rPr lang="ko-KR" altLang="en-US" dirty="0" smtClean="0"/>
-              <a:t>클래스를 </a:t>
+              <a:rPr lang="en-US" altLang="ko-KR" dirty="0" smtClean="0"/>
+              <a:t>static </a:t>
+            </a:r>
+            <a:r>
+              <a:rPr lang="en-US" altLang="ko-KR" dirty="0"/>
+              <a:t>final</a:t>
             </a:r>
             <a:r>
               <a:rPr lang="ko-KR" altLang="en-US" dirty="0"/>
-              <a:t>유일하게 </a:t>
-            </a:r>
-            <a:r>
-              <a:rPr lang="ko-KR" altLang="en-US" dirty="0" smtClean="0"/>
-              <a:t>만들어주는 </a:t>
+              <a:t>로 상수 선언</a:t>
+            </a:r>
+          </a:p>
+          <a:p>
+            <a:pPr lvl="1">
+              <a:lnSpc>
+                <a:spcPct val="110000"/>
+              </a:lnSpc>
+            </a:pPr>
+            <a:r>
+              <a:rPr lang="ko-KR" altLang="en-US" dirty="0" smtClean="0"/>
+              <a:t>클래스에만 </a:t>
+            </a:r>
+            <a:r>
+              <a:rPr lang="ko-KR" altLang="en-US" dirty="0"/>
+              <a:t>포함되며 값을 변경할 수 없다</a:t>
+            </a:r>
+            <a:r>
+              <a:rPr lang="en-US" altLang="ko-KR" dirty="0"/>
+              <a:t>.</a:t>
+            </a:r>
+          </a:p>
+          <a:p>
+            <a:pPr lvl="1">
+              <a:lnSpc>
+                <a:spcPct val="110000"/>
+              </a:lnSpc>
+            </a:pPr>
+            <a:r>
+              <a:rPr lang="ko-KR" altLang="en-US" dirty="0" smtClean="0"/>
+              <a:t>필드 </a:t>
             </a:r>
             <a:r>
               <a:rPr lang="ko-KR" altLang="en-US" dirty="0" err="1"/>
-              <a:t>식별자</a:t>
+              <a:t>선언시</a:t>
             </a:r>
             <a:r>
               <a:rPr lang="ko-KR" altLang="en-US" dirty="0"/>
-              <a:t> 역할</a:t>
+              <a:t> 초기화를 하거나 </a:t>
+            </a:r>
+            <a:r>
+              <a:rPr lang="en-US" altLang="ko-KR" dirty="0"/>
+              <a:t>static </a:t>
+            </a:r>
+            <a:r>
+              <a:rPr lang="ko-KR" altLang="en-US" dirty="0" err="1"/>
+              <a:t>블럭에서</a:t>
+            </a:r>
+            <a:r>
+              <a:rPr lang="ko-KR" altLang="en-US" dirty="0"/>
+              <a:t> 초기화를 수행해야 한다</a:t>
+            </a:r>
+            <a:r>
+              <a:rPr lang="en-US" altLang="ko-KR" dirty="0"/>
+              <a:t>.</a:t>
             </a:r>
           </a:p>
           <a:p>
             <a:pPr>
               <a:lnSpc>
-                <a:spcPct val="120000"/>
+                <a:spcPct val="110000"/>
               </a:lnSpc>
             </a:pPr>
             <a:r>
               <a:rPr lang="ko-KR" altLang="en-US" dirty="0" smtClean="0"/>
-              <a:t>컴파일러는 </a:t>
+              <a:t>상수 </a:t>
             </a:r>
             <a:r>
               <a:rPr lang="ko-KR" altLang="en-US" dirty="0"/>
-              <a:t>클래스에 포함되어 있는 패키지 선언을 보고 파일 시스템의 폴더를 자동 생성</a:t>
-            </a:r>
+              <a:t>이름은 모두 대문자로 하는 것이 관례</a:t>
+            </a:r>
+          </a:p>
+          <a:p>
+            <a:pPr lvl="1">
+              <a:lnSpc>
+                <a:spcPct val="110000"/>
+              </a:lnSpc>
+            </a:pPr>
+            <a:r>
+              <a:rPr lang="ko-KR" altLang="en-US" dirty="0" smtClean="0"/>
+              <a:t>예 </a:t>
+            </a:r>
+            <a:r>
+              <a:rPr lang="en-US" altLang="ko-KR" dirty="0"/>
+              <a:t>: </a:t>
+            </a:r>
+            <a:r>
+              <a:rPr lang="en-US" altLang="ko-KR" dirty="0" err="1"/>
+              <a:t>Math.PI</a:t>
+            </a:r>
+            <a:endParaRPr lang="en-US" altLang="ko-KR" dirty="0"/>
           </a:p>
           <a:p>
             <a:pPr>
               <a:lnSpc>
-                <a:spcPct val="120000"/>
+                <a:spcPct val="110000"/>
               </a:lnSpc>
             </a:pPr>
             <a:r>
-              <a:rPr lang="ko-KR" altLang="en-US" dirty="0" smtClean="0"/>
-              <a:t>모두 </a:t>
+              <a:rPr lang="en-US" altLang="ko-KR" dirty="0" smtClean="0"/>
+              <a:t>final </a:t>
             </a:r>
             <a:r>
               <a:rPr lang="ko-KR" altLang="en-US" dirty="0"/>
-              <a:t>소문자로 하는 것이 관례</a:t>
+              <a:t>메서드 </a:t>
+            </a:r>
+            <a:r>
+              <a:rPr lang="en-US" altLang="ko-KR" dirty="0"/>
+              <a:t>: </a:t>
+            </a:r>
+            <a:r>
+              <a:rPr lang="ko-KR" altLang="en-US" dirty="0" err="1"/>
+              <a:t>오버라이딩</a:t>
+            </a:r>
+            <a:r>
+              <a:rPr lang="ko-KR" altLang="en-US" dirty="0"/>
+              <a:t> 불가능</a:t>
             </a:r>
           </a:p>
           <a:p>
             <a:pPr>
               <a:lnSpc>
-                <a:spcPct val="120000"/>
+                <a:spcPct val="110000"/>
               </a:lnSpc>
             </a:pPr>
             <a:r>
-              <a:rPr lang="ko-KR" altLang="en-US" dirty="0" smtClean="0"/>
-              <a:t>숫자로 </a:t>
+              <a:rPr lang="en-US" altLang="ko-KR" dirty="0" smtClean="0"/>
+              <a:t>final </a:t>
+            </a:r>
+            <a:r>
+              <a:rPr lang="en-US" altLang="ko-KR" dirty="0"/>
+              <a:t>class : </a:t>
             </a:r>
             <a:r>
               <a:rPr lang="ko-KR" altLang="en-US" dirty="0"/>
-              <a:t>시작하면 안되고 </a:t>
-            </a:r>
-            <a:r>
-              <a:rPr lang="en-US" altLang="ko-KR" dirty="0"/>
-              <a:t>_,$</a:t>
-            </a:r>
-            <a:r>
-              <a:rPr lang="ko-KR" altLang="en-US" dirty="0"/>
-              <a:t>를 제외한 특수문자 사용 불가능</a:t>
-            </a:r>
-          </a:p>
-          <a:p>
-            <a:pPr>
-              <a:lnSpc>
-                <a:spcPct val="120000"/>
-              </a:lnSpc>
-            </a:pPr>
-            <a:r>
-              <a:rPr lang="en-US" altLang="ko-KR" dirty="0" smtClean="0"/>
-              <a:t>java</a:t>
-            </a:r>
-            <a:r>
-              <a:rPr lang="ko-KR" altLang="en-US" dirty="0"/>
-              <a:t>로 시작하는 패키지는 자바 표준 </a:t>
-            </a:r>
-            <a:r>
-              <a:rPr lang="en-US" altLang="ko-KR" dirty="0"/>
-              <a:t>API</a:t>
-            </a:r>
-            <a:r>
-              <a:rPr lang="ko-KR" altLang="en-US" dirty="0"/>
-              <a:t>에서만 사용하므로 사용 불가</a:t>
-            </a:r>
-          </a:p>
-          <a:p>
-            <a:pPr>
-              <a:lnSpc>
-                <a:spcPct val="120000"/>
-              </a:lnSpc>
-            </a:pPr>
-            <a:r>
-              <a:rPr lang="ko-KR" altLang="en-US" dirty="0" smtClean="0"/>
-              <a:t>보통 </a:t>
-            </a:r>
-            <a:r>
-              <a:rPr lang="ko-KR" altLang="en-US" dirty="0"/>
-              <a:t>회사들 간에 패키지 중복을 피하기 위해 회사 도메인 이름으로 패키지를 만든다</a:t>
-            </a:r>
-            <a:r>
-              <a:rPr lang="en-US" altLang="ko-KR" dirty="0"/>
-              <a:t>.</a:t>
-            </a:r>
-          </a:p>
-          <a:p>
-            <a:pPr lvl="1">
-              <a:lnSpc>
-                <a:spcPct val="120000"/>
-              </a:lnSpc>
-            </a:pPr>
-            <a:r>
-              <a:rPr lang="ko-KR" altLang="en-US" dirty="0" smtClean="0"/>
-              <a:t>포괄적인 </a:t>
-            </a:r>
-            <a:r>
-              <a:rPr lang="ko-KR" altLang="en-US" dirty="0"/>
-              <a:t>이름이 상위 패키지가 되도록 도메인의 역순으로 이름을 짓는다</a:t>
-            </a:r>
-            <a:r>
-              <a:rPr lang="en-US" altLang="ko-KR" dirty="0"/>
-              <a:t>.</a:t>
-            </a:r>
-          </a:p>
-          <a:p>
-            <a:pPr lvl="1">
-              <a:lnSpc>
-                <a:spcPct val="120000"/>
-              </a:lnSpc>
-            </a:pPr>
-            <a:r>
-              <a:rPr lang="ko-KR" altLang="en-US" dirty="0" smtClean="0"/>
-              <a:t>마지막에는 </a:t>
-            </a:r>
-            <a:r>
-              <a:rPr lang="ko-KR" altLang="en-US" dirty="0"/>
-              <a:t>프로젝트 이름을 붙여주는 것이 관례</a:t>
-            </a:r>
-          </a:p>
-          <a:p>
-            <a:pPr lvl="1">
-              <a:lnSpc>
-                <a:spcPct val="120000"/>
-              </a:lnSpc>
-            </a:pPr>
-            <a:r>
-              <a:rPr lang="en-US" altLang="ko-KR" dirty="0" smtClean="0"/>
-              <a:t>ex</a:t>
-            </a:r>
-            <a:r>
-              <a:rPr lang="en-US" altLang="ko-KR" dirty="0"/>
-              <a:t>) </a:t>
-            </a:r>
-            <a:r>
-              <a:rPr lang="en-US" altLang="ko-KR" dirty="0" err="1"/>
-              <a:t>com.javacafe.javastudy</a:t>
-            </a:r>
-            <a:endParaRPr lang="en-US" altLang="ko-KR" dirty="0"/>
-          </a:p>
-          <a:p>
-            <a:pPr>
-              <a:lnSpc>
-                <a:spcPct val="120000"/>
-              </a:lnSpc>
-            </a:pPr>
-            <a:endParaRPr lang="ko-KR" altLang="en-US" dirty="0"/>
+              <a:t>상속 불가능</a:t>
+            </a:r>
           </a:p>
         </p:txBody>
       </p:sp>
     </p:spTree>
     <p:extLst>
       <p:ext uri="{BB962C8B-B14F-4D97-AF65-F5344CB8AC3E}">
-        <p14:creationId xmlns:p14="http://schemas.microsoft.com/office/powerpoint/2010/main" val="1061293575"/>
+        <p14:creationId xmlns:p14="http://schemas.microsoft.com/office/powerpoint/2010/main" val="641337394"/>
       </p:ext>
     </p:extLst>
   </p:cSld>
@@ -20342,12 +20314,19 @@
           <a:p>
             <a:pPr algn="ctr"/>
             <a:r>
-              <a:rPr lang="ko-KR" altLang="en-US" sz="6000" dirty="0" smtClean="0"/>
-              <a:t>감사합니다</a:t>
-            </a:r>
-            <a:r>
               <a:rPr lang="en-US" altLang="ko-KR" sz="6000" dirty="0" smtClean="0"/>
-              <a:t>.</a:t>
+              <a:t>Demo</a:t>
+            </a:r>
+            <a:br>
+              <a:rPr lang="en-US" altLang="ko-KR" sz="6000" dirty="0" smtClean="0"/>
+            </a:br>
+            <a:r>
+              <a:rPr lang="en-US" altLang="ko-KR" sz="1400" dirty="0" smtClean="0">
+                <a:solidFill>
+                  <a:prstClr val="black"/>
+                </a:solidFill>
+              </a:rPr>
+              <a:t>oop.etc.Example3</a:t>
             </a:r>
             <a:endParaRPr lang="ko-KR" altLang="en-US" sz="6000" dirty="0"/>
           </a:p>
@@ -20356,7 +20335,7 @@
     </p:spTree>
     <p:extLst>
       <p:ext uri="{BB962C8B-B14F-4D97-AF65-F5344CB8AC3E}">
-        <p14:creationId xmlns:p14="http://schemas.microsoft.com/office/powerpoint/2010/main" val="3687232432"/>
+        <p14:creationId xmlns:p14="http://schemas.microsoft.com/office/powerpoint/2010/main" val="4294288345"/>
       </p:ext>
     </p:extLst>
   </p:cSld>
@@ -20370,6 +20349,276 @@
       </p:par>
     </p:tnLst>
   </p:timing>
+</p:sld>
+</file>
+
+<file path=ppt/slides/slide59.xml><?xml version="1.0" encoding="utf-8"?>
+<p:sld xmlns:a="http://schemas.openxmlformats.org/drawingml/2006/main" xmlns:r="http://schemas.openxmlformats.org/officeDocument/2006/relationships" xmlns:p="http://schemas.openxmlformats.org/presentationml/2006/main">
+  <p:cSld>
+    <p:spTree>
+      <p:nvGrpSpPr>
+        <p:cNvPr id="1" name=""/>
+        <p:cNvGrpSpPr/>
+        <p:nvPr/>
+      </p:nvGrpSpPr>
+      <p:grpSpPr>
+        <a:xfrm>
+          <a:off x="0" y="0"/>
+          <a:ext cx="0" cy="0"/>
+          <a:chOff x="0" y="0"/>
+          <a:chExt cx="0" cy="0"/>
+        </a:xfrm>
+      </p:grpSpPr>
+      <p:sp>
+        <p:nvSpPr>
+          <p:cNvPr id="2" name="제목 1"/>
+          <p:cNvSpPr>
+            <a:spLocks noGrp="1"/>
+          </p:cNvSpPr>
+          <p:nvPr>
+            <p:ph type="title"/>
+          </p:nvPr>
+        </p:nvSpPr>
+        <p:spPr/>
+        <p:txBody>
+          <a:bodyPr/>
+          <a:lstStyle/>
+          <a:p>
+            <a:r>
+              <a:rPr lang="en-US" altLang="ko-KR" dirty="0" smtClean="0"/>
+              <a:t>package</a:t>
+            </a:r>
+            <a:endParaRPr lang="ko-KR" altLang="en-US" dirty="0"/>
+          </a:p>
+        </p:txBody>
+      </p:sp>
+      <p:sp>
+        <p:nvSpPr>
+          <p:cNvPr id="3" name="내용 개체 틀 2"/>
+          <p:cNvSpPr>
+            <a:spLocks noGrp="1"/>
+          </p:cNvSpPr>
+          <p:nvPr>
+            <p:ph idx="1"/>
+          </p:nvPr>
+        </p:nvSpPr>
+        <p:spPr/>
+        <p:txBody>
+          <a:bodyPr>
+            <a:normAutofit fontScale="70000" lnSpcReduction="20000"/>
+          </a:bodyPr>
+          <a:lstStyle/>
+          <a:p>
+            <a:pPr>
+              <a:lnSpc>
+                <a:spcPct val="120000"/>
+              </a:lnSpc>
+            </a:pPr>
+            <a:r>
+              <a:rPr lang="ko-KR" altLang="en-US" dirty="0" smtClean="0"/>
+              <a:t>클래스를 </a:t>
+            </a:r>
+            <a:r>
+              <a:rPr lang="ko-KR" altLang="en-US" dirty="0"/>
+              <a:t>체계적으로 관리하기 위해 사용</a:t>
+            </a:r>
+          </a:p>
+          <a:p>
+            <a:pPr>
+              <a:lnSpc>
+                <a:spcPct val="120000"/>
+              </a:lnSpc>
+            </a:pPr>
+            <a:r>
+              <a:rPr lang="ko-KR" altLang="en-US" dirty="0" smtClean="0"/>
+              <a:t>클래스를 </a:t>
+            </a:r>
+            <a:r>
+              <a:rPr lang="ko-KR" altLang="en-US" dirty="0"/>
+              <a:t>유일하게 </a:t>
+            </a:r>
+            <a:r>
+              <a:rPr lang="ko-KR" altLang="en-US" dirty="0" smtClean="0"/>
+              <a:t>만들어주는 </a:t>
+            </a:r>
+            <a:r>
+              <a:rPr lang="ko-KR" altLang="en-US" dirty="0" err="1"/>
+              <a:t>식별자</a:t>
+            </a:r>
+            <a:r>
+              <a:rPr lang="ko-KR" altLang="en-US" dirty="0"/>
+              <a:t> 역할</a:t>
+            </a:r>
+          </a:p>
+          <a:p>
+            <a:pPr>
+              <a:lnSpc>
+                <a:spcPct val="120000"/>
+              </a:lnSpc>
+            </a:pPr>
+            <a:r>
+              <a:rPr lang="ko-KR" altLang="en-US" dirty="0" smtClean="0"/>
+              <a:t>컴파일러는 </a:t>
+            </a:r>
+            <a:r>
+              <a:rPr lang="ko-KR" altLang="en-US" dirty="0"/>
+              <a:t>클래스에 포함되어 있는 패키지 선언을 보고 파일 시스템의 폴더를 자동 생성</a:t>
+            </a:r>
+          </a:p>
+          <a:p>
+            <a:pPr>
+              <a:lnSpc>
+                <a:spcPct val="120000"/>
+              </a:lnSpc>
+            </a:pPr>
+            <a:r>
+              <a:rPr lang="ko-KR" altLang="en-US" dirty="0" smtClean="0"/>
+              <a:t>모두 </a:t>
+            </a:r>
+            <a:r>
+              <a:rPr lang="ko-KR" altLang="en-US" dirty="0"/>
+              <a:t>소문자로 하는 것이 관례</a:t>
+            </a:r>
+          </a:p>
+          <a:p>
+            <a:pPr>
+              <a:lnSpc>
+                <a:spcPct val="120000"/>
+              </a:lnSpc>
+            </a:pPr>
+            <a:r>
+              <a:rPr lang="ko-KR" altLang="en-US" dirty="0" smtClean="0"/>
+              <a:t>숫자로 </a:t>
+            </a:r>
+            <a:r>
+              <a:rPr lang="ko-KR" altLang="en-US" dirty="0"/>
+              <a:t>시작하면 안되고 </a:t>
+            </a:r>
+            <a:r>
+              <a:rPr lang="en-US" altLang="ko-KR" dirty="0"/>
+              <a:t>_,$</a:t>
+            </a:r>
+            <a:r>
+              <a:rPr lang="ko-KR" altLang="en-US" dirty="0"/>
+              <a:t>를 제외한 특수문자 사용 불가능</a:t>
+            </a:r>
+          </a:p>
+          <a:p>
+            <a:pPr>
+              <a:lnSpc>
+                <a:spcPct val="120000"/>
+              </a:lnSpc>
+            </a:pPr>
+            <a:r>
+              <a:rPr lang="en-US" altLang="ko-KR" dirty="0" smtClean="0"/>
+              <a:t>java</a:t>
+            </a:r>
+            <a:r>
+              <a:rPr lang="ko-KR" altLang="en-US" dirty="0"/>
+              <a:t>로 시작하는 패키지는 자바 표준 </a:t>
+            </a:r>
+            <a:r>
+              <a:rPr lang="en-US" altLang="ko-KR" dirty="0"/>
+              <a:t>API</a:t>
+            </a:r>
+            <a:r>
+              <a:rPr lang="ko-KR" altLang="en-US" dirty="0"/>
+              <a:t>에서만 사용하므로 사용 불가</a:t>
+            </a:r>
+          </a:p>
+          <a:p>
+            <a:pPr>
+              <a:lnSpc>
+                <a:spcPct val="120000"/>
+              </a:lnSpc>
+            </a:pPr>
+            <a:r>
+              <a:rPr lang="ko-KR" altLang="en-US" dirty="0" smtClean="0"/>
+              <a:t>보통 </a:t>
+            </a:r>
+            <a:r>
+              <a:rPr lang="ko-KR" altLang="en-US" dirty="0"/>
+              <a:t>회사들 간에 패키지 중복을 피하기 위해 회사 도메인 이름으로 패키지를 만든다</a:t>
+            </a:r>
+            <a:r>
+              <a:rPr lang="en-US" altLang="ko-KR" dirty="0"/>
+              <a:t>.</a:t>
+            </a:r>
+          </a:p>
+          <a:p>
+            <a:pPr lvl="1">
+              <a:lnSpc>
+                <a:spcPct val="120000"/>
+              </a:lnSpc>
+            </a:pPr>
+            <a:r>
+              <a:rPr lang="ko-KR" altLang="en-US" dirty="0" smtClean="0"/>
+              <a:t>포괄적인 </a:t>
+            </a:r>
+            <a:r>
+              <a:rPr lang="ko-KR" altLang="en-US" dirty="0"/>
+              <a:t>이름이 상위 패키지가 되도록 도메인의 역순으로 이름을 짓는다</a:t>
+            </a:r>
+            <a:r>
+              <a:rPr lang="en-US" altLang="ko-KR" dirty="0"/>
+              <a:t>.</a:t>
+            </a:r>
+          </a:p>
+          <a:p>
+            <a:pPr lvl="1">
+              <a:lnSpc>
+                <a:spcPct val="120000"/>
+              </a:lnSpc>
+            </a:pPr>
+            <a:r>
+              <a:rPr lang="ko-KR" altLang="en-US" dirty="0" smtClean="0"/>
+              <a:t>마지막에는 </a:t>
+            </a:r>
+            <a:r>
+              <a:rPr lang="ko-KR" altLang="en-US" dirty="0"/>
+              <a:t>프로젝트 이름을 붙여주는 것이 관례</a:t>
+            </a:r>
+          </a:p>
+          <a:p>
+            <a:pPr lvl="1">
+              <a:lnSpc>
+                <a:spcPct val="120000"/>
+              </a:lnSpc>
+            </a:pPr>
+            <a:r>
+              <a:rPr lang="en-US" altLang="ko-KR" dirty="0" smtClean="0"/>
+              <a:t>ex</a:t>
+            </a:r>
+            <a:r>
+              <a:rPr lang="en-US" altLang="ko-KR" dirty="0"/>
+              <a:t>) </a:t>
+            </a:r>
+            <a:r>
+              <a:rPr lang="en-US" altLang="ko-KR" dirty="0" err="1"/>
+              <a:t>com.javacafe.javastudy</a:t>
+            </a:r>
+            <a:endParaRPr lang="en-US" altLang="ko-KR" dirty="0"/>
+          </a:p>
+          <a:p>
+            <a:pPr>
+              <a:lnSpc>
+                <a:spcPct val="120000"/>
+              </a:lnSpc>
+            </a:pPr>
+            <a:endParaRPr lang="ko-KR" altLang="en-US" dirty="0"/>
+          </a:p>
+        </p:txBody>
+      </p:sp>
+    </p:spTree>
+    <p:extLst>
+      <p:ext uri="{BB962C8B-B14F-4D97-AF65-F5344CB8AC3E}">
+        <p14:creationId xmlns:p14="http://schemas.microsoft.com/office/powerpoint/2010/main" val="1061293575"/>
+      </p:ext>
+    </p:extLst>
+  </p:cSld>
+  <p:clrMapOvr>
+    <a:masterClrMapping/>
+  </p:clrMapOvr>
 </p:sld>
 </file>
 
@@ -20686,6 +20935,78 @@
     <p:extLst>
       <p:ext uri="{BB962C8B-B14F-4D97-AF65-F5344CB8AC3E}">
         <p14:creationId xmlns:p14="http://schemas.microsoft.com/office/powerpoint/2010/main" val="4069701808"/>
+      </p:ext>
+    </p:extLst>
+  </p:cSld>
+  <p:clrMapOvr>
+    <a:masterClrMapping/>
+  </p:clrMapOvr>
+  <p:timing>
+    <p:tnLst>
+      <p:par>
+        <p:cTn id="1" dur="indefinite" restart="never" nodeType="tmRoot"/>
+      </p:par>
+    </p:tnLst>
+  </p:timing>
+</p:sld>
+</file>
+
+<file path=ppt/slides/slide60.xml><?xml version="1.0" encoding="utf-8"?>
+<p:sld xmlns:a="http://schemas.openxmlformats.org/drawingml/2006/main" xmlns:r="http://schemas.openxmlformats.org/officeDocument/2006/relationships" xmlns:p="http://schemas.openxmlformats.org/presentationml/2006/main">
+  <p:cSld>
+    <p:spTree>
+      <p:nvGrpSpPr>
+        <p:cNvPr id="1" name=""/>
+        <p:cNvGrpSpPr/>
+        <p:nvPr/>
+      </p:nvGrpSpPr>
+      <p:grpSpPr>
+        <a:xfrm>
+          <a:off x="0" y="0"/>
+          <a:ext cx="0" cy="0"/>
+          <a:chOff x="0" y="0"/>
+          <a:chExt cx="0" cy="0"/>
+        </a:xfrm>
+      </p:grpSpPr>
+      <p:sp>
+        <p:nvSpPr>
+          <p:cNvPr id="2" name="제목 1"/>
+          <p:cNvSpPr>
+            <a:spLocks noGrp="1"/>
+          </p:cNvSpPr>
+          <p:nvPr>
+            <p:ph type="title"/>
+          </p:nvPr>
+        </p:nvSpPr>
+        <p:spPr>
+          <a:xfrm>
+            <a:off x="162962" y="253498"/>
+            <a:ext cx="11814773" cy="6409852"/>
+          </a:xfrm>
+        </p:spPr>
+        <p:txBody>
+          <a:bodyPr>
+            <a:normAutofit/>
+          </a:bodyPr>
+          <a:lstStyle/>
+          <a:p>
+            <a:pPr algn="ctr"/>
+            <a:r>
+              <a:rPr lang="ko-KR" altLang="en-US" sz="6000" dirty="0" smtClean="0"/>
+              <a:t>감사합니다</a:t>
+            </a:r>
+            <a:r>
+              <a:rPr lang="en-US" altLang="ko-KR" sz="6000" dirty="0" smtClean="0"/>
+              <a:t>.</a:t>
+            </a:r>
+            <a:endParaRPr lang="ko-KR" altLang="en-US" sz="6000" dirty="0"/>
+          </a:p>
+        </p:txBody>
+      </p:sp>
+    </p:spTree>
+    <p:extLst>
+      <p:ext uri="{BB962C8B-B14F-4D97-AF65-F5344CB8AC3E}">
+        <p14:creationId xmlns:p14="http://schemas.microsoft.com/office/powerpoint/2010/main" val="3687232432"/>
       </p:ext>
     </p:extLst>
   </p:cSld>
@@ -21353,7 +21674,6 @@
                 <a:rPr lang="en-US" altLang="ko-KR" sz="1400" dirty="0" smtClean="0"/>
                 <a:t> </a:t>
               </a:r>
-              <a:endParaRPr lang="en-US" altLang="ko-KR" sz="1400" dirty="0" smtClean="0"/>
             </a:p>
             <a:p>
               <a:pPr>
@@ -21588,10 +21908,6 @@
               <a:rPr lang="en-US" altLang="ko-KR" dirty="0"/>
               <a:t>, </a:t>
             </a:r>
-            <a:r>
-              <a:rPr lang="en-US" altLang="ko-KR" dirty="0"/>
-              <a:t/>
-            </a:r>
             <a:br>
               <a:rPr lang="en-US" altLang="ko-KR" dirty="0"/>
             </a:br>
@@ -21619,7 +21935,6 @@
               <a:rPr lang="en-US" altLang="ko-KR" dirty="0" smtClean="0"/>
               <a:t>.</a:t>
             </a:r>
-            <a:endParaRPr lang="en-US" altLang="ko-KR" dirty="0" smtClean="0"/>
           </a:p>
           <a:p>
             <a:pPr lvl="1">
@@ -21773,11 +22088,7 @@
               </a:r>
               <a:r>
                 <a:rPr lang="en-US" altLang="ko-KR" sz="1400" dirty="0" smtClean="0"/>
-                <a:t> </a:t>
-              </a:r>
-              <a:r>
-                <a:rPr lang="en-US" altLang="ko-KR" sz="1400" dirty="0" smtClean="0"/>
-                <a:t>String name;</a:t>
+                <a:t> String name;</a:t>
               </a:r>
             </a:p>
             <a:p>

--- a/ppt/객체지향 기본.pptx
+++ b/ppt/객체지향 기본.pptx
@@ -321,7 +321,7 @@
             <a:fld id="{0CB5E824-5845-48A5-8EAA-E1DA87E9BD8F}" type="datetimeFigureOut">
               <a:rPr lang="ko-KR" altLang="en-US" smtClean="0"/>
               <a:pPr/>
-              <a:t>2017-04-14</a:t>
+              <a:t>2017-04-15</a:t>
             </a:fld>
             <a:endParaRPr lang="ko-KR" altLang="en-US"/>
           </a:p>
@@ -493,7 +493,7 @@
             <a:fld id="{0CB5E824-5845-48A5-8EAA-E1DA87E9BD8F}" type="datetimeFigureOut">
               <a:rPr lang="ko-KR" altLang="en-US" smtClean="0"/>
               <a:pPr/>
-              <a:t>2017-04-14</a:t>
+              <a:t>2017-04-15</a:t>
             </a:fld>
             <a:endParaRPr lang="ko-KR" altLang="en-US"/>
           </a:p>
@@ -675,7 +675,7 @@
             <a:fld id="{0CB5E824-5845-48A5-8EAA-E1DA87E9BD8F}" type="datetimeFigureOut">
               <a:rPr lang="ko-KR" altLang="en-US" smtClean="0"/>
               <a:pPr/>
-              <a:t>2017-04-14</a:t>
+              <a:t>2017-04-15</a:t>
             </a:fld>
             <a:endParaRPr lang="ko-KR" altLang="en-US"/>
           </a:p>
@@ -847,7 +847,7 @@
             <a:fld id="{0CB5E824-5845-48A5-8EAA-E1DA87E9BD8F}" type="datetimeFigureOut">
               <a:rPr lang="ko-KR" altLang="en-US" smtClean="0"/>
               <a:pPr/>
-              <a:t>2017-04-14</a:t>
+              <a:t>2017-04-15</a:t>
             </a:fld>
             <a:endParaRPr lang="ko-KR" altLang="en-US"/>
           </a:p>
@@ -1095,7 +1095,7 @@
             <a:fld id="{0CB5E824-5845-48A5-8EAA-E1DA87E9BD8F}" type="datetimeFigureOut">
               <a:rPr lang="ko-KR" altLang="en-US" smtClean="0"/>
               <a:pPr/>
-              <a:t>2017-04-14</a:t>
+              <a:t>2017-04-15</a:t>
             </a:fld>
             <a:endParaRPr lang="ko-KR" altLang="en-US"/>
           </a:p>
@@ -1329,7 +1329,7 @@
             <a:fld id="{0CB5E824-5845-48A5-8EAA-E1DA87E9BD8F}" type="datetimeFigureOut">
               <a:rPr lang="ko-KR" altLang="en-US" smtClean="0"/>
               <a:pPr/>
-              <a:t>2017-04-14</a:t>
+              <a:t>2017-04-15</a:t>
             </a:fld>
             <a:endParaRPr lang="ko-KR" altLang="en-US"/>
           </a:p>
@@ -1698,7 +1698,7 @@
             <a:fld id="{0CB5E824-5845-48A5-8EAA-E1DA87E9BD8F}" type="datetimeFigureOut">
               <a:rPr lang="ko-KR" altLang="en-US" smtClean="0"/>
               <a:pPr/>
-              <a:t>2017-04-14</a:t>
+              <a:t>2017-04-15</a:t>
             </a:fld>
             <a:endParaRPr lang="ko-KR" altLang="en-US"/>
           </a:p>
@@ -1818,7 +1818,7 @@
             <a:fld id="{0CB5E824-5845-48A5-8EAA-E1DA87E9BD8F}" type="datetimeFigureOut">
               <a:rPr lang="ko-KR" altLang="en-US" smtClean="0"/>
               <a:pPr/>
-              <a:t>2017-04-14</a:t>
+              <a:t>2017-04-15</a:t>
             </a:fld>
             <a:endParaRPr lang="ko-KR" altLang="en-US"/>
           </a:p>
@@ -1915,7 +1915,7 @@
             <a:fld id="{0CB5E824-5845-48A5-8EAA-E1DA87E9BD8F}" type="datetimeFigureOut">
               <a:rPr lang="ko-KR" altLang="en-US" smtClean="0"/>
               <a:pPr/>
-              <a:t>2017-04-14</a:t>
+              <a:t>2017-04-15</a:t>
             </a:fld>
             <a:endParaRPr lang="ko-KR" altLang="en-US"/>
           </a:p>
@@ -2194,7 +2194,7 @@
             <a:fld id="{0CB5E824-5845-48A5-8EAA-E1DA87E9BD8F}" type="datetimeFigureOut">
               <a:rPr lang="ko-KR" altLang="en-US" smtClean="0"/>
               <a:pPr/>
-              <a:t>2017-04-14</a:t>
+              <a:t>2017-04-15</a:t>
             </a:fld>
             <a:endParaRPr lang="ko-KR" altLang="en-US"/>
           </a:p>
@@ -2449,7 +2449,7 @@
             <a:fld id="{0CB5E824-5845-48A5-8EAA-E1DA87E9BD8F}" type="datetimeFigureOut">
               <a:rPr lang="ko-KR" altLang="en-US" smtClean="0"/>
               <a:pPr/>
-              <a:t>2017-04-14</a:t>
+              <a:t>2017-04-15</a:t>
             </a:fld>
             <a:endParaRPr lang="ko-KR" altLang="en-US"/>
           </a:p>
@@ -2664,7 +2664,7 @@
             <a:fld id="{0CB5E824-5845-48A5-8EAA-E1DA87E9BD8F}" type="datetimeFigureOut">
               <a:rPr lang="ko-KR" altLang="en-US" smtClean="0"/>
               <a:pPr/>
-              <a:t>2017-04-14</a:t>
+              <a:t>2017-04-15</a:t>
             </a:fld>
             <a:endParaRPr lang="ko-KR" altLang="en-US"/>
           </a:p>
@@ -7619,7 +7619,7 @@
       </p:sp>
       <p:pic>
         <p:nvPicPr>
-          <p:cNvPr id="5" name="그림 4"/>
+          <p:cNvPr id="4" name="그림 3"/>
           <p:cNvPicPr>
             <a:picLocks noChangeAspect="1"/>
           </p:cNvPicPr>
@@ -7628,15 +7628,6 @@
         <p:blipFill>
           <a:blip r:embed="rId3" cstate="print">
             <a:extLst>
-              <a:ext uri="{BEBA8EAE-BF5A-486C-A8C5-ECC9F3942E4B}">
-                <a14:imgProps xmlns:a14="http://schemas.microsoft.com/office/drawing/2010/main">
-                  <a14:imgLayer r:embed="rId4">
-                    <a14:imgEffect>
-                      <a14:saturation sat="0"/>
-                    </a14:imgEffect>
-                  </a14:imgLayer>
-                </a14:imgProps>
-              </a:ext>
               <a:ext uri="{28A0092B-C50C-407E-A947-70E740481C1C}">
                 <a14:useLocalDpi xmlns:a14="http://schemas.microsoft.com/office/drawing/2010/main" val="0"/>
               </a:ext>
@@ -7648,8 +7639,8 @@
         </p:blipFill>
         <p:spPr>
           <a:xfrm>
-            <a:off x="8930579" y="884322"/>
-            <a:ext cx="2839804" cy="2759684"/>
+            <a:off x="8623344" y="788338"/>
+            <a:ext cx="2415957" cy="2347795"/>
           </a:xfrm>
           <a:prstGeom prst="ellipse">
             <a:avLst/>
@@ -12507,11 +12498,7 @@
             <a:p>
               <a:r>
                 <a:rPr lang="ko-KR" altLang="en-US" dirty="0" smtClean="0"/>
-                <a:t>계층도</a:t>
-              </a:r>
-              <a:r>
-                <a:rPr lang="ko-KR" altLang="en-US" dirty="0" smtClean="0"/>
-                <a:t> </a:t>
+                <a:t>계층도 </a:t>
               </a:r>
               <a:r>
                 <a:rPr lang="en-US" altLang="ko-KR" dirty="0" smtClean="0"/>
@@ -14623,7 +14610,6 @@
               <a:rPr lang="en-US" altLang="ko-KR" sz="2000" dirty="0" smtClean="0"/>
               <a:t>.</a:t>
             </a:r>
-            <a:endParaRPr lang="en-US" altLang="ko-KR" sz="2000" dirty="0" smtClean="0"/>
           </a:p>
           <a:p>
             <a:pPr lvl="1"/>
